--- a/Estimativa de receitas.pptx
+++ b/Estimativa de receitas.pptx
@@ -4,8 +4,14 @@
   <p:sldMasterIdLst>
     <p:sldMasterId id="2147483648" r:id="rId1"/>
   </p:sldMasterIdLst>
+  <p:notesMasterIdLst>
+    <p:notesMasterId r:id="rId6"/>
+  </p:notesMasterIdLst>
   <p:sldIdLst>
     <p:sldId id="256" r:id="rId2"/>
+    <p:sldId id="257" r:id="rId3"/>
+    <p:sldId id="258" r:id="rId4"/>
+    <p:sldId id="259" r:id="rId5"/>
   </p:sldIdLst>
   <p:sldSz cx="12192000" cy="6858000"/>
   <p:notesSz cx="6858000" cy="9144000"/>
@@ -104,7 +110,2480 @@
       </a:defRPr>
     </a:lvl9pPr>
   </p:defaultTextStyle>
+  <p:extLst>
+    <p:ext uri="{EFAFB233-063F-42B5-8137-9DF3F51BA10A}">
+      <p15:sldGuideLst xmlns:p15="http://schemas.microsoft.com/office/powerpoint/2012/main"/>
+    </p:ext>
+  </p:extLst>
 </p:presentation>
+</file>
+
+<file path=ppt/charts/chart1.xml><?xml version="1.0" encoding="utf-8"?>
+<c:chartSpace xmlns:c="http://schemas.openxmlformats.org/drawingml/2006/chart" xmlns:a="http://schemas.openxmlformats.org/drawingml/2006/main" xmlns:r="http://schemas.openxmlformats.org/officeDocument/2006/relationships" xmlns:c16r2="http://schemas.microsoft.com/office/drawing/2015/06/chart">
+  <c:date1904 val="0"/>
+  <c:lang val="pt-BR"/>
+  <c:roundedCorners val="0"/>
+  <mc:AlternateContent xmlns:mc="http://schemas.openxmlformats.org/markup-compatibility/2006">
+    <mc:Choice xmlns:c14="http://schemas.microsoft.com/office/drawing/2007/8/2/chart" Requires="c14">
+      <c14:style val="102"/>
+    </mc:Choice>
+    <mc:Fallback>
+      <c:style val="2"/>
+    </mc:Fallback>
+  </mc:AlternateContent>
+  <c:chart>
+    <c:autoTitleDeleted val="1"/>
+    <c:plotArea>
+      <c:layout/>
+      <c:lineChart>
+        <c:grouping val="standard"/>
+        <c:varyColors val="0"/>
+        <c:ser>
+          <c:idx val="0"/>
+          <c:order val="0"/>
+          <c:tx>
+            <c:v>RCL_12M</c:v>
+          </c:tx>
+          <c:spPr>
+            <a:ln w="28575" cap="rnd">
+              <a:solidFill>
+                <a:schemeClr val="accent1"/>
+              </a:solidFill>
+              <a:round/>
+            </a:ln>
+            <a:effectLst/>
+          </c:spPr>
+          <c:marker>
+            <c:symbol val="none"/>
+          </c:marker>
+          <c:cat>
+            <c:numRef>
+              <c:f>Sheet1!$A$14:$A$114</c:f>
+              <c:numCache>
+                <c:formatCode>m/d/yyyy</c:formatCode>
+                <c:ptCount val="101"/>
+                <c:pt idx="0">
+                  <c:v>42370</c:v>
+                </c:pt>
+                <c:pt idx="1">
+                  <c:v>42401</c:v>
+                </c:pt>
+                <c:pt idx="2">
+                  <c:v>42430</c:v>
+                </c:pt>
+                <c:pt idx="3">
+                  <c:v>42461</c:v>
+                </c:pt>
+                <c:pt idx="4">
+                  <c:v>42491</c:v>
+                </c:pt>
+                <c:pt idx="5">
+                  <c:v>42522</c:v>
+                </c:pt>
+                <c:pt idx="6">
+                  <c:v>42552</c:v>
+                </c:pt>
+                <c:pt idx="7">
+                  <c:v>42583</c:v>
+                </c:pt>
+                <c:pt idx="8">
+                  <c:v>42614</c:v>
+                </c:pt>
+                <c:pt idx="9">
+                  <c:v>42644</c:v>
+                </c:pt>
+                <c:pt idx="10">
+                  <c:v>42675</c:v>
+                </c:pt>
+                <c:pt idx="11">
+                  <c:v>42705</c:v>
+                </c:pt>
+                <c:pt idx="12">
+                  <c:v>42736</c:v>
+                </c:pt>
+                <c:pt idx="13">
+                  <c:v>42767</c:v>
+                </c:pt>
+                <c:pt idx="14">
+                  <c:v>42795</c:v>
+                </c:pt>
+                <c:pt idx="15">
+                  <c:v>42826</c:v>
+                </c:pt>
+                <c:pt idx="16">
+                  <c:v>42856</c:v>
+                </c:pt>
+                <c:pt idx="17">
+                  <c:v>42887</c:v>
+                </c:pt>
+                <c:pt idx="18">
+                  <c:v>42917</c:v>
+                </c:pt>
+                <c:pt idx="19">
+                  <c:v>42948</c:v>
+                </c:pt>
+                <c:pt idx="20">
+                  <c:v>42979</c:v>
+                </c:pt>
+                <c:pt idx="21">
+                  <c:v>43009</c:v>
+                </c:pt>
+                <c:pt idx="22">
+                  <c:v>43040</c:v>
+                </c:pt>
+                <c:pt idx="23">
+                  <c:v>43070</c:v>
+                </c:pt>
+                <c:pt idx="24">
+                  <c:v>43101</c:v>
+                </c:pt>
+                <c:pt idx="25">
+                  <c:v>43132</c:v>
+                </c:pt>
+                <c:pt idx="26">
+                  <c:v>43160</c:v>
+                </c:pt>
+                <c:pt idx="27">
+                  <c:v>43191</c:v>
+                </c:pt>
+                <c:pt idx="28">
+                  <c:v>43221</c:v>
+                </c:pt>
+                <c:pt idx="29">
+                  <c:v>43252</c:v>
+                </c:pt>
+                <c:pt idx="30">
+                  <c:v>43282</c:v>
+                </c:pt>
+                <c:pt idx="31">
+                  <c:v>43313</c:v>
+                </c:pt>
+                <c:pt idx="32">
+                  <c:v>43344</c:v>
+                </c:pt>
+                <c:pt idx="33">
+                  <c:v>43374</c:v>
+                </c:pt>
+                <c:pt idx="34">
+                  <c:v>43405</c:v>
+                </c:pt>
+                <c:pt idx="35">
+                  <c:v>43435</c:v>
+                </c:pt>
+                <c:pt idx="36">
+                  <c:v>43466</c:v>
+                </c:pt>
+                <c:pt idx="37">
+                  <c:v>43497</c:v>
+                </c:pt>
+                <c:pt idx="38">
+                  <c:v>43525</c:v>
+                </c:pt>
+                <c:pt idx="39">
+                  <c:v>43556</c:v>
+                </c:pt>
+                <c:pt idx="40">
+                  <c:v>43586</c:v>
+                </c:pt>
+                <c:pt idx="41">
+                  <c:v>43617</c:v>
+                </c:pt>
+                <c:pt idx="42">
+                  <c:v>43647</c:v>
+                </c:pt>
+                <c:pt idx="43">
+                  <c:v>43678</c:v>
+                </c:pt>
+                <c:pt idx="44">
+                  <c:v>43709</c:v>
+                </c:pt>
+                <c:pt idx="45">
+                  <c:v>43739</c:v>
+                </c:pt>
+                <c:pt idx="46">
+                  <c:v>43770</c:v>
+                </c:pt>
+                <c:pt idx="47">
+                  <c:v>43800</c:v>
+                </c:pt>
+                <c:pt idx="48">
+                  <c:v>43831</c:v>
+                </c:pt>
+                <c:pt idx="49">
+                  <c:v>43862</c:v>
+                </c:pt>
+                <c:pt idx="50">
+                  <c:v>43891</c:v>
+                </c:pt>
+                <c:pt idx="51">
+                  <c:v>43922</c:v>
+                </c:pt>
+                <c:pt idx="52">
+                  <c:v>43952</c:v>
+                </c:pt>
+                <c:pt idx="53">
+                  <c:v>43983</c:v>
+                </c:pt>
+                <c:pt idx="54">
+                  <c:v>44013</c:v>
+                </c:pt>
+                <c:pt idx="55">
+                  <c:v>44044</c:v>
+                </c:pt>
+                <c:pt idx="56">
+                  <c:v>44075</c:v>
+                </c:pt>
+                <c:pt idx="57">
+                  <c:v>44105</c:v>
+                </c:pt>
+                <c:pt idx="58">
+                  <c:v>44136</c:v>
+                </c:pt>
+                <c:pt idx="59">
+                  <c:v>44166</c:v>
+                </c:pt>
+                <c:pt idx="60">
+                  <c:v>44197</c:v>
+                </c:pt>
+                <c:pt idx="61">
+                  <c:v>44228</c:v>
+                </c:pt>
+                <c:pt idx="62">
+                  <c:v>44256</c:v>
+                </c:pt>
+                <c:pt idx="63">
+                  <c:v>44287</c:v>
+                </c:pt>
+                <c:pt idx="64">
+                  <c:v>44317</c:v>
+                </c:pt>
+                <c:pt idx="65">
+                  <c:v>44348</c:v>
+                </c:pt>
+                <c:pt idx="66">
+                  <c:v>44378</c:v>
+                </c:pt>
+                <c:pt idx="67">
+                  <c:v>44409</c:v>
+                </c:pt>
+                <c:pt idx="68">
+                  <c:v>44440</c:v>
+                </c:pt>
+                <c:pt idx="69">
+                  <c:v>44470</c:v>
+                </c:pt>
+                <c:pt idx="70">
+                  <c:v>44501</c:v>
+                </c:pt>
+                <c:pt idx="71">
+                  <c:v>44531</c:v>
+                </c:pt>
+                <c:pt idx="72">
+                  <c:v>44562</c:v>
+                </c:pt>
+                <c:pt idx="73">
+                  <c:v>44593</c:v>
+                </c:pt>
+                <c:pt idx="74">
+                  <c:v>44621</c:v>
+                </c:pt>
+                <c:pt idx="75">
+                  <c:v>44652</c:v>
+                </c:pt>
+                <c:pt idx="76">
+                  <c:v>44682</c:v>
+                </c:pt>
+                <c:pt idx="77">
+                  <c:v>44713</c:v>
+                </c:pt>
+                <c:pt idx="78">
+                  <c:v>44743</c:v>
+                </c:pt>
+                <c:pt idx="79">
+                  <c:v>44774</c:v>
+                </c:pt>
+                <c:pt idx="80">
+                  <c:v>44805</c:v>
+                </c:pt>
+                <c:pt idx="81">
+                  <c:v>44835</c:v>
+                </c:pt>
+                <c:pt idx="82">
+                  <c:v>44866</c:v>
+                </c:pt>
+                <c:pt idx="83">
+                  <c:v>44896</c:v>
+                </c:pt>
+                <c:pt idx="84">
+                  <c:v>44927</c:v>
+                </c:pt>
+                <c:pt idx="85">
+                  <c:v>44958</c:v>
+                </c:pt>
+                <c:pt idx="86">
+                  <c:v>44986</c:v>
+                </c:pt>
+                <c:pt idx="87">
+                  <c:v>45017</c:v>
+                </c:pt>
+                <c:pt idx="88">
+                  <c:v>45047</c:v>
+                </c:pt>
+                <c:pt idx="89">
+                  <c:v>45078</c:v>
+                </c:pt>
+                <c:pt idx="90">
+                  <c:v>45108</c:v>
+                </c:pt>
+                <c:pt idx="91">
+                  <c:v>45139</c:v>
+                </c:pt>
+                <c:pt idx="92">
+                  <c:v>45170</c:v>
+                </c:pt>
+                <c:pt idx="93">
+                  <c:v>45200</c:v>
+                </c:pt>
+                <c:pt idx="94">
+                  <c:v>45231</c:v>
+                </c:pt>
+                <c:pt idx="95">
+                  <c:v>45261</c:v>
+                </c:pt>
+                <c:pt idx="96">
+                  <c:v>45292</c:v>
+                </c:pt>
+                <c:pt idx="97">
+                  <c:v>45323</c:v>
+                </c:pt>
+                <c:pt idx="98">
+                  <c:v>45352</c:v>
+                </c:pt>
+                <c:pt idx="99">
+                  <c:v>45383</c:v>
+                </c:pt>
+                <c:pt idx="100">
+                  <c:v>45413</c:v>
+                </c:pt>
+              </c:numCache>
+            </c:numRef>
+          </c:cat>
+          <c:val>
+            <c:numRef>
+              <c:f>Sheet1!$F$14:$F$114</c:f>
+              <c:numCache>
+                <c:formatCode>_(* #,##0.00_);_(* \(#,##0.00\);_(* "-"??_);_(@_)</c:formatCode>
+                <c:ptCount val="101"/>
+                <c:pt idx="0">
+                  <c:v>17361933085.279999</c:v>
+                </c:pt>
+                <c:pt idx="1">
+                  <c:v>17451185598.119999</c:v>
+                </c:pt>
+                <c:pt idx="2">
+                  <c:v>17553188907.060001</c:v>
+                </c:pt>
+                <c:pt idx="3">
+                  <c:v>17715459469.220001</c:v>
+                </c:pt>
+                <c:pt idx="4">
+                  <c:v>17905792442.360001</c:v>
+                </c:pt>
+                <c:pt idx="5">
+                  <c:v>18190899656.5</c:v>
+                </c:pt>
+                <c:pt idx="6">
+                  <c:v>18476660716.369999</c:v>
+                </c:pt>
+                <c:pt idx="7">
+                  <c:v>18682703494.029999</c:v>
+                </c:pt>
+                <c:pt idx="8">
+                  <c:v>18790157379.709999</c:v>
+                </c:pt>
+                <c:pt idx="9">
+                  <c:v>18880076798.579998</c:v>
+                </c:pt>
+                <c:pt idx="10">
+                  <c:v>18728072667.829998</c:v>
+                </c:pt>
+                <c:pt idx="11">
+                  <c:v>18759693061.449997</c:v>
+                </c:pt>
+                <c:pt idx="12">
+                  <c:v>19279840731.599998</c:v>
+                </c:pt>
+                <c:pt idx="13">
+                  <c:v>19309591717.369999</c:v>
+                </c:pt>
+                <c:pt idx="14">
+                  <c:v>19475205367.07</c:v>
+                </c:pt>
+                <c:pt idx="15">
+                  <c:v>19492776806</c:v>
+                </c:pt>
+                <c:pt idx="16">
+                  <c:v>19482828418.900002</c:v>
+                </c:pt>
+                <c:pt idx="17">
+                  <c:v>19449748683.59</c:v>
+                </c:pt>
+                <c:pt idx="18">
+                  <c:v>19440631989.439999</c:v>
+                </c:pt>
+                <c:pt idx="19">
+                  <c:v>19410439951.689999</c:v>
+                </c:pt>
+                <c:pt idx="20">
+                  <c:v>19700194585.989998</c:v>
+                </c:pt>
+                <c:pt idx="21">
+                  <c:v>19937309949.969997</c:v>
+                </c:pt>
+                <c:pt idx="22">
+                  <c:v>20251754943.709999</c:v>
+                </c:pt>
+                <c:pt idx="23">
+                  <c:v>20566901058.760002</c:v>
+                </c:pt>
+                <c:pt idx="24">
+                  <c:v>21033874951.290001</c:v>
+                </c:pt>
+                <c:pt idx="25">
+                  <c:v>21186087993.73</c:v>
+                </c:pt>
+                <c:pt idx="26">
+                  <c:v>21235340617.66</c:v>
+                </c:pt>
+                <c:pt idx="27">
+                  <c:v>21361447051.830002</c:v>
+                </c:pt>
+                <c:pt idx="28">
+                  <c:v>21519731545.190002</c:v>
+                </c:pt>
+                <c:pt idx="29">
+                  <c:v>21604089892.480003</c:v>
+                </c:pt>
+                <c:pt idx="30">
+                  <c:v>21610323578.209999</c:v>
+                </c:pt>
+                <c:pt idx="31">
+                  <c:v>21805761993.09</c:v>
+                </c:pt>
+                <c:pt idx="32">
+                  <c:v>21777101311.079998</c:v>
+                </c:pt>
+                <c:pt idx="33">
+                  <c:v>21765415570.66</c:v>
+                </c:pt>
+                <c:pt idx="34">
+                  <c:v>21975936652.91</c:v>
+                </c:pt>
+                <c:pt idx="35">
+                  <c:v>21835634881.889999</c:v>
+                </c:pt>
+                <c:pt idx="36">
+                  <c:v>21298254079.91</c:v>
+                </c:pt>
+                <c:pt idx="37">
+                  <c:v>21480809299.349998</c:v>
+                </c:pt>
+                <c:pt idx="38">
+                  <c:v>21745250020.809998</c:v>
+                </c:pt>
+                <c:pt idx="39">
+                  <c:v>21844349614.079998</c:v>
+                </c:pt>
+                <c:pt idx="40">
+                  <c:v>22070039186.470001</c:v>
+                </c:pt>
+                <c:pt idx="41">
+                  <c:v>22468777328.880001</c:v>
+                </c:pt>
+                <c:pt idx="42">
+                  <c:v>22662885807.260002</c:v>
+                </c:pt>
+                <c:pt idx="43">
+                  <c:v>22800204477.540001</c:v>
+                </c:pt>
+                <c:pt idx="44">
+                  <c:v>23022461678.34</c:v>
+                </c:pt>
+                <c:pt idx="45">
+                  <c:v>23344960649.830002</c:v>
+                </c:pt>
+                <c:pt idx="46">
+                  <c:v>23524667951.189999</c:v>
+                </c:pt>
+                <c:pt idx="47">
+                  <c:v>23928134646</c:v>
+                </c:pt>
+                <c:pt idx="48">
+                  <c:v>24538621316.629997</c:v>
+                </c:pt>
+                <c:pt idx="49">
+                  <c:v>24710481157.709999</c:v>
+                </c:pt>
+                <c:pt idx="50">
+                  <c:v>24795327536.429996</c:v>
+                </c:pt>
+                <c:pt idx="51">
+                  <c:v>24981443610.449997</c:v>
+                </c:pt>
+                <c:pt idx="52">
+                  <c:v>24656181038.970005</c:v>
+                </c:pt>
+                <c:pt idx="53">
+                  <c:v>24232538455.890003</c:v>
+                </c:pt>
+                <c:pt idx="54">
+                  <c:v>24580721966.560001</c:v>
+                </c:pt>
+                <c:pt idx="55">
+                  <c:v>24968835151.410004</c:v>
+                </c:pt>
+                <c:pt idx="56">
+                  <c:v>25627246851.740002</c:v>
+                </c:pt>
+                <c:pt idx="57">
+                  <c:v>25939840625.250004</c:v>
+                </c:pt>
+                <c:pt idx="58">
+                  <c:v>26188599364.100006</c:v>
+                </c:pt>
+                <c:pt idx="59">
+                  <c:v>26471063872.590004</c:v>
+                </c:pt>
+                <c:pt idx="60">
+                  <c:v>26323342281.460003</c:v>
+                </c:pt>
+                <c:pt idx="61">
+                  <c:v>26729466442.100002</c:v>
+                </c:pt>
+                <c:pt idx="62">
+                  <c:v>27119939916.530003</c:v>
+                </c:pt>
+                <c:pt idx="63">
+                  <c:v>27532345059.119999</c:v>
+                </c:pt>
+                <c:pt idx="64">
+                  <c:v>28271575672.560005</c:v>
+                </c:pt>
+                <c:pt idx="65">
+                  <c:v>28975081376.660004</c:v>
+                </c:pt>
+                <c:pt idx="66">
+                  <c:v>29277832389.650002</c:v>
+                </c:pt>
+                <c:pt idx="67">
+                  <c:v>29500156412.109997</c:v>
+                </c:pt>
+                <c:pt idx="68">
+                  <c:v>29706812863.429996</c:v>
+                </c:pt>
+                <c:pt idx="69">
+                  <c:v>30038711645.079994</c:v>
+                </c:pt>
+                <c:pt idx="70">
+                  <c:v>30471033514.119991</c:v>
+                </c:pt>
+                <c:pt idx="71">
+                  <c:v>30945546135.799999</c:v>
+                </c:pt>
+                <c:pt idx="72">
+                  <c:v>31545320020.199997</c:v>
+                </c:pt>
+                <c:pt idx="73">
+                  <c:v>31829888387.459999</c:v>
+                </c:pt>
+                <c:pt idx="74">
+                  <c:v>32333911024.609993</c:v>
+                </c:pt>
+                <c:pt idx="75">
+                  <c:v>32813361643.369999</c:v>
+                </c:pt>
+                <c:pt idx="76">
+                  <c:v>33372360273.259998</c:v>
+                </c:pt>
+                <c:pt idx="77">
+                  <c:v>34253161879.179996</c:v>
+                </c:pt>
+                <c:pt idx="78">
+                  <c:v>34897480019.099998</c:v>
+                </c:pt>
+                <c:pt idx="79">
+                  <c:v>36433131951.970001</c:v>
+                </c:pt>
+                <c:pt idx="80">
+                  <c:v>36421583196.849998</c:v>
+                </c:pt>
+                <c:pt idx="81">
+                  <c:v>36611510785.770004</c:v>
+                </c:pt>
+                <c:pt idx="82">
+                  <c:v>36890669787.07</c:v>
+                </c:pt>
+                <c:pt idx="83">
+                  <c:v>36979456565</c:v>
+                </c:pt>
+                <c:pt idx="84">
+                  <c:v>37208349134.319992</c:v>
+                </c:pt>
+                <c:pt idx="85">
+                  <c:v>37383874446.379997</c:v>
+                </c:pt>
+                <c:pt idx="86">
+                  <c:v>37385798447.43</c:v>
+                </c:pt>
+                <c:pt idx="87">
+                  <c:v>37619323304.590004</c:v>
+                </c:pt>
+                <c:pt idx="88">
+                  <c:v>37861235583.910004</c:v>
+                </c:pt>
+                <c:pt idx="89">
+                  <c:v>37633320557.540001</c:v>
+                </c:pt>
+                <c:pt idx="90">
+                  <c:v>37416556452.629997</c:v>
+                </c:pt>
+                <c:pt idx="91">
+                  <c:v>36412268706.770004</c:v>
+                </c:pt>
+                <c:pt idx="92">
+                  <c:v>36620725187.709999</c:v>
+                </c:pt>
+                <c:pt idx="93">
+                  <c:v>36920007601.290001</c:v>
+                </c:pt>
+                <c:pt idx="94">
+                  <c:v>37449817173.510002</c:v>
+                </c:pt>
+                <c:pt idx="95">
+                  <c:v>38121106013.18</c:v>
+                </c:pt>
+                <c:pt idx="96">
+                  <c:v>38407128875.349998</c:v>
+                </c:pt>
+                <c:pt idx="97">
+                  <c:v>38750091472.82</c:v>
+                </c:pt>
+                <c:pt idx="98">
+                  <c:v>39028769955.299995</c:v>
+                </c:pt>
+                <c:pt idx="99">
+                  <c:v>38899265910.469994</c:v>
+                </c:pt>
+                <c:pt idx="100">
+                  <c:v>39045234936.590004</c:v>
+                </c:pt>
+              </c:numCache>
+            </c:numRef>
+          </c:val>
+          <c:smooth val="0"/>
+          <c:extLst>
+            <c:ext xmlns:c16="http://schemas.microsoft.com/office/drawing/2014/chart" uri="{C3380CC4-5D6E-409C-BE32-E72D297353CC}">
+              <c16:uniqueId val="{00000000-13E3-418A-8C21-3FDFECAF03FE}"/>
+            </c:ext>
+          </c:extLst>
+        </c:ser>
+        <c:ser>
+          <c:idx val="1"/>
+          <c:order val="1"/>
+          <c:tx>
+            <c:v>RCL_12M_AJUSTE</c:v>
+          </c:tx>
+          <c:spPr>
+            <a:ln w="28575" cap="rnd">
+              <a:solidFill>
+                <a:schemeClr val="accent2"/>
+              </a:solidFill>
+              <a:round/>
+            </a:ln>
+            <a:effectLst/>
+          </c:spPr>
+          <c:marker>
+            <c:symbol val="none"/>
+          </c:marker>
+          <c:cat>
+            <c:numRef>
+              <c:f>Sheet1!$A$14:$A$114</c:f>
+              <c:numCache>
+                <c:formatCode>m/d/yyyy</c:formatCode>
+                <c:ptCount val="101"/>
+                <c:pt idx="0">
+                  <c:v>42370</c:v>
+                </c:pt>
+                <c:pt idx="1">
+                  <c:v>42401</c:v>
+                </c:pt>
+                <c:pt idx="2">
+                  <c:v>42430</c:v>
+                </c:pt>
+                <c:pt idx="3">
+                  <c:v>42461</c:v>
+                </c:pt>
+                <c:pt idx="4">
+                  <c:v>42491</c:v>
+                </c:pt>
+                <c:pt idx="5">
+                  <c:v>42522</c:v>
+                </c:pt>
+                <c:pt idx="6">
+                  <c:v>42552</c:v>
+                </c:pt>
+                <c:pt idx="7">
+                  <c:v>42583</c:v>
+                </c:pt>
+                <c:pt idx="8">
+                  <c:v>42614</c:v>
+                </c:pt>
+                <c:pt idx="9">
+                  <c:v>42644</c:v>
+                </c:pt>
+                <c:pt idx="10">
+                  <c:v>42675</c:v>
+                </c:pt>
+                <c:pt idx="11">
+                  <c:v>42705</c:v>
+                </c:pt>
+                <c:pt idx="12">
+                  <c:v>42736</c:v>
+                </c:pt>
+                <c:pt idx="13">
+                  <c:v>42767</c:v>
+                </c:pt>
+                <c:pt idx="14">
+                  <c:v>42795</c:v>
+                </c:pt>
+                <c:pt idx="15">
+                  <c:v>42826</c:v>
+                </c:pt>
+                <c:pt idx="16">
+                  <c:v>42856</c:v>
+                </c:pt>
+                <c:pt idx="17">
+                  <c:v>42887</c:v>
+                </c:pt>
+                <c:pt idx="18">
+                  <c:v>42917</c:v>
+                </c:pt>
+                <c:pt idx="19">
+                  <c:v>42948</c:v>
+                </c:pt>
+                <c:pt idx="20">
+                  <c:v>42979</c:v>
+                </c:pt>
+                <c:pt idx="21">
+                  <c:v>43009</c:v>
+                </c:pt>
+                <c:pt idx="22">
+                  <c:v>43040</c:v>
+                </c:pt>
+                <c:pt idx="23">
+                  <c:v>43070</c:v>
+                </c:pt>
+                <c:pt idx="24">
+                  <c:v>43101</c:v>
+                </c:pt>
+                <c:pt idx="25">
+                  <c:v>43132</c:v>
+                </c:pt>
+                <c:pt idx="26">
+                  <c:v>43160</c:v>
+                </c:pt>
+                <c:pt idx="27">
+                  <c:v>43191</c:v>
+                </c:pt>
+                <c:pt idx="28">
+                  <c:v>43221</c:v>
+                </c:pt>
+                <c:pt idx="29">
+                  <c:v>43252</c:v>
+                </c:pt>
+                <c:pt idx="30">
+                  <c:v>43282</c:v>
+                </c:pt>
+                <c:pt idx="31">
+                  <c:v>43313</c:v>
+                </c:pt>
+                <c:pt idx="32">
+                  <c:v>43344</c:v>
+                </c:pt>
+                <c:pt idx="33">
+                  <c:v>43374</c:v>
+                </c:pt>
+                <c:pt idx="34">
+                  <c:v>43405</c:v>
+                </c:pt>
+                <c:pt idx="35">
+                  <c:v>43435</c:v>
+                </c:pt>
+                <c:pt idx="36">
+                  <c:v>43466</c:v>
+                </c:pt>
+                <c:pt idx="37">
+                  <c:v>43497</c:v>
+                </c:pt>
+                <c:pt idx="38">
+                  <c:v>43525</c:v>
+                </c:pt>
+                <c:pt idx="39">
+                  <c:v>43556</c:v>
+                </c:pt>
+                <c:pt idx="40">
+                  <c:v>43586</c:v>
+                </c:pt>
+                <c:pt idx="41">
+                  <c:v>43617</c:v>
+                </c:pt>
+                <c:pt idx="42">
+                  <c:v>43647</c:v>
+                </c:pt>
+                <c:pt idx="43">
+                  <c:v>43678</c:v>
+                </c:pt>
+                <c:pt idx="44">
+                  <c:v>43709</c:v>
+                </c:pt>
+                <c:pt idx="45">
+                  <c:v>43739</c:v>
+                </c:pt>
+                <c:pt idx="46">
+                  <c:v>43770</c:v>
+                </c:pt>
+                <c:pt idx="47">
+                  <c:v>43800</c:v>
+                </c:pt>
+                <c:pt idx="48">
+                  <c:v>43831</c:v>
+                </c:pt>
+                <c:pt idx="49">
+                  <c:v>43862</c:v>
+                </c:pt>
+                <c:pt idx="50">
+                  <c:v>43891</c:v>
+                </c:pt>
+                <c:pt idx="51">
+                  <c:v>43922</c:v>
+                </c:pt>
+                <c:pt idx="52">
+                  <c:v>43952</c:v>
+                </c:pt>
+                <c:pt idx="53">
+                  <c:v>43983</c:v>
+                </c:pt>
+                <c:pt idx="54">
+                  <c:v>44013</c:v>
+                </c:pt>
+                <c:pt idx="55">
+                  <c:v>44044</c:v>
+                </c:pt>
+                <c:pt idx="56">
+                  <c:v>44075</c:v>
+                </c:pt>
+                <c:pt idx="57">
+                  <c:v>44105</c:v>
+                </c:pt>
+                <c:pt idx="58">
+                  <c:v>44136</c:v>
+                </c:pt>
+                <c:pt idx="59">
+                  <c:v>44166</c:v>
+                </c:pt>
+                <c:pt idx="60">
+                  <c:v>44197</c:v>
+                </c:pt>
+                <c:pt idx="61">
+                  <c:v>44228</c:v>
+                </c:pt>
+                <c:pt idx="62">
+                  <c:v>44256</c:v>
+                </c:pt>
+                <c:pt idx="63">
+                  <c:v>44287</c:v>
+                </c:pt>
+                <c:pt idx="64">
+                  <c:v>44317</c:v>
+                </c:pt>
+                <c:pt idx="65">
+                  <c:v>44348</c:v>
+                </c:pt>
+                <c:pt idx="66">
+                  <c:v>44378</c:v>
+                </c:pt>
+                <c:pt idx="67">
+                  <c:v>44409</c:v>
+                </c:pt>
+                <c:pt idx="68">
+                  <c:v>44440</c:v>
+                </c:pt>
+                <c:pt idx="69">
+                  <c:v>44470</c:v>
+                </c:pt>
+                <c:pt idx="70">
+                  <c:v>44501</c:v>
+                </c:pt>
+                <c:pt idx="71">
+                  <c:v>44531</c:v>
+                </c:pt>
+                <c:pt idx="72">
+                  <c:v>44562</c:v>
+                </c:pt>
+                <c:pt idx="73">
+                  <c:v>44593</c:v>
+                </c:pt>
+                <c:pt idx="74">
+                  <c:v>44621</c:v>
+                </c:pt>
+                <c:pt idx="75">
+                  <c:v>44652</c:v>
+                </c:pt>
+                <c:pt idx="76">
+                  <c:v>44682</c:v>
+                </c:pt>
+                <c:pt idx="77">
+                  <c:v>44713</c:v>
+                </c:pt>
+                <c:pt idx="78">
+                  <c:v>44743</c:v>
+                </c:pt>
+                <c:pt idx="79">
+                  <c:v>44774</c:v>
+                </c:pt>
+                <c:pt idx="80">
+                  <c:v>44805</c:v>
+                </c:pt>
+                <c:pt idx="81">
+                  <c:v>44835</c:v>
+                </c:pt>
+                <c:pt idx="82">
+                  <c:v>44866</c:v>
+                </c:pt>
+                <c:pt idx="83">
+                  <c:v>44896</c:v>
+                </c:pt>
+                <c:pt idx="84">
+                  <c:v>44927</c:v>
+                </c:pt>
+                <c:pt idx="85">
+                  <c:v>44958</c:v>
+                </c:pt>
+                <c:pt idx="86">
+                  <c:v>44986</c:v>
+                </c:pt>
+                <c:pt idx="87">
+                  <c:v>45017</c:v>
+                </c:pt>
+                <c:pt idx="88">
+                  <c:v>45047</c:v>
+                </c:pt>
+                <c:pt idx="89">
+                  <c:v>45078</c:v>
+                </c:pt>
+                <c:pt idx="90">
+                  <c:v>45108</c:v>
+                </c:pt>
+                <c:pt idx="91">
+                  <c:v>45139</c:v>
+                </c:pt>
+                <c:pt idx="92">
+                  <c:v>45170</c:v>
+                </c:pt>
+                <c:pt idx="93">
+                  <c:v>45200</c:v>
+                </c:pt>
+                <c:pt idx="94">
+                  <c:v>45231</c:v>
+                </c:pt>
+                <c:pt idx="95">
+                  <c:v>45261</c:v>
+                </c:pt>
+                <c:pt idx="96">
+                  <c:v>45292</c:v>
+                </c:pt>
+                <c:pt idx="97">
+                  <c:v>45323</c:v>
+                </c:pt>
+                <c:pt idx="98">
+                  <c:v>45352</c:v>
+                </c:pt>
+                <c:pt idx="99">
+                  <c:v>45383</c:v>
+                </c:pt>
+                <c:pt idx="100">
+                  <c:v>45413</c:v>
+                </c:pt>
+              </c:numCache>
+            </c:numRef>
+          </c:cat>
+          <c:val>
+            <c:numRef>
+              <c:f>Sheet1!$G$14:$G$114</c:f>
+              <c:numCache>
+                <c:formatCode>_(* #,##0.00_);_(* \(#,##0.00\);_(* "-"??_);_(@_)</c:formatCode>
+                <c:ptCount val="101"/>
+                <c:pt idx="0">
+                  <c:v>16392815963.369999</c:v>
+                </c:pt>
+                <c:pt idx="1">
+                  <c:v>16467853242.309999</c:v>
+                </c:pt>
+                <c:pt idx="2">
+                  <c:v>16557032655.669998</c:v>
+                </c:pt>
+                <c:pt idx="3">
+                  <c:v>16718617520.010002</c:v>
+                </c:pt>
+                <c:pt idx="4">
+                  <c:v>16906242312.209999</c:v>
+                </c:pt>
+                <c:pt idx="5">
+                  <c:v>17182711164.669998</c:v>
+                </c:pt>
+                <c:pt idx="6">
+                  <c:v>17459802512.5</c:v>
+                </c:pt>
+                <c:pt idx="7">
+                  <c:v>17657905247.580002</c:v>
+                </c:pt>
+                <c:pt idx="8">
+                  <c:v>17757273937.089996</c:v>
+                </c:pt>
+                <c:pt idx="9">
+                  <c:v>17844167352.279999</c:v>
+                </c:pt>
+                <c:pt idx="10">
+                  <c:v>17655381054.739998</c:v>
+                </c:pt>
+                <c:pt idx="11">
+                  <c:v>17679611748.369999</c:v>
+                </c:pt>
+                <c:pt idx="12">
+                  <c:v>18194825978.099998</c:v>
+                </c:pt>
+                <c:pt idx="13">
+                  <c:v>18220828393.030003</c:v>
+                </c:pt>
+                <c:pt idx="14">
+                  <c:v>18384612175.360001</c:v>
+                </c:pt>
+                <c:pt idx="15">
+                  <c:v>18396086668.990002</c:v>
+                </c:pt>
+                <c:pt idx="16">
+                  <c:v>18383002349.27</c:v>
+                </c:pt>
+                <c:pt idx="17">
+                  <c:v>18345897558.700001</c:v>
+                </c:pt>
+                <c:pt idx="18">
+                  <c:v>18327064821.639999</c:v>
+                </c:pt>
+                <c:pt idx="19">
+                  <c:v>18284947192.600002</c:v>
+                </c:pt>
+                <c:pt idx="20">
+                  <c:v>18565489018.920002</c:v>
+                </c:pt>
+                <c:pt idx="21">
+                  <c:v>18791760020.009998</c:v>
+                </c:pt>
+                <c:pt idx="22">
+                  <c:v>19093894250.939999</c:v>
+                </c:pt>
+                <c:pt idx="23">
+                  <c:v>19398170894.810001</c:v>
+                </c:pt>
+                <c:pt idx="24">
+                  <c:v>19852048840.890003</c:v>
+                </c:pt>
+                <c:pt idx="25">
+                  <c:v>19987072860.560001</c:v>
+                </c:pt>
+                <c:pt idx="26">
+                  <c:v>20019755099.000004</c:v>
+                </c:pt>
+                <c:pt idx="27">
+                  <c:v>20135611095.790001</c:v>
+                </c:pt>
+                <c:pt idx="28">
+                  <c:v>20275606136.43</c:v>
+                </c:pt>
+                <c:pt idx="29">
+                  <c:v>20343991340.230003</c:v>
+                </c:pt>
+                <c:pt idx="30">
+                  <c:v>20369717408.989998</c:v>
+                </c:pt>
+                <c:pt idx="31">
+                  <c:v>20538532106.719997</c:v>
+                </c:pt>
+                <c:pt idx="32">
+                  <c:v>20527906918.979996</c:v>
+                </c:pt>
+                <c:pt idx="33">
+                  <c:v>20513179544.139999</c:v>
+                </c:pt>
+                <c:pt idx="34">
+                  <c:v>20674032563.949997</c:v>
+                </c:pt>
+                <c:pt idx="35">
+                  <c:v>20489695013.529999</c:v>
+                </c:pt>
+                <c:pt idx="36">
+                  <c:v>19906780273.890003</c:v>
+                </c:pt>
+                <c:pt idx="37">
+                  <c:v>20136194556.099998</c:v>
+                </c:pt>
+                <c:pt idx="38">
+                  <c:v>20383129810.720001</c:v>
+                </c:pt>
+                <c:pt idx="39">
+                  <c:v>20454245161.239998</c:v>
+                </c:pt>
+                <c:pt idx="40">
+                  <c:v>20651108319.879997</c:v>
+                </c:pt>
+                <c:pt idx="41">
+                  <c:v>21025354821.07</c:v>
+                </c:pt>
+                <c:pt idx="42">
+                  <c:v>21167615887.09</c:v>
+                </c:pt>
+                <c:pt idx="43">
+                  <c:v>21296316677.809998</c:v>
+                </c:pt>
+                <c:pt idx="44">
+                  <c:v>21455972732.809998</c:v>
+                </c:pt>
+                <c:pt idx="45">
+                  <c:v>21717870166.84</c:v>
+                </c:pt>
+                <c:pt idx="46">
+                  <c:v>21899114749.880001</c:v>
+                </c:pt>
+                <c:pt idx="47">
+                  <c:v>22233722420.41</c:v>
+                </c:pt>
+                <c:pt idx="48">
+                  <c:v>22798347815.029999</c:v>
+                </c:pt>
+                <c:pt idx="49">
+                  <c:v>22929797808.560001</c:v>
+                </c:pt>
+                <c:pt idx="50">
+                  <c:v>22990748741.380001</c:v>
+                </c:pt>
+                <c:pt idx="51">
+                  <c:v>23152976595.670002</c:v>
+                </c:pt>
+                <c:pt idx="52">
+                  <c:v>22832574709.889999</c:v>
+                </c:pt>
+                <c:pt idx="53">
+                  <c:v>22403882464.529995</c:v>
+                </c:pt>
+                <c:pt idx="54">
+                  <c:v>22741180506.900002</c:v>
+                </c:pt>
+                <c:pt idx="55">
+                  <c:v>23121102322.040001</c:v>
+                </c:pt>
+                <c:pt idx="56">
+                  <c:v>23781044029.560001</c:v>
+                </c:pt>
+                <c:pt idx="57">
+                  <c:v>24109875952.700001</c:v>
+                </c:pt>
+                <c:pt idx="58">
+                  <c:v>24363479288.900002</c:v>
+                </c:pt>
+                <c:pt idx="59">
+                  <c:v>24714978511.639996</c:v>
+                </c:pt>
+                <c:pt idx="60">
+                  <c:v>24561622290.279999</c:v>
+                </c:pt>
+                <c:pt idx="61">
+                  <c:v>24971859670.439995</c:v>
+                </c:pt>
+                <c:pt idx="62">
+                  <c:v>25362216793.499996</c:v>
+                </c:pt>
+                <c:pt idx="63">
+                  <c:v>25777375535.709999</c:v>
+                </c:pt>
+                <c:pt idx="64">
+                  <c:v>26503745667.459999</c:v>
+                </c:pt>
+                <c:pt idx="65">
+                  <c:v>27199743226.619999</c:v>
+                </c:pt>
+                <c:pt idx="66">
+                  <c:v>27496817096.909996</c:v>
+                </c:pt>
+                <c:pt idx="67">
+                  <c:v>27716283800.459995</c:v>
+                </c:pt>
+                <c:pt idx="68">
+                  <c:v>27916127607.549995</c:v>
+                </c:pt>
+                <c:pt idx="69">
+                  <c:v>28249420002.609993</c:v>
+                </c:pt>
+                <c:pt idx="70">
+                  <c:v>28691998001.789993</c:v>
+                </c:pt>
+                <c:pt idx="71">
+                  <c:v>29172812119.439999</c:v>
+                </c:pt>
+                <c:pt idx="72">
+                  <c:v>29792223779.029995</c:v>
+                </c:pt>
+                <c:pt idx="73">
+                  <c:v>30069848636.389999</c:v>
+                </c:pt>
+                <c:pt idx="74">
+                  <c:v>30549597289.140003</c:v>
+                </c:pt>
+                <c:pt idx="75">
+                  <c:v>31033686486.82</c:v>
+                </c:pt>
+                <c:pt idx="76">
+                  <c:v>31593084462.230003</c:v>
+                </c:pt>
+                <c:pt idx="77">
+                  <c:v>32475927145.119999</c:v>
+                </c:pt>
+                <c:pt idx="78">
+                  <c:v>33127940007.180004</c:v>
+                </c:pt>
+                <c:pt idx="79">
+                  <c:v>33489185610.540001</c:v>
+                </c:pt>
+                <c:pt idx="80">
+                  <c:v>33483591046.269997</c:v>
+                </c:pt>
+                <c:pt idx="81">
+                  <c:v>33675940817.990002</c:v>
+                </c:pt>
+                <c:pt idx="82">
+                  <c:v>33944328717.990002</c:v>
+                </c:pt>
+                <c:pt idx="83">
+                  <c:v>34032118879.170006</c:v>
+                </c:pt>
+                <c:pt idx="84">
+                  <c:v>34292740077.91</c:v>
+                </c:pt>
+                <c:pt idx="85">
+                  <c:v>34427695588.43</c:v>
+                </c:pt>
+                <c:pt idx="86">
+                  <c:v>34470430837.899994</c:v>
+                </c:pt>
+                <c:pt idx="87">
+                  <c:v>34680870364.019997</c:v>
+                </c:pt>
+                <c:pt idx="88">
+                  <c:v>34904988701.309998</c:v>
+                </c:pt>
+                <c:pt idx="89">
+                  <c:v>34824297621.889992</c:v>
+                </c:pt>
+                <c:pt idx="90">
+                  <c:v>34751979437.269997</c:v>
+                </c:pt>
+                <c:pt idx="91">
+                  <c:v>35072387820.5</c:v>
+                </c:pt>
+                <c:pt idx="92">
+                  <c:v>35426990166.349998</c:v>
+                </c:pt>
+                <c:pt idx="93">
+                  <c:v>35870795864.630005</c:v>
+                </c:pt>
+                <c:pt idx="94">
+                  <c:v>36548729160.490005</c:v>
+                </c:pt>
+                <c:pt idx="95">
+                  <c:v>37362687827.279999</c:v>
+                </c:pt>
+                <c:pt idx="96">
+                  <c:v>37797107427.590004</c:v>
+                </c:pt>
+                <c:pt idx="97">
+                  <c:v>38284575625.32</c:v>
+                </c:pt>
+                <c:pt idx="98">
+                  <c:v>38694164319.169998</c:v>
+                </c:pt>
+                <c:pt idx="99">
+                  <c:v>38735189842.379997</c:v>
+                </c:pt>
+                <c:pt idx="100">
+                  <c:v>39045234936.590004</c:v>
+                </c:pt>
+              </c:numCache>
+            </c:numRef>
+          </c:val>
+          <c:smooth val="0"/>
+          <c:extLst>
+            <c:ext xmlns:c16="http://schemas.microsoft.com/office/drawing/2014/chart" uri="{C3380CC4-5D6E-409C-BE32-E72D297353CC}">
+              <c16:uniqueId val="{00000001-13E3-418A-8C21-3FDFECAF03FE}"/>
+            </c:ext>
+          </c:extLst>
+        </c:ser>
+        <c:dLbls>
+          <c:showLegendKey val="0"/>
+          <c:showVal val="0"/>
+          <c:showCatName val="0"/>
+          <c:showSerName val="0"/>
+          <c:showPercent val="0"/>
+          <c:showBubbleSize val="0"/>
+        </c:dLbls>
+        <c:smooth val="0"/>
+        <c:axId val="2017517231"/>
+        <c:axId val="2110974991"/>
+      </c:lineChart>
+      <c:dateAx>
+        <c:axId val="2017517231"/>
+        <c:scaling>
+          <c:orientation val="minMax"/>
+        </c:scaling>
+        <c:delete val="0"/>
+        <c:axPos val="b"/>
+        <c:numFmt formatCode="[$-416]mmm\-yy;@" sourceLinked="0"/>
+        <c:majorTickMark val="out"/>
+        <c:minorTickMark val="none"/>
+        <c:tickLblPos val="nextTo"/>
+        <c:spPr>
+          <a:noFill/>
+          <a:ln w="9525" cap="flat" cmpd="sng" algn="ctr">
+            <a:solidFill>
+              <a:schemeClr val="tx1">
+                <a:lumMod val="15000"/>
+                <a:lumOff val="85000"/>
+              </a:schemeClr>
+            </a:solidFill>
+            <a:round/>
+          </a:ln>
+          <a:effectLst/>
+        </c:spPr>
+        <c:txPr>
+          <a:bodyPr rot="-60000000" spcFirstLastPara="1" vertOverflow="ellipsis" vert="horz" wrap="square" anchor="ctr" anchorCtr="1"/>
+          <a:lstStyle/>
+          <a:p>
+            <a:pPr>
+              <a:defRPr sz="1200" b="0" i="0" u="none" strike="noStrike" kern="1200" baseline="0">
+                <a:solidFill>
+                  <a:schemeClr val="tx1">
+                    <a:lumMod val="65000"/>
+                    <a:lumOff val="35000"/>
+                  </a:schemeClr>
+                </a:solidFill>
+                <a:latin typeface="+mn-lt"/>
+                <a:ea typeface="+mn-ea"/>
+                <a:cs typeface="+mn-cs"/>
+              </a:defRPr>
+            </a:pPr>
+            <a:endParaRPr lang="pt-BR"/>
+          </a:p>
+        </c:txPr>
+        <c:crossAx val="2110974991"/>
+        <c:crosses val="autoZero"/>
+        <c:auto val="1"/>
+        <c:lblOffset val="100"/>
+        <c:baseTimeUnit val="months"/>
+        <c:majorUnit val="1"/>
+        <c:majorTimeUnit val="years"/>
+      </c:dateAx>
+      <c:valAx>
+        <c:axId val="2110974991"/>
+        <c:scaling>
+          <c:orientation val="minMax"/>
+          <c:max val="40000000000"/>
+          <c:min val="15000000000"/>
+        </c:scaling>
+        <c:delete val="0"/>
+        <c:axPos val="l"/>
+        <c:majorGridlines>
+          <c:spPr>
+            <a:ln w="9525" cap="flat" cmpd="sng" algn="ctr">
+              <a:solidFill>
+                <a:schemeClr val="tx1">
+                  <a:lumMod val="15000"/>
+                  <a:lumOff val="85000"/>
+                </a:schemeClr>
+              </a:solidFill>
+              <a:round/>
+            </a:ln>
+            <a:effectLst/>
+          </c:spPr>
+        </c:majorGridlines>
+        <c:numFmt formatCode="_(* #,##0_);_(* \(#,##0\);_(* &quot;-&quot;_);_(@_)" sourceLinked="0"/>
+        <c:majorTickMark val="none"/>
+        <c:minorTickMark val="none"/>
+        <c:tickLblPos val="nextTo"/>
+        <c:spPr>
+          <a:noFill/>
+          <a:ln>
+            <a:noFill/>
+          </a:ln>
+          <a:effectLst/>
+        </c:spPr>
+        <c:txPr>
+          <a:bodyPr rot="-60000000" spcFirstLastPara="1" vertOverflow="ellipsis" vert="horz" wrap="square" anchor="ctr" anchorCtr="1"/>
+          <a:lstStyle/>
+          <a:p>
+            <a:pPr>
+              <a:defRPr sz="1200" b="0" i="0" u="none" strike="noStrike" kern="1200" baseline="0">
+                <a:solidFill>
+                  <a:schemeClr val="tx1">
+                    <a:lumMod val="65000"/>
+                    <a:lumOff val="35000"/>
+                  </a:schemeClr>
+                </a:solidFill>
+                <a:latin typeface="+mn-lt"/>
+                <a:ea typeface="+mn-ea"/>
+                <a:cs typeface="+mn-cs"/>
+              </a:defRPr>
+            </a:pPr>
+            <a:endParaRPr lang="pt-BR"/>
+          </a:p>
+        </c:txPr>
+        <c:crossAx val="2017517231"/>
+        <c:crosses val="autoZero"/>
+        <c:crossBetween val="between"/>
+        <c:dispUnits>
+          <c:builtInUnit val="billions"/>
+          <c:dispUnitsLbl>
+            <c:tx>
+              <c:rich>
+                <a:bodyPr rot="-5400000" spcFirstLastPara="1" vertOverflow="ellipsis" vert="horz" wrap="square" anchor="ctr" anchorCtr="1"/>
+                <a:lstStyle/>
+                <a:p>
+                  <a:pPr>
+                    <a:defRPr sz="1200" b="0" i="0" u="none" strike="noStrike" kern="1200" baseline="0">
+                      <a:solidFill>
+                        <a:schemeClr val="tx1">
+                          <a:lumMod val="65000"/>
+                          <a:lumOff val="35000"/>
+                        </a:schemeClr>
+                      </a:solidFill>
+                      <a:latin typeface="+mn-lt"/>
+                      <a:ea typeface="+mn-ea"/>
+                      <a:cs typeface="+mn-cs"/>
+                    </a:defRPr>
+                  </a:pPr>
+                  <a:r>
+                    <a:rPr lang="pt-BR"/>
+                    <a:t>Bilhões em R$</a:t>
+                  </a:r>
+                </a:p>
+              </c:rich>
+            </c:tx>
+            <c:spPr>
+              <a:noFill/>
+              <a:ln>
+                <a:noFill/>
+              </a:ln>
+              <a:effectLst/>
+            </c:spPr>
+            <c:txPr>
+              <a:bodyPr rot="-5400000" spcFirstLastPara="1" vertOverflow="ellipsis" vert="horz" wrap="square" anchor="ctr" anchorCtr="1"/>
+              <a:lstStyle/>
+              <a:p>
+                <a:pPr>
+                  <a:defRPr sz="1200" b="0" i="0" u="none" strike="noStrike" kern="1200" baseline="0">
+                    <a:solidFill>
+                      <a:schemeClr val="tx1">
+                        <a:lumMod val="65000"/>
+                        <a:lumOff val="35000"/>
+                      </a:schemeClr>
+                    </a:solidFill>
+                    <a:latin typeface="+mn-lt"/>
+                    <a:ea typeface="+mn-ea"/>
+                    <a:cs typeface="+mn-cs"/>
+                  </a:defRPr>
+                </a:pPr>
+                <a:endParaRPr lang="pt-BR"/>
+              </a:p>
+            </c:txPr>
+          </c:dispUnitsLbl>
+        </c:dispUnits>
+      </c:valAx>
+      <c:spPr>
+        <a:noFill/>
+        <a:ln>
+          <a:noFill/>
+        </a:ln>
+        <a:effectLst/>
+      </c:spPr>
+    </c:plotArea>
+    <c:legend>
+      <c:legendPos val="b"/>
+      <c:overlay val="0"/>
+      <c:spPr>
+        <a:noFill/>
+        <a:ln>
+          <a:noFill/>
+        </a:ln>
+        <a:effectLst/>
+      </c:spPr>
+      <c:txPr>
+        <a:bodyPr rot="0" spcFirstLastPara="1" vertOverflow="ellipsis" vert="horz" wrap="square" anchor="ctr" anchorCtr="1"/>
+        <a:lstStyle/>
+        <a:p>
+          <a:pPr>
+            <a:defRPr sz="1200" b="0" i="0" u="none" strike="noStrike" kern="1200" baseline="0">
+              <a:solidFill>
+                <a:schemeClr val="tx1">
+                  <a:lumMod val="65000"/>
+                  <a:lumOff val="35000"/>
+                </a:schemeClr>
+              </a:solidFill>
+              <a:latin typeface="+mn-lt"/>
+              <a:ea typeface="+mn-ea"/>
+              <a:cs typeface="+mn-cs"/>
+            </a:defRPr>
+          </a:pPr>
+          <a:endParaRPr lang="pt-BR"/>
+        </a:p>
+      </c:txPr>
+    </c:legend>
+    <c:plotVisOnly val="1"/>
+    <c:dispBlanksAs val="gap"/>
+    <c:showDLblsOverMax val="0"/>
+  </c:chart>
+  <c:spPr>
+    <a:noFill/>
+    <a:ln>
+      <a:noFill/>
+    </a:ln>
+    <a:effectLst/>
+  </c:spPr>
+  <c:txPr>
+    <a:bodyPr/>
+    <a:lstStyle/>
+    <a:p>
+      <a:pPr>
+        <a:defRPr sz="1200"/>
+      </a:pPr>
+      <a:endParaRPr lang="pt-BR"/>
+    </a:p>
+  </c:txPr>
+  <c:externalData r:id="rId3">
+    <c:autoUpdate val="0"/>
+  </c:externalData>
+</c:chartSpace>
+</file>
+
+<file path=ppt/charts/colors1.xml><?xml version="1.0" encoding="utf-8"?>
+<cs:colorStyle xmlns:cs="http://schemas.microsoft.com/office/drawing/2012/chartStyle" xmlns:a="http://schemas.openxmlformats.org/drawingml/2006/main" meth="cycle" id="10">
+  <a:schemeClr val="accent1"/>
+  <a:schemeClr val="accent2"/>
+  <a:schemeClr val="accent3"/>
+  <a:schemeClr val="accent4"/>
+  <a:schemeClr val="accent5"/>
+  <a:schemeClr val="accent6"/>
+  <cs:variation/>
+  <cs:variation>
+    <a:lumMod val="60000"/>
+  </cs:variation>
+  <cs:variation>
+    <a:lumMod val="80000"/>
+    <a:lumOff val="20000"/>
+  </cs:variation>
+  <cs:variation>
+    <a:lumMod val="80000"/>
+  </cs:variation>
+  <cs:variation>
+    <a:lumMod val="60000"/>
+    <a:lumOff val="40000"/>
+  </cs:variation>
+  <cs:variation>
+    <a:lumMod val="50000"/>
+  </cs:variation>
+  <cs:variation>
+    <a:lumMod val="70000"/>
+    <a:lumOff val="30000"/>
+  </cs:variation>
+  <cs:variation>
+    <a:lumMod val="70000"/>
+  </cs:variation>
+  <cs:variation>
+    <a:lumMod val="50000"/>
+    <a:lumOff val="50000"/>
+  </cs:variation>
+</cs:colorStyle>
+</file>
+
+<file path=ppt/charts/style1.xml><?xml version="1.0" encoding="utf-8"?>
+<cs:chartStyle xmlns:cs="http://schemas.microsoft.com/office/drawing/2012/chartStyle" xmlns:a="http://schemas.openxmlformats.org/drawingml/2006/main" id="227">
+  <cs:axisTitle>
+    <cs:lnRef idx="0"/>
+    <cs:fillRef idx="0"/>
+    <cs:effectRef idx="0"/>
+    <cs:fontRef idx="minor">
+      <a:schemeClr val="tx1">
+        <a:lumMod val="65000"/>
+        <a:lumOff val="35000"/>
+      </a:schemeClr>
+    </cs:fontRef>
+    <cs:defRPr sz="1000" kern="1200"/>
+  </cs:axisTitle>
+  <cs:categoryAxis>
+    <cs:lnRef idx="0"/>
+    <cs:fillRef idx="0"/>
+    <cs:effectRef idx="0"/>
+    <cs:fontRef idx="minor">
+      <a:schemeClr val="tx1">
+        <a:lumMod val="65000"/>
+        <a:lumOff val="35000"/>
+      </a:schemeClr>
+    </cs:fontRef>
+    <cs:spPr>
+      <a:ln w="9525" cap="flat" cmpd="sng" algn="ctr">
+        <a:solidFill>
+          <a:schemeClr val="tx1">
+            <a:lumMod val="15000"/>
+            <a:lumOff val="85000"/>
+          </a:schemeClr>
+        </a:solidFill>
+        <a:round/>
+      </a:ln>
+    </cs:spPr>
+    <cs:defRPr sz="900" kern="1200"/>
+  </cs:categoryAxis>
+  <cs:chartArea mods="allowNoFillOverride allowNoLineOverride">
+    <cs:lnRef idx="0"/>
+    <cs:fillRef idx="0"/>
+    <cs:effectRef idx="0"/>
+    <cs:fontRef idx="minor">
+      <a:schemeClr val="tx1"/>
+    </cs:fontRef>
+    <cs:spPr>
+      <a:solidFill>
+        <a:schemeClr val="bg1"/>
+      </a:solidFill>
+      <a:ln w="9525" cap="flat" cmpd="sng" algn="ctr">
+        <a:solidFill>
+          <a:schemeClr val="tx1">
+            <a:lumMod val="15000"/>
+            <a:lumOff val="85000"/>
+          </a:schemeClr>
+        </a:solidFill>
+        <a:round/>
+      </a:ln>
+    </cs:spPr>
+    <cs:defRPr sz="1000" kern="1200"/>
+  </cs:chartArea>
+  <cs:dataLabel>
+    <cs:lnRef idx="0"/>
+    <cs:fillRef idx="0"/>
+    <cs:effectRef idx="0"/>
+    <cs:fontRef idx="minor">
+      <a:schemeClr val="tx1">
+        <a:lumMod val="75000"/>
+        <a:lumOff val="25000"/>
+      </a:schemeClr>
+    </cs:fontRef>
+    <cs:defRPr sz="900" kern="1200"/>
+  </cs:dataLabel>
+  <cs:dataLabelCallout>
+    <cs:lnRef idx="0"/>
+    <cs:fillRef idx="0"/>
+    <cs:effectRef idx="0"/>
+    <cs:fontRef idx="minor">
+      <a:schemeClr val="dk1">
+        <a:lumMod val="65000"/>
+        <a:lumOff val="35000"/>
+      </a:schemeClr>
+    </cs:fontRef>
+    <cs:spPr>
+      <a:solidFill>
+        <a:schemeClr val="lt1"/>
+      </a:solidFill>
+      <a:ln>
+        <a:solidFill>
+          <a:schemeClr val="dk1">
+            <a:lumMod val="25000"/>
+            <a:lumOff val="75000"/>
+          </a:schemeClr>
+        </a:solidFill>
+      </a:ln>
+    </cs:spPr>
+    <cs:defRPr sz="900" kern="1200"/>
+    <cs:bodyPr rot="0" spcFirstLastPara="1" vertOverflow="clip" horzOverflow="clip" vert="horz" wrap="square" lIns="36576" tIns="18288" rIns="36576" bIns="18288" anchor="ctr" anchorCtr="1">
+      <a:spAutoFit/>
+    </cs:bodyPr>
+  </cs:dataLabelCallout>
+  <cs:dataPoint>
+    <cs:lnRef idx="0"/>
+    <cs:fillRef idx="1">
+      <cs:styleClr val="auto"/>
+    </cs:fillRef>
+    <cs:effectRef idx="0"/>
+    <cs:fontRef idx="minor">
+      <a:schemeClr val="tx1"/>
+    </cs:fontRef>
+    <cs:spPr>
+      <a:solidFill>
+        <a:schemeClr val="phClr"/>
+      </a:solidFill>
+    </cs:spPr>
+  </cs:dataPoint>
+  <cs:dataPoint3D>
+    <cs:lnRef idx="0"/>
+    <cs:fillRef idx="1">
+      <cs:styleClr val="auto"/>
+    </cs:fillRef>
+    <cs:effectRef idx="0"/>
+    <cs:fontRef idx="minor">
+      <a:schemeClr val="tx1"/>
+    </cs:fontRef>
+    <cs:spPr>
+      <a:solidFill>
+        <a:schemeClr val="phClr"/>
+      </a:solidFill>
+    </cs:spPr>
+  </cs:dataPoint3D>
+  <cs:dataPointLine>
+    <cs:lnRef idx="0">
+      <cs:styleClr val="auto"/>
+    </cs:lnRef>
+    <cs:fillRef idx="1"/>
+    <cs:effectRef idx="0"/>
+    <cs:fontRef idx="minor">
+      <a:schemeClr val="tx1"/>
+    </cs:fontRef>
+    <cs:spPr>
+      <a:ln w="28575" cap="rnd">
+        <a:solidFill>
+          <a:schemeClr val="phClr"/>
+        </a:solidFill>
+        <a:round/>
+      </a:ln>
+    </cs:spPr>
+  </cs:dataPointLine>
+  <cs:dataPointMarker>
+    <cs:lnRef idx="0">
+      <cs:styleClr val="auto"/>
+    </cs:lnRef>
+    <cs:fillRef idx="1">
+      <cs:styleClr val="auto"/>
+    </cs:fillRef>
+    <cs:effectRef idx="0"/>
+    <cs:fontRef idx="minor">
+      <a:schemeClr val="tx1"/>
+    </cs:fontRef>
+    <cs:spPr>
+      <a:solidFill>
+        <a:schemeClr val="phClr"/>
+      </a:solidFill>
+      <a:ln w="9525">
+        <a:solidFill>
+          <a:schemeClr val="phClr"/>
+        </a:solidFill>
+      </a:ln>
+    </cs:spPr>
+  </cs:dataPointMarker>
+  <cs:dataPointMarkerLayout symbol="circle" size="5"/>
+  <cs:dataPointWireframe>
+    <cs:lnRef idx="0">
+      <cs:styleClr val="auto"/>
+    </cs:lnRef>
+    <cs:fillRef idx="1"/>
+    <cs:effectRef idx="0"/>
+    <cs:fontRef idx="minor">
+      <a:schemeClr val="tx1"/>
+    </cs:fontRef>
+    <cs:spPr>
+      <a:ln w="9525" cap="rnd">
+        <a:solidFill>
+          <a:schemeClr val="phClr"/>
+        </a:solidFill>
+        <a:round/>
+      </a:ln>
+    </cs:spPr>
+  </cs:dataPointWireframe>
+  <cs:dataTable>
+    <cs:lnRef idx="0"/>
+    <cs:fillRef idx="0"/>
+    <cs:effectRef idx="0"/>
+    <cs:fontRef idx="minor">
+      <a:schemeClr val="tx1">
+        <a:lumMod val="65000"/>
+        <a:lumOff val="35000"/>
+      </a:schemeClr>
+    </cs:fontRef>
+    <cs:spPr>
+      <a:noFill/>
+      <a:ln w="9525" cap="flat" cmpd="sng" algn="ctr">
+        <a:solidFill>
+          <a:schemeClr val="tx1">
+            <a:lumMod val="15000"/>
+            <a:lumOff val="85000"/>
+          </a:schemeClr>
+        </a:solidFill>
+        <a:round/>
+      </a:ln>
+    </cs:spPr>
+    <cs:defRPr sz="900" kern="1200"/>
+  </cs:dataTable>
+  <cs:downBar>
+    <cs:lnRef idx="0"/>
+    <cs:fillRef idx="0"/>
+    <cs:effectRef idx="0"/>
+    <cs:fontRef idx="minor">
+      <a:schemeClr val="dk1"/>
+    </cs:fontRef>
+    <cs:spPr>
+      <a:solidFill>
+        <a:schemeClr val="dk1">
+          <a:lumMod val="65000"/>
+          <a:lumOff val="35000"/>
+        </a:schemeClr>
+      </a:solidFill>
+      <a:ln w="9525">
+        <a:solidFill>
+          <a:schemeClr val="tx1">
+            <a:lumMod val="65000"/>
+            <a:lumOff val="35000"/>
+          </a:schemeClr>
+        </a:solidFill>
+      </a:ln>
+    </cs:spPr>
+  </cs:downBar>
+  <cs:dropLine>
+    <cs:lnRef idx="0"/>
+    <cs:fillRef idx="0"/>
+    <cs:effectRef idx="0"/>
+    <cs:fontRef idx="minor">
+      <a:schemeClr val="tx1"/>
+    </cs:fontRef>
+    <cs:spPr>
+      <a:ln w="9525" cap="flat" cmpd="sng" algn="ctr">
+        <a:solidFill>
+          <a:schemeClr val="tx1">
+            <a:lumMod val="35000"/>
+            <a:lumOff val="65000"/>
+          </a:schemeClr>
+        </a:solidFill>
+        <a:round/>
+      </a:ln>
+    </cs:spPr>
+  </cs:dropLine>
+  <cs:errorBar>
+    <cs:lnRef idx="0"/>
+    <cs:fillRef idx="0"/>
+    <cs:effectRef idx="0"/>
+    <cs:fontRef idx="minor">
+      <a:schemeClr val="tx1"/>
+    </cs:fontRef>
+    <cs:spPr>
+      <a:ln w="9525" cap="flat" cmpd="sng" algn="ctr">
+        <a:solidFill>
+          <a:schemeClr val="tx1">
+            <a:lumMod val="65000"/>
+            <a:lumOff val="35000"/>
+          </a:schemeClr>
+        </a:solidFill>
+        <a:round/>
+      </a:ln>
+    </cs:spPr>
+  </cs:errorBar>
+  <cs:floor>
+    <cs:lnRef idx="0"/>
+    <cs:fillRef idx="0"/>
+    <cs:effectRef idx="0"/>
+    <cs:fontRef idx="minor">
+      <a:schemeClr val="tx1"/>
+    </cs:fontRef>
+    <cs:spPr>
+      <a:noFill/>
+      <a:ln>
+        <a:noFill/>
+      </a:ln>
+    </cs:spPr>
+  </cs:floor>
+  <cs:gridlineMajor>
+    <cs:lnRef idx="0"/>
+    <cs:fillRef idx="0"/>
+    <cs:effectRef idx="0"/>
+    <cs:fontRef idx="minor">
+      <a:schemeClr val="tx1"/>
+    </cs:fontRef>
+    <cs:spPr>
+      <a:ln w="9525" cap="flat" cmpd="sng" algn="ctr">
+        <a:solidFill>
+          <a:schemeClr val="tx1">
+            <a:lumMod val="15000"/>
+            <a:lumOff val="85000"/>
+          </a:schemeClr>
+        </a:solidFill>
+        <a:round/>
+      </a:ln>
+    </cs:spPr>
+  </cs:gridlineMajor>
+  <cs:gridlineMinor>
+    <cs:lnRef idx="0"/>
+    <cs:fillRef idx="0"/>
+    <cs:effectRef idx="0"/>
+    <cs:fontRef idx="minor">
+      <a:schemeClr val="tx1"/>
+    </cs:fontRef>
+    <cs:spPr>
+      <a:ln w="9525" cap="flat" cmpd="sng" algn="ctr">
+        <a:solidFill>
+          <a:schemeClr val="tx1">
+            <a:lumMod val="5000"/>
+            <a:lumOff val="95000"/>
+          </a:schemeClr>
+        </a:solidFill>
+        <a:round/>
+      </a:ln>
+    </cs:spPr>
+  </cs:gridlineMinor>
+  <cs:hiLoLine>
+    <cs:lnRef idx="0"/>
+    <cs:fillRef idx="0"/>
+    <cs:effectRef idx="0"/>
+    <cs:fontRef idx="minor">
+      <a:schemeClr val="tx1"/>
+    </cs:fontRef>
+    <cs:spPr>
+      <a:ln w="9525" cap="flat" cmpd="sng" algn="ctr">
+        <a:solidFill>
+          <a:schemeClr val="tx1">
+            <a:lumMod val="75000"/>
+            <a:lumOff val="25000"/>
+          </a:schemeClr>
+        </a:solidFill>
+        <a:round/>
+      </a:ln>
+    </cs:spPr>
+  </cs:hiLoLine>
+  <cs:leaderLine>
+    <cs:lnRef idx="0"/>
+    <cs:fillRef idx="0"/>
+    <cs:effectRef idx="0"/>
+    <cs:fontRef idx="minor">
+      <a:schemeClr val="tx1"/>
+    </cs:fontRef>
+    <cs:spPr>
+      <a:ln w="9525" cap="flat" cmpd="sng" algn="ctr">
+        <a:solidFill>
+          <a:schemeClr val="tx1">
+            <a:lumMod val="35000"/>
+            <a:lumOff val="65000"/>
+          </a:schemeClr>
+        </a:solidFill>
+        <a:round/>
+      </a:ln>
+    </cs:spPr>
+  </cs:leaderLine>
+  <cs:legend>
+    <cs:lnRef idx="0"/>
+    <cs:fillRef idx="0"/>
+    <cs:effectRef idx="0"/>
+    <cs:fontRef idx="minor">
+      <a:schemeClr val="tx1">
+        <a:lumMod val="65000"/>
+        <a:lumOff val="35000"/>
+      </a:schemeClr>
+    </cs:fontRef>
+    <cs:defRPr sz="900" kern="1200"/>
+  </cs:legend>
+  <cs:plotArea mods="allowNoFillOverride allowNoLineOverride">
+    <cs:lnRef idx="0"/>
+    <cs:fillRef idx="0"/>
+    <cs:effectRef idx="0"/>
+    <cs:fontRef idx="minor">
+      <a:schemeClr val="tx1"/>
+    </cs:fontRef>
+  </cs:plotArea>
+  <cs:plotArea3D mods="allowNoFillOverride allowNoLineOverride">
+    <cs:lnRef idx="0"/>
+    <cs:fillRef idx="0"/>
+    <cs:effectRef idx="0"/>
+    <cs:fontRef idx="minor">
+      <a:schemeClr val="tx1"/>
+    </cs:fontRef>
+  </cs:plotArea3D>
+  <cs:seriesAxis>
+    <cs:lnRef idx="0"/>
+    <cs:fillRef idx="0"/>
+    <cs:effectRef idx="0"/>
+    <cs:fontRef idx="minor">
+      <a:schemeClr val="tx1">
+        <a:lumMod val="65000"/>
+        <a:lumOff val="35000"/>
+      </a:schemeClr>
+    </cs:fontRef>
+    <cs:defRPr sz="900" kern="1200"/>
+  </cs:seriesAxis>
+  <cs:seriesLine>
+    <cs:lnRef idx="0"/>
+    <cs:fillRef idx="0"/>
+    <cs:effectRef idx="0"/>
+    <cs:fontRef idx="minor">
+      <a:schemeClr val="tx1"/>
+    </cs:fontRef>
+    <cs:spPr>
+      <a:ln w="9525" cap="flat" cmpd="sng" algn="ctr">
+        <a:solidFill>
+          <a:schemeClr val="tx1">
+            <a:lumMod val="35000"/>
+            <a:lumOff val="65000"/>
+          </a:schemeClr>
+        </a:solidFill>
+        <a:round/>
+      </a:ln>
+    </cs:spPr>
+  </cs:seriesLine>
+  <cs:title>
+    <cs:lnRef idx="0"/>
+    <cs:fillRef idx="0"/>
+    <cs:effectRef idx="0"/>
+    <cs:fontRef idx="minor">
+      <a:schemeClr val="tx1">
+        <a:lumMod val="65000"/>
+        <a:lumOff val="35000"/>
+      </a:schemeClr>
+    </cs:fontRef>
+    <cs:defRPr sz="1400" b="0" kern="1200" spc="0" baseline="0"/>
+  </cs:title>
+  <cs:trendline>
+    <cs:lnRef idx="0">
+      <cs:styleClr val="auto"/>
+    </cs:lnRef>
+    <cs:fillRef idx="0"/>
+    <cs:effectRef idx="0"/>
+    <cs:fontRef idx="minor">
+      <a:schemeClr val="tx1"/>
+    </cs:fontRef>
+    <cs:spPr>
+      <a:ln w="19050" cap="rnd">
+        <a:solidFill>
+          <a:schemeClr val="phClr"/>
+        </a:solidFill>
+        <a:prstDash val="sysDot"/>
+      </a:ln>
+    </cs:spPr>
+  </cs:trendline>
+  <cs:trendlineLabel>
+    <cs:lnRef idx="0"/>
+    <cs:fillRef idx="0"/>
+    <cs:effectRef idx="0"/>
+    <cs:fontRef idx="minor">
+      <a:schemeClr val="tx1">
+        <a:lumMod val="65000"/>
+        <a:lumOff val="35000"/>
+      </a:schemeClr>
+    </cs:fontRef>
+    <cs:defRPr sz="900" kern="1200"/>
+  </cs:trendlineLabel>
+  <cs:upBar>
+    <cs:lnRef idx="0"/>
+    <cs:fillRef idx="0"/>
+    <cs:effectRef idx="0"/>
+    <cs:fontRef idx="minor">
+      <a:schemeClr val="dk1"/>
+    </cs:fontRef>
+    <cs:spPr>
+      <a:solidFill>
+        <a:schemeClr val="lt1"/>
+      </a:solidFill>
+      <a:ln w="9525">
+        <a:solidFill>
+          <a:schemeClr val="tx1">
+            <a:lumMod val="15000"/>
+            <a:lumOff val="85000"/>
+          </a:schemeClr>
+        </a:solidFill>
+      </a:ln>
+    </cs:spPr>
+  </cs:upBar>
+  <cs:valueAxis>
+    <cs:lnRef idx="0"/>
+    <cs:fillRef idx="0"/>
+    <cs:effectRef idx="0"/>
+    <cs:fontRef idx="minor">
+      <a:schemeClr val="tx1">
+        <a:lumMod val="65000"/>
+        <a:lumOff val="35000"/>
+      </a:schemeClr>
+    </cs:fontRef>
+    <cs:defRPr sz="900" kern="1200"/>
+  </cs:valueAxis>
+  <cs:wall>
+    <cs:lnRef idx="0"/>
+    <cs:fillRef idx="0"/>
+    <cs:effectRef idx="0"/>
+    <cs:fontRef idx="minor">
+      <a:schemeClr val="tx1"/>
+    </cs:fontRef>
+    <cs:spPr>
+      <a:noFill/>
+      <a:ln>
+        <a:noFill/>
+      </a:ln>
+    </cs:spPr>
+  </cs:wall>
+</cs:chartStyle>
+</file>
+
+<file path=ppt/notesMasters/notesMaster1.xml><?xml version="1.0" encoding="utf-8"?>
+<p:notesMaster xmlns:a="http://schemas.openxmlformats.org/drawingml/2006/main" xmlns:r="http://schemas.openxmlformats.org/officeDocument/2006/relationships" xmlns:p="http://schemas.openxmlformats.org/presentationml/2006/main">
+  <p:cSld>
+    <p:bg>
+      <p:bgRef idx="1001">
+        <a:schemeClr val="bg1"/>
+      </p:bgRef>
+    </p:bg>
+    <p:spTree>
+      <p:nvGrpSpPr>
+        <p:cNvPr id="1" name=""/>
+        <p:cNvGrpSpPr/>
+        <p:nvPr/>
+      </p:nvGrpSpPr>
+      <p:grpSpPr>
+        <a:xfrm>
+          <a:off x="0" y="0"/>
+          <a:ext cx="0" cy="0"/>
+          <a:chOff x="0" y="0"/>
+          <a:chExt cx="0" cy="0"/>
+        </a:xfrm>
+      </p:grpSpPr>
+      <p:sp>
+        <p:nvSpPr>
+          <p:cNvPr id="2" name="Espaço Reservado para Cabeçalho 1"/>
+          <p:cNvSpPr>
+            <a:spLocks noGrp="1"/>
+          </p:cNvSpPr>
+          <p:nvPr>
+            <p:ph type="hdr" sz="quarter"/>
+          </p:nvPr>
+        </p:nvSpPr>
+        <p:spPr>
+          <a:xfrm>
+            <a:off x="0" y="0"/>
+            <a:ext cx="2971800" cy="458788"/>
+          </a:xfrm>
+          <a:prstGeom prst="rect">
+            <a:avLst/>
+          </a:prstGeom>
+        </p:spPr>
+        <p:txBody>
+          <a:bodyPr vert="horz" lIns="91440" tIns="45720" rIns="91440" bIns="45720" rtlCol="0"/>
+          <a:lstStyle>
+            <a:lvl1pPr algn="l">
+              <a:defRPr sz="1200"/>
+            </a:lvl1pPr>
+          </a:lstStyle>
+          <a:p>
+            <a:endParaRPr lang="pt-BR"/>
+          </a:p>
+        </p:txBody>
+      </p:sp>
+      <p:sp>
+        <p:nvSpPr>
+          <p:cNvPr id="3" name="Espaço Reservado para Data 2"/>
+          <p:cNvSpPr>
+            <a:spLocks noGrp="1"/>
+          </p:cNvSpPr>
+          <p:nvPr>
+            <p:ph type="dt" idx="1"/>
+          </p:nvPr>
+        </p:nvSpPr>
+        <p:spPr>
+          <a:xfrm>
+            <a:off x="3884613" y="0"/>
+            <a:ext cx="2971800" cy="458788"/>
+          </a:xfrm>
+          <a:prstGeom prst="rect">
+            <a:avLst/>
+          </a:prstGeom>
+        </p:spPr>
+        <p:txBody>
+          <a:bodyPr vert="horz" lIns="91440" tIns="45720" rIns="91440" bIns="45720" rtlCol="0"/>
+          <a:lstStyle>
+            <a:lvl1pPr algn="r">
+              <a:defRPr sz="1200"/>
+            </a:lvl1pPr>
+          </a:lstStyle>
+          <a:p>
+            <a:fld id="{FB147E4C-8A93-4C03-890D-6471A064E5A8}" type="datetimeFigureOut">
+              <a:rPr lang="pt-BR" smtClean="0"/>
+              <a:t>19/06/2024</a:t>
+            </a:fld>
+            <a:endParaRPr lang="pt-BR"/>
+          </a:p>
+        </p:txBody>
+      </p:sp>
+      <p:sp>
+        <p:nvSpPr>
+          <p:cNvPr id="4" name="Espaço Reservado para Imagem de Slide 3"/>
+          <p:cNvSpPr>
+            <a:spLocks noGrp="1" noRot="1" noChangeAspect="1"/>
+          </p:cNvSpPr>
+          <p:nvPr>
+            <p:ph type="sldImg" idx="2"/>
+          </p:nvPr>
+        </p:nvSpPr>
+        <p:spPr>
+          <a:xfrm>
+            <a:off x="685800" y="1143000"/>
+            <a:ext cx="5486400" cy="3086100"/>
+          </a:xfrm>
+          <a:prstGeom prst="rect">
+            <a:avLst/>
+          </a:prstGeom>
+          <a:noFill/>
+          <a:ln w="12700">
+            <a:solidFill>
+              <a:prstClr val="black"/>
+            </a:solidFill>
+          </a:ln>
+        </p:spPr>
+        <p:txBody>
+          <a:bodyPr vert="horz" lIns="91440" tIns="45720" rIns="91440" bIns="45720" rtlCol="0" anchor="ctr"/>
+          <a:lstStyle/>
+          <a:p>
+            <a:endParaRPr lang="pt-BR"/>
+          </a:p>
+        </p:txBody>
+      </p:sp>
+      <p:sp>
+        <p:nvSpPr>
+          <p:cNvPr id="5" name="Espaço Reservado para Anotações 4"/>
+          <p:cNvSpPr>
+            <a:spLocks noGrp="1"/>
+          </p:cNvSpPr>
+          <p:nvPr>
+            <p:ph type="body" sz="quarter" idx="3"/>
+          </p:nvPr>
+        </p:nvSpPr>
+        <p:spPr>
+          <a:xfrm>
+            <a:off x="685800" y="4400550"/>
+            <a:ext cx="5486400" cy="3600450"/>
+          </a:xfrm>
+          <a:prstGeom prst="rect">
+            <a:avLst/>
+          </a:prstGeom>
+        </p:spPr>
+        <p:txBody>
+          <a:bodyPr vert="horz" lIns="91440" tIns="45720" rIns="91440" bIns="45720" rtlCol="0"/>
+          <a:lstStyle/>
+          <a:p>
+            <a:pPr lvl="0"/>
+            <a:r>
+              <a:rPr lang="pt-BR"/>
+              <a:t>Editar estilos de texto Mestre</a:t>
+            </a:r>
+          </a:p>
+          <a:p>
+            <a:pPr lvl="1"/>
+            <a:r>
+              <a:rPr lang="pt-BR"/>
+              <a:t>Segundo nível</a:t>
+            </a:r>
+          </a:p>
+          <a:p>
+            <a:pPr lvl="2"/>
+            <a:r>
+              <a:rPr lang="pt-BR"/>
+              <a:t>Terceiro nível</a:t>
+            </a:r>
+          </a:p>
+          <a:p>
+            <a:pPr lvl="3"/>
+            <a:r>
+              <a:rPr lang="pt-BR"/>
+              <a:t>Quarto nível</a:t>
+            </a:r>
+          </a:p>
+          <a:p>
+            <a:pPr lvl="4"/>
+            <a:r>
+              <a:rPr lang="pt-BR"/>
+              <a:t>Quinto nível</a:t>
+            </a:r>
+          </a:p>
+        </p:txBody>
+      </p:sp>
+      <p:sp>
+        <p:nvSpPr>
+          <p:cNvPr id="6" name="Espaço Reservado para Rodapé 5"/>
+          <p:cNvSpPr>
+            <a:spLocks noGrp="1"/>
+          </p:cNvSpPr>
+          <p:nvPr>
+            <p:ph type="ftr" sz="quarter" idx="4"/>
+          </p:nvPr>
+        </p:nvSpPr>
+        <p:spPr>
+          <a:xfrm>
+            <a:off x="0" y="8685213"/>
+            <a:ext cx="2971800" cy="458787"/>
+          </a:xfrm>
+          <a:prstGeom prst="rect">
+            <a:avLst/>
+          </a:prstGeom>
+        </p:spPr>
+        <p:txBody>
+          <a:bodyPr vert="horz" lIns="91440" tIns="45720" rIns="91440" bIns="45720" rtlCol="0" anchor="b"/>
+          <a:lstStyle>
+            <a:lvl1pPr algn="l">
+              <a:defRPr sz="1200"/>
+            </a:lvl1pPr>
+          </a:lstStyle>
+          <a:p>
+            <a:endParaRPr lang="pt-BR"/>
+          </a:p>
+        </p:txBody>
+      </p:sp>
+      <p:sp>
+        <p:nvSpPr>
+          <p:cNvPr id="7" name="Espaço Reservado para Número de Slide 6"/>
+          <p:cNvSpPr>
+            <a:spLocks noGrp="1"/>
+          </p:cNvSpPr>
+          <p:nvPr>
+            <p:ph type="sldNum" sz="quarter" idx="5"/>
+          </p:nvPr>
+        </p:nvSpPr>
+        <p:spPr>
+          <a:xfrm>
+            <a:off x="3884613" y="8685213"/>
+            <a:ext cx="2971800" cy="458787"/>
+          </a:xfrm>
+          <a:prstGeom prst="rect">
+            <a:avLst/>
+          </a:prstGeom>
+        </p:spPr>
+        <p:txBody>
+          <a:bodyPr vert="horz" lIns="91440" tIns="45720" rIns="91440" bIns="45720" rtlCol="0" anchor="b"/>
+          <a:lstStyle>
+            <a:lvl1pPr algn="r">
+              <a:defRPr sz="1200"/>
+            </a:lvl1pPr>
+          </a:lstStyle>
+          <a:p>
+            <a:fld id="{AC26E2D8-FFA6-4428-82DE-611E1A1E3B62}" type="slidenum">
+              <a:rPr lang="pt-BR" smtClean="0"/>
+              <a:t>‹nº›</a:t>
+            </a:fld>
+            <a:endParaRPr lang="pt-BR"/>
+          </a:p>
+        </p:txBody>
+      </p:sp>
+    </p:spTree>
+    <p:extLst>
+      <p:ext uri="{BB962C8B-B14F-4D97-AF65-F5344CB8AC3E}">
+        <p14:creationId xmlns:p14="http://schemas.microsoft.com/office/powerpoint/2010/main" val="2898143017"/>
+      </p:ext>
+    </p:extLst>
+  </p:cSld>
+  <p:clrMap bg1="lt1" tx1="dk1" bg2="lt2" tx2="dk2" accent1="accent1" accent2="accent2" accent3="accent3" accent4="accent4" accent5="accent5" accent6="accent6" hlink="hlink" folHlink="folHlink"/>
+  <p:notesStyle>
+    <a:lvl1pPr marL="0" algn="l" defTabSz="914400" rtl="0" eaLnBrk="1" latinLnBrk="0" hangingPunct="1">
+      <a:defRPr sz="1200" kern="1200">
+        <a:solidFill>
+          <a:schemeClr val="tx1"/>
+        </a:solidFill>
+        <a:latin typeface="+mn-lt"/>
+        <a:ea typeface="+mn-ea"/>
+        <a:cs typeface="+mn-cs"/>
+      </a:defRPr>
+    </a:lvl1pPr>
+    <a:lvl2pPr marL="457200" algn="l" defTabSz="914400" rtl="0" eaLnBrk="1" latinLnBrk="0" hangingPunct="1">
+      <a:defRPr sz="1200" kern="1200">
+        <a:solidFill>
+          <a:schemeClr val="tx1"/>
+        </a:solidFill>
+        <a:latin typeface="+mn-lt"/>
+        <a:ea typeface="+mn-ea"/>
+        <a:cs typeface="+mn-cs"/>
+      </a:defRPr>
+    </a:lvl2pPr>
+    <a:lvl3pPr marL="914400" algn="l" defTabSz="914400" rtl="0" eaLnBrk="1" latinLnBrk="0" hangingPunct="1">
+      <a:defRPr sz="1200" kern="1200">
+        <a:solidFill>
+          <a:schemeClr val="tx1"/>
+        </a:solidFill>
+        <a:latin typeface="+mn-lt"/>
+        <a:ea typeface="+mn-ea"/>
+        <a:cs typeface="+mn-cs"/>
+      </a:defRPr>
+    </a:lvl3pPr>
+    <a:lvl4pPr marL="1371600" algn="l" defTabSz="914400" rtl="0" eaLnBrk="1" latinLnBrk="0" hangingPunct="1">
+      <a:defRPr sz="1200" kern="1200">
+        <a:solidFill>
+          <a:schemeClr val="tx1"/>
+        </a:solidFill>
+        <a:latin typeface="+mn-lt"/>
+        <a:ea typeface="+mn-ea"/>
+        <a:cs typeface="+mn-cs"/>
+      </a:defRPr>
+    </a:lvl4pPr>
+    <a:lvl5pPr marL="1828800" algn="l" defTabSz="914400" rtl="0" eaLnBrk="1" latinLnBrk="0" hangingPunct="1">
+      <a:defRPr sz="1200" kern="1200">
+        <a:solidFill>
+          <a:schemeClr val="tx1"/>
+        </a:solidFill>
+        <a:latin typeface="+mn-lt"/>
+        <a:ea typeface="+mn-ea"/>
+        <a:cs typeface="+mn-cs"/>
+      </a:defRPr>
+    </a:lvl5pPr>
+    <a:lvl6pPr marL="2286000" algn="l" defTabSz="914400" rtl="0" eaLnBrk="1" latinLnBrk="0" hangingPunct="1">
+      <a:defRPr sz="1200" kern="1200">
+        <a:solidFill>
+          <a:schemeClr val="tx1"/>
+        </a:solidFill>
+        <a:latin typeface="+mn-lt"/>
+        <a:ea typeface="+mn-ea"/>
+        <a:cs typeface="+mn-cs"/>
+      </a:defRPr>
+    </a:lvl6pPr>
+    <a:lvl7pPr marL="2743200" algn="l" defTabSz="914400" rtl="0" eaLnBrk="1" latinLnBrk="0" hangingPunct="1">
+      <a:defRPr sz="1200" kern="1200">
+        <a:solidFill>
+          <a:schemeClr val="tx1"/>
+        </a:solidFill>
+        <a:latin typeface="+mn-lt"/>
+        <a:ea typeface="+mn-ea"/>
+        <a:cs typeface="+mn-cs"/>
+      </a:defRPr>
+    </a:lvl7pPr>
+    <a:lvl8pPr marL="3200400" algn="l" defTabSz="914400" rtl="0" eaLnBrk="1" latinLnBrk="0" hangingPunct="1">
+      <a:defRPr sz="1200" kern="1200">
+        <a:solidFill>
+          <a:schemeClr val="tx1"/>
+        </a:solidFill>
+        <a:latin typeface="+mn-lt"/>
+        <a:ea typeface="+mn-ea"/>
+        <a:cs typeface="+mn-cs"/>
+      </a:defRPr>
+    </a:lvl8pPr>
+    <a:lvl9pPr marL="3657600" algn="l" defTabSz="914400" rtl="0" eaLnBrk="1" latinLnBrk="0" hangingPunct="1">
+      <a:defRPr sz="1200" kern="1200">
+        <a:solidFill>
+          <a:schemeClr val="tx1"/>
+        </a:solidFill>
+        <a:latin typeface="+mn-lt"/>
+        <a:ea typeface="+mn-ea"/>
+        <a:cs typeface="+mn-cs"/>
+      </a:defRPr>
+    </a:lvl9pPr>
+  </p:notesStyle>
+</p:notesMaster>
 </file>
 
 <file path=ppt/slideLayouts/slideLayout1.xml><?xml version="1.0" encoding="utf-8"?>
@@ -129,7 +2608,7 @@
           <p:cNvPr id="7" name="Imagem 6">
             <a:extLst>
               <a:ext uri="{FF2B5EF4-FFF2-40B4-BE49-F238E27FC236}">
-                <a16:creationId xmlns="" xmlns:a16="http://schemas.microsoft.com/office/drawing/2014/main" id="{0659555A-62B8-4F41-8CA4-1B3A3EA14739}"/>
+                <a16:creationId xmlns:a16="http://schemas.microsoft.com/office/drawing/2014/main" id="{0659555A-62B8-4F41-8CA4-1B3A3EA14739}"/>
               </a:ext>
             </a:extLst>
           </p:cNvPr>
@@ -188,10 +2667,9 @@
           </a:lstStyle>
           <a:p>
             <a:r>
-              <a:rPr lang="pt-BR" dirty="0" smtClean="0"/>
+              <a:rPr lang="pt-BR" dirty="0"/>
               <a:t>Clique para editar o título mestre</a:t>
             </a:r>
-            <a:endParaRPr lang="pt-BR" dirty="0"/>
           </a:p>
         </p:txBody>
       </p:sp>
@@ -276,10 +2754,9 @@
           </a:lstStyle>
           <a:p>
             <a:r>
-              <a:rPr lang="pt-BR" dirty="0" smtClean="0"/>
+              <a:rPr lang="pt-BR" dirty="0"/>
               <a:t>Clique para editar o estilo do subtítulo mestre</a:t>
             </a:r>
-            <a:endParaRPr lang="pt-BR" dirty="0"/>
           </a:p>
         </p:txBody>
       </p:sp>
@@ -288,7 +2765,7 @@
           <p:cNvPr id="8" name="Google Shape;97;p1">
             <a:extLst>
               <a:ext uri="{FF2B5EF4-FFF2-40B4-BE49-F238E27FC236}">
-                <a16:creationId xmlns="" xmlns:a16="http://schemas.microsoft.com/office/drawing/2014/main" id="{43A72E65-A81B-49CC-8B20-CF404F1BF450}"/>
+                <a16:creationId xmlns:a16="http://schemas.microsoft.com/office/drawing/2014/main" id="{43A72E65-A81B-49CC-8B20-CF404F1BF450}"/>
               </a:ext>
             </a:extLst>
           </p:cNvPr>
@@ -328,7 +2805,7 @@
           <p:cNvPr id="9" name="Google Shape;99;p1">
             <a:extLst>
               <a:ext uri="{FF2B5EF4-FFF2-40B4-BE49-F238E27FC236}">
-                <a16:creationId xmlns="" xmlns:a16="http://schemas.microsoft.com/office/drawing/2014/main" id="{DE5005F3-3792-41C9-8075-52A42497510B}"/>
+                <a16:creationId xmlns:a16="http://schemas.microsoft.com/office/drawing/2014/main" id="{DE5005F3-3792-41C9-8075-52A42497510B}"/>
               </a:ext>
             </a:extLst>
           </p:cNvPr>
@@ -711,38 +3188,37 @@
           <a:p>
             <a:pPr lvl="0"/>
             <a:r>
-              <a:rPr lang="pt-BR" smtClean="0"/>
+              <a:rPr lang="pt-BR"/>
               <a:t>Clique para editar o texto mestre</a:t>
             </a:r>
           </a:p>
           <a:p>
             <a:pPr lvl="1"/>
             <a:r>
-              <a:rPr lang="pt-BR" smtClean="0"/>
+              <a:rPr lang="pt-BR"/>
               <a:t>Segundo nível</a:t>
             </a:r>
           </a:p>
           <a:p>
             <a:pPr lvl="2"/>
             <a:r>
-              <a:rPr lang="pt-BR" smtClean="0"/>
+              <a:rPr lang="pt-BR"/>
               <a:t>Terceiro nível</a:t>
             </a:r>
           </a:p>
           <a:p>
             <a:pPr lvl="3"/>
             <a:r>
-              <a:rPr lang="pt-BR" smtClean="0"/>
+              <a:rPr lang="pt-BR"/>
               <a:t>Quarto nível</a:t>
             </a:r>
           </a:p>
           <a:p>
             <a:pPr lvl="4"/>
             <a:r>
-              <a:rPr lang="pt-BR" smtClean="0"/>
+              <a:rPr lang="pt-BR"/>
               <a:t>Quinto nível</a:t>
             </a:r>
-            <a:endParaRPr lang="pt-BR"/>
           </a:p>
         </p:txBody>
       </p:sp>
@@ -766,9 +3242,9 @@
           <a:bodyPr/>
           <a:lstStyle/>
           <a:p>
-            <a:fld id="{594ACB89-4662-4B0D-B4A6-6AB382733EB7}" type="datetimeFigureOut">
+            <a:fld id="{9D3B9545-DAC0-419E-85DE-3D98E5847DE1}" type="datetime1">
               <a:rPr lang="pt-BR" smtClean="0"/>
-              <a:t>04/06/2024</a:t>
+              <a:t>19/06/2024</a:t>
             </a:fld>
             <a:endParaRPr lang="pt-BR"/>
           </a:p>
@@ -795,10 +3271,9 @@
           <a:lstStyle/>
           <a:p>
             <a:r>
-              <a:rPr lang="pt-BR" dirty="0" smtClean="0"/>
+              <a:rPr lang="pt-BR" dirty="0"/>
               <a:t>Secretaria de Estado da Economia</a:t>
             </a:r>
-            <a:endParaRPr lang="pt-BR" dirty="0"/>
           </a:p>
         </p:txBody>
       </p:sp>
@@ -885,7 +3360,7 @@
           <p:cNvPr id="11" name="Google Shape;99;p1">
             <a:extLst>
               <a:ext uri="{FF2B5EF4-FFF2-40B4-BE49-F238E27FC236}">
-                <a16:creationId xmlns="" xmlns:a16="http://schemas.microsoft.com/office/drawing/2014/main" id="{C89C81E2-5AA1-4DC2-9862-37B2AA378531}"/>
+                <a16:creationId xmlns:a16="http://schemas.microsoft.com/office/drawing/2014/main" id="{C89C81E2-5AA1-4DC2-9862-37B2AA378531}"/>
               </a:ext>
             </a:extLst>
           </p:cNvPr>
@@ -1005,10 +3480,9 @@
           <a:lstStyle/>
           <a:p>
             <a:r>
-              <a:rPr lang="pt-BR" dirty="0" smtClean="0"/>
+              <a:rPr lang="pt-BR" dirty="0"/>
               <a:t>Clique para editar o título mestre</a:t>
             </a:r>
-            <a:endParaRPr lang="pt-BR" dirty="0"/>
           </a:p>
         </p:txBody>
       </p:sp>
@@ -1062,10 +3536,9 @@
           <a:p>
             <a:pPr lvl="0"/>
             <a:r>
-              <a:rPr lang="pt-BR" dirty="0" smtClean="0"/>
+              <a:rPr lang="pt-BR" dirty="0"/>
               <a:t>Clique para editar o estilo do subtítulo mestre</a:t>
             </a:r>
-            <a:endParaRPr lang="pt-BR" dirty="0"/>
           </a:p>
         </p:txBody>
       </p:sp>
@@ -1120,10 +3593,9 @@
           <a:lstStyle/>
           <a:p>
             <a:r>
-              <a:rPr lang="pt-BR" smtClean="0"/>
+              <a:rPr lang="pt-BR"/>
               <a:t>Clique para editar o título mestre</a:t>
             </a:r>
-            <a:endParaRPr lang="pt-BR"/>
           </a:p>
         </p:txBody>
       </p:sp>
@@ -1149,38 +3621,37 @@
           <a:p>
             <a:pPr lvl="0"/>
             <a:r>
-              <a:rPr lang="pt-BR" smtClean="0"/>
+              <a:rPr lang="pt-BR"/>
               <a:t>Clique para editar o texto mestre</a:t>
             </a:r>
           </a:p>
           <a:p>
             <a:pPr lvl="1"/>
             <a:r>
-              <a:rPr lang="pt-BR" smtClean="0"/>
+              <a:rPr lang="pt-BR"/>
               <a:t>Segundo nível</a:t>
             </a:r>
           </a:p>
           <a:p>
             <a:pPr lvl="2"/>
             <a:r>
-              <a:rPr lang="pt-BR" smtClean="0"/>
+              <a:rPr lang="pt-BR"/>
               <a:t>Terceiro nível</a:t>
             </a:r>
           </a:p>
           <a:p>
             <a:pPr lvl="3"/>
             <a:r>
-              <a:rPr lang="pt-BR" smtClean="0"/>
+              <a:rPr lang="pt-BR"/>
               <a:t>Quarto nível</a:t>
             </a:r>
           </a:p>
           <a:p>
             <a:pPr lvl="4"/>
             <a:r>
-              <a:rPr lang="pt-BR" smtClean="0"/>
+              <a:rPr lang="pt-BR"/>
               <a:t>Quinto nível</a:t>
             </a:r>
-            <a:endParaRPr lang="pt-BR"/>
           </a:p>
         </p:txBody>
       </p:sp>
@@ -1204,9 +3675,9 @@
           <a:bodyPr/>
           <a:lstStyle/>
           <a:p>
-            <a:fld id="{594ACB89-4662-4B0D-B4A6-6AB382733EB7}" type="datetimeFigureOut">
+            <a:fld id="{DF7172D7-E29E-45F0-859B-8326898233ED}" type="datetime1">
               <a:rPr lang="pt-BR" smtClean="0"/>
-              <a:t>04/06/2024</a:t>
+              <a:t>19/06/2024</a:t>
             </a:fld>
             <a:endParaRPr lang="pt-BR"/>
           </a:p>
@@ -1233,10 +3704,9 @@
           <a:lstStyle/>
           <a:p>
             <a:r>
-              <a:rPr lang="pt-BR" dirty="0" smtClean="0"/>
+              <a:rPr lang="pt-BR" dirty="0"/>
               <a:t>Secretaria de Estado da Economia</a:t>
             </a:r>
-            <a:endParaRPr lang="pt-BR" dirty="0"/>
           </a:p>
         </p:txBody>
       </p:sp>
@@ -1273,7 +3743,7 @@
           <p:cNvPr id="11" name="Google Shape;99;p1">
             <a:extLst>
               <a:ext uri="{FF2B5EF4-FFF2-40B4-BE49-F238E27FC236}">
-                <a16:creationId xmlns="" xmlns:a16="http://schemas.microsoft.com/office/drawing/2014/main" id="{C89C81E2-5AA1-4DC2-9862-37B2AA378531}"/>
+                <a16:creationId xmlns:a16="http://schemas.microsoft.com/office/drawing/2014/main" id="{C89C81E2-5AA1-4DC2-9862-37B2AA378531}"/>
               </a:ext>
             </a:extLst>
           </p:cNvPr>
@@ -1527,38 +3997,37 @@
           <a:p>
             <a:pPr lvl="0"/>
             <a:r>
-              <a:rPr lang="pt-BR" dirty="0" smtClean="0"/>
+              <a:rPr lang="pt-BR" dirty="0"/>
               <a:t>Clique para editar o texto mestre</a:t>
             </a:r>
           </a:p>
           <a:p>
             <a:pPr lvl="1"/>
             <a:r>
-              <a:rPr lang="pt-BR" dirty="0" smtClean="0"/>
+              <a:rPr lang="pt-BR" dirty="0"/>
               <a:t>Segundo nível</a:t>
             </a:r>
           </a:p>
           <a:p>
             <a:pPr lvl="2"/>
             <a:r>
-              <a:rPr lang="pt-BR" dirty="0" smtClean="0"/>
+              <a:rPr lang="pt-BR" dirty="0"/>
               <a:t>Terceiro nível</a:t>
             </a:r>
           </a:p>
           <a:p>
             <a:pPr lvl="3"/>
             <a:r>
-              <a:rPr lang="pt-BR" dirty="0" smtClean="0"/>
+              <a:rPr lang="pt-BR" dirty="0"/>
               <a:t>Quarto nível</a:t>
             </a:r>
           </a:p>
           <a:p>
             <a:pPr lvl="4"/>
             <a:r>
-              <a:rPr lang="pt-BR" dirty="0" smtClean="0"/>
+              <a:rPr lang="pt-BR" dirty="0"/>
               <a:t>Quinto nível</a:t>
             </a:r>
-            <a:endParaRPr lang="pt-BR" dirty="0"/>
           </a:p>
         </p:txBody>
       </p:sp>
@@ -1582,9 +4051,9 @@
           <a:bodyPr/>
           <a:lstStyle/>
           <a:p>
-            <a:fld id="{594ACB89-4662-4B0D-B4A6-6AB382733EB7}" type="datetimeFigureOut">
+            <a:fld id="{9D1DFD41-D5C6-451F-8FDC-B4CCBD1403AB}" type="datetime1">
               <a:rPr lang="pt-BR" smtClean="0"/>
-              <a:t>04/06/2024</a:t>
+              <a:t>19/06/2024</a:t>
             </a:fld>
             <a:endParaRPr lang="pt-BR"/>
           </a:p>
@@ -1611,10 +4080,9 @@
           <a:lstStyle/>
           <a:p>
             <a:r>
-              <a:rPr lang="pt-BR" dirty="0" smtClean="0"/>
+              <a:rPr lang="pt-BR" dirty="0"/>
               <a:t>Secretaria de Estado da Economia</a:t>
             </a:r>
-            <a:endParaRPr lang="pt-BR" dirty="0"/>
           </a:p>
         </p:txBody>
       </p:sp>
@@ -1651,7 +4119,7 @@
           <p:cNvPr id="8" name="Google Shape;99;p1">
             <a:extLst>
               <a:ext uri="{FF2B5EF4-FFF2-40B4-BE49-F238E27FC236}">
-                <a16:creationId xmlns="" xmlns:a16="http://schemas.microsoft.com/office/drawing/2014/main" id="{C89C81E2-5AA1-4DC2-9862-37B2AA378531}"/>
+                <a16:creationId xmlns:a16="http://schemas.microsoft.com/office/drawing/2014/main" id="{C89C81E2-5AA1-4DC2-9862-37B2AA378531}"/>
               </a:ext>
             </a:extLst>
           </p:cNvPr>
@@ -1771,10 +4239,9 @@
           <a:lstStyle/>
           <a:p>
             <a:r>
-              <a:rPr lang="pt-BR" dirty="0" smtClean="0"/>
+              <a:rPr lang="pt-BR" dirty="0"/>
               <a:t>Clique para editar o título mestre</a:t>
             </a:r>
-            <a:endParaRPr lang="pt-BR" dirty="0"/>
           </a:p>
         </p:txBody>
       </p:sp>
@@ -1828,10 +4295,9 @@
           <a:p>
             <a:pPr lvl="0"/>
             <a:r>
-              <a:rPr lang="pt-BR" dirty="0" smtClean="0"/>
+              <a:rPr lang="pt-BR" dirty="0"/>
               <a:t>Clique para editar o estilo do subtítulo mestre</a:t>
             </a:r>
-            <a:endParaRPr lang="pt-BR" dirty="0"/>
           </a:p>
         </p:txBody>
       </p:sp>
@@ -1920,7 +4386,7 @@
           <p:cNvPr id="10" name="Imagem 9">
             <a:extLst>
               <a:ext uri="{FF2B5EF4-FFF2-40B4-BE49-F238E27FC236}">
-                <a16:creationId xmlns="" xmlns:a16="http://schemas.microsoft.com/office/drawing/2014/main" id="{71A80B54-C860-4BA2-B87D-C4589EA9BA7E}"/>
+                <a16:creationId xmlns:a16="http://schemas.microsoft.com/office/drawing/2014/main" id="{71A80B54-C860-4BA2-B87D-C4589EA9BA7E}"/>
               </a:ext>
             </a:extLst>
           </p:cNvPr>
@@ -1997,18 +4463,13 @@
               <a:buSzPts val="4400"/>
             </a:pPr>
             <a:r>
-              <a:rPr lang="pt-BR" altLang="pt-BR" sz="3600" dirty="0" smtClean="0">
+              <a:rPr lang="pt-BR" altLang="pt-BR" sz="3600" dirty="0">
                 <a:solidFill>
                   <a:srgbClr val="FFFFFF"/>
                 </a:solidFill>
               </a:rPr>
               <a:t>Texto 2</a:t>
             </a:r>
-            <a:endParaRPr lang="pt-BR" altLang="pt-BR" sz="3600" dirty="0">
-              <a:solidFill>
-                <a:srgbClr val="FFFFFF"/>
-              </a:solidFill>
-            </a:endParaRPr>
           </a:p>
         </p:txBody>
       </p:sp>
@@ -2145,18 +4606,13 @@
               <a:buSzPts val="2400"/>
             </a:pPr>
             <a:r>
-              <a:rPr lang="pt-BR" altLang="pt-BR" sz="1800" b="1" dirty="0" smtClean="0">
+              <a:rPr lang="pt-BR" altLang="pt-BR" sz="1800" b="1" dirty="0">
                 <a:solidFill>
                   <a:srgbClr val="F9D700"/>
                 </a:solidFill>
               </a:rPr>
               <a:t>Texto 1</a:t>
             </a:r>
-            <a:endParaRPr lang="pt-BR" altLang="pt-BR" sz="1800" b="1" dirty="0">
-              <a:solidFill>
-                <a:srgbClr val="F9D700"/>
-              </a:solidFill>
-            </a:endParaRPr>
           </a:p>
         </p:txBody>
       </p:sp>
@@ -2165,7 +4621,7 @@
           <p:cNvPr id="11" name="Google Shape;192;p9">
             <a:extLst>
               <a:ext uri="{FF2B5EF4-FFF2-40B4-BE49-F238E27FC236}">
-                <a16:creationId xmlns="" xmlns:a16="http://schemas.microsoft.com/office/drawing/2014/main" id="{9FF45E9E-E00B-4624-83A3-89B863583FD8}"/>
+                <a16:creationId xmlns:a16="http://schemas.microsoft.com/office/drawing/2014/main" id="{9FF45E9E-E00B-4624-83A3-89B863583FD8}"/>
               </a:ext>
             </a:extLst>
           </p:cNvPr>
@@ -2272,38 +4728,37 @@
           <a:p>
             <a:pPr lvl="0"/>
             <a:r>
-              <a:rPr lang="pt-BR" smtClean="0"/>
+              <a:rPr lang="pt-BR"/>
               <a:t>Clique para editar o texto mestre</a:t>
             </a:r>
           </a:p>
           <a:p>
             <a:pPr lvl="1"/>
             <a:r>
-              <a:rPr lang="pt-BR" smtClean="0"/>
+              <a:rPr lang="pt-BR"/>
               <a:t>Segundo nível</a:t>
             </a:r>
           </a:p>
           <a:p>
             <a:pPr lvl="2"/>
             <a:r>
-              <a:rPr lang="pt-BR" smtClean="0"/>
+              <a:rPr lang="pt-BR"/>
               <a:t>Terceiro nível</a:t>
             </a:r>
           </a:p>
           <a:p>
             <a:pPr lvl="3"/>
             <a:r>
-              <a:rPr lang="pt-BR" smtClean="0"/>
+              <a:rPr lang="pt-BR"/>
               <a:t>Quarto nível</a:t>
             </a:r>
           </a:p>
           <a:p>
             <a:pPr lvl="4"/>
             <a:r>
-              <a:rPr lang="pt-BR" smtClean="0"/>
+              <a:rPr lang="pt-BR"/>
               <a:t>Quinto nível</a:t>
             </a:r>
-            <a:endParaRPr lang="pt-BR"/>
           </a:p>
         </p:txBody>
       </p:sp>
@@ -2329,38 +4784,37 @@
           <a:p>
             <a:pPr lvl="0"/>
             <a:r>
-              <a:rPr lang="pt-BR" smtClean="0"/>
+              <a:rPr lang="pt-BR"/>
               <a:t>Clique para editar o texto mestre</a:t>
             </a:r>
           </a:p>
           <a:p>
             <a:pPr lvl="1"/>
             <a:r>
-              <a:rPr lang="pt-BR" smtClean="0"/>
+              <a:rPr lang="pt-BR"/>
               <a:t>Segundo nível</a:t>
             </a:r>
           </a:p>
           <a:p>
             <a:pPr lvl="2"/>
             <a:r>
-              <a:rPr lang="pt-BR" smtClean="0"/>
+              <a:rPr lang="pt-BR"/>
               <a:t>Terceiro nível</a:t>
             </a:r>
           </a:p>
           <a:p>
             <a:pPr lvl="3"/>
             <a:r>
-              <a:rPr lang="pt-BR" smtClean="0"/>
+              <a:rPr lang="pt-BR"/>
               <a:t>Quarto nível</a:t>
             </a:r>
           </a:p>
           <a:p>
             <a:pPr lvl="4"/>
             <a:r>
-              <a:rPr lang="pt-BR" smtClean="0"/>
+              <a:rPr lang="pt-BR"/>
               <a:t>Quinto nível</a:t>
             </a:r>
-            <a:endParaRPr lang="pt-BR"/>
           </a:p>
         </p:txBody>
       </p:sp>
@@ -2384,9 +4838,9 @@
           <a:bodyPr/>
           <a:lstStyle/>
           <a:p>
-            <a:fld id="{594ACB89-4662-4B0D-B4A6-6AB382733EB7}" type="datetimeFigureOut">
+            <a:fld id="{0607BD49-73B0-4A8F-9945-1AB1E5A4A7D9}" type="datetime1">
               <a:rPr lang="pt-BR" smtClean="0"/>
-              <a:t>04/06/2024</a:t>
+              <a:t>19/06/2024</a:t>
             </a:fld>
             <a:endParaRPr lang="pt-BR"/>
           </a:p>
@@ -2413,10 +4867,9 @@
           <a:lstStyle/>
           <a:p>
             <a:r>
-              <a:rPr lang="pt-BR" dirty="0" smtClean="0"/>
+              <a:rPr lang="pt-BR" dirty="0"/>
               <a:t>Secretaria de Estado da Economia</a:t>
             </a:r>
-            <a:endParaRPr lang="pt-BR" dirty="0"/>
           </a:p>
         </p:txBody>
       </p:sp>
@@ -2503,7 +4956,7 @@
           <p:cNvPr id="12" name="Google Shape;99;p1">
             <a:extLst>
               <a:ext uri="{FF2B5EF4-FFF2-40B4-BE49-F238E27FC236}">
-                <a16:creationId xmlns="" xmlns:a16="http://schemas.microsoft.com/office/drawing/2014/main" id="{C89C81E2-5AA1-4DC2-9862-37B2AA378531}"/>
+                <a16:creationId xmlns:a16="http://schemas.microsoft.com/office/drawing/2014/main" id="{C89C81E2-5AA1-4DC2-9862-37B2AA378531}"/>
               </a:ext>
             </a:extLst>
           </p:cNvPr>
@@ -2623,10 +5076,9 @@
           <a:lstStyle/>
           <a:p>
             <a:r>
-              <a:rPr lang="pt-BR" dirty="0" smtClean="0"/>
+              <a:rPr lang="pt-BR" dirty="0"/>
               <a:t>Clique para editar o título mestre</a:t>
             </a:r>
-            <a:endParaRPr lang="pt-BR" dirty="0"/>
           </a:p>
         </p:txBody>
       </p:sp>
@@ -2680,10 +5132,9 @@
           <a:p>
             <a:pPr lvl="0"/>
             <a:r>
-              <a:rPr lang="pt-BR" dirty="0" smtClean="0"/>
+              <a:rPr lang="pt-BR" dirty="0"/>
               <a:t>Clique para editar o estilo do subtítulo mestre</a:t>
             </a:r>
-            <a:endParaRPr lang="pt-BR" dirty="0"/>
           </a:p>
         </p:txBody>
       </p:sp>
@@ -2776,7 +5227,7 @@
           <a:p>
             <a:pPr lvl="0"/>
             <a:r>
-              <a:rPr lang="pt-BR" smtClean="0"/>
+              <a:rPr lang="pt-BR"/>
               <a:t>Clique para editar o texto mestre</a:t>
             </a:r>
           </a:p>
@@ -2804,38 +5255,37 @@
           <a:p>
             <a:pPr lvl="0"/>
             <a:r>
-              <a:rPr lang="pt-BR" smtClean="0"/>
+              <a:rPr lang="pt-BR"/>
               <a:t>Clique para editar o texto mestre</a:t>
             </a:r>
           </a:p>
           <a:p>
             <a:pPr lvl="1"/>
             <a:r>
-              <a:rPr lang="pt-BR" smtClean="0"/>
+              <a:rPr lang="pt-BR"/>
               <a:t>Segundo nível</a:t>
             </a:r>
           </a:p>
           <a:p>
             <a:pPr lvl="2"/>
             <a:r>
-              <a:rPr lang="pt-BR" smtClean="0"/>
+              <a:rPr lang="pt-BR"/>
               <a:t>Terceiro nível</a:t>
             </a:r>
           </a:p>
           <a:p>
             <a:pPr lvl="3"/>
             <a:r>
-              <a:rPr lang="pt-BR" smtClean="0"/>
+              <a:rPr lang="pt-BR"/>
               <a:t>Quarto nível</a:t>
             </a:r>
           </a:p>
           <a:p>
             <a:pPr lvl="4"/>
             <a:r>
-              <a:rPr lang="pt-BR" smtClean="0"/>
+              <a:rPr lang="pt-BR"/>
               <a:t>Quinto nível</a:t>
             </a:r>
-            <a:endParaRPr lang="pt-BR"/>
           </a:p>
         </p:txBody>
       </p:sp>
@@ -2898,7 +5348,7 @@
           <a:p>
             <a:pPr lvl="0"/>
             <a:r>
-              <a:rPr lang="pt-BR" smtClean="0"/>
+              <a:rPr lang="pt-BR"/>
               <a:t>Clique para editar o texto mestre</a:t>
             </a:r>
           </a:p>
@@ -2926,38 +5376,37 @@
           <a:p>
             <a:pPr lvl="0"/>
             <a:r>
-              <a:rPr lang="pt-BR" smtClean="0"/>
+              <a:rPr lang="pt-BR"/>
               <a:t>Clique para editar o texto mestre</a:t>
             </a:r>
           </a:p>
           <a:p>
             <a:pPr lvl="1"/>
             <a:r>
-              <a:rPr lang="pt-BR" smtClean="0"/>
+              <a:rPr lang="pt-BR"/>
               <a:t>Segundo nível</a:t>
             </a:r>
           </a:p>
           <a:p>
             <a:pPr lvl="2"/>
             <a:r>
-              <a:rPr lang="pt-BR" smtClean="0"/>
+              <a:rPr lang="pt-BR"/>
               <a:t>Terceiro nível</a:t>
             </a:r>
           </a:p>
           <a:p>
             <a:pPr lvl="3"/>
             <a:r>
-              <a:rPr lang="pt-BR" smtClean="0"/>
+              <a:rPr lang="pt-BR"/>
               <a:t>Quarto nível</a:t>
             </a:r>
           </a:p>
           <a:p>
             <a:pPr lvl="4"/>
             <a:r>
-              <a:rPr lang="pt-BR" smtClean="0"/>
+              <a:rPr lang="pt-BR"/>
               <a:t>Quinto nível</a:t>
             </a:r>
-            <a:endParaRPr lang="pt-BR"/>
           </a:p>
         </p:txBody>
       </p:sp>
@@ -2981,9 +5430,9 @@
           <a:bodyPr/>
           <a:lstStyle/>
           <a:p>
-            <a:fld id="{594ACB89-4662-4B0D-B4A6-6AB382733EB7}" type="datetimeFigureOut">
+            <a:fld id="{3395128D-77F1-4756-93C8-EE2A964385C3}" type="datetime1">
               <a:rPr lang="pt-BR" smtClean="0"/>
-              <a:t>04/06/2024</a:t>
+              <a:t>19/06/2024</a:t>
             </a:fld>
             <a:endParaRPr lang="pt-BR"/>
           </a:p>
@@ -3010,10 +5459,9 @@
           <a:lstStyle/>
           <a:p>
             <a:r>
-              <a:rPr lang="pt-BR" dirty="0" smtClean="0"/>
+              <a:rPr lang="pt-BR" dirty="0"/>
               <a:t>Secretaria de Estado da Economia</a:t>
             </a:r>
-            <a:endParaRPr lang="pt-BR" dirty="0"/>
           </a:p>
         </p:txBody>
       </p:sp>
@@ -3100,7 +5548,7 @@
           <p:cNvPr id="14" name="Google Shape;99;p1">
             <a:extLst>
               <a:ext uri="{FF2B5EF4-FFF2-40B4-BE49-F238E27FC236}">
-                <a16:creationId xmlns="" xmlns:a16="http://schemas.microsoft.com/office/drawing/2014/main" id="{C89C81E2-5AA1-4DC2-9862-37B2AA378531}"/>
+                <a16:creationId xmlns:a16="http://schemas.microsoft.com/office/drawing/2014/main" id="{C89C81E2-5AA1-4DC2-9862-37B2AA378531}"/>
               </a:ext>
             </a:extLst>
           </p:cNvPr>
@@ -3220,10 +5668,9 @@
           <a:lstStyle/>
           <a:p>
             <a:r>
-              <a:rPr lang="pt-BR" dirty="0" smtClean="0"/>
+              <a:rPr lang="pt-BR" dirty="0"/>
               <a:t>Clique para editar o título mestre</a:t>
             </a:r>
-            <a:endParaRPr lang="pt-BR" dirty="0"/>
           </a:p>
         </p:txBody>
       </p:sp>
@@ -3277,10 +5724,9 @@
           <a:p>
             <a:pPr lvl="0"/>
             <a:r>
-              <a:rPr lang="pt-BR" dirty="0" smtClean="0"/>
+              <a:rPr lang="pt-BR" dirty="0"/>
               <a:t>Clique para editar o estilo do subtítulo mestre</a:t>
             </a:r>
-            <a:endParaRPr lang="pt-BR" dirty="0"/>
           </a:p>
         </p:txBody>
       </p:sp>
@@ -3334,9 +5780,9 @@
           <a:bodyPr/>
           <a:lstStyle/>
           <a:p>
-            <a:fld id="{594ACB89-4662-4B0D-B4A6-6AB382733EB7}" type="datetimeFigureOut">
+            <a:fld id="{DB640980-AF61-493B-AC89-46355AB17B7B}" type="datetime1">
               <a:rPr lang="pt-BR" smtClean="0"/>
-              <a:t>04/06/2024</a:t>
+              <a:t>19/06/2024</a:t>
             </a:fld>
             <a:endParaRPr lang="pt-BR"/>
           </a:p>
@@ -3363,10 +5809,9 @@
           <a:lstStyle/>
           <a:p>
             <a:r>
-              <a:rPr lang="pt-BR" dirty="0" smtClean="0"/>
+              <a:rPr lang="pt-BR" dirty="0"/>
               <a:t>Secretaria de Estado da Economia</a:t>
             </a:r>
-            <a:endParaRPr lang="pt-BR" dirty="0"/>
           </a:p>
         </p:txBody>
       </p:sp>
@@ -3453,7 +5898,7 @@
           <p:cNvPr id="10" name="Google Shape;99;p1">
             <a:extLst>
               <a:ext uri="{FF2B5EF4-FFF2-40B4-BE49-F238E27FC236}">
-                <a16:creationId xmlns="" xmlns:a16="http://schemas.microsoft.com/office/drawing/2014/main" id="{C89C81E2-5AA1-4DC2-9862-37B2AA378531}"/>
+                <a16:creationId xmlns:a16="http://schemas.microsoft.com/office/drawing/2014/main" id="{C89C81E2-5AA1-4DC2-9862-37B2AA378531}"/>
               </a:ext>
             </a:extLst>
           </p:cNvPr>
@@ -3573,10 +6018,9 @@
           <a:lstStyle/>
           <a:p>
             <a:r>
-              <a:rPr lang="pt-BR" dirty="0" smtClean="0"/>
+              <a:rPr lang="pt-BR" dirty="0"/>
               <a:t>Clique para editar o título mestre</a:t>
             </a:r>
-            <a:endParaRPr lang="pt-BR" dirty="0"/>
           </a:p>
         </p:txBody>
       </p:sp>
@@ -3630,10 +6074,9 @@
           <a:p>
             <a:pPr lvl="0"/>
             <a:r>
-              <a:rPr lang="pt-BR" dirty="0" smtClean="0"/>
+              <a:rPr lang="pt-BR" dirty="0"/>
               <a:t>Clique para editar o estilo do subtítulo mestre</a:t>
             </a:r>
-            <a:endParaRPr lang="pt-BR" dirty="0"/>
           </a:p>
         </p:txBody>
       </p:sp>
@@ -3687,9 +6130,9 @@
           <a:bodyPr/>
           <a:lstStyle/>
           <a:p>
-            <a:fld id="{594ACB89-4662-4B0D-B4A6-6AB382733EB7}" type="datetimeFigureOut">
+            <a:fld id="{25B9F0CD-75E8-4E42-9852-939F0791AF88}" type="datetime1">
               <a:rPr lang="pt-BR" smtClean="0"/>
-              <a:t>04/06/2024</a:t>
+              <a:t>19/06/2024</a:t>
             </a:fld>
             <a:endParaRPr lang="pt-BR"/>
           </a:p>
@@ -3716,10 +6159,9 @@
           <a:lstStyle/>
           <a:p>
             <a:r>
-              <a:rPr lang="pt-BR" dirty="0" smtClean="0"/>
+              <a:rPr lang="pt-BR" dirty="0"/>
               <a:t>Secretaria de Estado da Economia</a:t>
             </a:r>
-            <a:endParaRPr lang="pt-BR" dirty="0"/>
           </a:p>
         </p:txBody>
       </p:sp>
@@ -3806,7 +6248,7 @@
           <p:cNvPr id="9" name="Google Shape;99;p1">
             <a:extLst>
               <a:ext uri="{FF2B5EF4-FFF2-40B4-BE49-F238E27FC236}">
-                <a16:creationId xmlns="" xmlns:a16="http://schemas.microsoft.com/office/drawing/2014/main" id="{C89C81E2-5AA1-4DC2-9862-37B2AA378531}"/>
+                <a16:creationId xmlns:a16="http://schemas.microsoft.com/office/drawing/2014/main" id="{C89C81E2-5AA1-4DC2-9862-37B2AA378531}"/>
               </a:ext>
             </a:extLst>
           </p:cNvPr>
@@ -3887,10 +6329,9 @@
           <a:lstStyle/>
           <a:p>
             <a:r>
-              <a:rPr lang="pt-BR" dirty="0" smtClean="0"/>
+              <a:rPr lang="pt-BR" dirty="0"/>
               <a:t>Clique para editar o título mestre</a:t>
             </a:r>
-            <a:endParaRPr lang="pt-BR" dirty="0"/>
           </a:p>
         </p:txBody>
       </p:sp>
@@ -3944,10 +6385,9 @@
           <a:p>
             <a:pPr lvl="0"/>
             <a:r>
-              <a:rPr lang="pt-BR" dirty="0" smtClean="0"/>
+              <a:rPr lang="pt-BR" dirty="0"/>
               <a:t>Clique para editar o estilo do subtítulo mestre</a:t>
             </a:r>
-            <a:endParaRPr lang="pt-BR" dirty="0"/>
           </a:p>
         </p:txBody>
       </p:sp>
@@ -4006,10 +6446,9 @@
           </a:lstStyle>
           <a:p>
             <a:r>
-              <a:rPr lang="pt-BR" smtClean="0"/>
+              <a:rPr lang="pt-BR"/>
               <a:t>Clique para editar o título mestre</a:t>
             </a:r>
-            <a:endParaRPr lang="pt-BR"/>
           </a:p>
         </p:txBody>
       </p:sp>
@@ -4103,38 +6542,37 @@
           <a:p>
             <a:pPr lvl="0"/>
             <a:r>
-              <a:rPr lang="pt-BR" dirty="0" smtClean="0"/>
+              <a:rPr lang="pt-BR" dirty="0"/>
               <a:t>Clique para editar o texto mestre</a:t>
             </a:r>
           </a:p>
           <a:p>
             <a:pPr lvl="1"/>
             <a:r>
-              <a:rPr lang="pt-BR" dirty="0" smtClean="0"/>
+              <a:rPr lang="pt-BR" dirty="0"/>
               <a:t>Segundo nível</a:t>
             </a:r>
           </a:p>
           <a:p>
             <a:pPr lvl="2"/>
             <a:r>
-              <a:rPr lang="pt-BR" dirty="0" smtClean="0"/>
+              <a:rPr lang="pt-BR" dirty="0"/>
               <a:t>Terceiro nível</a:t>
             </a:r>
           </a:p>
           <a:p>
             <a:pPr lvl="3"/>
             <a:r>
-              <a:rPr lang="pt-BR" dirty="0" smtClean="0"/>
+              <a:rPr lang="pt-BR" dirty="0"/>
               <a:t>Quarto nível</a:t>
             </a:r>
           </a:p>
           <a:p>
             <a:pPr lvl="4"/>
             <a:r>
-              <a:rPr lang="pt-BR" dirty="0" smtClean="0"/>
+              <a:rPr lang="pt-BR" dirty="0"/>
               <a:t>Quinto nível</a:t>
             </a:r>
-            <a:endParaRPr lang="pt-BR" dirty="0"/>
           </a:p>
         </p:txBody>
       </p:sp>
@@ -4197,7 +6635,7 @@
           <a:p>
             <a:pPr lvl="0"/>
             <a:r>
-              <a:rPr lang="pt-BR" smtClean="0"/>
+              <a:rPr lang="pt-BR"/>
               <a:t>Clique para editar o texto mestre</a:t>
             </a:r>
           </a:p>
@@ -4223,9 +6661,9 @@
           <a:bodyPr/>
           <a:lstStyle/>
           <a:p>
-            <a:fld id="{594ACB89-4662-4B0D-B4A6-6AB382733EB7}" type="datetimeFigureOut">
+            <a:fld id="{BE95EA4F-EA24-4028-993A-FDA0886A51D8}" type="datetime1">
               <a:rPr lang="pt-BR" smtClean="0"/>
-              <a:t>04/06/2024</a:t>
+              <a:t>19/06/2024</a:t>
             </a:fld>
             <a:endParaRPr lang="pt-BR"/>
           </a:p>
@@ -4252,10 +6690,9 @@
           <a:lstStyle/>
           <a:p>
             <a:r>
-              <a:rPr lang="pt-BR" dirty="0" smtClean="0"/>
+              <a:rPr lang="pt-BR" dirty="0"/>
               <a:t>Secretaria de Estado da Economia</a:t>
             </a:r>
-            <a:endParaRPr lang="pt-BR" dirty="0"/>
           </a:p>
         </p:txBody>
       </p:sp>
@@ -4342,7 +6779,7 @@
           <p:cNvPr id="12" name="Google Shape;99;p1">
             <a:extLst>
               <a:ext uri="{FF2B5EF4-FFF2-40B4-BE49-F238E27FC236}">
-                <a16:creationId xmlns="" xmlns:a16="http://schemas.microsoft.com/office/drawing/2014/main" id="{C89C81E2-5AA1-4DC2-9862-37B2AA378531}"/>
+                <a16:creationId xmlns:a16="http://schemas.microsoft.com/office/drawing/2014/main" id="{C89C81E2-5AA1-4DC2-9862-37B2AA378531}"/>
               </a:ext>
             </a:extLst>
           </p:cNvPr>
@@ -4491,10 +6928,9 @@
           </a:lstStyle>
           <a:p>
             <a:r>
-              <a:rPr lang="pt-BR" smtClean="0"/>
+              <a:rPr lang="pt-BR"/>
               <a:t>Clique para editar o título mestre</a:t>
             </a:r>
-            <a:endParaRPr lang="pt-BR"/>
           </a:p>
         </p:txBody>
       </p:sp>
@@ -4618,7 +7054,7 @@
           <a:p>
             <a:pPr lvl="0"/>
             <a:r>
-              <a:rPr lang="pt-BR" smtClean="0"/>
+              <a:rPr lang="pt-BR"/>
               <a:t>Clique para editar o texto mestre</a:t>
             </a:r>
           </a:p>
@@ -4644,9 +7080,9 @@
           <a:bodyPr/>
           <a:lstStyle/>
           <a:p>
-            <a:fld id="{594ACB89-4662-4B0D-B4A6-6AB382733EB7}" type="datetimeFigureOut">
+            <a:fld id="{470491BB-C939-4FFF-9E62-5A4EC19959E7}" type="datetime1">
               <a:rPr lang="pt-BR" smtClean="0"/>
-              <a:t>04/06/2024</a:t>
+              <a:t>19/06/2024</a:t>
             </a:fld>
             <a:endParaRPr lang="pt-BR"/>
           </a:p>
@@ -4673,10 +7109,9 @@
           <a:lstStyle/>
           <a:p>
             <a:r>
-              <a:rPr lang="pt-BR" dirty="0" smtClean="0"/>
+              <a:rPr lang="pt-BR" dirty="0"/>
               <a:t>Secretaria de Estado da Economia</a:t>
             </a:r>
-            <a:endParaRPr lang="pt-BR" dirty="0"/>
           </a:p>
         </p:txBody>
       </p:sp>
@@ -4713,7 +7148,7 @@
           <p:cNvPr id="12" name="Google Shape;99;p1">
             <a:extLst>
               <a:ext uri="{FF2B5EF4-FFF2-40B4-BE49-F238E27FC236}">
-                <a16:creationId xmlns="" xmlns:a16="http://schemas.microsoft.com/office/drawing/2014/main" id="{C89C81E2-5AA1-4DC2-9862-37B2AA378531}"/>
+                <a16:creationId xmlns:a16="http://schemas.microsoft.com/office/drawing/2014/main" id="{C89C81E2-5AA1-4DC2-9862-37B2AA378531}"/>
               </a:ext>
             </a:extLst>
           </p:cNvPr>
@@ -4918,10 +7353,9 @@
           <a:lstStyle/>
           <a:p>
             <a:r>
-              <a:rPr lang="pt-BR" dirty="0" smtClean="0"/>
+              <a:rPr lang="pt-BR" dirty="0"/>
               <a:t>Clique para editar o título mestre</a:t>
             </a:r>
-            <a:endParaRPr lang="pt-BR" dirty="0"/>
           </a:p>
         </p:txBody>
       </p:sp>
@@ -4952,38 +7386,37 @@
           <a:p>
             <a:pPr lvl="0"/>
             <a:r>
-              <a:rPr lang="pt-BR" dirty="0" smtClean="0"/>
+              <a:rPr lang="pt-BR" dirty="0"/>
               <a:t>Clique para editar o texto mestre</a:t>
             </a:r>
           </a:p>
           <a:p>
             <a:pPr lvl="1"/>
             <a:r>
-              <a:rPr lang="pt-BR" dirty="0" smtClean="0"/>
+              <a:rPr lang="pt-BR" dirty="0"/>
               <a:t>Segundo nível</a:t>
             </a:r>
           </a:p>
           <a:p>
             <a:pPr lvl="2"/>
             <a:r>
-              <a:rPr lang="pt-BR" dirty="0" smtClean="0"/>
+              <a:rPr lang="pt-BR" dirty="0"/>
               <a:t>Terceiro nível</a:t>
             </a:r>
           </a:p>
           <a:p>
             <a:pPr lvl="3"/>
             <a:r>
-              <a:rPr lang="pt-BR" dirty="0" smtClean="0"/>
+              <a:rPr lang="pt-BR" dirty="0"/>
               <a:t>Quarto nível</a:t>
             </a:r>
           </a:p>
           <a:p>
             <a:pPr lvl="4"/>
             <a:r>
-              <a:rPr lang="pt-BR" dirty="0" smtClean="0"/>
+              <a:rPr lang="pt-BR" dirty="0"/>
               <a:t>Quinto nível</a:t>
             </a:r>
-            <a:endParaRPr lang="pt-BR" dirty="0"/>
           </a:p>
         </p:txBody>
       </p:sp>
@@ -5020,9 +7453,9 @@
             </a:lvl1pPr>
           </a:lstStyle>
           <a:p>
-            <a:fld id="{594ACB89-4662-4B0D-B4A6-6AB382733EB7}" type="datetimeFigureOut">
+            <a:fld id="{4EB3D2F9-248C-4422-95B8-CADA3F075573}" type="datetime1">
               <a:rPr lang="pt-BR" smtClean="0"/>
-              <a:t>04/06/2024</a:t>
+              <a:t>19/06/2024</a:t>
             </a:fld>
             <a:endParaRPr lang="pt-BR"/>
           </a:p>
@@ -5062,10 +7495,9 @@
           </a:lstStyle>
           <a:p>
             <a:r>
-              <a:rPr lang="pt-BR" dirty="0" smtClean="0"/>
+              <a:rPr lang="pt-BR" dirty="0"/>
               <a:t>Secretaria de Estado da Economia</a:t>
             </a:r>
-            <a:endParaRPr lang="pt-BR" dirty="0"/>
           </a:p>
         </p:txBody>
       </p:sp>
@@ -5115,7 +7547,7 @@
           <p:cNvPr id="8" name="Google Shape;99;p1">
             <a:extLst>
               <a:ext uri="{FF2B5EF4-FFF2-40B4-BE49-F238E27FC236}">
-                <a16:creationId xmlns="" xmlns:a16="http://schemas.microsoft.com/office/drawing/2014/main" id="{C89C81E2-5AA1-4DC2-9862-37B2AA378531}"/>
+                <a16:creationId xmlns:a16="http://schemas.microsoft.com/office/drawing/2014/main" id="{C89C81E2-5AA1-4DC2-9862-37B2AA378531}"/>
               </a:ext>
             </a:extLst>
           </p:cNvPr>
@@ -5230,6 +7662,7 @@
     <p:sldLayoutId id="2147483658" r:id="rId10"/>
     <p:sldLayoutId id="2147483659" r:id="rId11"/>
   </p:sldLayoutIdLst>
+  <p:hf hdr="0" dt="0"/>
   <p:txStyles>
     <p:titleStyle>
       <a:lvl1pPr marR="0" algn="l" defTabSz="914400" rtl="0" eaLnBrk="1" latinLnBrk="0" hangingPunct="1">
@@ -5558,7 +7991,10 @@
           <a:bodyPr/>
           <a:lstStyle/>
           <a:p>
-            <a:endParaRPr lang="pt-BR"/>
+            <a:r>
+              <a:rPr lang="pt-BR" dirty="0"/>
+              <a:t>Previsão da Receita Corrente Liquida</a:t>
+            </a:r>
           </a:p>
         </p:txBody>
       </p:sp>
@@ -5577,7 +8013,11 @@
           <a:bodyPr/>
           <a:lstStyle/>
           <a:p>
-            <a:endParaRPr lang="pt-BR"/>
+            <a:pPr algn="r"/>
+            <a:r>
+              <a:rPr lang="pt-BR" dirty="0"/>
+              <a:t>Modelos: ARIMA, ETS</a:t>
+            </a:r>
           </a:p>
         </p:txBody>
       </p:sp>
@@ -5585,6 +8025,517 @@
     <p:extLst>
       <p:ext uri="{BB962C8B-B14F-4D97-AF65-F5344CB8AC3E}">
         <p14:creationId xmlns:p14="http://schemas.microsoft.com/office/powerpoint/2010/main" val="87208559"/>
+      </p:ext>
+    </p:extLst>
+  </p:cSld>
+  <p:clrMapOvr>
+    <a:masterClrMapping/>
+  </p:clrMapOvr>
+</p:sld>
+</file>
+
+<file path=ppt/slides/slide2.xml><?xml version="1.0" encoding="utf-8"?>
+<p:sld xmlns:a="http://schemas.openxmlformats.org/drawingml/2006/main" xmlns:r="http://schemas.openxmlformats.org/officeDocument/2006/relationships" xmlns:p="http://schemas.openxmlformats.org/presentationml/2006/main">
+  <p:cSld>
+    <p:spTree>
+      <p:nvGrpSpPr>
+        <p:cNvPr id="1" name=""/>
+        <p:cNvGrpSpPr/>
+        <p:nvPr/>
+      </p:nvGrpSpPr>
+      <p:grpSpPr>
+        <a:xfrm>
+          <a:off x="0" y="0"/>
+          <a:ext cx="0" cy="0"/>
+          <a:chOff x="0" y="0"/>
+          <a:chExt cx="0" cy="0"/>
+        </a:xfrm>
+      </p:grpSpPr>
+      <p:sp>
+        <p:nvSpPr>
+          <p:cNvPr id="3" name="Título 2">
+            <a:extLst>
+              <a:ext uri="{FF2B5EF4-FFF2-40B4-BE49-F238E27FC236}">
+                <a16:creationId xmlns:a16="http://schemas.microsoft.com/office/drawing/2014/main" id="{1A235EBE-ABFB-4102-A953-EDE583B23B0E}"/>
+              </a:ext>
+            </a:extLst>
+          </p:cNvPr>
+          <p:cNvSpPr>
+            <a:spLocks noGrp="1"/>
+          </p:cNvSpPr>
+          <p:nvPr>
+            <p:ph type="title"/>
+          </p:nvPr>
+        </p:nvSpPr>
+        <p:spPr/>
+        <p:txBody>
+          <a:bodyPr/>
+          <a:lstStyle/>
+          <a:p>
+            <a:r>
+              <a:rPr lang="pt-BR" dirty="0"/>
+              <a:t>Receita Corrente Liquida (RCL)</a:t>
+            </a:r>
+          </a:p>
+        </p:txBody>
+      </p:sp>
+      <p:sp>
+        <p:nvSpPr>
+          <p:cNvPr id="4" name="Espaço Reservado para Texto 3">
+            <a:extLst>
+              <a:ext uri="{FF2B5EF4-FFF2-40B4-BE49-F238E27FC236}">
+                <a16:creationId xmlns:a16="http://schemas.microsoft.com/office/drawing/2014/main" id="{659FC740-EE90-4257-8ABA-42F529421C5D}"/>
+              </a:ext>
+            </a:extLst>
+          </p:cNvPr>
+          <p:cNvSpPr>
+            <a:spLocks noGrp="1"/>
+          </p:cNvSpPr>
+          <p:nvPr>
+            <p:ph type="body" sz="quarter" idx="13"/>
+          </p:nvPr>
+        </p:nvSpPr>
+        <p:spPr>
+          <a:xfrm>
+            <a:off x="365125" y="438150"/>
+            <a:ext cx="8386989" cy="737507"/>
+          </a:xfrm>
+        </p:spPr>
+        <p:txBody>
+          <a:bodyPr/>
+          <a:lstStyle/>
+          <a:p>
+            <a:r>
+              <a:rPr lang="pt-BR" dirty="0"/>
+              <a:t>Diferença entre RCL e RCL com ajustes (Retirando IPASGO e venda da CELG-T)</a:t>
+            </a:r>
+          </a:p>
+        </p:txBody>
+      </p:sp>
+      <p:sp>
+        <p:nvSpPr>
+          <p:cNvPr id="5" name="Espaço Reservado para Rodapé 4">
+            <a:extLst>
+              <a:ext uri="{FF2B5EF4-FFF2-40B4-BE49-F238E27FC236}">
+                <a16:creationId xmlns:a16="http://schemas.microsoft.com/office/drawing/2014/main" id="{D331C1FF-14B2-4E19-8E07-9043B5659FC2}"/>
+              </a:ext>
+            </a:extLst>
+          </p:cNvPr>
+          <p:cNvSpPr>
+            <a:spLocks noGrp="1"/>
+          </p:cNvSpPr>
+          <p:nvPr>
+            <p:ph type="ftr" sz="quarter" idx="11"/>
+          </p:nvPr>
+        </p:nvSpPr>
+        <p:spPr/>
+        <p:txBody>
+          <a:bodyPr/>
+          <a:lstStyle/>
+          <a:p>
+            <a:r>
+              <a:rPr lang="pt-BR"/>
+              <a:t>Secretaria de Estado da Economia</a:t>
+            </a:r>
+            <a:endParaRPr lang="pt-BR" dirty="0"/>
+          </a:p>
+        </p:txBody>
+      </p:sp>
+      <p:sp>
+        <p:nvSpPr>
+          <p:cNvPr id="6" name="Espaço Reservado para Número de Slide 5">
+            <a:extLst>
+              <a:ext uri="{FF2B5EF4-FFF2-40B4-BE49-F238E27FC236}">
+                <a16:creationId xmlns:a16="http://schemas.microsoft.com/office/drawing/2014/main" id="{22D0B484-E9B3-4FF7-B62D-3CBA1D3BDF47}"/>
+              </a:ext>
+            </a:extLst>
+          </p:cNvPr>
+          <p:cNvSpPr>
+            <a:spLocks noGrp="1"/>
+          </p:cNvSpPr>
+          <p:nvPr>
+            <p:ph type="sldNum" sz="quarter" idx="12"/>
+          </p:nvPr>
+        </p:nvSpPr>
+        <p:spPr/>
+        <p:txBody>
+          <a:bodyPr/>
+          <a:lstStyle/>
+          <a:p>
+            <a:fld id="{FAACE0D2-E678-453C-8082-E08B461DE721}" type="slidenum">
+              <a:rPr lang="pt-BR" smtClean="0"/>
+              <a:t>2</a:t>
+            </a:fld>
+            <a:endParaRPr lang="pt-BR"/>
+          </a:p>
+        </p:txBody>
+      </p:sp>
+      <p:graphicFrame>
+        <p:nvGraphicFramePr>
+          <p:cNvPr id="8" name="Gráfico 7">
+            <a:extLst>
+              <a:ext uri="{FF2B5EF4-FFF2-40B4-BE49-F238E27FC236}">
+                <a16:creationId xmlns:a16="http://schemas.microsoft.com/office/drawing/2014/main" id="{7FB7EE38-BE44-40AB-BEFA-64B3975540FA}"/>
+              </a:ext>
+            </a:extLst>
+          </p:cNvPr>
+          <p:cNvGraphicFramePr>
+            <a:graphicFrameLocks/>
+          </p:cNvGraphicFramePr>
+          <p:nvPr>
+            <p:extLst>
+              <p:ext uri="{D42A27DB-BD31-4B8C-83A1-F6EECF244321}">
+                <p14:modId xmlns:p14="http://schemas.microsoft.com/office/powerpoint/2010/main" val="2323473822"/>
+              </p:ext>
+            </p:extLst>
+          </p:nvPr>
+        </p:nvGraphicFramePr>
+        <p:xfrm>
+          <a:off x="365125" y="1175657"/>
+          <a:ext cx="11131550" cy="3891643"/>
+        </p:xfrm>
+        <a:graphic>
+          <a:graphicData uri="http://schemas.openxmlformats.org/drawingml/2006/chart">
+            <c:chart xmlns:c="http://schemas.openxmlformats.org/drawingml/2006/chart" xmlns:r="http://schemas.openxmlformats.org/officeDocument/2006/relationships" r:id="rId2"/>
+          </a:graphicData>
+        </a:graphic>
+      </p:graphicFrame>
+    </p:spTree>
+    <p:extLst>
+      <p:ext uri="{BB962C8B-B14F-4D97-AF65-F5344CB8AC3E}">
+        <p14:creationId xmlns:p14="http://schemas.microsoft.com/office/powerpoint/2010/main" val="1644992683"/>
+      </p:ext>
+    </p:extLst>
+  </p:cSld>
+  <p:clrMapOvr>
+    <a:masterClrMapping/>
+  </p:clrMapOvr>
+</p:sld>
+</file>
+
+<file path=ppt/slides/slide3.xml><?xml version="1.0" encoding="utf-8"?>
+<p:sld xmlns:a="http://schemas.openxmlformats.org/drawingml/2006/main" xmlns:r="http://schemas.openxmlformats.org/officeDocument/2006/relationships" xmlns:p="http://schemas.openxmlformats.org/presentationml/2006/main">
+  <p:cSld>
+    <p:spTree>
+      <p:nvGrpSpPr>
+        <p:cNvPr id="1" name=""/>
+        <p:cNvGrpSpPr/>
+        <p:nvPr/>
+      </p:nvGrpSpPr>
+      <p:grpSpPr>
+        <a:xfrm>
+          <a:off x="0" y="0"/>
+          <a:ext cx="0" cy="0"/>
+          <a:chOff x="0" y="0"/>
+          <a:chExt cx="0" cy="0"/>
+        </a:xfrm>
+      </p:grpSpPr>
+      <p:sp>
+        <p:nvSpPr>
+          <p:cNvPr id="2" name="Espaço Reservado para Conteúdo 1">
+            <a:extLst>
+              <a:ext uri="{FF2B5EF4-FFF2-40B4-BE49-F238E27FC236}">
+                <a16:creationId xmlns:a16="http://schemas.microsoft.com/office/drawing/2014/main" id="{A6CB4A80-5F83-4B53-8480-288BB23AC125}"/>
+              </a:ext>
+            </a:extLst>
+          </p:cNvPr>
+          <p:cNvSpPr>
+            <a:spLocks noGrp="1"/>
+          </p:cNvSpPr>
+          <p:nvPr>
+            <p:ph idx="1"/>
+          </p:nvPr>
+        </p:nvSpPr>
+        <p:spPr/>
+        <p:txBody>
+          <a:bodyPr/>
+          <a:lstStyle/>
+          <a:p>
+            <a:endParaRPr lang="pt-BR"/>
+          </a:p>
+        </p:txBody>
+      </p:sp>
+      <p:sp>
+        <p:nvSpPr>
+          <p:cNvPr id="3" name="Título 2">
+            <a:extLst>
+              <a:ext uri="{FF2B5EF4-FFF2-40B4-BE49-F238E27FC236}">
+                <a16:creationId xmlns:a16="http://schemas.microsoft.com/office/drawing/2014/main" id="{1A235EBE-ABFB-4102-A953-EDE583B23B0E}"/>
+              </a:ext>
+            </a:extLst>
+          </p:cNvPr>
+          <p:cNvSpPr>
+            <a:spLocks noGrp="1"/>
+          </p:cNvSpPr>
+          <p:nvPr>
+            <p:ph type="title"/>
+          </p:nvPr>
+        </p:nvSpPr>
+        <p:spPr/>
+        <p:txBody>
+          <a:bodyPr/>
+          <a:lstStyle/>
+          <a:p>
+            <a:r>
+              <a:rPr lang="pt-BR" dirty="0"/>
+              <a:t>ARIMA</a:t>
+            </a:r>
+          </a:p>
+        </p:txBody>
+      </p:sp>
+      <p:sp>
+        <p:nvSpPr>
+          <p:cNvPr id="4" name="Espaço Reservado para Texto 3">
+            <a:extLst>
+              <a:ext uri="{FF2B5EF4-FFF2-40B4-BE49-F238E27FC236}">
+                <a16:creationId xmlns:a16="http://schemas.microsoft.com/office/drawing/2014/main" id="{659FC740-EE90-4257-8ABA-42F529421C5D}"/>
+              </a:ext>
+            </a:extLst>
+          </p:cNvPr>
+          <p:cNvSpPr>
+            <a:spLocks noGrp="1"/>
+          </p:cNvSpPr>
+          <p:nvPr>
+            <p:ph type="body" sz="quarter" idx="13"/>
+          </p:nvPr>
+        </p:nvSpPr>
+        <p:spPr/>
+        <p:txBody>
+          <a:bodyPr/>
+          <a:lstStyle/>
+          <a:p>
+            <a:endParaRPr lang="pt-BR" dirty="0"/>
+          </a:p>
+        </p:txBody>
+      </p:sp>
+      <p:sp>
+        <p:nvSpPr>
+          <p:cNvPr id="5" name="Espaço Reservado para Rodapé 4">
+            <a:extLst>
+              <a:ext uri="{FF2B5EF4-FFF2-40B4-BE49-F238E27FC236}">
+                <a16:creationId xmlns:a16="http://schemas.microsoft.com/office/drawing/2014/main" id="{69D2A987-FB22-46CB-AFC7-840F9F6C1518}"/>
+              </a:ext>
+            </a:extLst>
+          </p:cNvPr>
+          <p:cNvSpPr>
+            <a:spLocks noGrp="1"/>
+          </p:cNvSpPr>
+          <p:nvPr>
+            <p:ph type="ftr" sz="quarter" idx="11"/>
+          </p:nvPr>
+        </p:nvSpPr>
+        <p:spPr/>
+        <p:txBody>
+          <a:bodyPr/>
+          <a:lstStyle/>
+          <a:p>
+            <a:r>
+              <a:rPr lang="pt-BR"/>
+              <a:t>Secretaria de Estado da Economia</a:t>
+            </a:r>
+            <a:endParaRPr lang="pt-BR" dirty="0"/>
+          </a:p>
+        </p:txBody>
+      </p:sp>
+      <p:sp>
+        <p:nvSpPr>
+          <p:cNvPr id="6" name="Espaço Reservado para Número de Slide 5">
+            <a:extLst>
+              <a:ext uri="{FF2B5EF4-FFF2-40B4-BE49-F238E27FC236}">
+                <a16:creationId xmlns:a16="http://schemas.microsoft.com/office/drawing/2014/main" id="{9191E0A7-7682-4252-972F-014502419F98}"/>
+              </a:ext>
+            </a:extLst>
+          </p:cNvPr>
+          <p:cNvSpPr>
+            <a:spLocks noGrp="1"/>
+          </p:cNvSpPr>
+          <p:nvPr>
+            <p:ph type="sldNum" sz="quarter" idx="12"/>
+          </p:nvPr>
+        </p:nvSpPr>
+        <p:spPr/>
+        <p:txBody>
+          <a:bodyPr/>
+          <a:lstStyle/>
+          <a:p>
+            <a:fld id="{FAACE0D2-E678-453C-8082-E08B461DE721}" type="slidenum">
+              <a:rPr lang="pt-BR" smtClean="0"/>
+              <a:t>3</a:t>
+            </a:fld>
+            <a:endParaRPr lang="pt-BR"/>
+          </a:p>
+        </p:txBody>
+      </p:sp>
+    </p:spTree>
+    <p:extLst>
+      <p:ext uri="{BB962C8B-B14F-4D97-AF65-F5344CB8AC3E}">
+        <p14:creationId xmlns:p14="http://schemas.microsoft.com/office/powerpoint/2010/main" val="468953115"/>
+      </p:ext>
+    </p:extLst>
+  </p:cSld>
+  <p:clrMapOvr>
+    <a:masterClrMapping/>
+  </p:clrMapOvr>
+</p:sld>
+</file>
+
+<file path=ppt/slides/slide4.xml><?xml version="1.0" encoding="utf-8"?>
+<p:sld xmlns:a="http://schemas.openxmlformats.org/drawingml/2006/main" xmlns:r="http://schemas.openxmlformats.org/officeDocument/2006/relationships" xmlns:p="http://schemas.openxmlformats.org/presentationml/2006/main">
+  <p:cSld>
+    <p:spTree>
+      <p:nvGrpSpPr>
+        <p:cNvPr id="1" name=""/>
+        <p:cNvGrpSpPr/>
+        <p:nvPr/>
+      </p:nvGrpSpPr>
+      <p:grpSpPr>
+        <a:xfrm>
+          <a:off x="0" y="0"/>
+          <a:ext cx="0" cy="0"/>
+          <a:chOff x="0" y="0"/>
+          <a:chExt cx="0" cy="0"/>
+        </a:xfrm>
+      </p:grpSpPr>
+      <p:sp>
+        <p:nvSpPr>
+          <p:cNvPr id="2" name="Espaço Reservado para Conteúdo 1">
+            <a:extLst>
+              <a:ext uri="{FF2B5EF4-FFF2-40B4-BE49-F238E27FC236}">
+                <a16:creationId xmlns:a16="http://schemas.microsoft.com/office/drawing/2014/main" id="{A6CB4A80-5F83-4B53-8480-288BB23AC125}"/>
+              </a:ext>
+            </a:extLst>
+          </p:cNvPr>
+          <p:cNvSpPr>
+            <a:spLocks noGrp="1"/>
+          </p:cNvSpPr>
+          <p:nvPr>
+            <p:ph idx="1"/>
+          </p:nvPr>
+        </p:nvSpPr>
+        <p:spPr/>
+        <p:txBody>
+          <a:bodyPr/>
+          <a:lstStyle/>
+          <a:p>
+            <a:endParaRPr lang="pt-BR"/>
+          </a:p>
+        </p:txBody>
+      </p:sp>
+      <p:sp>
+        <p:nvSpPr>
+          <p:cNvPr id="3" name="Título 2">
+            <a:extLst>
+              <a:ext uri="{FF2B5EF4-FFF2-40B4-BE49-F238E27FC236}">
+                <a16:creationId xmlns:a16="http://schemas.microsoft.com/office/drawing/2014/main" id="{1A235EBE-ABFB-4102-A953-EDE583B23B0E}"/>
+              </a:ext>
+            </a:extLst>
+          </p:cNvPr>
+          <p:cNvSpPr>
+            <a:spLocks noGrp="1"/>
+          </p:cNvSpPr>
+          <p:nvPr>
+            <p:ph type="title"/>
+          </p:nvPr>
+        </p:nvSpPr>
+        <p:spPr/>
+        <p:txBody>
+          <a:bodyPr/>
+          <a:lstStyle/>
+          <a:p>
+            <a:r>
+              <a:rPr lang="pt-BR" dirty="0"/>
+              <a:t>ARIMA</a:t>
+            </a:r>
+          </a:p>
+        </p:txBody>
+      </p:sp>
+      <p:sp>
+        <p:nvSpPr>
+          <p:cNvPr id="4" name="Espaço Reservado para Texto 3">
+            <a:extLst>
+              <a:ext uri="{FF2B5EF4-FFF2-40B4-BE49-F238E27FC236}">
+                <a16:creationId xmlns:a16="http://schemas.microsoft.com/office/drawing/2014/main" id="{659FC740-EE90-4257-8ABA-42F529421C5D}"/>
+              </a:ext>
+            </a:extLst>
+          </p:cNvPr>
+          <p:cNvSpPr>
+            <a:spLocks noGrp="1"/>
+          </p:cNvSpPr>
+          <p:nvPr>
+            <p:ph type="body" sz="quarter" idx="13"/>
+          </p:nvPr>
+        </p:nvSpPr>
+        <p:spPr/>
+        <p:txBody>
+          <a:bodyPr/>
+          <a:lstStyle/>
+          <a:p>
+            <a:endParaRPr lang="pt-BR" dirty="0"/>
+          </a:p>
+        </p:txBody>
+      </p:sp>
+      <p:sp>
+        <p:nvSpPr>
+          <p:cNvPr id="5" name="Espaço Reservado para Rodapé 4">
+            <a:extLst>
+              <a:ext uri="{FF2B5EF4-FFF2-40B4-BE49-F238E27FC236}">
+                <a16:creationId xmlns:a16="http://schemas.microsoft.com/office/drawing/2014/main" id="{69D2A987-FB22-46CB-AFC7-840F9F6C1518}"/>
+              </a:ext>
+            </a:extLst>
+          </p:cNvPr>
+          <p:cNvSpPr>
+            <a:spLocks noGrp="1"/>
+          </p:cNvSpPr>
+          <p:nvPr>
+            <p:ph type="ftr" sz="quarter" idx="11"/>
+          </p:nvPr>
+        </p:nvSpPr>
+        <p:spPr/>
+        <p:txBody>
+          <a:bodyPr/>
+          <a:lstStyle/>
+          <a:p>
+            <a:r>
+              <a:rPr lang="pt-BR"/>
+              <a:t>Secretaria de Estado da Economia</a:t>
+            </a:r>
+            <a:endParaRPr lang="pt-BR" dirty="0"/>
+          </a:p>
+        </p:txBody>
+      </p:sp>
+      <p:sp>
+        <p:nvSpPr>
+          <p:cNvPr id="6" name="Espaço Reservado para Número de Slide 5">
+            <a:extLst>
+              <a:ext uri="{FF2B5EF4-FFF2-40B4-BE49-F238E27FC236}">
+                <a16:creationId xmlns:a16="http://schemas.microsoft.com/office/drawing/2014/main" id="{9191E0A7-7682-4252-972F-014502419F98}"/>
+              </a:ext>
+            </a:extLst>
+          </p:cNvPr>
+          <p:cNvSpPr>
+            <a:spLocks noGrp="1"/>
+          </p:cNvSpPr>
+          <p:nvPr>
+            <p:ph type="sldNum" sz="quarter" idx="12"/>
+          </p:nvPr>
+        </p:nvSpPr>
+        <p:spPr/>
+        <p:txBody>
+          <a:bodyPr/>
+          <a:lstStyle/>
+          <a:p>
+            <a:fld id="{FAACE0D2-E678-453C-8082-E08B461DE721}" type="slidenum">
+              <a:rPr lang="pt-BR" smtClean="0"/>
+              <a:t>4</a:t>
+            </a:fld>
+            <a:endParaRPr lang="pt-BR"/>
+          </a:p>
+        </p:txBody>
+      </p:sp>
+    </p:spTree>
+    <p:extLst>
+      <p:ext uri="{BB962C8B-B14F-4D97-AF65-F5344CB8AC3E}">
+        <p14:creationId xmlns:p14="http://schemas.microsoft.com/office/powerpoint/2010/main" val="3519011294"/>
       </p:ext>
     </p:extLst>
   </p:cSld>
@@ -5867,4 +8818,299 @@
     </a:ext>
   </a:extLst>
 </a:theme>
+</file>
+
+<file path=ppt/theme/theme2.xml><?xml version="1.0" encoding="utf-8"?>
+<a:theme xmlns:a="http://schemas.openxmlformats.org/drawingml/2006/main" name="Tema do Office">
+  <a:themeElements>
+    <a:clrScheme name="Office">
+      <a:dk1>
+        <a:sysClr val="windowText" lastClr="000000"/>
+      </a:dk1>
+      <a:lt1>
+        <a:sysClr val="window" lastClr="FFFFFF"/>
+      </a:lt1>
+      <a:dk2>
+        <a:srgbClr val="44546A"/>
+      </a:dk2>
+      <a:lt2>
+        <a:srgbClr val="E7E6E6"/>
+      </a:lt2>
+      <a:accent1>
+        <a:srgbClr val="4472C4"/>
+      </a:accent1>
+      <a:accent2>
+        <a:srgbClr val="ED7D31"/>
+      </a:accent2>
+      <a:accent3>
+        <a:srgbClr val="A5A5A5"/>
+      </a:accent3>
+      <a:accent4>
+        <a:srgbClr val="FFC000"/>
+      </a:accent4>
+      <a:accent5>
+        <a:srgbClr val="5B9BD5"/>
+      </a:accent5>
+      <a:accent6>
+        <a:srgbClr val="70AD47"/>
+      </a:accent6>
+      <a:hlink>
+        <a:srgbClr val="0563C1"/>
+      </a:hlink>
+      <a:folHlink>
+        <a:srgbClr val="954F72"/>
+      </a:folHlink>
+    </a:clrScheme>
+    <a:fontScheme name="Office">
+      <a:majorFont>
+        <a:latin typeface="Calibri Light" panose="020F0302020204030204"/>
+        <a:ea typeface=""/>
+        <a:cs typeface=""/>
+        <a:font script="Jpan" typeface="游ゴシック Light"/>
+        <a:font script="Hang" typeface="맑은 고딕"/>
+        <a:font script="Hans" typeface="等线 Light"/>
+        <a:font script="Hant" typeface="新細明體"/>
+        <a:font script="Arab" typeface="Times New Roman"/>
+        <a:font script="Hebr" typeface="Times New Roman"/>
+        <a:font script="Thai" typeface="Angsana New"/>
+        <a:font script="Ethi" typeface="Nyala"/>
+        <a:font script="Beng" typeface="Vrinda"/>
+        <a:font script="Gujr" typeface="Shruti"/>
+        <a:font script="Khmr" typeface="MoolBoran"/>
+        <a:font script="Knda" typeface="Tunga"/>
+        <a:font script="Guru" typeface="Raavi"/>
+        <a:font script="Cans" typeface="Euphemia"/>
+        <a:font script="Cher" typeface="Plantagenet Cherokee"/>
+        <a:font script="Yiii" typeface="Microsoft Yi Baiti"/>
+        <a:font script="Tibt" typeface="Microsoft Himalaya"/>
+        <a:font script="Thaa" typeface="MV Boli"/>
+        <a:font script="Deva" typeface="Mangal"/>
+        <a:font script="Telu" typeface="Gautami"/>
+        <a:font script="Taml" typeface="Latha"/>
+        <a:font script="Syrc" typeface="Estrangelo Edessa"/>
+        <a:font script="Orya" typeface="Kalinga"/>
+        <a:font script="Mlym" typeface="Kartika"/>
+        <a:font script="Laoo" typeface="DokChampa"/>
+        <a:font script="Sinh" typeface="Iskoola Pota"/>
+        <a:font script="Mong" typeface="Mongolian Baiti"/>
+        <a:font script="Viet" typeface="Times New Roman"/>
+        <a:font script="Uigh" typeface="Microsoft Uighur"/>
+        <a:font script="Geor" typeface="Sylfaen"/>
+        <a:font script="Armn" typeface="Arial"/>
+        <a:font script="Bugi" typeface="Leelawadee UI"/>
+        <a:font script="Bopo" typeface="Microsoft JhengHei"/>
+        <a:font script="Java" typeface="Javanese Text"/>
+        <a:font script="Lisu" typeface="Segoe UI"/>
+        <a:font script="Mymr" typeface="Myanmar Text"/>
+        <a:font script="Nkoo" typeface="Ebrima"/>
+        <a:font script="Olck" typeface="Nirmala UI"/>
+        <a:font script="Osma" typeface="Ebrima"/>
+        <a:font script="Phag" typeface="Phagspa"/>
+        <a:font script="Syrn" typeface="Estrangelo Edessa"/>
+        <a:font script="Syrj" typeface="Estrangelo Edessa"/>
+        <a:font script="Syre" typeface="Estrangelo Edessa"/>
+        <a:font script="Sora" typeface="Nirmala UI"/>
+        <a:font script="Tale" typeface="Microsoft Tai Le"/>
+        <a:font script="Talu" typeface="Microsoft New Tai Lue"/>
+        <a:font script="Tfng" typeface="Ebrima"/>
+      </a:majorFont>
+      <a:minorFont>
+        <a:latin typeface="Calibri" panose="020F0502020204030204"/>
+        <a:ea typeface=""/>
+        <a:cs typeface=""/>
+        <a:font script="Jpan" typeface="游ゴシック"/>
+        <a:font script="Hang" typeface="맑은 고딕"/>
+        <a:font script="Hans" typeface="等线"/>
+        <a:font script="Hant" typeface="新細明體"/>
+        <a:font script="Arab" typeface="Arial"/>
+        <a:font script="Hebr" typeface="Arial"/>
+        <a:font script="Thai" typeface="Cordia New"/>
+        <a:font script="Ethi" typeface="Nyala"/>
+        <a:font script="Beng" typeface="Vrinda"/>
+        <a:font script="Gujr" typeface="Shruti"/>
+        <a:font script="Khmr" typeface="DaunPenh"/>
+        <a:font script="Knda" typeface="Tunga"/>
+        <a:font script="Guru" typeface="Raavi"/>
+        <a:font script="Cans" typeface="Euphemia"/>
+        <a:font script="Cher" typeface="Plantagenet Cherokee"/>
+        <a:font script="Yiii" typeface="Microsoft Yi Baiti"/>
+        <a:font script="Tibt" typeface="Microsoft Himalaya"/>
+        <a:font script="Thaa" typeface="MV Boli"/>
+        <a:font script="Deva" typeface="Mangal"/>
+        <a:font script="Telu" typeface="Gautami"/>
+        <a:font script="Taml" typeface="Latha"/>
+        <a:font script="Syrc" typeface="Estrangelo Edessa"/>
+        <a:font script="Orya" typeface="Kalinga"/>
+        <a:font script="Mlym" typeface="Kartika"/>
+        <a:font script="Laoo" typeface="DokChampa"/>
+        <a:font script="Sinh" typeface="Iskoola Pota"/>
+        <a:font script="Mong" typeface="Mongolian Baiti"/>
+        <a:font script="Viet" typeface="Arial"/>
+        <a:font script="Uigh" typeface="Microsoft Uighur"/>
+        <a:font script="Geor" typeface="Sylfaen"/>
+        <a:font script="Armn" typeface="Arial"/>
+        <a:font script="Bugi" typeface="Leelawadee UI"/>
+        <a:font script="Bopo" typeface="Microsoft JhengHei"/>
+        <a:font script="Java" typeface="Javanese Text"/>
+        <a:font script="Lisu" typeface="Segoe UI"/>
+        <a:font script="Mymr" typeface="Myanmar Text"/>
+        <a:font script="Nkoo" typeface="Ebrima"/>
+        <a:font script="Olck" typeface="Nirmala UI"/>
+        <a:font script="Osma" typeface="Ebrima"/>
+        <a:font script="Phag" typeface="Phagspa"/>
+        <a:font script="Syrn" typeface="Estrangelo Edessa"/>
+        <a:font script="Syrj" typeface="Estrangelo Edessa"/>
+        <a:font script="Syre" typeface="Estrangelo Edessa"/>
+        <a:font script="Sora" typeface="Nirmala UI"/>
+        <a:font script="Tale" typeface="Microsoft Tai Le"/>
+        <a:font script="Talu" typeface="Microsoft New Tai Lue"/>
+        <a:font script="Tfng" typeface="Ebrima"/>
+      </a:minorFont>
+    </a:fontScheme>
+    <a:fmtScheme name="Office">
+      <a:fillStyleLst>
+        <a:solidFill>
+          <a:schemeClr val="phClr"/>
+        </a:solidFill>
+        <a:gradFill rotWithShape="1">
+          <a:gsLst>
+            <a:gs pos="0">
+              <a:schemeClr val="phClr">
+                <a:lumMod val="110000"/>
+                <a:satMod val="105000"/>
+                <a:tint val="67000"/>
+              </a:schemeClr>
+            </a:gs>
+            <a:gs pos="50000">
+              <a:schemeClr val="phClr">
+                <a:lumMod val="105000"/>
+                <a:satMod val="103000"/>
+                <a:tint val="73000"/>
+              </a:schemeClr>
+            </a:gs>
+            <a:gs pos="100000">
+              <a:schemeClr val="phClr">
+                <a:lumMod val="105000"/>
+                <a:satMod val="109000"/>
+                <a:tint val="81000"/>
+              </a:schemeClr>
+            </a:gs>
+          </a:gsLst>
+          <a:lin ang="5400000" scaled="0"/>
+        </a:gradFill>
+        <a:gradFill rotWithShape="1">
+          <a:gsLst>
+            <a:gs pos="0">
+              <a:schemeClr val="phClr">
+                <a:satMod val="103000"/>
+                <a:lumMod val="102000"/>
+                <a:tint val="94000"/>
+              </a:schemeClr>
+            </a:gs>
+            <a:gs pos="50000">
+              <a:schemeClr val="phClr">
+                <a:satMod val="110000"/>
+                <a:lumMod val="100000"/>
+                <a:shade val="100000"/>
+              </a:schemeClr>
+            </a:gs>
+            <a:gs pos="100000">
+              <a:schemeClr val="phClr">
+                <a:lumMod val="99000"/>
+                <a:satMod val="120000"/>
+                <a:shade val="78000"/>
+              </a:schemeClr>
+            </a:gs>
+          </a:gsLst>
+          <a:lin ang="5400000" scaled="0"/>
+        </a:gradFill>
+      </a:fillStyleLst>
+      <a:lnStyleLst>
+        <a:ln w="6350" cap="flat" cmpd="sng" algn="ctr">
+          <a:solidFill>
+            <a:schemeClr val="phClr"/>
+          </a:solidFill>
+          <a:prstDash val="solid"/>
+          <a:miter lim="800000"/>
+        </a:ln>
+        <a:ln w="12700" cap="flat" cmpd="sng" algn="ctr">
+          <a:solidFill>
+            <a:schemeClr val="phClr"/>
+          </a:solidFill>
+          <a:prstDash val="solid"/>
+          <a:miter lim="800000"/>
+        </a:ln>
+        <a:ln w="19050" cap="flat" cmpd="sng" algn="ctr">
+          <a:solidFill>
+            <a:schemeClr val="phClr"/>
+          </a:solidFill>
+          <a:prstDash val="solid"/>
+          <a:miter lim="800000"/>
+        </a:ln>
+      </a:lnStyleLst>
+      <a:effectStyleLst>
+        <a:effectStyle>
+          <a:effectLst/>
+        </a:effectStyle>
+        <a:effectStyle>
+          <a:effectLst/>
+        </a:effectStyle>
+        <a:effectStyle>
+          <a:effectLst>
+            <a:outerShdw blurRad="57150" dist="19050" dir="5400000" algn="ctr" rotWithShape="0">
+              <a:srgbClr val="000000">
+                <a:alpha val="63000"/>
+              </a:srgbClr>
+            </a:outerShdw>
+          </a:effectLst>
+        </a:effectStyle>
+      </a:effectStyleLst>
+      <a:bgFillStyleLst>
+        <a:solidFill>
+          <a:schemeClr val="phClr"/>
+        </a:solidFill>
+        <a:solidFill>
+          <a:schemeClr val="phClr">
+            <a:tint val="95000"/>
+            <a:satMod val="170000"/>
+          </a:schemeClr>
+        </a:solidFill>
+        <a:gradFill rotWithShape="1">
+          <a:gsLst>
+            <a:gs pos="0">
+              <a:schemeClr val="phClr">
+                <a:tint val="93000"/>
+                <a:satMod val="150000"/>
+                <a:shade val="98000"/>
+                <a:lumMod val="102000"/>
+              </a:schemeClr>
+            </a:gs>
+            <a:gs pos="50000">
+              <a:schemeClr val="phClr">
+                <a:tint val="98000"/>
+                <a:satMod val="130000"/>
+                <a:shade val="90000"/>
+                <a:lumMod val="103000"/>
+              </a:schemeClr>
+            </a:gs>
+            <a:gs pos="100000">
+              <a:schemeClr val="phClr">
+                <a:shade val="63000"/>
+                <a:satMod val="120000"/>
+              </a:schemeClr>
+            </a:gs>
+          </a:gsLst>
+          <a:lin ang="5400000" scaled="0"/>
+        </a:gradFill>
+      </a:bgFillStyleLst>
+    </a:fmtScheme>
+  </a:themeElements>
+  <a:objectDefaults/>
+  <a:extraClrSchemeLst/>
+  <a:extLst>
+    <a:ext uri="{05A4C25C-085E-4340-85A3-A5531E510DB2}">
+      <thm15:themeFamily xmlns:thm15="http://schemas.microsoft.com/office/thememl/2012/main" name="Office Theme" id="{62F939B6-93AF-4DB8-9C6B-D6C7DFDC589F}" vid="{4A3C46E8-61CC-4603-A589-7422A47A8E4A}"/>
+    </a:ext>
+  </a:extLst>
+</a:theme>
 </file>
--- a/Estimativa de receitas.pptx
+++ b/Estimativa de receitas.pptx
@@ -5,13 +5,16 @@
     <p:sldMasterId id="2147483648" r:id="rId1"/>
   </p:sldMasterIdLst>
   <p:notesMasterIdLst>
-    <p:notesMasterId r:id="rId6"/>
+    <p:notesMasterId r:id="rId9"/>
   </p:notesMasterIdLst>
   <p:sldIdLst>
     <p:sldId id="256" r:id="rId2"/>
     <p:sldId id="257" r:id="rId3"/>
     <p:sldId id="258" r:id="rId4"/>
     <p:sldId id="259" r:id="rId5"/>
+    <p:sldId id="260" r:id="rId6"/>
+    <p:sldId id="261" r:id="rId7"/>
+    <p:sldId id="262" r:id="rId8"/>
   </p:sldIdLst>
   <p:sldSz cx="12192000" cy="6858000"/>
   <p:notesSz cx="6858000" cy="9144000"/>
@@ -1681,6 +1684,1688 @@
 </c:chartSpace>
 </file>
 
+<file path=ppt/charts/chart2.xml><?xml version="1.0" encoding="utf-8"?>
+<c:chartSpace xmlns:c="http://schemas.openxmlformats.org/drawingml/2006/chart" xmlns:a="http://schemas.openxmlformats.org/drawingml/2006/main" xmlns:r="http://schemas.openxmlformats.org/officeDocument/2006/relationships" xmlns:c16r2="http://schemas.microsoft.com/office/drawing/2015/06/chart">
+  <c:date1904 val="0"/>
+  <c:lang val="pt-BR"/>
+  <c:roundedCorners val="0"/>
+  <mc:AlternateContent xmlns:mc="http://schemas.openxmlformats.org/markup-compatibility/2006">
+    <mc:Choice xmlns:c14="http://schemas.microsoft.com/office/drawing/2007/8/2/chart" Requires="c14">
+      <c14:style val="102"/>
+    </mc:Choice>
+    <mc:Fallback>
+      <c:style val="2"/>
+    </mc:Fallback>
+  </mc:AlternateContent>
+  <c:chart>
+    <c:autoTitleDeleted val="1"/>
+    <c:plotArea>
+      <c:layout/>
+      <c:lineChart>
+        <c:grouping val="standard"/>
+        <c:varyColors val="0"/>
+        <c:ser>
+          <c:idx val="0"/>
+          <c:order val="0"/>
+          <c:tx>
+            <c:strRef>
+              <c:f>Sheet1!$B$1</c:f>
+              <c:strCache>
+                <c:ptCount val="1"/>
+                <c:pt idx="0">
+                  <c:v>RCL_ajustada</c:v>
+                </c:pt>
+              </c:strCache>
+            </c:strRef>
+          </c:tx>
+          <c:spPr>
+            <a:ln w="31750" cap="rnd">
+              <a:solidFill>
+                <a:schemeClr val="accent3">
+                  <a:lumMod val="75000"/>
+                </a:schemeClr>
+              </a:solidFill>
+              <a:round/>
+            </a:ln>
+            <a:effectLst/>
+          </c:spPr>
+          <c:marker>
+            <c:symbol val="none"/>
+          </c:marker>
+          <c:cat>
+            <c:numRef>
+              <c:f>Sheet1!$A$2:$A$54</c:f>
+              <c:numCache>
+                <c:formatCode>[$-416]mmm\-yy;@</c:formatCode>
+                <c:ptCount val="53"/>
+                <c:pt idx="0">
+                  <c:v>43831</c:v>
+                </c:pt>
+                <c:pt idx="1">
+                  <c:v>43862</c:v>
+                </c:pt>
+                <c:pt idx="2">
+                  <c:v>43891</c:v>
+                </c:pt>
+                <c:pt idx="3">
+                  <c:v>43922</c:v>
+                </c:pt>
+                <c:pt idx="4">
+                  <c:v>43952</c:v>
+                </c:pt>
+                <c:pt idx="5">
+                  <c:v>43983</c:v>
+                </c:pt>
+                <c:pt idx="6">
+                  <c:v>44013</c:v>
+                </c:pt>
+                <c:pt idx="7">
+                  <c:v>44044</c:v>
+                </c:pt>
+                <c:pt idx="8">
+                  <c:v>44075</c:v>
+                </c:pt>
+                <c:pt idx="9">
+                  <c:v>44105</c:v>
+                </c:pt>
+                <c:pt idx="10">
+                  <c:v>44136</c:v>
+                </c:pt>
+                <c:pt idx="11">
+                  <c:v>44166</c:v>
+                </c:pt>
+                <c:pt idx="12">
+                  <c:v>44197</c:v>
+                </c:pt>
+                <c:pt idx="13">
+                  <c:v>44228</c:v>
+                </c:pt>
+                <c:pt idx="14">
+                  <c:v>44256</c:v>
+                </c:pt>
+                <c:pt idx="15">
+                  <c:v>44287</c:v>
+                </c:pt>
+                <c:pt idx="16">
+                  <c:v>44317</c:v>
+                </c:pt>
+                <c:pt idx="17">
+                  <c:v>44348</c:v>
+                </c:pt>
+                <c:pt idx="18">
+                  <c:v>44378</c:v>
+                </c:pt>
+                <c:pt idx="19">
+                  <c:v>44409</c:v>
+                </c:pt>
+                <c:pt idx="20">
+                  <c:v>44440</c:v>
+                </c:pt>
+                <c:pt idx="21">
+                  <c:v>44470</c:v>
+                </c:pt>
+                <c:pt idx="22">
+                  <c:v>44501</c:v>
+                </c:pt>
+                <c:pt idx="23">
+                  <c:v>44531</c:v>
+                </c:pt>
+                <c:pt idx="24">
+                  <c:v>44562</c:v>
+                </c:pt>
+                <c:pt idx="25">
+                  <c:v>44593</c:v>
+                </c:pt>
+                <c:pt idx="26">
+                  <c:v>44621</c:v>
+                </c:pt>
+                <c:pt idx="27">
+                  <c:v>44652</c:v>
+                </c:pt>
+                <c:pt idx="28">
+                  <c:v>44682</c:v>
+                </c:pt>
+                <c:pt idx="29">
+                  <c:v>44713</c:v>
+                </c:pt>
+                <c:pt idx="30">
+                  <c:v>44743</c:v>
+                </c:pt>
+                <c:pt idx="31">
+                  <c:v>44774</c:v>
+                </c:pt>
+                <c:pt idx="32">
+                  <c:v>44805</c:v>
+                </c:pt>
+                <c:pt idx="33">
+                  <c:v>44835</c:v>
+                </c:pt>
+                <c:pt idx="34">
+                  <c:v>44866</c:v>
+                </c:pt>
+                <c:pt idx="35">
+                  <c:v>44896</c:v>
+                </c:pt>
+                <c:pt idx="36">
+                  <c:v>44927</c:v>
+                </c:pt>
+                <c:pt idx="37">
+                  <c:v>44958</c:v>
+                </c:pt>
+                <c:pt idx="38">
+                  <c:v>44986</c:v>
+                </c:pt>
+                <c:pt idx="39">
+                  <c:v>45017</c:v>
+                </c:pt>
+                <c:pt idx="40">
+                  <c:v>45047</c:v>
+                </c:pt>
+                <c:pt idx="41">
+                  <c:v>45078</c:v>
+                </c:pt>
+                <c:pt idx="42">
+                  <c:v>45108</c:v>
+                </c:pt>
+                <c:pt idx="43">
+                  <c:v>45139</c:v>
+                </c:pt>
+                <c:pt idx="44">
+                  <c:v>45170</c:v>
+                </c:pt>
+                <c:pt idx="45">
+                  <c:v>45200</c:v>
+                </c:pt>
+                <c:pt idx="46">
+                  <c:v>45231</c:v>
+                </c:pt>
+                <c:pt idx="47">
+                  <c:v>45261</c:v>
+                </c:pt>
+                <c:pt idx="48">
+                  <c:v>45292</c:v>
+                </c:pt>
+                <c:pt idx="49">
+                  <c:v>45323</c:v>
+                </c:pt>
+                <c:pt idx="50">
+                  <c:v>45352</c:v>
+                </c:pt>
+                <c:pt idx="51">
+                  <c:v>45383</c:v>
+                </c:pt>
+                <c:pt idx="52">
+                  <c:v>45413</c:v>
+                </c:pt>
+              </c:numCache>
+            </c:numRef>
+          </c:cat>
+          <c:val>
+            <c:numRef>
+              <c:f>Sheet1!$B$2:$B$54</c:f>
+              <c:numCache>
+                <c:formatCode>_(* #,##0.00_);_(* \(#,##0.00\);_(* "-"??_);_(@_)</c:formatCode>
+                <c:ptCount val="53"/>
+                <c:pt idx="0">
+                  <c:v>22794169527.830002</c:v>
+                </c:pt>
+                <c:pt idx="1">
+                  <c:v>22925662666.690002</c:v>
+                </c:pt>
+                <c:pt idx="2">
+                  <c:v>22986637949.5</c:v>
+                </c:pt>
+                <c:pt idx="3">
+                  <c:v>23148875003.349998</c:v>
+                </c:pt>
+                <c:pt idx="4">
+                  <c:v>22828582205.239994</c:v>
+                </c:pt>
+                <c:pt idx="5">
+                  <c:v>22399943488.149998</c:v>
+                </c:pt>
+                <c:pt idx="6">
+                  <c:v>22737250159.709999</c:v>
+                </c:pt>
+                <c:pt idx="7">
+                  <c:v>23117465481.650002</c:v>
+                </c:pt>
+                <c:pt idx="8">
+                  <c:v>23777243507.330002</c:v>
+                </c:pt>
+                <c:pt idx="9">
+                  <c:v>24105998257.450001</c:v>
+                </c:pt>
+                <c:pt idx="10">
+                  <c:v>24359608360.400002</c:v>
+                </c:pt>
+                <c:pt idx="11">
+                  <c:v>24711092799.07</c:v>
+                </c:pt>
+                <c:pt idx="12">
+                  <c:v>24557753193.149986</c:v>
+                </c:pt>
+                <c:pt idx="13">
+                  <c:v>24968055791.529991</c:v>
+                </c:pt>
+                <c:pt idx="14">
+                  <c:v>25358406672.709991</c:v>
+                </c:pt>
+                <c:pt idx="15">
+                  <c:v>25773537617.359989</c:v>
+                </c:pt>
+                <c:pt idx="16">
+                  <c:v>26499819570.969986</c:v>
+                </c:pt>
+                <c:pt idx="17">
+                  <c:v>27195778000.779991</c:v>
+                </c:pt>
+                <c:pt idx="18">
+                  <c:v>27492831559.299988</c:v>
+                </c:pt>
+                <c:pt idx="19">
+                  <c:v>27712010584.849991</c:v>
+                </c:pt>
+                <c:pt idx="20">
+                  <c:v>27912016386.429993</c:v>
+                </c:pt>
+                <c:pt idx="21">
+                  <c:v>28245398306.909988</c:v>
+                </c:pt>
+                <c:pt idx="22">
+                  <c:v>28688003243.469994</c:v>
+                </c:pt>
+                <c:pt idx="23">
+                  <c:v>29168874362.159996</c:v>
+                </c:pt>
+                <c:pt idx="24">
+                  <c:v>29788276725.190002</c:v>
+                </c:pt>
+                <c:pt idx="25">
+                  <c:v>30065816706.389999</c:v>
+                </c:pt>
+                <c:pt idx="26">
+                  <c:v>30545531548.5</c:v>
+                </c:pt>
+                <c:pt idx="27">
+                  <c:v>31029598198.779995</c:v>
+                </c:pt>
+                <c:pt idx="28">
+                  <c:v>31589307471.739998</c:v>
+                </c:pt>
+                <c:pt idx="29">
+                  <c:v>32472424004.339996</c:v>
+                </c:pt>
+                <c:pt idx="30">
+                  <c:v>33124483024.269997</c:v>
+                </c:pt>
+                <c:pt idx="31">
+                  <c:v>33486096160.93</c:v>
+                </c:pt>
+                <c:pt idx="32">
+                  <c:v>33480807643.570007</c:v>
+                </c:pt>
+                <c:pt idx="33">
+                  <c:v>33673425331.389999</c:v>
+                </c:pt>
+                <c:pt idx="34">
+                  <c:v>33942015390.670006</c:v>
+                </c:pt>
+                <c:pt idx="35">
+                  <c:v>34028548925.500004</c:v>
+                </c:pt>
+                <c:pt idx="36">
+                  <c:v>34289455598.269997</c:v>
+                </c:pt>
+                <c:pt idx="37">
+                  <c:v>34424901418.290001</c:v>
+                </c:pt>
+                <c:pt idx="38">
+                  <c:v>34467946824.559998</c:v>
+                </c:pt>
+                <c:pt idx="39">
+                  <c:v>34678697591.949997</c:v>
+                </c:pt>
+                <c:pt idx="40">
+                  <c:v>34902786239.080002</c:v>
+                </c:pt>
+                <c:pt idx="41">
+                  <c:v>34822148037.139992</c:v>
+                </c:pt>
+                <c:pt idx="42">
+                  <c:v>34750116910.049995</c:v>
+                </c:pt>
+                <c:pt idx="43">
+                  <c:v>35070539415.870003</c:v>
+                </c:pt>
+                <c:pt idx="44">
+                  <c:v>35425164767.599998</c:v>
+                </c:pt>
+                <c:pt idx="45">
+                  <c:v>35868998354.580002</c:v>
+                </c:pt>
+                <c:pt idx="46">
+                  <c:v>36547009631.500008</c:v>
+                </c:pt>
+                <c:pt idx="47">
+                  <c:v>37362494480.800003</c:v>
+                </c:pt>
+                <c:pt idx="48">
+                  <c:v>37796941014.620003</c:v>
+                </c:pt>
+                <c:pt idx="49">
+                  <c:v>38284453730.669998</c:v>
+                </c:pt>
+                <c:pt idx="50">
+                  <c:v>38694097124.599998</c:v>
+                </c:pt>
+                <c:pt idx="51">
+                  <c:v>38735160152.219994</c:v>
+                </c:pt>
+                <c:pt idx="52">
+                  <c:v>39045234936.590004</c:v>
+                </c:pt>
+              </c:numCache>
+            </c:numRef>
+          </c:val>
+          <c:smooth val="0"/>
+          <c:extLst>
+            <c:ext xmlns:c16="http://schemas.microsoft.com/office/drawing/2014/chart" uri="{C3380CC4-5D6E-409C-BE32-E72D297353CC}">
+              <c16:uniqueId val="{00000000-13A9-43DD-A257-D26324BEBCBD}"/>
+            </c:ext>
+          </c:extLst>
+        </c:ser>
+        <c:ser>
+          <c:idx val="1"/>
+          <c:order val="1"/>
+          <c:tx>
+            <c:strRef>
+              <c:f>Sheet1!$C$1</c:f>
+              <c:strCache>
+                <c:ptCount val="1"/>
+                <c:pt idx="0">
+                  <c:v>Previsão ETS</c:v>
+                </c:pt>
+              </c:strCache>
+            </c:strRef>
+          </c:tx>
+          <c:spPr>
+            <a:ln w="19050" cap="rnd">
+              <a:solidFill>
+                <a:schemeClr val="accent2">
+                  <a:alpha val="85000"/>
+                </a:schemeClr>
+              </a:solidFill>
+              <a:prstDash val="sysDash"/>
+              <a:round/>
+            </a:ln>
+            <a:effectLst/>
+          </c:spPr>
+          <c:marker>
+            <c:symbol val="none"/>
+          </c:marker>
+          <c:cat>
+            <c:numRef>
+              <c:f>Sheet1!$A$2:$A$54</c:f>
+              <c:numCache>
+                <c:formatCode>[$-416]mmm\-yy;@</c:formatCode>
+                <c:ptCount val="53"/>
+                <c:pt idx="0">
+                  <c:v>43831</c:v>
+                </c:pt>
+                <c:pt idx="1">
+                  <c:v>43862</c:v>
+                </c:pt>
+                <c:pt idx="2">
+                  <c:v>43891</c:v>
+                </c:pt>
+                <c:pt idx="3">
+                  <c:v>43922</c:v>
+                </c:pt>
+                <c:pt idx="4">
+                  <c:v>43952</c:v>
+                </c:pt>
+                <c:pt idx="5">
+                  <c:v>43983</c:v>
+                </c:pt>
+                <c:pt idx="6">
+                  <c:v>44013</c:v>
+                </c:pt>
+                <c:pt idx="7">
+                  <c:v>44044</c:v>
+                </c:pt>
+                <c:pt idx="8">
+                  <c:v>44075</c:v>
+                </c:pt>
+                <c:pt idx="9">
+                  <c:v>44105</c:v>
+                </c:pt>
+                <c:pt idx="10">
+                  <c:v>44136</c:v>
+                </c:pt>
+                <c:pt idx="11">
+                  <c:v>44166</c:v>
+                </c:pt>
+                <c:pt idx="12">
+                  <c:v>44197</c:v>
+                </c:pt>
+                <c:pt idx="13">
+                  <c:v>44228</c:v>
+                </c:pt>
+                <c:pt idx="14">
+                  <c:v>44256</c:v>
+                </c:pt>
+                <c:pt idx="15">
+                  <c:v>44287</c:v>
+                </c:pt>
+                <c:pt idx="16">
+                  <c:v>44317</c:v>
+                </c:pt>
+                <c:pt idx="17">
+                  <c:v>44348</c:v>
+                </c:pt>
+                <c:pt idx="18">
+                  <c:v>44378</c:v>
+                </c:pt>
+                <c:pt idx="19">
+                  <c:v>44409</c:v>
+                </c:pt>
+                <c:pt idx="20">
+                  <c:v>44440</c:v>
+                </c:pt>
+                <c:pt idx="21">
+                  <c:v>44470</c:v>
+                </c:pt>
+                <c:pt idx="22">
+                  <c:v>44501</c:v>
+                </c:pt>
+                <c:pt idx="23">
+                  <c:v>44531</c:v>
+                </c:pt>
+                <c:pt idx="24">
+                  <c:v>44562</c:v>
+                </c:pt>
+                <c:pt idx="25">
+                  <c:v>44593</c:v>
+                </c:pt>
+                <c:pt idx="26">
+                  <c:v>44621</c:v>
+                </c:pt>
+                <c:pt idx="27">
+                  <c:v>44652</c:v>
+                </c:pt>
+                <c:pt idx="28">
+                  <c:v>44682</c:v>
+                </c:pt>
+                <c:pt idx="29">
+                  <c:v>44713</c:v>
+                </c:pt>
+                <c:pt idx="30">
+                  <c:v>44743</c:v>
+                </c:pt>
+                <c:pt idx="31">
+                  <c:v>44774</c:v>
+                </c:pt>
+                <c:pt idx="32">
+                  <c:v>44805</c:v>
+                </c:pt>
+                <c:pt idx="33">
+                  <c:v>44835</c:v>
+                </c:pt>
+                <c:pt idx="34">
+                  <c:v>44866</c:v>
+                </c:pt>
+                <c:pt idx="35">
+                  <c:v>44896</c:v>
+                </c:pt>
+                <c:pt idx="36">
+                  <c:v>44927</c:v>
+                </c:pt>
+                <c:pt idx="37">
+                  <c:v>44958</c:v>
+                </c:pt>
+                <c:pt idx="38">
+                  <c:v>44986</c:v>
+                </c:pt>
+                <c:pt idx="39">
+                  <c:v>45017</c:v>
+                </c:pt>
+                <c:pt idx="40">
+                  <c:v>45047</c:v>
+                </c:pt>
+                <c:pt idx="41">
+                  <c:v>45078</c:v>
+                </c:pt>
+                <c:pt idx="42">
+                  <c:v>45108</c:v>
+                </c:pt>
+                <c:pt idx="43">
+                  <c:v>45139</c:v>
+                </c:pt>
+                <c:pt idx="44">
+                  <c:v>45170</c:v>
+                </c:pt>
+                <c:pt idx="45">
+                  <c:v>45200</c:v>
+                </c:pt>
+                <c:pt idx="46">
+                  <c:v>45231</c:v>
+                </c:pt>
+                <c:pt idx="47">
+                  <c:v>45261</c:v>
+                </c:pt>
+                <c:pt idx="48">
+                  <c:v>45292</c:v>
+                </c:pt>
+                <c:pt idx="49">
+                  <c:v>45323</c:v>
+                </c:pt>
+                <c:pt idx="50">
+                  <c:v>45352</c:v>
+                </c:pt>
+                <c:pt idx="51">
+                  <c:v>45383</c:v>
+                </c:pt>
+                <c:pt idx="52">
+                  <c:v>45413</c:v>
+                </c:pt>
+              </c:numCache>
+            </c:numRef>
+          </c:cat>
+          <c:val>
+            <c:numRef>
+              <c:f>Sheet1!$C$2:$C$54</c:f>
+              <c:numCache>
+                <c:formatCode>General</c:formatCode>
+                <c:ptCount val="53"/>
+                <c:pt idx="36" formatCode="_(* #,##0.00_);_(* \(#,##0.00\);_(* &quot;-&quot;??_);_(@_)">
+                  <c:v>34432470594.82724</c:v>
+                </c:pt>
+                <c:pt idx="37" formatCode="_(* #,##0.00_);_(* \(#,##0.00\);_(* &quot;-&quot;??_);_(@_)">
+                  <c:v>34837497534.320717</c:v>
+                </c:pt>
+                <c:pt idx="38" formatCode="_(* #,##0.00_);_(* \(#,##0.00\);_(* &quot;-&quot;??_);_(@_)">
+                  <c:v>35247288779.682518</c:v>
+                </c:pt>
+                <c:pt idx="39" formatCode="_(* #,##0.00_);_(* \(#,##0.00\);_(* &quot;-&quot;??_);_(@_)">
+                  <c:v>35661900373.136467</c:v>
+                </c:pt>
+                <c:pt idx="40" formatCode="_(* #,##0.00_);_(* \(#,##0.00\);_(* &quot;-&quot;??_);_(@_)">
+                  <c:v>36081389016.12751</c:v>
+                </c:pt>
+                <c:pt idx="41" formatCode="_(* #,##0.00_);_(* \(#,##0.00\);_(* &quot;-&quot;??_);_(@_)">
+                  <c:v>36505812077.076012</c:v>
+                </c:pt>
+                <c:pt idx="42" formatCode="_(* #,##0.00_);_(* \(#,##0.00\);_(* &quot;-&quot;??_);_(@_)">
+                  <c:v>36935227599.223412</c:v>
+                </c:pt>
+                <c:pt idx="43" formatCode="_(* #,##0.00_);_(* \(#,##0.00\);_(* &quot;-&quot;??_);_(@_)">
+                  <c:v>37369694308.570023</c:v>
+                </c:pt>
+                <c:pt idx="44" formatCode="_(* #,##0.00_);_(* \(#,##0.00\);_(* &quot;-&quot;??_);_(@_)">
+                  <c:v>37809271621.906372</c:v>
+                </c:pt>
+                <c:pt idx="45" formatCode="_(* #,##0.00_);_(* \(#,##0.00\);_(* &quot;-&quot;??_);_(@_)">
+                  <c:v>38254019654.938873</c:v>
+                </c:pt>
+                <c:pt idx="46" formatCode="_(* #,##0.00_);_(* \(#,##0.00\);_(* &quot;-&quot;??_);_(@_)">
+                  <c:v>38703999230.511093</c:v>
+                </c:pt>
+                <c:pt idx="47" formatCode="_(* #,##0.00_);_(* \(#,##0.00\);_(* &quot;-&quot;??_);_(@_)">
+                  <c:v>39159271886.921837</c:v>
+                </c:pt>
+                <c:pt idx="48" formatCode="_(* #,##0.00_);_(* \(#,##0.00\);_(* &quot;-&quot;??_);_(@_)">
+                  <c:v>39619899886.340958</c:v>
+                </c:pt>
+                <c:pt idx="49" formatCode="_(* #,##0.00_);_(* \(#,##0.00\);_(* &quot;-&quot;??_);_(@_)">
+                  <c:v>40085946223.324211</c:v>
+                </c:pt>
+                <c:pt idx="50" formatCode="_(* #,##0.00_);_(* \(#,##0.00\);_(* &quot;-&quot;??_);_(@_)">
+                  <c:v>40557474633.428268</c:v>
+                </c:pt>
+                <c:pt idx="51" formatCode="_(* #,##0.00_);_(* \(#,##0.00\);_(* &quot;-&quot;??_);_(@_)">
+                  <c:v>41034549601.92704</c:v>
+                </c:pt>
+                <c:pt idx="52" formatCode="_(* #,##0.00_);_(* \(#,##0.00\);_(* &quot;-&quot;??_);_(@_)">
+                  <c:v>41517236372.630577</c:v>
+                </c:pt>
+              </c:numCache>
+            </c:numRef>
+          </c:val>
+          <c:smooth val="0"/>
+          <c:extLst>
+            <c:ext xmlns:c16="http://schemas.microsoft.com/office/drawing/2014/chart" uri="{C3380CC4-5D6E-409C-BE32-E72D297353CC}">
+              <c16:uniqueId val="{00000001-13A9-43DD-A257-D26324BEBCBD}"/>
+            </c:ext>
+          </c:extLst>
+        </c:ser>
+        <c:ser>
+          <c:idx val="2"/>
+          <c:order val="2"/>
+          <c:tx>
+            <c:strRef>
+              <c:f>Sheet1!$H$1</c:f>
+              <c:strCache>
+                <c:ptCount val="1"/>
+                <c:pt idx="0">
+                  <c:v>Previsão Holt Method</c:v>
+                </c:pt>
+              </c:strCache>
+            </c:strRef>
+          </c:tx>
+          <c:spPr>
+            <a:ln w="22225" cap="rnd">
+              <a:solidFill>
+                <a:schemeClr val="accent6">
+                  <a:lumMod val="75000"/>
+                  <a:alpha val="85000"/>
+                </a:schemeClr>
+              </a:solidFill>
+              <a:prstDash val="sysDash"/>
+              <a:round/>
+            </a:ln>
+            <a:effectLst/>
+          </c:spPr>
+          <c:marker>
+            <c:symbol val="none"/>
+          </c:marker>
+          <c:cat>
+            <c:numRef>
+              <c:f>Sheet1!$A$2:$A$54</c:f>
+              <c:numCache>
+                <c:formatCode>[$-416]mmm\-yy;@</c:formatCode>
+                <c:ptCount val="53"/>
+                <c:pt idx="0">
+                  <c:v>43831</c:v>
+                </c:pt>
+                <c:pt idx="1">
+                  <c:v>43862</c:v>
+                </c:pt>
+                <c:pt idx="2">
+                  <c:v>43891</c:v>
+                </c:pt>
+                <c:pt idx="3">
+                  <c:v>43922</c:v>
+                </c:pt>
+                <c:pt idx="4">
+                  <c:v>43952</c:v>
+                </c:pt>
+                <c:pt idx="5">
+                  <c:v>43983</c:v>
+                </c:pt>
+                <c:pt idx="6">
+                  <c:v>44013</c:v>
+                </c:pt>
+                <c:pt idx="7">
+                  <c:v>44044</c:v>
+                </c:pt>
+                <c:pt idx="8">
+                  <c:v>44075</c:v>
+                </c:pt>
+                <c:pt idx="9">
+                  <c:v>44105</c:v>
+                </c:pt>
+                <c:pt idx="10">
+                  <c:v>44136</c:v>
+                </c:pt>
+                <c:pt idx="11">
+                  <c:v>44166</c:v>
+                </c:pt>
+                <c:pt idx="12">
+                  <c:v>44197</c:v>
+                </c:pt>
+                <c:pt idx="13">
+                  <c:v>44228</c:v>
+                </c:pt>
+                <c:pt idx="14">
+                  <c:v>44256</c:v>
+                </c:pt>
+                <c:pt idx="15">
+                  <c:v>44287</c:v>
+                </c:pt>
+                <c:pt idx="16">
+                  <c:v>44317</c:v>
+                </c:pt>
+                <c:pt idx="17">
+                  <c:v>44348</c:v>
+                </c:pt>
+                <c:pt idx="18">
+                  <c:v>44378</c:v>
+                </c:pt>
+                <c:pt idx="19">
+                  <c:v>44409</c:v>
+                </c:pt>
+                <c:pt idx="20">
+                  <c:v>44440</c:v>
+                </c:pt>
+                <c:pt idx="21">
+                  <c:v>44470</c:v>
+                </c:pt>
+                <c:pt idx="22">
+                  <c:v>44501</c:v>
+                </c:pt>
+                <c:pt idx="23">
+                  <c:v>44531</c:v>
+                </c:pt>
+                <c:pt idx="24">
+                  <c:v>44562</c:v>
+                </c:pt>
+                <c:pt idx="25">
+                  <c:v>44593</c:v>
+                </c:pt>
+                <c:pt idx="26">
+                  <c:v>44621</c:v>
+                </c:pt>
+                <c:pt idx="27">
+                  <c:v>44652</c:v>
+                </c:pt>
+                <c:pt idx="28">
+                  <c:v>44682</c:v>
+                </c:pt>
+                <c:pt idx="29">
+                  <c:v>44713</c:v>
+                </c:pt>
+                <c:pt idx="30">
+                  <c:v>44743</c:v>
+                </c:pt>
+                <c:pt idx="31">
+                  <c:v>44774</c:v>
+                </c:pt>
+                <c:pt idx="32">
+                  <c:v>44805</c:v>
+                </c:pt>
+                <c:pt idx="33">
+                  <c:v>44835</c:v>
+                </c:pt>
+                <c:pt idx="34">
+                  <c:v>44866</c:v>
+                </c:pt>
+                <c:pt idx="35">
+                  <c:v>44896</c:v>
+                </c:pt>
+                <c:pt idx="36">
+                  <c:v>44927</c:v>
+                </c:pt>
+                <c:pt idx="37">
+                  <c:v>44958</c:v>
+                </c:pt>
+                <c:pt idx="38">
+                  <c:v>44986</c:v>
+                </c:pt>
+                <c:pt idx="39">
+                  <c:v>45017</c:v>
+                </c:pt>
+                <c:pt idx="40">
+                  <c:v>45047</c:v>
+                </c:pt>
+                <c:pt idx="41">
+                  <c:v>45078</c:v>
+                </c:pt>
+                <c:pt idx="42">
+                  <c:v>45108</c:v>
+                </c:pt>
+                <c:pt idx="43">
+                  <c:v>45139</c:v>
+                </c:pt>
+                <c:pt idx="44">
+                  <c:v>45170</c:v>
+                </c:pt>
+                <c:pt idx="45">
+                  <c:v>45200</c:v>
+                </c:pt>
+                <c:pt idx="46">
+                  <c:v>45231</c:v>
+                </c:pt>
+                <c:pt idx="47">
+                  <c:v>45261</c:v>
+                </c:pt>
+                <c:pt idx="48">
+                  <c:v>45292</c:v>
+                </c:pt>
+                <c:pt idx="49">
+                  <c:v>45323</c:v>
+                </c:pt>
+                <c:pt idx="50">
+                  <c:v>45352</c:v>
+                </c:pt>
+                <c:pt idx="51">
+                  <c:v>45383</c:v>
+                </c:pt>
+                <c:pt idx="52">
+                  <c:v>45413</c:v>
+                </c:pt>
+              </c:numCache>
+            </c:numRef>
+          </c:cat>
+          <c:val>
+            <c:numRef>
+              <c:f>Sheet1!$H$2:$H$54</c:f>
+              <c:numCache>
+                <c:formatCode>General</c:formatCode>
+                <c:ptCount val="53"/>
+                <c:pt idx="36" formatCode="_(* #,##0.00_);_(* \(#,##0.00\);_(* &quot;-&quot;??_);_(@_)">
+                  <c:v>34341871623.90287</c:v>
+                </c:pt>
+                <c:pt idx="37" formatCode="_(* #,##0.00_);_(* \(#,##0.00\);_(* &quot;-&quot;??_);_(@_)">
+                  <c:v>34651597215.177399</c:v>
+                </c:pt>
+                <c:pt idx="38" formatCode="_(* #,##0.00_);_(* \(#,##0.00\);_(* &quot;-&quot;??_);_(@_)">
+                  <c:v>34961322806.451927</c:v>
+                </c:pt>
+                <c:pt idx="39" formatCode="_(* #,##0.00_);_(* \(#,##0.00\);_(* &quot;-&quot;??_);_(@_)">
+                  <c:v>35271048397.726463</c:v>
+                </c:pt>
+                <c:pt idx="40" formatCode="_(* #,##0.00_);_(* \(#,##0.00\);_(* &quot;-&quot;??_);_(@_)">
+                  <c:v>35580773989.000992</c:v>
+                </c:pt>
+                <c:pt idx="41" formatCode="_(* #,##0.00_);_(* \(#,##0.00\);_(* &quot;-&quot;??_);_(@_)">
+                  <c:v>35890499580.275528</c:v>
+                </c:pt>
+                <c:pt idx="42" formatCode="_(* #,##0.00_);_(* \(#,##0.00\);_(* &quot;-&quot;??_);_(@_)">
+                  <c:v>36200225171.550056</c:v>
+                </c:pt>
+                <c:pt idx="43" formatCode="_(* #,##0.00_);_(* \(#,##0.00\);_(* &quot;-&quot;??_);_(@_)">
+                  <c:v>36509950762.824577</c:v>
+                </c:pt>
+                <c:pt idx="44" formatCode="_(* #,##0.00_);_(* \(#,##0.00\);_(* &quot;-&quot;??_);_(@_)">
+                  <c:v>36819676354.099121</c:v>
+                </c:pt>
+                <c:pt idx="45" formatCode="_(* #,##0.00_);_(* \(#,##0.00\);_(* &quot;-&quot;??_);_(@_)">
+                  <c:v>37129401945.37365</c:v>
+                </c:pt>
+                <c:pt idx="46" formatCode="_(* #,##0.00_);_(* \(#,##0.00\);_(* &quot;-&quot;??_);_(@_)">
+                  <c:v>37439127536.648178</c:v>
+                </c:pt>
+                <c:pt idx="47" formatCode="_(* #,##0.00_);_(* \(#,##0.00\);_(* &quot;-&quot;??_);_(@_)">
+                  <c:v>37748853127.922707</c:v>
+                </c:pt>
+                <c:pt idx="48" formatCode="_(* #,##0.00_);_(* \(#,##0.00\);_(* &quot;-&quot;??_);_(@_)">
+                  <c:v>38058578719.197243</c:v>
+                </c:pt>
+                <c:pt idx="49" formatCode="_(* #,##0.00_);_(* \(#,##0.00\);_(* &quot;-&quot;??_);_(@_)">
+                  <c:v>38368304310.471771</c:v>
+                </c:pt>
+                <c:pt idx="50" formatCode="_(* #,##0.00_);_(* \(#,##0.00\);_(* &quot;-&quot;??_);_(@_)">
+                  <c:v>38678029901.746307</c:v>
+                </c:pt>
+                <c:pt idx="51" formatCode="_(* #,##0.00_);_(* \(#,##0.00\);_(* &quot;-&quot;??_);_(@_)">
+                  <c:v>38987755493.020844</c:v>
+                </c:pt>
+                <c:pt idx="52" formatCode="_(* #,##0.00_);_(* \(#,##0.00\);_(* &quot;-&quot;??_);_(@_)">
+                  <c:v>39297481084.295372</c:v>
+                </c:pt>
+              </c:numCache>
+            </c:numRef>
+          </c:val>
+          <c:smooth val="0"/>
+          <c:extLst>
+            <c:ext xmlns:c16="http://schemas.microsoft.com/office/drawing/2014/chart" uri="{C3380CC4-5D6E-409C-BE32-E72D297353CC}">
+              <c16:uniqueId val="{00000002-13A9-43DD-A257-D26324BEBCBD}"/>
+            </c:ext>
+          </c:extLst>
+        </c:ser>
+        <c:ser>
+          <c:idx val="3"/>
+          <c:order val="3"/>
+          <c:tx>
+            <c:strRef>
+              <c:f>Sheet1!$M$1</c:f>
+              <c:strCache>
+                <c:ptCount val="1"/>
+                <c:pt idx="0">
+                  <c:v>Previsão Holt-Winters</c:v>
+                </c:pt>
+              </c:strCache>
+            </c:strRef>
+          </c:tx>
+          <c:spPr>
+            <a:ln w="22225" cap="rnd">
+              <a:solidFill>
+                <a:schemeClr val="accent4">
+                  <a:alpha val="85000"/>
+                </a:schemeClr>
+              </a:solidFill>
+              <a:prstDash val="sysDash"/>
+              <a:round/>
+            </a:ln>
+            <a:effectLst/>
+          </c:spPr>
+          <c:marker>
+            <c:symbol val="none"/>
+          </c:marker>
+          <c:cat>
+            <c:numRef>
+              <c:f>Sheet1!$A$2:$A$54</c:f>
+              <c:numCache>
+                <c:formatCode>[$-416]mmm\-yy;@</c:formatCode>
+                <c:ptCount val="53"/>
+                <c:pt idx="0">
+                  <c:v>43831</c:v>
+                </c:pt>
+                <c:pt idx="1">
+                  <c:v>43862</c:v>
+                </c:pt>
+                <c:pt idx="2">
+                  <c:v>43891</c:v>
+                </c:pt>
+                <c:pt idx="3">
+                  <c:v>43922</c:v>
+                </c:pt>
+                <c:pt idx="4">
+                  <c:v>43952</c:v>
+                </c:pt>
+                <c:pt idx="5">
+                  <c:v>43983</c:v>
+                </c:pt>
+                <c:pt idx="6">
+                  <c:v>44013</c:v>
+                </c:pt>
+                <c:pt idx="7">
+                  <c:v>44044</c:v>
+                </c:pt>
+                <c:pt idx="8">
+                  <c:v>44075</c:v>
+                </c:pt>
+                <c:pt idx="9">
+                  <c:v>44105</c:v>
+                </c:pt>
+                <c:pt idx="10">
+                  <c:v>44136</c:v>
+                </c:pt>
+                <c:pt idx="11">
+                  <c:v>44166</c:v>
+                </c:pt>
+                <c:pt idx="12">
+                  <c:v>44197</c:v>
+                </c:pt>
+                <c:pt idx="13">
+                  <c:v>44228</c:v>
+                </c:pt>
+                <c:pt idx="14">
+                  <c:v>44256</c:v>
+                </c:pt>
+                <c:pt idx="15">
+                  <c:v>44287</c:v>
+                </c:pt>
+                <c:pt idx="16">
+                  <c:v>44317</c:v>
+                </c:pt>
+                <c:pt idx="17">
+                  <c:v>44348</c:v>
+                </c:pt>
+                <c:pt idx="18">
+                  <c:v>44378</c:v>
+                </c:pt>
+                <c:pt idx="19">
+                  <c:v>44409</c:v>
+                </c:pt>
+                <c:pt idx="20">
+                  <c:v>44440</c:v>
+                </c:pt>
+                <c:pt idx="21">
+                  <c:v>44470</c:v>
+                </c:pt>
+                <c:pt idx="22">
+                  <c:v>44501</c:v>
+                </c:pt>
+                <c:pt idx="23">
+                  <c:v>44531</c:v>
+                </c:pt>
+                <c:pt idx="24">
+                  <c:v>44562</c:v>
+                </c:pt>
+                <c:pt idx="25">
+                  <c:v>44593</c:v>
+                </c:pt>
+                <c:pt idx="26">
+                  <c:v>44621</c:v>
+                </c:pt>
+                <c:pt idx="27">
+                  <c:v>44652</c:v>
+                </c:pt>
+                <c:pt idx="28">
+                  <c:v>44682</c:v>
+                </c:pt>
+                <c:pt idx="29">
+                  <c:v>44713</c:v>
+                </c:pt>
+                <c:pt idx="30">
+                  <c:v>44743</c:v>
+                </c:pt>
+                <c:pt idx="31">
+                  <c:v>44774</c:v>
+                </c:pt>
+                <c:pt idx="32">
+                  <c:v>44805</c:v>
+                </c:pt>
+                <c:pt idx="33">
+                  <c:v>44835</c:v>
+                </c:pt>
+                <c:pt idx="34">
+                  <c:v>44866</c:v>
+                </c:pt>
+                <c:pt idx="35">
+                  <c:v>44896</c:v>
+                </c:pt>
+                <c:pt idx="36">
+                  <c:v>44927</c:v>
+                </c:pt>
+                <c:pt idx="37">
+                  <c:v>44958</c:v>
+                </c:pt>
+                <c:pt idx="38">
+                  <c:v>44986</c:v>
+                </c:pt>
+                <c:pt idx="39">
+                  <c:v>45017</c:v>
+                </c:pt>
+                <c:pt idx="40">
+                  <c:v>45047</c:v>
+                </c:pt>
+                <c:pt idx="41">
+                  <c:v>45078</c:v>
+                </c:pt>
+                <c:pt idx="42">
+                  <c:v>45108</c:v>
+                </c:pt>
+                <c:pt idx="43">
+                  <c:v>45139</c:v>
+                </c:pt>
+                <c:pt idx="44">
+                  <c:v>45170</c:v>
+                </c:pt>
+                <c:pt idx="45">
+                  <c:v>45200</c:v>
+                </c:pt>
+                <c:pt idx="46">
+                  <c:v>45231</c:v>
+                </c:pt>
+                <c:pt idx="47">
+                  <c:v>45261</c:v>
+                </c:pt>
+                <c:pt idx="48">
+                  <c:v>45292</c:v>
+                </c:pt>
+                <c:pt idx="49">
+                  <c:v>45323</c:v>
+                </c:pt>
+                <c:pt idx="50">
+                  <c:v>45352</c:v>
+                </c:pt>
+                <c:pt idx="51">
+                  <c:v>45383</c:v>
+                </c:pt>
+                <c:pt idx="52">
+                  <c:v>45413</c:v>
+                </c:pt>
+              </c:numCache>
+            </c:numRef>
+          </c:cat>
+          <c:val>
+            <c:numRef>
+              <c:f>Sheet1!$M$2:$M$54</c:f>
+              <c:numCache>
+                <c:formatCode>General</c:formatCode>
+                <c:ptCount val="53"/>
+                <c:pt idx="36" formatCode="_(* #,##0.00_);_(* \(#,##0.00\);_(* &quot;-&quot;??_);_(@_)">
+                  <c:v>34194066996.638561</c:v>
+                </c:pt>
+                <c:pt idx="37" formatCode="_(* #,##0.00_);_(* \(#,##0.00\);_(* &quot;-&quot;??_);_(@_)">
+                  <c:v>34483520011.170601</c:v>
+                </c:pt>
+                <c:pt idx="38" formatCode="_(* #,##0.00_);_(* \(#,##0.00\);_(* &quot;-&quot;??_);_(@_)">
+                  <c:v>34877560961.603729</c:v>
+                </c:pt>
+                <c:pt idx="39" formatCode="_(* #,##0.00_);_(* \(#,##0.00\);_(* &quot;-&quot;??_);_(@_)">
+                  <c:v>35241329456.637283</c:v>
+                </c:pt>
+                <c:pt idx="40" formatCode="_(* #,##0.00_);_(* \(#,##0.00\);_(* &quot;-&quot;??_);_(@_)">
+                  <c:v>35587775845.436317</c:v>
+                </c:pt>
+                <c:pt idx="41" formatCode="_(* #,##0.00_);_(* \(#,##0.00\);_(* &quot;-&quot;??_);_(@_)">
+                  <c:v>35966487538.408043</c:v>
+                </c:pt>
+                <c:pt idx="42" formatCode="_(* #,##0.00_);_(* \(#,##0.00\);_(* &quot;-&quot;??_);_(@_)">
+                  <c:v>36263930607.338654</c:v>
+                </c:pt>
+                <c:pt idx="43" formatCode="_(* #,##0.00_);_(* \(#,##0.00\);_(* &quot;-&quot;??_);_(@_)">
+                  <c:v>36546833401.457336</c:v>
+                </c:pt>
+                <c:pt idx="44" formatCode="_(* #,##0.00_);_(* \(#,##0.00\);_(* &quot;-&quot;??_);_(@_)">
+                  <c:v>36860582424.058403</c:v>
+                </c:pt>
+                <c:pt idx="45" formatCode="_(* #,##0.00_);_(* \(#,##0.00\);_(* &quot;-&quot;??_);_(@_)">
+                  <c:v>37239653686.936737</c:v>
+                </c:pt>
+                <c:pt idx="46" formatCode="_(* #,##0.00_);_(* \(#,##0.00\);_(* &quot;-&quot;??_);_(@_)">
+                  <c:v>37620289243.731178</c:v>
+                </c:pt>
+                <c:pt idx="47" formatCode="_(* #,##0.00_);_(* \(#,##0.00\);_(* &quot;-&quot;??_);_(@_)">
+                  <c:v>38011763410.492393</c:v>
+                </c:pt>
+                <c:pt idx="48" formatCode="_(* #,##0.00_);_(* \(#,##0.00\);_(* &quot;-&quot;??_);_(@_)">
+                  <c:v>38173711519.953453</c:v>
+                </c:pt>
+                <c:pt idx="49" formatCode="_(* #,##0.00_);_(* \(#,##0.00\);_(* &quot;-&quot;??_);_(@_)">
+                  <c:v>38463164534.485489</c:v>
+                </c:pt>
+                <c:pt idx="50" formatCode="_(* #,##0.00_);_(* \(#,##0.00\);_(* &quot;-&quot;??_);_(@_)">
+                  <c:v>38857205484.918617</c:v>
+                </c:pt>
+                <c:pt idx="51" formatCode="_(* #,##0.00_);_(* \(#,##0.00\);_(* &quot;-&quot;??_);_(@_)">
+                  <c:v>39220973979.952164</c:v>
+                </c:pt>
+                <c:pt idx="52" formatCode="_(* #,##0.00_);_(* \(#,##0.00\);_(* &quot;-&quot;??_);_(@_)">
+                  <c:v>39567420368.751213</c:v>
+                </c:pt>
+              </c:numCache>
+            </c:numRef>
+          </c:val>
+          <c:smooth val="0"/>
+          <c:extLst>
+            <c:ext xmlns:c16="http://schemas.microsoft.com/office/drawing/2014/chart" uri="{C3380CC4-5D6E-409C-BE32-E72D297353CC}">
+              <c16:uniqueId val="{00000003-13A9-43DD-A257-D26324BEBCBD}"/>
+            </c:ext>
+          </c:extLst>
+        </c:ser>
+        <c:ser>
+          <c:idx val="4"/>
+          <c:order val="4"/>
+          <c:tx>
+            <c:strRef>
+              <c:f>Sheet1!$R$1</c:f>
+              <c:strCache>
+                <c:ptCount val="1"/>
+                <c:pt idx="0">
+                  <c:v>Previsão ARIMA</c:v>
+                </c:pt>
+              </c:strCache>
+            </c:strRef>
+          </c:tx>
+          <c:spPr>
+            <a:ln w="22225" cap="rnd">
+              <a:solidFill>
+                <a:schemeClr val="accent5">
+                  <a:alpha val="85000"/>
+                </a:schemeClr>
+              </a:solidFill>
+              <a:prstDash val="sysDash"/>
+              <a:round/>
+            </a:ln>
+            <a:effectLst/>
+          </c:spPr>
+          <c:marker>
+            <c:symbol val="none"/>
+          </c:marker>
+          <c:cat>
+            <c:numRef>
+              <c:f>Sheet1!$A$2:$A$54</c:f>
+              <c:numCache>
+                <c:formatCode>[$-416]mmm\-yy;@</c:formatCode>
+                <c:ptCount val="53"/>
+                <c:pt idx="0">
+                  <c:v>43831</c:v>
+                </c:pt>
+                <c:pt idx="1">
+                  <c:v>43862</c:v>
+                </c:pt>
+                <c:pt idx="2">
+                  <c:v>43891</c:v>
+                </c:pt>
+                <c:pt idx="3">
+                  <c:v>43922</c:v>
+                </c:pt>
+                <c:pt idx="4">
+                  <c:v>43952</c:v>
+                </c:pt>
+                <c:pt idx="5">
+                  <c:v>43983</c:v>
+                </c:pt>
+                <c:pt idx="6">
+                  <c:v>44013</c:v>
+                </c:pt>
+                <c:pt idx="7">
+                  <c:v>44044</c:v>
+                </c:pt>
+                <c:pt idx="8">
+                  <c:v>44075</c:v>
+                </c:pt>
+                <c:pt idx="9">
+                  <c:v>44105</c:v>
+                </c:pt>
+                <c:pt idx="10">
+                  <c:v>44136</c:v>
+                </c:pt>
+                <c:pt idx="11">
+                  <c:v>44166</c:v>
+                </c:pt>
+                <c:pt idx="12">
+                  <c:v>44197</c:v>
+                </c:pt>
+                <c:pt idx="13">
+                  <c:v>44228</c:v>
+                </c:pt>
+                <c:pt idx="14">
+                  <c:v>44256</c:v>
+                </c:pt>
+                <c:pt idx="15">
+                  <c:v>44287</c:v>
+                </c:pt>
+                <c:pt idx="16">
+                  <c:v>44317</c:v>
+                </c:pt>
+                <c:pt idx="17">
+                  <c:v>44348</c:v>
+                </c:pt>
+                <c:pt idx="18">
+                  <c:v>44378</c:v>
+                </c:pt>
+                <c:pt idx="19">
+                  <c:v>44409</c:v>
+                </c:pt>
+                <c:pt idx="20">
+                  <c:v>44440</c:v>
+                </c:pt>
+                <c:pt idx="21">
+                  <c:v>44470</c:v>
+                </c:pt>
+                <c:pt idx="22">
+                  <c:v>44501</c:v>
+                </c:pt>
+                <c:pt idx="23">
+                  <c:v>44531</c:v>
+                </c:pt>
+                <c:pt idx="24">
+                  <c:v>44562</c:v>
+                </c:pt>
+                <c:pt idx="25">
+                  <c:v>44593</c:v>
+                </c:pt>
+                <c:pt idx="26">
+                  <c:v>44621</c:v>
+                </c:pt>
+                <c:pt idx="27">
+                  <c:v>44652</c:v>
+                </c:pt>
+                <c:pt idx="28">
+                  <c:v>44682</c:v>
+                </c:pt>
+                <c:pt idx="29">
+                  <c:v>44713</c:v>
+                </c:pt>
+                <c:pt idx="30">
+                  <c:v>44743</c:v>
+                </c:pt>
+                <c:pt idx="31">
+                  <c:v>44774</c:v>
+                </c:pt>
+                <c:pt idx="32">
+                  <c:v>44805</c:v>
+                </c:pt>
+                <c:pt idx="33">
+                  <c:v>44835</c:v>
+                </c:pt>
+                <c:pt idx="34">
+                  <c:v>44866</c:v>
+                </c:pt>
+                <c:pt idx="35">
+                  <c:v>44896</c:v>
+                </c:pt>
+                <c:pt idx="36">
+                  <c:v>44927</c:v>
+                </c:pt>
+                <c:pt idx="37">
+                  <c:v>44958</c:v>
+                </c:pt>
+                <c:pt idx="38">
+                  <c:v>44986</c:v>
+                </c:pt>
+                <c:pt idx="39">
+                  <c:v>45017</c:v>
+                </c:pt>
+                <c:pt idx="40">
+                  <c:v>45047</c:v>
+                </c:pt>
+                <c:pt idx="41">
+                  <c:v>45078</c:v>
+                </c:pt>
+                <c:pt idx="42">
+                  <c:v>45108</c:v>
+                </c:pt>
+                <c:pt idx="43">
+                  <c:v>45139</c:v>
+                </c:pt>
+                <c:pt idx="44">
+                  <c:v>45170</c:v>
+                </c:pt>
+                <c:pt idx="45">
+                  <c:v>45200</c:v>
+                </c:pt>
+                <c:pt idx="46">
+                  <c:v>45231</c:v>
+                </c:pt>
+                <c:pt idx="47">
+                  <c:v>45261</c:v>
+                </c:pt>
+                <c:pt idx="48">
+                  <c:v>45292</c:v>
+                </c:pt>
+                <c:pt idx="49">
+                  <c:v>45323</c:v>
+                </c:pt>
+                <c:pt idx="50">
+                  <c:v>45352</c:v>
+                </c:pt>
+                <c:pt idx="51">
+                  <c:v>45383</c:v>
+                </c:pt>
+                <c:pt idx="52">
+                  <c:v>45413</c:v>
+                </c:pt>
+              </c:numCache>
+            </c:numRef>
+          </c:cat>
+          <c:val>
+            <c:numRef>
+              <c:f>Sheet1!$R$2:$R$54</c:f>
+              <c:numCache>
+                <c:formatCode>yyyy\-mm\-dd</c:formatCode>
+                <c:ptCount val="53"/>
+                <c:pt idx="36" formatCode="_(* #,##0.00_);_(* \(#,##0.00\);_(* &quot;-&quot;??_);_(@_)">
+                  <c:v>34322622945</c:v>
+                </c:pt>
+                <c:pt idx="37" formatCode="_(* #,##0.00_);_(* \(#,##0.00\);_(* &quot;-&quot;??_);_(@_)">
+                  <c:v>34620961633</c:v>
+                </c:pt>
+                <c:pt idx="38" formatCode="_(* #,##0.00_);_(* \(#,##0.00\);_(* &quot;-&quot;??_);_(@_)">
+                  <c:v>34778875158</c:v>
+                </c:pt>
+                <c:pt idx="39" formatCode="_(* #,##0.00_);_(* \(#,##0.00\);_(* &quot;-&quot;??_);_(@_)">
+                  <c:v>34921126316</c:v>
+                </c:pt>
+                <c:pt idx="40" formatCode="_(* #,##0.00_);_(* \(#,##0.00\);_(* &quot;-&quot;??_);_(@_)">
+                  <c:v>34851336978</c:v>
+                </c:pt>
+                <c:pt idx="41" formatCode="_(* #,##0.00_);_(* \(#,##0.00\);_(* &quot;-&quot;??_);_(@_)">
+                  <c:v>34556112910</c:v>
+                </c:pt>
+                <c:pt idx="42" formatCode="_(* #,##0.00_);_(* \(#,##0.00\);_(* &quot;-&quot;??_);_(@_)">
+                  <c:v>34632614489</c:v>
+                </c:pt>
+                <c:pt idx="43" formatCode="_(* #,##0.00_);_(* \(#,##0.00\);_(* &quot;-&quot;??_);_(@_)">
+                  <c:v>34964366047</c:v>
+                </c:pt>
+                <c:pt idx="44" formatCode="_(* #,##0.00_);_(* \(#,##0.00\);_(* &quot;-&quot;??_);_(@_)">
+                  <c:v>35578903039</c:v>
+                </c:pt>
+                <c:pt idx="45" formatCode="_(* #,##0.00_);_(* \(#,##0.00\);_(* &quot;-&quot;??_);_(@_)">
+                  <c:v>35979262598</c:v>
+                </c:pt>
+                <c:pt idx="46" formatCode="_(* #,##0.00_);_(* \(#,##0.00\);_(* &quot;-&quot;??_);_(@_)">
+                  <c:v>36268262091</c:v>
+                </c:pt>
+                <c:pt idx="47" formatCode="_(* #,##0.00_);_(* \(#,##0.00\);_(* &quot;-&quot;??_);_(@_)">
+                  <c:v>36672468626</c:v>
+                </c:pt>
+                <c:pt idx="48" formatCode="_(* #,##0.00_);_(* \(#,##0.00\);_(* &quot;-&quot;??_);_(@_)">
+                  <c:v>36856367802</c:v>
+                </c:pt>
+                <c:pt idx="49" formatCode="_(* #,##0.00_);_(* \(#,##0.00\);_(* &quot;-&quot;??_);_(@_)">
+                  <c:v>37205771445</c:v>
+                </c:pt>
+                <c:pt idx="50" formatCode="_(* #,##0.00_);_(* \(#,##0.00\);_(* &quot;-&quot;??_);_(@_)">
+                  <c:v>37558336554</c:v>
+                </c:pt>
+                <c:pt idx="51" formatCode="_(* #,##0.00_);_(* \(#,##0.00\);_(* &quot;-&quot;??_);_(@_)">
+                  <c:v>37920379435</c:v>
+                </c:pt>
+                <c:pt idx="52" formatCode="_(* #,##0.00_);_(* \(#,##0.00\);_(* &quot;-&quot;??_);_(@_)">
+                  <c:v>38402440346</c:v>
+                </c:pt>
+              </c:numCache>
+            </c:numRef>
+          </c:val>
+          <c:smooth val="0"/>
+          <c:extLst>
+            <c:ext xmlns:c16="http://schemas.microsoft.com/office/drawing/2014/chart" uri="{C3380CC4-5D6E-409C-BE32-E72D297353CC}">
+              <c16:uniqueId val="{00000004-13A9-43DD-A257-D26324BEBCBD}"/>
+            </c:ext>
+          </c:extLst>
+        </c:ser>
+        <c:dLbls>
+          <c:showLegendKey val="0"/>
+          <c:showVal val="0"/>
+          <c:showCatName val="0"/>
+          <c:showSerName val="0"/>
+          <c:showPercent val="0"/>
+          <c:showBubbleSize val="0"/>
+        </c:dLbls>
+        <c:smooth val="0"/>
+        <c:axId val="802629768"/>
+        <c:axId val="802628200"/>
+      </c:lineChart>
+      <c:dateAx>
+        <c:axId val="802629768"/>
+        <c:scaling>
+          <c:orientation val="minMax"/>
+        </c:scaling>
+        <c:delete val="0"/>
+        <c:axPos val="b"/>
+        <c:numFmt formatCode="[$-416]mmm\-yy;@" sourceLinked="1"/>
+        <c:majorTickMark val="out"/>
+        <c:minorTickMark val="none"/>
+        <c:tickLblPos val="nextTo"/>
+        <c:spPr>
+          <a:noFill/>
+          <a:ln w="9525" cap="flat" cmpd="sng" algn="ctr">
+            <a:solidFill>
+              <a:schemeClr val="tx1">
+                <a:lumMod val="15000"/>
+                <a:lumOff val="85000"/>
+              </a:schemeClr>
+            </a:solidFill>
+            <a:round/>
+          </a:ln>
+          <a:effectLst/>
+        </c:spPr>
+        <c:txPr>
+          <a:bodyPr rot="-60000000" spcFirstLastPara="1" vertOverflow="ellipsis" vert="horz" wrap="square" anchor="ctr" anchorCtr="1"/>
+          <a:lstStyle/>
+          <a:p>
+            <a:pPr>
+              <a:defRPr sz="1200" b="0" i="0" u="none" strike="noStrike" kern="1200" baseline="0">
+                <a:solidFill>
+                  <a:schemeClr val="tx1">
+                    <a:lumMod val="65000"/>
+                    <a:lumOff val="35000"/>
+                  </a:schemeClr>
+                </a:solidFill>
+                <a:latin typeface="+mn-lt"/>
+                <a:ea typeface="+mn-ea"/>
+                <a:cs typeface="+mn-cs"/>
+              </a:defRPr>
+            </a:pPr>
+            <a:endParaRPr lang="pt-BR"/>
+          </a:p>
+        </c:txPr>
+        <c:crossAx val="802628200"/>
+        <c:crosses val="autoZero"/>
+        <c:auto val="1"/>
+        <c:lblOffset val="100"/>
+        <c:baseTimeUnit val="months"/>
+        <c:majorUnit val="6"/>
+        <c:majorTimeUnit val="months"/>
+      </c:dateAx>
+      <c:valAx>
+        <c:axId val="802628200"/>
+        <c:scaling>
+          <c:orientation val="minMax"/>
+          <c:max val="42000000000"/>
+          <c:min val="20000000000"/>
+        </c:scaling>
+        <c:delete val="0"/>
+        <c:axPos val="l"/>
+        <c:majorGridlines>
+          <c:spPr>
+            <a:ln w="9525" cap="flat" cmpd="sng" algn="ctr">
+              <a:solidFill>
+                <a:schemeClr val="tx1">
+                  <a:lumMod val="15000"/>
+                  <a:lumOff val="85000"/>
+                </a:schemeClr>
+              </a:solidFill>
+              <a:round/>
+            </a:ln>
+            <a:effectLst/>
+          </c:spPr>
+        </c:majorGridlines>
+        <c:numFmt formatCode="&quot;R$&quot;\ #,##0" sourceLinked="0"/>
+        <c:majorTickMark val="none"/>
+        <c:minorTickMark val="none"/>
+        <c:tickLblPos val="nextTo"/>
+        <c:spPr>
+          <a:noFill/>
+          <a:ln>
+            <a:noFill/>
+          </a:ln>
+          <a:effectLst/>
+        </c:spPr>
+        <c:txPr>
+          <a:bodyPr rot="-60000000" spcFirstLastPara="1" vertOverflow="ellipsis" vert="horz" wrap="square" anchor="ctr" anchorCtr="1"/>
+          <a:lstStyle/>
+          <a:p>
+            <a:pPr>
+              <a:defRPr sz="1200" b="0" i="0" u="none" strike="noStrike" kern="1200" baseline="0">
+                <a:solidFill>
+                  <a:schemeClr val="tx1">
+                    <a:lumMod val="65000"/>
+                    <a:lumOff val="35000"/>
+                  </a:schemeClr>
+                </a:solidFill>
+                <a:latin typeface="+mn-lt"/>
+                <a:ea typeface="+mn-ea"/>
+                <a:cs typeface="+mn-cs"/>
+              </a:defRPr>
+            </a:pPr>
+            <a:endParaRPr lang="pt-BR"/>
+          </a:p>
+        </c:txPr>
+        <c:crossAx val="802629768"/>
+        <c:crosses val="autoZero"/>
+        <c:crossBetween val="between"/>
+        <c:dispUnits>
+          <c:builtInUnit val="billions"/>
+          <c:dispUnitsLbl>
+            <c:spPr>
+              <a:noFill/>
+              <a:ln>
+                <a:noFill/>
+              </a:ln>
+              <a:effectLst/>
+            </c:spPr>
+            <c:txPr>
+              <a:bodyPr rot="-5400000" spcFirstLastPara="1" vertOverflow="ellipsis" vert="horz" wrap="square" anchor="ctr" anchorCtr="1"/>
+              <a:lstStyle/>
+              <a:p>
+                <a:pPr>
+                  <a:defRPr sz="1200" b="0" i="0" u="none" strike="noStrike" kern="1200" baseline="0">
+                    <a:solidFill>
+                      <a:schemeClr val="tx1">
+                        <a:lumMod val="65000"/>
+                        <a:lumOff val="35000"/>
+                      </a:schemeClr>
+                    </a:solidFill>
+                    <a:latin typeface="+mn-lt"/>
+                    <a:ea typeface="+mn-ea"/>
+                    <a:cs typeface="+mn-cs"/>
+                  </a:defRPr>
+                </a:pPr>
+                <a:endParaRPr lang="pt-BR"/>
+              </a:p>
+            </c:txPr>
+          </c:dispUnitsLbl>
+        </c:dispUnits>
+      </c:valAx>
+      <c:spPr>
+        <a:noFill/>
+        <a:ln>
+          <a:noFill/>
+        </a:ln>
+        <a:effectLst/>
+      </c:spPr>
+    </c:plotArea>
+    <c:legend>
+      <c:legendPos val="b"/>
+      <c:layout>
+        <c:manualLayout>
+          <c:xMode val="edge"/>
+          <c:yMode val="edge"/>
+          <c:x val="6.9725853477270769E-2"/>
+          <c:y val="0.89059251628125868"/>
+          <c:w val="0.89079992949224895"/>
+          <c:h val="9.4982369936396985E-2"/>
+        </c:manualLayout>
+      </c:layout>
+      <c:overlay val="0"/>
+      <c:spPr>
+        <a:noFill/>
+        <a:ln>
+          <a:noFill/>
+        </a:ln>
+        <a:effectLst/>
+      </c:spPr>
+      <c:txPr>
+        <a:bodyPr rot="0" spcFirstLastPara="1" vertOverflow="ellipsis" vert="horz" wrap="square" anchor="ctr" anchorCtr="1"/>
+        <a:lstStyle/>
+        <a:p>
+          <a:pPr>
+            <a:defRPr sz="1200" b="0" i="0" u="none" strike="noStrike" kern="1200" baseline="0">
+              <a:solidFill>
+                <a:schemeClr val="tx1">
+                  <a:lumMod val="65000"/>
+                  <a:lumOff val="35000"/>
+                </a:schemeClr>
+              </a:solidFill>
+              <a:latin typeface="+mn-lt"/>
+              <a:ea typeface="+mn-ea"/>
+              <a:cs typeface="+mn-cs"/>
+            </a:defRPr>
+          </a:pPr>
+          <a:endParaRPr lang="pt-BR"/>
+        </a:p>
+      </c:txPr>
+    </c:legend>
+    <c:plotVisOnly val="1"/>
+    <c:dispBlanksAs val="gap"/>
+    <c:showDLblsOverMax val="0"/>
+  </c:chart>
+  <c:spPr>
+    <a:noFill/>
+    <a:ln>
+      <a:solidFill>
+        <a:schemeClr val="bg1">
+          <a:lumMod val="65000"/>
+        </a:schemeClr>
+      </a:solidFill>
+    </a:ln>
+    <a:effectLst/>
+  </c:spPr>
+  <c:txPr>
+    <a:bodyPr/>
+    <a:lstStyle/>
+    <a:p>
+      <a:pPr>
+        <a:defRPr sz="1200"/>
+      </a:pPr>
+      <a:endParaRPr lang="pt-BR"/>
+    </a:p>
+  </c:txPr>
+  <c:externalData r:id="rId3">
+    <c:autoUpdate val="0"/>
+  </c:externalData>
+</c:chartSpace>
+</file>
+
 <file path=ppt/charts/colors1.xml><?xml version="1.0" encoding="utf-8"?>
 <cs:colorStyle xmlns:cs="http://schemas.microsoft.com/office/drawing/2012/chartStyle" xmlns:a="http://schemas.openxmlformats.org/drawingml/2006/main" meth="cycle" id="10">
   <a:schemeClr val="accent1"/>
@@ -1721,7 +3406,563 @@
 </cs:colorStyle>
 </file>
 
+<file path=ppt/charts/colors2.xml><?xml version="1.0" encoding="utf-8"?>
+<cs:colorStyle xmlns:cs="http://schemas.microsoft.com/office/drawing/2012/chartStyle" xmlns:a="http://schemas.openxmlformats.org/drawingml/2006/main" meth="cycle" id="10">
+  <a:schemeClr val="accent1"/>
+  <a:schemeClr val="accent2"/>
+  <a:schemeClr val="accent3"/>
+  <a:schemeClr val="accent4"/>
+  <a:schemeClr val="accent5"/>
+  <a:schemeClr val="accent6"/>
+  <cs:variation/>
+  <cs:variation>
+    <a:lumMod val="60000"/>
+  </cs:variation>
+  <cs:variation>
+    <a:lumMod val="80000"/>
+    <a:lumOff val="20000"/>
+  </cs:variation>
+  <cs:variation>
+    <a:lumMod val="80000"/>
+  </cs:variation>
+  <cs:variation>
+    <a:lumMod val="60000"/>
+    <a:lumOff val="40000"/>
+  </cs:variation>
+  <cs:variation>
+    <a:lumMod val="50000"/>
+  </cs:variation>
+  <cs:variation>
+    <a:lumMod val="70000"/>
+    <a:lumOff val="30000"/>
+  </cs:variation>
+  <cs:variation>
+    <a:lumMod val="70000"/>
+  </cs:variation>
+  <cs:variation>
+    <a:lumMod val="50000"/>
+    <a:lumOff val="50000"/>
+  </cs:variation>
+</cs:colorStyle>
+</file>
+
 <file path=ppt/charts/style1.xml><?xml version="1.0" encoding="utf-8"?>
+<cs:chartStyle xmlns:cs="http://schemas.microsoft.com/office/drawing/2012/chartStyle" xmlns:a="http://schemas.openxmlformats.org/drawingml/2006/main" id="227">
+  <cs:axisTitle>
+    <cs:lnRef idx="0"/>
+    <cs:fillRef idx="0"/>
+    <cs:effectRef idx="0"/>
+    <cs:fontRef idx="minor">
+      <a:schemeClr val="tx1">
+        <a:lumMod val="65000"/>
+        <a:lumOff val="35000"/>
+      </a:schemeClr>
+    </cs:fontRef>
+    <cs:defRPr sz="1000" kern="1200"/>
+  </cs:axisTitle>
+  <cs:categoryAxis>
+    <cs:lnRef idx="0"/>
+    <cs:fillRef idx="0"/>
+    <cs:effectRef idx="0"/>
+    <cs:fontRef idx="minor">
+      <a:schemeClr val="tx1">
+        <a:lumMod val="65000"/>
+        <a:lumOff val="35000"/>
+      </a:schemeClr>
+    </cs:fontRef>
+    <cs:spPr>
+      <a:ln w="9525" cap="flat" cmpd="sng" algn="ctr">
+        <a:solidFill>
+          <a:schemeClr val="tx1">
+            <a:lumMod val="15000"/>
+            <a:lumOff val="85000"/>
+          </a:schemeClr>
+        </a:solidFill>
+        <a:round/>
+      </a:ln>
+    </cs:spPr>
+    <cs:defRPr sz="900" kern="1200"/>
+  </cs:categoryAxis>
+  <cs:chartArea mods="allowNoFillOverride allowNoLineOverride">
+    <cs:lnRef idx="0"/>
+    <cs:fillRef idx="0"/>
+    <cs:effectRef idx="0"/>
+    <cs:fontRef idx="minor">
+      <a:schemeClr val="tx1"/>
+    </cs:fontRef>
+    <cs:spPr>
+      <a:solidFill>
+        <a:schemeClr val="bg1"/>
+      </a:solidFill>
+      <a:ln w="9525" cap="flat" cmpd="sng" algn="ctr">
+        <a:solidFill>
+          <a:schemeClr val="tx1">
+            <a:lumMod val="15000"/>
+            <a:lumOff val="85000"/>
+          </a:schemeClr>
+        </a:solidFill>
+        <a:round/>
+      </a:ln>
+    </cs:spPr>
+    <cs:defRPr sz="1000" kern="1200"/>
+  </cs:chartArea>
+  <cs:dataLabel>
+    <cs:lnRef idx="0"/>
+    <cs:fillRef idx="0"/>
+    <cs:effectRef idx="0"/>
+    <cs:fontRef idx="minor">
+      <a:schemeClr val="tx1">
+        <a:lumMod val="75000"/>
+        <a:lumOff val="25000"/>
+      </a:schemeClr>
+    </cs:fontRef>
+    <cs:defRPr sz="900" kern="1200"/>
+  </cs:dataLabel>
+  <cs:dataLabelCallout>
+    <cs:lnRef idx="0"/>
+    <cs:fillRef idx="0"/>
+    <cs:effectRef idx="0"/>
+    <cs:fontRef idx="minor">
+      <a:schemeClr val="dk1">
+        <a:lumMod val="65000"/>
+        <a:lumOff val="35000"/>
+      </a:schemeClr>
+    </cs:fontRef>
+    <cs:spPr>
+      <a:solidFill>
+        <a:schemeClr val="lt1"/>
+      </a:solidFill>
+      <a:ln>
+        <a:solidFill>
+          <a:schemeClr val="dk1">
+            <a:lumMod val="25000"/>
+            <a:lumOff val="75000"/>
+          </a:schemeClr>
+        </a:solidFill>
+      </a:ln>
+    </cs:spPr>
+    <cs:defRPr sz="900" kern="1200"/>
+    <cs:bodyPr rot="0" spcFirstLastPara="1" vertOverflow="clip" horzOverflow="clip" vert="horz" wrap="square" lIns="36576" tIns="18288" rIns="36576" bIns="18288" anchor="ctr" anchorCtr="1">
+      <a:spAutoFit/>
+    </cs:bodyPr>
+  </cs:dataLabelCallout>
+  <cs:dataPoint>
+    <cs:lnRef idx="0"/>
+    <cs:fillRef idx="1">
+      <cs:styleClr val="auto"/>
+    </cs:fillRef>
+    <cs:effectRef idx="0"/>
+    <cs:fontRef idx="minor">
+      <a:schemeClr val="tx1"/>
+    </cs:fontRef>
+    <cs:spPr>
+      <a:solidFill>
+        <a:schemeClr val="phClr"/>
+      </a:solidFill>
+    </cs:spPr>
+  </cs:dataPoint>
+  <cs:dataPoint3D>
+    <cs:lnRef idx="0"/>
+    <cs:fillRef idx="1">
+      <cs:styleClr val="auto"/>
+    </cs:fillRef>
+    <cs:effectRef idx="0"/>
+    <cs:fontRef idx="minor">
+      <a:schemeClr val="tx1"/>
+    </cs:fontRef>
+    <cs:spPr>
+      <a:solidFill>
+        <a:schemeClr val="phClr"/>
+      </a:solidFill>
+    </cs:spPr>
+  </cs:dataPoint3D>
+  <cs:dataPointLine>
+    <cs:lnRef idx="0">
+      <cs:styleClr val="auto"/>
+    </cs:lnRef>
+    <cs:fillRef idx="1"/>
+    <cs:effectRef idx="0"/>
+    <cs:fontRef idx="minor">
+      <a:schemeClr val="tx1"/>
+    </cs:fontRef>
+    <cs:spPr>
+      <a:ln w="28575" cap="rnd">
+        <a:solidFill>
+          <a:schemeClr val="phClr"/>
+        </a:solidFill>
+        <a:round/>
+      </a:ln>
+    </cs:spPr>
+  </cs:dataPointLine>
+  <cs:dataPointMarker>
+    <cs:lnRef idx="0">
+      <cs:styleClr val="auto"/>
+    </cs:lnRef>
+    <cs:fillRef idx="1">
+      <cs:styleClr val="auto"/>
+    </cs:fillRef>
+    <cs:effectRef idx="0"/>
+    <cs:fontRef idx="minor">
+      <a:schemeClr val="tx1"/>
+    </cs:fontRef>
+    <cs:spPr>
+      <a:solidFill>
+        <a:schemeClr val="phClr"/>
+      </a:solidFill>
+      <a:ln w="9525">
+        <a:solidFill>
+          <a:schemeClr val="phClr"/>
+        </a:solidFill>
+      </a:ln>
+    </cs:spPr>
+  </cs:dataPointMarker>
+  <cs:dataPointMarkerLayout symbol="circle" size="5"/>
+  <cs:dataPointWireframe>
+    <cs:lnRef idx="0">
+      <cs:styleClr val="auto"/>
+    </cs:lnRef>
+    <cs:fillRef idx="1"/>
+    <cs:effectRef idx="0"/>
+    <cs:fontRef idx="minor">
+      <a:schemeClr val="tx1"/>
+    </cs:fontRef>
+    <cs:spPr>
+      <a:ln w="9525" cap="rnd">
+        <a:solidFill>
+          <a:schemeClr val="phClr"/>
+        </a:solidFill>
+        <a:round/>
+      </a:ln>
+    </cs:spPr>
+  </cs:dataPointWireframe>
+  <cs:dataTable>
+    <cs:lnRef idx="0"/>
+    <cs:fillRef idx="0"/>
+    <cs:effectRef idx="0"/>
+    <cs:fontRef idx="minor">
+      <a:schemeClr val="tx1">
+        <a:lumMod val="65000"/>
+        <a:lumOff val="35000"/>
+      </a:schemeClr>
+    </cs:fontRef>
+    <cs:spPr>
+      <a:noFill/>
+      <a:ln w="9525" cap="flat" cmpd="sng" algn="ctr">
+        <a:solidFill>
+          <a:schemeClr val="tx1">
+            <a:lumMod val="15000"/>
+            <a:lumOff val="85000"/>
+          </a:schemeClr>
+        </a:solidFill>
+        <a:round/>
+      </a:ln>
+    </cs:spPr>
+    <cs:defRPr sz="900" kern="1200"/>
+  </cs:dataTable>
+  <cs:downBar>
+    <cs:lnRef idx="0"/>
+    <cs:fillRef idx="0"/>
+    <cs:effectRef idx="0"/>
+    <cs:fontRef idx="minor">
+      <a:schemeClr val="dk1"/>
+    </cs:fontRef>
+    <cs:spPr>
+      <a:solidFill>
+        <a:schemeClr val="dk1">
+          <a:lumMod val="65000"/>
+          <a:lumOff val="35000"/>
+        </a:schemeClr>
+      </a:solidFill>
+      <a:ln w="9525">
+        <a:solidFill>
+          <a:schemeClr val="tx1">
+            <a:lumMod val="65000"/>
+            <a:lumOff val="35000"/>
+          </a:schemeClr>
+        </a:solidFill>
+      </a:ln>
+    </cs:spPr>
+  </cs:downBar>
+  <cs:dropLine>
+    <cs:lnRef idx="0"/>
+    <cs:fillRef idx="0"/>
+    <cs:effectRef idx="0"/>
+    <cs:fontRef idx="minor">
+      <a:schemeClr val="tx1"/>
+    </cs:fontRef>
+    <cs:spPr>
+      <a:ln w="9525" cap="flat" cmpd="sng" algn="ctr">
+        <a:solidFill>
+          <a:schemeClr val="tx1">
+            <a:lumMod val="35000"/>
+            <a:lumOff val="65000"/>
+          </a:schemeClr>
+        </a:solidFill>
+        <a:round/>
+      </a:ln>
+    </cs:spPr>
+  </cs:dropLine>
+  <cs:errorBar>
+    <cs:lnRef idx="0"/>
+    <cs:fillRef idx="0"/>
+    <cs:effectRef idx="0"/>
+    <cs:fontRef idx="minor">
+      <a:schemeClr val="tx1"/>
+    </cs:fontRef>
+    <cs:spPr>
+      <a:ln w="9525" cap="flat" cmpd="sng" algn="ctr">
+        <a:solidFill>
+          <a:schemeClr val="tx1">
+            <a:lumMod val="65000"/>
+            <a:lumOff val="35000"/>
+          </a:schemeClr>
+        </a:solidFill>
+        <a:round/>
+      </a:ln>
+    </cs:spPr>
+  </cs:errorBar>
+  <cs:floor>
+    <cs:lnRef idx="0"/>
+    <cs:fillRef idx="0"/>
+    <cs:effectRef idx="0"/>
+    <cs:fontRef idx="minor">
+      <a:schemeClr val="tx1"/>
+    </cs:fontRef>
+    <cs:spPr>
+      <a:noFill/>
+      <a:ln>
+        <a:noFill/>
+      </a:ln>
+    </cs:spPr>
+  </cs:floor>
+  <cs:gridlineMajor>
+    <cs:lnRef idx="0"/>
+    <cs:fillRef idx="0"/>
+    <cs:effectRef idx="0"/>
+    <cs:fontRef idx="minor">
+      <a:schemeClr val="tx1"/>
+    </cs:fontRef>
+    <cs:spPr>
+      <a:ln w="9525" cap="flat" cmpd="sng" algn="ctr">
+        <a:solidFill>
+          <a:schemeClr val="tx1">
+            <a:lumMod val="15000"/>
+            <a:lumOff val="85000"/>
+          </a:schemeClr>
+        </a:solidFill>
+        <a:round/>
+      </a:ln>
+    </cs:spPr>
+  </cs:gridlineMajor>
+  <cs:gridlineMinor>
+    <cs:lnRef idx="0"/>
+    <cs:fillRef idx="0"/>
+    <cs:effectRef idx="0"/>
+    <cs:fontRef idx="minor">
+      <a:schemeClr val="tx1"/>
+    </cs:fontRef>
+    <cs:spPr>
+      <a:ln w="9525" cap="flat" cmpd="sng" algn="ctr">
+        <a:solidFill>
+          <a:schemeClr val="tx1">
+            <a:lumMod val="5000"/>
+            <a:lumOff val="95000"/>
+          </a:schemeClr>
+        </a:solidFill>
+        <a:round/>
+      </a:ln>
+    </cs:spPr>
+  </cs:gridlineMinor>
+  <cs:hiLoLine>
+    <cs:lnRef idx="0"/>
+    <cs:fillRef idx="0"/>
+    <cs:effectRef idx="0"/>
+    <cs:fontRef idx="minor">
+      <a:schemeClr val="tx1"/>
+    </cs:fontRef>
+    <cs:spPr>
+      <a:ln w="9525" cap="flat" cmpd="sng" algn="ctr">
+        <a:solidFill>
+          <a:schemeClr val="tx1">
+            <a:lumMod val="75000"/>
+            <a:lumOff val="25000"/>
+          </a:schemeClr>
+        </a:solidFill>
+        <a:round/>
+      </a:ln>
+    </cs:spPr>
+  </cs:hiLoLine>
+  <cs:leaderLine>
+    <cs:lnRef idx="0"/>
+    <cs:fillRef idx="0"/>
+    <cs:effectRef idx="0"/>
+    <cs:fontRef idx="minor">
+      <a:schemeClr val="tx1"/>
+    </cs:fontRef>
+    <cs:spPr>
+      <a:ln w="9525" cap="flat" cmpd="sng" algn="ctr">
+        <a:solidFill>
+          <a:schemeClr val="tx1">
+            <a:lumMod val="35000"/>
+            <a:lumOff val="65000"/>
+          </a:schemeClr>
+        </a:solidFill>
+        <a:round/>
+      </a:ln>
+    </cs:spPr>
+  </cs:leaderLine>
+  <cs:legend>
+    <cs:lnRef idx="0"/>
+    <cs:fillRef idx="0"/>
+    <cs:effectRef idx="0"/>
+    <cs:fontRef idx="minor">
+      <a:schemeClr val="tx1">
+        <a:lumMod val="65000"/>
+        <a:lumOff val="35000"/>
+      </a:schemeClr>
+    </cs:fontRef>
+    <cs:defRPr sz="900" kern="1200"/>
+  </cs:legend>
+  <cs:plotArea mods="allowNoFillOverride allowNoLineOverride">
+    <cs:lnRef idx="0"/>
+    <cs:fillRef idx="0"/>
+    <cs:effectRef idx="0"/>
+    <cs:fontRef idx="minor">
+      <a:schemeClr val="tx1"/>
+    </cs:fontRef>
+  </cs:plotArea>
+  <cs:plotArea3D mods="allowNoFillOverride allowNoLineOverride">
+    <cs:lnRef idx="0"/>
+    <cs:fillRef idx="0"/>
+    <cs:effectRef idx="0"/>
+    <cs:fontRef idx="minor">
+      <a:schemeClr val="tx1"/>
+    </cs:fontRef>
+  </cs:plotArea3D>
+  <cs:seriesAxis>
+    <cs:lnRef idx="0"/>
+    <cs:fillRef idx="0"/>
+    <cs:effectRef idx="0"/>
+    <cs:fontRef idx="minor">
+      <a:schemeClr val="tx1">
+        <a:lumMod val="65000"/>
+        <a:lumOff val="35000"/>
+      </a:schemeClr>
+    </cs:fontRef>
+    <cs:defRPr sz="900" kern="1200"/>
+  </cs:seriesAxis>
+  <cs:seriesLine>
+    <cs:lnRef idx="0"/>
+    <cs:fillRef idx="0"/>
+    <cs:effectRef idx="0"/>
+    <cs:fontRef idx="minor">
+      <a:schemeClr val="tx1"/>
+    </cs:fontRef>
+    <cs:spPr>
+      <a:ln w="9525" cap="flat" cmpd="sng" algn="ctr">
+        <a:solidFill>
+          <a:schemeClr val="tx1">
+            <a:lumMod val="35000"/>
+            <a:lumOff val="65000"/>
+          </a:schemeClr>
+        </a:solidFill>
+        <a:round/>
+      </a:ln>
+    </cs:spPr>
+  </cs:seriesLine>
+  <cs:title>
+    <cs:lnRef idx="0"/>
+    <cs:fillRef idx="0"/>
+    <cs:effectRef idx="0"/>
+    <cs:fontRef idx="minor">
+      <a:schemeClr val="tx1">
+        <a:lumMod val="65000"/>
+        <a:lumOff val="35000"/>
+      </a:schemeClr>
+    </cs:fontRef>
+    <cs:defRPr sz="1400" b="0" kern="1200" spc="0" baseline="0"/>
+  </cs:title>
+  <cs:trendline>
+    <cs:lnRef idx="0">
+      <cs:styleClr val="auto"/>
+    </cs:lnRef>
+    <cs:fillRef idx="0"/>
+    <cs:effectRef idx="0"/>
+    <cs:fontRef idx="minor">
+      <a:schemeClr val="tx1"/>
+    </cs:fontRef>
+    <cs:spPr>
+      <a:ln w="19050" cap="rnd">
+        <a:solidFill>
+          <a:schemeClr val="phClr"/>
+        </a:solidFill>
+        <a:prstDash val="sysDot"/>
+      </a:ln>
+    </cs:spPr>
+  </cs:trendline>
+  <cs:trendlineLabel>
+    <cs:lnRef idx="0"/>
+    <cs:fillRef idx="0"/>
+    <cs:effectRef idx="0"/>
+    <cs:fontRef idx="minor">
+      <a:schemeClr val="tx1">
+        <a:lumMod val="65000"/>
+        <a:lumOff val="35000"/>
+      </a:schemeClr>
+    </cs:fontRef>
+    <cs:defRPr sz="900" kern="1200"/>
+  </cs:trendlineLabel>
+  <cs:upBar>
+    <cs:lnRef idx="0"/>
+    <cs:fillRef idx="0"/>
+    <cs:effectRef idx="0"/>
+    <cs:fontRef idx="minor">
+      <a:schemeClr val="dk1"/>
+    </cs:fontRef>
+    <cs:spPr>
+      <a:solidFill>
+        <a:schemeClr val="lt1"/>
+      </a:solidFill>
+      <a:ln w="9525">
+        <a:solidFill>
+          <a:schemeClr val="tx1">
+            <a:lumMod val="15000"/>
+            <a:lumOff val="85000"/>
+          </a:schemeClr>
+        </a:solidFill>
+      </a:ln>
+    </cs:spPr>
+  </cs:upBar>
+  <cs:valueAxis>
+    <cs:lnRef idx="0"/>
+    <cs:fillRef idx="0"/>
+    <cs:effectRef idx="0"/>
+    <cs:fontRef idx="minor">
+      <a:schemeClr val="tx1">
+        <a:lumMod val="65000"/>
+        <a:lumOff val="35000"/>
+      </a:schemeClr>
+    </cs:fontRef>
+    <cs:defRPr sz="900" kern="1200"/>
+  </cs:valueAxis>
+  <cs:wall>
+    <cs:lnRef idx="0"/>
+    <cs:fillRef idx="0"/>
+    <cs:effectRef idx="0"/>
+    <cs:fontRef idx="minor">
+      <a:schemeClr val="tx1"/>
+    </cs:fontRef>
+    <cs:spPr>
+      <a:noFill/>
+      <a:ln>
+        <a:noFill/>
+      </a:ln>
+    </cs:spPr>
+  </cs:wall>
+</cs:chartStyle>
+</file>
+
+<file path=ppt/charts/style2.xml><?xml version="1.0" encoding="utf-8"?>
 <cs:chartStyle xmlns:cs="http://schemas.microsoft.com/office/drawing/2012/chartStyle" xmlns:a="http://schemas.openxmlformats.org/drawingml/2006/main" id="227">
   <cs:axisTitle>
     <cs:lnRef idx="0"/>
@@ -2319,7 +4560,7 @@
           <a:p>
             <a:fld id="{FB147E4C-8A93-4C03-890D-6471A064E5A8}" type="datetimeFigureOut">
               <a:rPr lang="pt-BR" smtClean="0"/>
-              <a:t>19/06/2024</a:t>
+              <a:t>20/06/2024</a:t>
             </a:fld>
             <a:endParaRPr lang="pt-BR"/>
           </a:p>
@@ -3244,7 +5485,7 @@
           <a:p>
             <a:fld id="{9D3B9545-DAC0-419E-85DE-3D98E5847DE1}" type="datetime1">
               <a:rPr lang="pt-BR" smtClean="0"/>
-              <a:t>19/06/2024</a:t>
+              <a:t>20/06/2024</a:t>
             </a:fld>
             <a:endParaRPr lang="pt-BR"/>
           </a:p>
@@ -3677,7 +5918,7 @@
           <a:p>
             <a:fld id="{DF7172D7-E29E-45F0-859B-8326898233ED}" type="datetime1">
               <a:rPr lang="pt-BR" smtClean="0"/>
-              <a:t>19/06/2024</a:t>
+              <a:t>20/06/2024</a:t>
             </a:fld>
             <a:endParaRPr lang="pt-BR"/>
           </a:p>
@@ -4053,7 +6294,7 @@
           <a:p>
             <a:fld id="{9D1DFD41-D5C6-451F-8FDC-B4CCBD1403AB}" type="datetime1">
               <a:rPr lang="pt-BR" smtClean="0"/>
-              <a:t>19/06/2024</a:t>
+              <a:t>20/06/2024</a:t>
             </a:fld>
             <a:endParaRPr lang="pt-BR"/>
           </a:p>
@@ -4840,7 +7081,7 @@
           <a:p>
             <a:fld id="{0607BD49-73B0-4A8F-9945-1AB1E5A4A7D9}" type="datetime1">
               <a:rPr lang="pt-BR" smtClean="0"/>
-              <a:t>19/06/2024</a:t>
+              <a:t>20/06/2024</a:t>
             </a:fld>
             <a:endParaRPr lang="pt-BR"/>
           </a:p>
@@ -5432,7 +7673,7 @@
           <a:p>
             <a:fld id="{3395128D-77F1-4756-93C8-EE2A964385C3}" type="datetime1">
               <a:rPr lang="pt-BR" smtClean="0"/>
-              <a:t>19/06/2024</a:t>
+              <a:t>20/06/2024</a:t>
             </a:fld>
             <a:endParaRPr lang="pt-BR"/>
           </a:p>
@@ -5782,7 +8023,7 @@
           <a:p>
             <a:fld id="{DB640980-AF61-493B-AC89-46355AB17B7B}" type="datetime1">
               <a:rPr lang="pt-BR" smtClean="0"/>
-              <a:t>19/06/2024</a:t>
+              <a:t>20/06/2024</a:t>
             </a:fld>
             <a:endParaRPr lang="pt-BR"/>
           </a:p>
@@ -6132,7 +8373,7 @@
           <a:p>
             <a:fld id="{25B9F0CD-75E8-4E42-9852-939F0791AF88}" type="datetime1">
               <a:rPr lang="pt-BR" smtClean="0"/>
-              <a:t>19/06/2024</a:t>
+              <a:t>20/06/2024</a:t>
             </a:fld>
             <a:endParaRPr lang="pt-BR"/>
           </a:p>
@@ -6663,7 +8904,7 @@
           <a:p>
             <a:fld id="{BE95EA4F-EA24-4028-993A-FDA0886A51D8}" type="datetime1">
               <a:rPr lang="pt-BR" smtClean="0"/>
-              <a:t>19/06/2024</a:t>
+              <a:t>20/06/2024</a:t>
             </a:fld>
             <a:endParaRPr lang="pt-BR"/>
           </a:p>
@@ -7082,7 +9323,7 @@
           <a:p>
             <a:fld id="{470491BB-C939-4FFF-9E62-5A4EC19959E7}" type="datetime1">
               <a:rPr lang="pt-BR" smtClean="0"/>
-              <a:t>19/06/2024</a:t>
+              <a:t>20/06/2024</a:t>
             </a:fld>
             <a:endParaRPr lang="pt-BR"/>
           </a:p>
@@ -7455,7 +9696,7 @@
           <a:p>
             <a:fld id="{4EB3D2F9-248C-4422-95B8-CADA3F075573}" type="datetime1">
               <a:rPr lang="pt-BR" smtClean="0"/>
-              <a:t>19/06/2024</a:t>
+              <a:t>20/06/2024</a:t>
             </a:fld>
             <a:endParaRPr lang="pt-BR"/>
           </a:p>
@@ -8016,7 +10257,7 @@
             <a:pPr algn="r"/>
             <a:r>
               <a:rPr lang="pt-BR" dirty="0"/>
-              <a:t>Modelos: ARIMA, ETS</a:t>
+              <a:t>Modelos: ARIMA, ETS, Holt Method, Holt Winters</a:t>
             </a:r>
           </a:p>
         </p:txBody>
@@ -8185,14 +10426,14 @@
           <p:nvPr>
             <p:extLst>
               <p:ext uri="{D42A27DB-BD31-4B8C-83A1-F6EECF244321}">
-                <p14:modId xmlns:p14="http://schemas.microsoft.com/office/powerpoint/2010/main" val="2323473822"/>
+                <p14:modId xmlns:p14="http://schemas.microsoft.com/office/powerpoint/2010/main" val="1583364886"/>
               </p:ext>
             </p:extLst>
           </p:nvPr>
         </p:nvGraphicFramePr>
         <p:xfrm>
-          <a:off x="365125" y="1175657"/>
-          <a:ext cx="11131550" cy="3891643"/>
+          <a:off x="365125" y="1175656"/>
+          <a:ext cx="11160000" cy="3960000"/>
         </p:xfrm>
         <a:graphic>
           <a:graphicData uri="http://schemas.openxmlformats.org/drawingml/2006/chart">
@@ -8200,6 +10441,48 @@
           </a:graphicData>
         </a:graphic>
       </p:graphicFrame>
+      <p:sp>
+        <p:nvSpPr>
+          <p:cNvPr id="2" name="CaixaDeTexto 1">
+            <a:extLst>
+              <a:ext uri="{FF2B5EF4-FFF2-40B4-BE49-F238E27FC236}">
+                <a16:creationId xmlns:a16="http://schemas.microsoft.com/office/drawing/2014/main" id="{3A68002B-362A-448C-9B9B-6E2371472F9D}"/>
+              </a:ext>
+            </a:extLst>
+          </p:cNvPr>
+          <p:cNvSpPr txBox="1"/>
+          <p:nvPr/>
+        </p:nvSpPr>
+        <p:spPr>
+          <a:xfrm>
+            <a:off x="516000" y="5135656"/>
+            <a:ext cx="11160000" cy="1123712"/>
+          </a:xfrm>
+          <a:prstGeom prst="roundRect">
+            <a:avLst/>
+          </a:prstGeom>
+          <a:solidFill>
+            <a:srgbClr val="008666"/>
+          </a:solidFill>
+        </p:spPr>
+        <p:txBody>
+          <a:bodyPr wrap="square" rtlCol="0">
+            <a:spAutoFit/>
+          </a:bodyPr>
+          <a:lstStyle/>
+          <a:p>
+            <a:pPr algn="just"/>
+            <a:r>
+              <a:rPr lang="pt-BR" sz="2000" dirty="0">
+                <a:solidFill>
+                  <a:schemeClr val="bg1"/>
+                </a:solidFill>
+              </a:rPr>
+              <a:t>O gráfico acima mostra a diferença entre a RCL realizada até maio de 2024 e a RCL ajustada, para o mesmo período, com a retirada da receita proveniente do IPASGO, bem como a exclusão da receita de lucros e dividendos da venda da CELG-T em julho de 2022 no valor de aproximadamente 1,17 bilhões.</a:t>
+            </a:r>
+          </a:p>
+        </p:txBody>
+      </p:sp>
     </p:spTree>
     <p:extLst>
       <p:ext uri="{BB962C8B-B14F-4D97-AF65-F5344CB8AC3E}">
@@ -8232,31 +10515,6 @@
       </p:grpSpPr>
       <p:sp>
         <p:nvSpPr>
-          <p:cNvPr id="2" name="Espaço Reservado para Conteúdo 1">
-            <a:extLst>
-              <a:ext uri="{FF2B5EF4-FFF2-40B4-BE49-F238E27FC236}">
-                <a16:creationId xmlns:a16="http://schemas.microsoft.com/office/drawing/2014/main" id="{A6CB4A80-5F83-4B53-8480-288BB23AC125}"/>
-              </a:ext>
-            </a:extLst>
-          </p:cNvPr>
-          <p:cNvSpPr>
-            <a:spLocks noGrp="1"/>
-          </p:cNvSpPr>
-          <p:nvPr>
-            <p:ph idx="1"/>
-          </p:nvPr>
-        </p:nvSpPr>
-        <p:spPr/>
-        <p:txBody>
-          <a:bodyPr/>
-          <a:lstStyle/>
-          <a:p>
-            <a:endParaRPr lang="pt-BR"/>
-          </a:p>
-        </p:txBody>
-      </p:sp>
-      <p:sp>
-        <p:nvSpPr>
           <p:cNvPr id="3" name="Título 2">
             <a:extLst>
               <a:ext uri="{FF2B5EF4-FFF2-40B4-BE49-F238E27FC236}">
@@ -8271,14 +10529,19 @@
             <p:ph type="title"/>
           </p:nvPr>
         </p:nvSpPr>
-        <p:spPr/>
+        <p:spPr>
+          <a:xfrm>
+            <a:off x="365202" y="1"/>
+            <a:ext cx="10515600" cy="438149"/>
+          </a:xfrm>
+        </p:spPr>
         <p:txBody>
           <a:bodyPr/>
           <a:lstStyle/>
           <a:p>
             <a:r>
               <a:rPr lang="pt-BR" dirty="0"/>
-              <a:t>ARIMA</a:t>
+              <a:t>Receita Corrente Liquida (RCL)</a:t>
             </a:r>
           </a:p>
         </p:txBody>
@@ -8304,7 +10567,10 @@
           <a:bodyPr/>
           <a:lstStyle/>
           <a:p>
-            <a:endParaRPr lang="pt-BR" dirty="0"/>
+            <a:r>
+              <a:rPr lang="pt-BR" dirty="0"/>
+              <a:t>Decomposição da serie RCL - jan. de 2016 a mai. de 2024</a:t>
+            </a:r>
           </a:p>
         </p:txBody>
       </p:sp>
@@ -8363,6 +10629,129 @@
               <a:t>3</a:t>
             </a:fld>
             <a:endParaRPr lang="pt-BR"/>
+          </a:p>
+        </p:txBody>
+      </p:sp>
+      <p:pic>
+        <p:nvPicPr>
+          <p:cNvPr id="24" name="Espaço Reservado para Conteúdo 23">
+            <a:extLst>
+              <a:ext uri="{FF2B5EF4-FFF2-40B4-BE49-F238E27FC236}">
+                <a16:creationId xmlns:a16="http://schemas.microsoft.com/office/drawing/2014/main" id="{478AEC80-60E5-4905-A91C-AE00E89CD12B}"/>
+              </a:ext>
+            </a:extLst>
+          </p:cNvPr>
+          <p:cNvPicPr>
+            <a:picLocks noGrp="1" noChangeAspect="1"/>
+          </p:cNvPicPr>
+          <p:nvPr>
+            <p:ph idx="1"/>
+          </p:nvPr>
+        </p:nvPicPr>
+        <p:blipFill>
+          <a:blip r:embed="rId2">
+            <a:extLst>
+              <a:ext uri="{28A0092B-C50C-407E-A947-70E740481C1C}">
+                <a14:useLocalDpi xmlns:a14="http://schemas.microsoft.com/office/drawing/2010/main" val="0"/>
+              </a:ext>
+            </a:extLst>
+          </a:blip>
+          <a:stretch>
+            <a:fillRect/>
+          </a:stretch>
+        </p:blipFill>
+        <p:spPr>
+          <a:xfrm>
+            <a:off x="957625" y="876299"/>
+            <a:ext cx="10276750" cy="3845742"/>
+          </a:xfrm>
+        </p:spPr>
+      </p:pic>
+      <p:sp>
+        <p:nvSpPr>
+          <p:cNvPr id="25" name="CaixaDeTexto 24">
+            <a:extLst>
+              <a:ext uri="{FF2B5EF4-FFF2-40B4-BE49-F238E27FC236}">
+                <a16:creationId xmlns:a16="http://schemas.microsoft.com/office/drawing/2014/main" id="{69296875-3224-43B6-B214-419D2D51B8B5}"/>
+              </a:ext>
+            </a:extLst>
+          </p:cNvPr>
+          <p:cNvSpPr txBox="1"/>
+          <p:nvPr/>
+        </p:nvSpPr>
+        <p:spPr>
+          <a:xfrm>
+            <a:off x="365124" y="4768077"/>
+            <a:ext cx="11130189" cy="1631216"/>
+          </a:xfrm>
+          <a:prstGeom prst="rect">
+            <a:avLst/>
+          </a:prstGeom>
+          <a:noFill/>
+        </p:spPr>
+        <p:txBody>
+          <a:bodyPr wrap="square" rtlCol="0">
+            <a:spAutoFit/>
+          </a:bodyPr>
+          <a:lstStyle/>
+          <a:p>
+            <a:pPr lvl="0" algn="just" eaLnBrk="0" fontAlgn="base" hangingPunct="0">
+              <a:spcBef>
+                <a:spcPct val="0"/>
+              </a:spcBef>
+              <a:spcAft>
+                <a:spcPts val="600"/>
+              </a:spcAft>
+            </a:pPr>
+            <a:r>
+              <a:rPr lang="pt-BR" altLang="pt-BR" b="1" dirty="0"/>
+              <a:t>Tendência:</a:t>
+            </a:r>
+            <a:r>
+              <a:rPr lang="pt-BR" altLang="pt-BR" dirty="0"/>
+              <a:t> Conforme indicado pelo gráfico “Trend”, Verifica-se que a série temporal possui uma tendência de crescimento.</a:t>
+            </a:r>
+          </a:p>
+          <a:p>
+            <a:pPr lvl="0" algn="just" eaLnBrk="0" fontAlgn="base" hangingPunct="0">
+              <a:spcBef>
+                <a:spcPct val="0"/>
+              </a:spcBef>
+              <a:spcAft>
+                <a:spcPts val="600"/>
+              </a:spcAft>
+            </a:pPr>
+            <a:r>
+              <a:rPr lang="pt-BR" altLang="pt-BR" b="1" dirty="0"/>
+              <a:t>Sazonalidade:</a:t>
+            </a:r>
+            <a:r>
+              <a:rPr lang="pt-BR" altLang="pt-BR" dirty="0"/>
+              <a:t> Conforme indicado pelo gráfico “</a:t>
+            </a:r>
+            <a:r>
+              <a:rPr lang="pt-BR" altLang="pt-BR" dirty="0" err="1"/>
+              <a:t>Seasonal</a:t>
+            </a:r>
+            <a:r>
+              <a:rPr lang="pt-BR" altLang="pt-BR" dirty="0"/>
+              <a:t>”, verifica-se que existe padrões repetitivos anuais</a:t>
+            </a:r>
+          </a:p>
+          <a:p>
+            <a:pPr algn="just"/>
+            <a:r>
+              <a:rPr lang="pt-BR" b="1" dirty="0" err="1"/>
+              <a:t>Random</a:t>
+            </a:r>
+            <a:r>
+              <a:rPr lang="pt-BR" b="1" dirty="0"/>
+              <a:t> (Aleatório): </a:t>
+            </a:r>
+            <a:r>
+              <a:rPr lang="pt-BR" dirty="0"/>
+              <a:t>O componente aleatório mostra a variabilidade que não é explicada pelos componentes de tendência ou sazonalidade. Esses são os resíduos ou erros do modelo.</a:t>
+            </a:r>
           </a:p>
         </p:txBody>
       </p:sp>
@@ -8398,31 +10787,6 @@
       </p:grpSpPr>
       <p:sp>
         <p:nvSpPr>
-          <p:cNvPr id="2" name="Espaço Reservado para Conteúdo 1">
-            <a:extLst>
-              <a:ext uri="{FF2B5EF4-FFF2-40B4-BE49-F238E27FC236}">
-                <a16:creationId xmlns:a16="http://schemas.microsoft.com/office/drawing/2014/main" id="{A6CB4A80-5F83-4B53-8480-288BB23AC125}"/>
-              </a:ext>
-            </a:extLst>
-          </p:cNvPr>
-          <p:cNvSpPr>
-            <a:spLocks noGrp="1"/>
-          </p:cNvSpPr>
-          <p:nvPr>
-            <p:ph idx="1"/>
-          </p:nvPr>
-        </p:nvSpPr>
-        <p:spPr/>
-        <p:txBody>
-          <a:bodyPr/>
-          <a:lstStyle/>
-          <a:p>
-            <a:endParaRPr lang="pt-BR"/>
-          </a:p>
-        </p:txBody>
-      </p:sp>
-      <p:sp>
-        <p:nvSpPr>
           <p:cNvPr id="3" name="Título 2">
             <a:extLst>
               <a:ext uri="{FF2B5EF4-FFF2-40B4-BE49-F238E27FC236}">
@@ -8444,7 +10808,7 @@
           <a:p>
             <a:r>
               <a:rPr lang="pt-BR" dirty="0"/>
-              <a:t>ARIMA</a:t>
+              <a:t>Modelos de previsão utilizados</a:t>
             </a:r>
           </a:p>
         </p:txBody>
@@ -8470,7 +10834,10 @@
           <a:bodyPr/>
           <a:lstStyle/>
           <a:p>
-            <a:endParaRPr lang="pt-BR" dirty="0"/>
+            <a:r>
+              <a:rPr lang="pt-BR" dirty="0"/>
+              <a:t>ARIMA, ETS, Holt Method, Holt Winters</a:t>
+            </a:r>
           </a:p>
         </p:txBody>
       </p:sp>
@@ -8532,10 +10899,3597 @@
           </a:p>
         </p:txBody>
       </p:sp>
+      <p:sp>
+        <p:nvSpPr>
+          <p:cNvPr id="8" name="Retângulo 7">
+            <a:extLst>
+              <a:ext uri="{FF2B5EF4-FFF2-40B4-BE49-F238E27FC236}">
+                <a16:creationId xmlns:a16="http://schemas.microsoft.com/office/drawing/2014/main" id="{7718CD82-A7FA-4BDC-8C3E-4CB858A076BF}"/>
+              </a:ext>
+            </a:extLst>
+          </p:cNvPr>
+          <p:cNvSpPr/>
+          <p:nvPr/>
+        </p:nvSpPr>
+        <p:spPr>
+          <a:xfrm>
+            <a:off x="365125" y="1122235"/>
+            <a:ext cx="11122025" cy="4666021"/>
+          </a:xfrm>
+          <a:prstGeom prst="rect">
+            <a:avLst/>
+          </a:prstGeom>
+        </p:spPr>
+        <p:txBody>
+          <a:bodyPr wrap="square">
+            <a:spAutoFit/>
+          </a:bodyPr>
+          <a:lstStyle/>
+          <a:p>
+            <a:pPr marL="285750" indent="-285750" algn="just">
+              <a:lnSpc>
+                <a:spcPct val="150000"/>
+              </a:lnSpc>
+              <a:spcAft>
+                <a:spcPts val="1200"/>
+              </a:spcAft>
+              <a:buFont typeface="Arial" panose="020B0604020202020204" pitchFamily="34" charset="0"/>
+              <a:buChar char="•"/>
+            </a:pPr>
+            <a:r>
+              <a:rPr lang="pt-BR" b="1" dirty="0"/>
+              <a:t>ARIMA: </a:t>
+            </a:r>
+            <a:r>
+              <a:rPr lang="pt-BR" dirty="0"/>
+              <a:t>O modelo ARIMA (Auto </a:t>
+            </a:r>
+            <a:r>
+              <a:rPr lang="pt-BR" dirty="0" err="1"/>
+              <a:t>Regressive</a:t>
+            </a:r>
+            <a:r>
+              <a:rPr lang="pt-BR" dirty="0"/>
+              <a:t> </a:t>
+            </a:r>
+            <a:r>
+              <a:rPr lang="pt-BR" dirty="0" err="1"/>
+              <a:t>Integrated</a:t>
+            </a:r>
+            <a:r>
+              <a:rPr lang="pt-BR" dirty="0"/>
+              <a:t> </a:t>
+            </a:r>
+            <a:r>
+              <a:rPr lang="pt-BR" dirty="0" err="1"/>
+              <a:t>Moving</a:t>
+            </a:r>
+            <a:r>
+              <a:rPr lang="pt-BR" dirty="0"/>
+              <a:t> </a:t>
+            </a:r>
+            <a:r>
+              <a:rPr lang="pt-BR" dirty="0" err="1"/>
+              <a:t>Average</a:t>
+            </a:r>
+            <a:r>
+              <a:rPr lang="pt-BR" dirty="0"/>
+              <a:t>) é uma técnica estatística utilizada para análise e previsão de uma ampla variedade de séries temporais, tanto estacionárias quanto não estacionárias;</a:t>
+            </a:r>
+          </a:p>
+          <a:p>
+            <a:pPr marL="285750" indent="-285750" algn="just">
+              <a:lnSpc>
+                <a:spcPct val="150000"/>
+              </a:lnSpc>
+              <a:spcAft>
+                <a:spcPts val="1200"/>
+              </a:spcAft>
+              <a:buFont typeface="Arial" panose="020B0604020202020204" pitchFamily="34" charset="0"/>
+              <a:buChar char="•"/>
+            </a:pPr>
+            <a:r>
+              <a:rPr lang="pt-BR" b="1" dirty="0"/>
+              <a:t>ETS: </a:t>
+            </a:r>
+            <a:r>
+              <a:rPr lang="pt-BR" dirty="0"/>
+              <a:t>É uma abordagem de suavização exponencial para previsão de séries temporais, onde a previsão é baseada na decomposição da série temporal em três componentes principais: Erro (ou resíduo), Tendência e Sazonalidade;</a:t>
+            </a:r>
+            <a:endParaRPr lang="pt-BR" b="1" dirty="0"/>
+          </a:p>
+          <a:p>
+            <a:pPr marL="285750" indent="-285750" algn="just">
+              <a:lnSpc>
+                <a:spcPct val="150000"/>
+              </a:lnSpc>
+              <a:spcAft>
+                <a:spcPts val="1200"/>
+              </a:spcAft>
+              <a:buFont typeface="Arial" panose="020B0604020202020204" pitchFamily="34" charset="0"/>
+              <a:buChar char="•"/>
+            </a:pPr>
+            <a:r>
+              <a:rPr lang="pt-BR" b="1" dirty="0"/>
+              <a:t>Holt </a:t>
+            </a:r>
+            <a:r>
+              <a:rPr lang="pt-BR" b="1" dirty="0" err="1"/>
+              <a:t>Methods</a:t>
+            </a:r>
+            <a:r>
+              <a:rPr lang="pt-BR" b="1" dirty="0"/>
+              <a:t>:</a:t>
+            </a:r>
+            <a:r>
+              <a:rPr lang="pt-BR" dirty="0"/>
+              <a:t> Conhecido como Suavização Exponencial de Holt ou Suavização Exponencial Dupla, é uma extensão da suavização exponencial simples projetada para lidar com séries temporais que exibem uma tendência linear. O Método de Holt utiliza dois componentes principais: Nível (L) que Representa o valor base da série temporal e tendência (T): Representa a taxa de mudança no valor base ao longo do tempo;</a:t>
+            </a:r>
+          </a:p>
+          <a:p>
+            <a:pPr marL="285750" indent="-285750" algn="just">
+              <a:lnSpc>
+                <a:spcPct val="150000"/>
+              </a:lnSpc>
+              <a:spcAft>
+                <a:spcPts val="1200"/>
+              </a:spcAft>
+              <a:buFont typeface="Arial" panose="020B0604020202020204" pitchFamily="34" charset="0"/>
+              <a:buChar char="•"/>
+            </a:pPr>
+            <a:r>
+              <a:rPr lang="pt-BR" b="1" dirty="0"/>
+              <a:t>Holt-Winters: </a:t>
+            </a:r>
+            <a:r>
+              <a:rPr lang="pt-BR" dirty="0"/>
+              <a:t>É uma Suavização Exponencial Tripla, sendo uma extensão do Método de Holt que incorpora a sazonalidade na modelagem de séries temporais.</a:t>
+            </a:r>
+          </a:p>
+        </p:txBody>
+      </p:sp>
     </p:spTree>
     <p:extLst>
       <p:ext uri="{BB962C8B-B14F-4D97-AF65-F5344CB8AC3E}">
         <p14:creationId xmlns:p14="http://schemas.microsoft.com/office/powerpoint/2010/main" val="3519011294"/>
+      </p:ext>
+    </p:extLst>
+  </p:cSld>
+  <p:clrMapOvr>
+    <a:masterClrMapping/>
+  </p:clrMapOvr>
+</p:sld>
+</file>
+
+<file path=ppt/slides/slide5.xml><?xml version="1.0" encoding="utf-8"?>
+<p:sld xmlns:a="http://schemas.openxmlformats.org/drawingml/2006/main" xmlns:r="http://schemas.openxmlformats.org/officeDocument/2006/relationships" xmlns:p="http://schemas.openxmlformats.org/presentationml/2006/main">
+  <p:cSld>
+    <p:spTree>
+      <p:nvGrpSpPr>
+        <p:cNvPr id="1" name=""/>
+        <p:cNvGrpSpPr/>
+        <p:nvPr/>
+      </p:nvGrpSpPr>
+      <p:grpSpPr>
+        <a:xfrm>
+          <a:off x="0" y="0"/>
+          <a:ext cx="0" cy="0"/>
+          <a:chOff x="0" y="0"/>
+          <a:chExt cx="0" cy="0"/>
+        </a:xfrm>
+      </p:grpSpPr>
+      <p:sp>
+        <p:nvSpPr>
+          <p:cNvPr id="3" name="Título 2">
+            <a:extLst>
+              <a:ext uri="{FF2B5EF4-FFF2-40B4-BE49-F238E27FC236}">
+                <a16:creationId xmlns:a16="http://schemas.microsoft.com/office/drawing/2014/main" id="{1A235EBE-ABFB-4102-A953-EDE583B23B0E}"/>
+              </a:ext>
+            </a:extLst>
+          </p:cNvPr>
+          <p:cNvSpPr>
+            <a:spLocks noGrp="1"/>
+          </p:cNvSpPr>
+          <p:nvPr>
+            <p:ph type="title"/>
+          </p:nvPr>
+        </p:nvSpPr>
+        <p:spPr/>
+        <p:txBody>
+          <a:bodyPr/>
+          <a:lstStyle/>
+          <a:p>
+            <a:r>
+              <a:rPr lang="pt-BR" dirty="0"/>
+              <a:t>Resultado das previsões</a:t>
+            </a:r>
+          </a:p>
+        </p:txBody>
+      </p:sp>
+      <p:sp>
+        <p:nvSpPr>
+          <p:cNvPr id="4" name="Espaço Reservado para Texto 3">
+            <a:extLst>
+              <a:ext uri="{FF2B5EF4-FFF2-40B4-BE49-F238E27FC236}">
+                <a16:creationId xmlns:a16="http://schemas.microsoft.com/office/drawing/2014/main" id="{659FC740-EE90-4257-8ABA-42F529421C5D}"/>
+              </a:ext>
+            </a:extLst>
+          </p:cNvPr>
+          <p:cNvSpPr>
+            <a:spLocks noGrp="1"/>
+          </p:cNvSpPr>
+          <p:nvPr>
+            <p:ph type="body" sz="quarter" idx="13"/>
+          </p:nvPr>
+        </p:nvSpPr>
+        <p:spPr/>
+        <p:txBody>
+          <a:bodyPr/>
+          <a:lstStyle/>
+          <a:p>
+            <a:r>
+              <a:rPr lang="pt-BR" dirty="0"/>
+              <a:t>ARIMA, ETS, Holt Method, Holt Winters</a:t>
+            </a:r>
+          </a:p>
+        </p:txBody>
+      </p:sp>
+      <p:sp>
+        <p:nvSpPr>
+          <p:cNvPr id="5" name="Espaço Reservado para Rodapé 4">
+            <a:extLst>
+              <a:ext uri="{FF2B5EF4-FFF2-40B4-BE49-F238E27FC236}">
+                <a16:creationId xmlns:a16="http://schemas.microsoft.com/office/drawing/2014/main" id="{69D2A987-FB22-46CB-AFC7-840F9F6C1518}"/>
+              </a:ext>
+            </a:extLst>
+          </p:cNvPr>
+          <p:cNvSpPr>
+            <a:spLocks noGrp="1"/>
+          </p:cNvSpPr>
+          <p:nvPr>
+            <p:ph type="ftr" sz="quarter" idx="11"/>
+          </p:nvPr>
+        </p:nvSpPr>
+        <p:spPr/>
+        <p:txBody>
+          <a:bodyPr/>
+          <a:lstStyle/>
+          <a:p>
+            <a:r>
+              <a:rPr lang="pt-BR"/>
+              <a:t>Secretaria de Estado da Economia</a:t>
+            </a:r>
+            <a:endParaRPr lang="pt-BR" dirty="0"/>
+          </a:p>
+        </p:txBody>
+      </p:sp>
+      <p:sp>
+        <p:nvSpPr>
+          <p:cNvPr id="6" name="Espaço Reservado para Número de Slide 5">
+            <a:extLst>
+              <a:ext uri="{FF2B5EF4-FFF2-40B4-BE49-F238E27FC236}">
+                <a16:creationId xmlns:a16="http://schemas.microsoft.com/office/drawing/2014/main" id="{9191E0A7-7682-4252-972F-014502419F98}"/>
+              </a:ext>
+            </a:extLst>
+          </p:cNvPr>
+          <p:cNvSpPr>
+            <a:spLocks noGrp="1"/>
+          </p:cNvSpPr>
+          <p:nvPr>
+            <p:ph type="sldNum" sz="quarter" idx="12"/>
+          </p:nvPr>
+        </p:nvSpPr>
+        <p:spPr/>
+        <p:txBody>
+          <a:bodyPr/>
+          <a:lstStyle/>
+          <a:p>
+            <a:fld id="{FAACE0D2-E678-453C-8082-E08B461DE721}" type="slidenum">
+              <a:rPr lang="pt-BR" smtClean="0"/>
+              <a:t>5</a:t>
+            </a:fld>
+            <a:endParaRPr lang="pt-BR" dirty="0"/>
+          </a:p>
+        </p:txBody>
+      </p:sp>
+      <p:graphicFrame>
+        <p:nvGraphicFramePr>
+          <p:cNvPr id="9" name="Tabela 8">
+            <a:extLst>
+              <a:ext uri="{FF2B5EF4-FFF2-40B4-BE49-F238E27FC236}">
+                <a16:creationId xmlns:a16="http://schemas.microsoft.com/office/drawing/2014/main" id="{30AF11BC-68FA-46AB-A038-3112D5725FB9}"/>
+              </a:ext>
+            </a:extLst>
+          </p:cNvPr>
+          <p:cNvGraphicFramePr>
+            <a:graphicFrameLocks noGrp="1"/>
+          </p:cNvGraphicFramePr>
+          <p:nvPr>
+            <p:extLst>
+              <p:ext uri="{D42A27DB-BD31-4B8C-83A1-F6EECF244321}">
+                <p14:modId xmlns:p14="http://schemas.microsoft.com/office/powerpoint/2010/main" val="322763521"/>
+              </p:ext>
+            </p:extLst>
+          </p:nvPr>
+        </p:nvGraphicFramePr>
+        <p:xfrm>
+          <a:off x="7173350" y="876299"/>
+          <a:ext cx="4751999" cy="1188000"/>
+        </p:xfrm>
+        <a:graphic>
+          <a:graphicData uri="http://schemas.openxmlformats.org/drawingml/2006/table">
+            <a:tbl>
+              <a:tblPr/>
+              <a:tblGrid>
+                <a:gridCol w="542555">
+                  <a:extLst>
+                    <a:ext uri="{9D8B030D-6E8A-4147-A177-3AD203B41FA5}">
+                      <a16:colId xmlns:a16="http://schemas.microsoft.com/office/drawing/2014/main" val="2137459165"/>
+                    </a:ext>
+                  </a:extLst>
+                </a:gridCol>
+                <a:gridCol w="1235817">
+                  <a:extLst>
+                    <a:ext uri="{9D8B030D-6E8A-4147-A177-3AD203B41FA5}">
+                      <a16:colId xmlns:a16="http://schemas.microsoft.com/office/drawing/2014/main" val="720812064"/>
+                    </a:ext>
+                  </a:extLst>
+                </a:gridCol>
+                <a:gridCol w="991209">
+                  <a:extLst>
+                    <a:ext uri="{9D8B030D-6E8A-4147-A177-3AD203B41FA5}">
+                      <a16:colId xmlns:a16="http://schemas.microsoft.com/office/drawing/2014/main" val="3284887491"/>
+                    </a:ext>
+                  </a:extLst>
+                </a:gridCol>
+                <a:gridCol w="991209">
+                  <a:extLst>
+                    <a:ext uri="{9D8B030D-6E8A-4147-A177-3AD203B41FA5}">
+                      <a16:colId xmlns:a16="http://schemas.microsoft.com/office/drawing/2014/main" val="294653063"/>
+                    </a:ext>
+                  </a:extLst>
+                </a:gridCol>
+                <a:gridCol w="991209">
+                  <a:extLst>
+                    <a:ext uri="{9D8B030D-6E8A-4147-A177-3AD203B41FA5}">
+                      <a16:colId xmlns:a16="http://schemas.microsoft.com/office/drawing/2014/main" val="3531791838"/>
+                    </a:ext>
+                  </a:extLst>
+                </a:gridCol>
+              </a:tblGrid>
+              <a:tr h="396000">
+                <a:tc>
+                  <a:txBody>
+                    <a:bodyPr/>
+                    <a:lstStyle/>
+                    <a:p>
+                      <a:pPr algn="ctr" fontAlgn="b"/>
+                      <a:endParaRPr lang="pt-BR" sz="1400" b="1" i="0" u="none" strike="noStrike" dirty="0">
+                        <a:solidFill>
+                          <a:schemeClr val="bg1"/>
+                        </a:solidFill>
+                        <a:effectLst/>
+                        <a:latin typeface="Calibri" panose="020F0502020204030204" pitchFamily="34" charset="0"/>
+                      </a:endParaRPr>
+                    </a:p>
+                  </a:txBody>
+                  <a:tcPr marL="9525" marR="9525" marT="9525" marB="0" anchor="ctr">
+                    <a:lnL w="3175" cap="flat" cmpd="sng" algn="ctr">
+                      <a:noFill/>
+                      <a:prstDash val="solid"/>
+                      <a:round/>
+                      <a:headEnd type="none" w="med" len="med"/>
+                      <a:tailEnd type="none" w="med" len="med"/>
+                    </a:lnL>
+                    <a:lnR w="3175" cap="flat" cmpd="sng" algn="ctr">
+                      <a:noFill/>
+                      <a:prstDash val="solid"/>
+                      <a:round/>
+                      <a:headEnd type="none" w="med" len="med"/>
+                      <a:tailEnd type="none" w="med" len="med"/>
+                    </a:lnR>
+                    <a:lnT w="3175" cap="flat" cmpd="sng" algn="ctr">
+                      <a:noFill/>
+                      <a:prstDash val="solid"/>
+                      <a:round/>
+                      <a:headEnd type="none" w="med" len="med"/>
+                      <a:tailEnd type="none" w="med" len="med"/>
+                    </a:lnT>
+                    <a:lnB w="3175" cap="flat" cmpd="sng" algn="ctr">
+                      <a:noFill/>
+                      <a:prstDash val="solid"/>
+                      <a:round/>
+                      <a:headEnd type="none" w="med" len="med"/>
+                      <a:tailEnd type="none" w="med" len="med"/>
+                    </a:lnB>
+                    <a:lnTlToBr w="12700" cmpd="sng">
+                      <a:noFill/>
+                      <a:prstDash val="solid"/>
+                    </a:lnTlToBr>
+                    <a:lnBlToTr w="12700" cmpd="sng">
+                      <a:noFill/>
+                      <a:prstDash val="solid"/>
+                    </a:lnBlToTr>
+                    <a:solidFill>
+                      <a:schemeClr val="bg1"/>
+                    </a:solidFill>
+                  </a:tcPr>
+                </a:tc>
+                <a:tc>
+                  <a:txBody>
+                    <a:bodyPr/>
+                    <a:lstStyle/>
+                    <a:p>
+                      <a:pPr algn="ctr" fontAlgn="b"/>
+                      <a:r>
+                        <a:rPr lang="pt-BR" sz="1400" b="1" i="0" u="none" strike="noStrike" dirty="0">
+                          <a:solidFill>
+                            <a:schemeClr val="bg1"/>
+                          </a:solidFill>
+                          <a:effectLst/>
+                          <a:latin typeface="Calibri" panose="020F0502020204030204" pitchFamily="34" charset="0"/>
+                        </a:rPr>
+                        <a:t>ETS</a:t>
+                      </a:r>
+                    </a:p>
+                  </a:txBody>
+                  <a:tcPr marL="9525" marR="9525" marT="9525" marB="0" anchor="ctr">
+                    <a:lnL w="3175" cap="flat" cmpd="sng" algn="ctr">
+                      <a:noFill/>
+                      <a:prstDash val="solid"/>
+                      <a:round/>
+                      <a:headEnd type="none" w="med" len="med"/>
+                      <a:tailEnd type="none" w="med" len="med"/>
+                    </a:lnL>
+                    <a:lnR w="3175" cap="flat" cmpd="sng" algn="ctr">
+                      <a:solidFill>
+                        <a:srgbClr val="008666"/>
+                      </a:solidFill>
+                      <a:prstDash val="solid"/>
+                      <a:round/>
+                      <a:headEnd type="none" w="med" len="med"/>
+                      <a:tailEnd type="none" w="med" len="med"/>
+                    </a:lnR>
+                    <a:lnT w="3175" cap="flat" cmpd="sng" algn="ctr">
+                      <a:solidFill>
+                        <a:srgbClr val="008666"/>
+                      </a:solidFill>
+                      <a:prstDash val="solid"/>
+                      <a:round/>
+                      <a:headEnd type="none" w="med" len="med"/>
+                      <a:tailEnd type="none" w="med" len="med"/>
+                    </a:lnT>
+                    <a:lnB w="3175" cap="flat" cmpd="sng" algn="ctr">
+                      <a:solidFill>
+                        <a:srgbClr val="008666"/>
+                      </a:solidFill>
+                      <a:prstDash val="solid"/>
+                      <a:round/>
+                      <a:headEnd type="none" w="med" len="med"/>
+                      <a:tailEnd type="none" w="med" len="med"/>
+                    </a:lnB>
+                    <a:solidFill>
+                      <a:srgbClr val="008666"/>
+                    </a:solidFill>
+                  </a:tcPr>
+                </a:tc>
+                <a:tc>
+                  <a:txBody>
+                    <a:bodyPr/>
+                    <a:lstStyle/>
+                    <a:p>
+                      <a:pPr algn="ctr" fontAlgn="b"/>
+                      <a:r>
+                        <a:rPr lang="pt-BR" sz="1400" b="1" i="0" u="none" strike="noStrike" dirty="0">
+                          <a:solidFill>
+                            <a:schemeClr val="bg1"/>
+                          </a:solidFill>
+                          <a:effectLst/>
+                          <a:latin typeface="Calibri" panose="020F0502020204030204" pitchFamily="34" charset="0"/>
+                        </a:rPr>
+                        <a:t>Holt Method</a:t>
+                      </a:r>
+                    </a:p>
+                  </a:txBody>
+                  <a:tcPr marL="9525" marR="9525" marT="9525" marB="0" anchor="ctr">
+                    <a:lnL w="3175" cap="flat" cmpd="sng" algn="ctr">
+                      <a:solidFill>
+                        <a:srgbClr val="008666"/>
+                      </a:solidFill>
+                      <a:prstDash val="solid"/>
+                      <a:round/>
+                      <a:headEnd type="none" w="med" len="med"/>
+                      <a:tailEnd type="none" w="med" len="med"/>
+                    </a:lnL>
+                    <a:lnR w="3175" cap="flat" cmpd="sng" algn="ctr">
+                      <a:solidFill>
+                        <a:srgbClr val="008666"/>
+                      </a:solidFill>
+                      <a:prstDash val="solid"/>
+                      <a:round/>
+                      <a:headEnd type="none" w="med" len="med"/>
+                      <a:tailEnd type="none" w="med" len="med"/>
+                    </a:lnR>
+                    <a:lnT w="3175" cap="flat" cmpd="sng" algn="ctr">
+                      <a:solidFill>
+                        <a:srgbClr val="008666"/>
+                      </a:solidFill>
+                      <a:prstDash val="solid"/>
+                      <a:round/>
+                      <a:headEnd type="none" w="med" len="med"/>
+                      <a:tailEnd type="none" w="med" len="med"/>
+                    </a:lnT>
+                    <a:lnB w="3175" cap="flat" cmpd="sng" algn="ctr">
+                      <a:solidFill>
+                        <a:srgbClr val="008666"/>
+                      </a:solidFill>
+                      <a:prstDash val="solid"/>
+                      <a:round/>
+                      <a:headEnd type="none" w="med" len="med"/>
+                      <a:tailEnd type="none" w="med" len="med"/>
+                    </a:lnB>
+                    <a:solidFill>
+                      <a:srgbClr val="008666"/>
+                    </a:solidFill>
+                  </a:tcPr>
+                </a:tc>
+                <a:tc>
+                  <a:txBody>
+                    <a:bodyPr/>
+                    <a:lstStyle/>
+                    <a:p>
+                      <a:pPr algn="ctr" fontAlgn="b"/>
+                      <a:r>
+                        <a:rPr lang="pt-BR" sz="1400" b="1" i="0" u="none" strike="noStrike" dirty="0" err="1">
+                          <a:solidFill>
+                            <a:schemeClr val="bg1"/>
+                          </a:solidFill>
+                          <a:effectLst/>
+                          <a:latin typeface="Calibri" panose="020F0502020204030204" pitchFamily="34" charset="0"/>
+                        </a:rPr>
+                        <a:t>Holt-Winters</a:t>
+                      </a:r>
+                      <a:endParaRPr lang="pt-BR" sz="1400" b="1" i="0" u="none" strike="noStrike" dirty="0">
+                        <a:solidFill>
+                          <a:schemeClr val="bg1"/>
+                        </a:solidFill>
+                        <a:effectLst/>
+                        <a:latin typeface="Calibri" panose="020F0502020204030204" pitchFamily="34" charset="0"/>
+                      </a:endParaRPr>
+                    </a:p>
+                  </a:txBody>
+                  <a:tcPr marL="9525" marR="9525" marT="9525" marB="0" anchor="ctr">
+                    <a:lnL w="3175" cap="flat" cmpd="sng" algn="ctr">
+                      <a:solidFill>
+                        <a:srgbClr val="008666"/>
+                      </a:solidFill>
+                      <a:prstDash val="solid"/>
+                      <a:round/>
+                      <a:headEnd type="none" w="med" len="med"/>
+                      <a:tailEnd type="none" w="med" len="med"/>
+                    </a:lnL>
+                    <a:lnR w="3175" cap="flat" cmpd="sng" algn="ctr">
+                      <a:solidFill>
+                        <a:srgbClr val="008666"/>
+                      </a:solidFill>
+                      <a:prstDash val="solid"/>
+                      <a:round/>
+                      <a:headEnd type="none" w="med" len="med"/>
+                      <a:tailEnd type="none" w="med" len="med"/>
+                    </a:lnR>
+                    <a:lnT w="3175" cap="flat" cmpd="sng" algn="ctr">
+                      <a:solidFill>
+                        <a:srgbClr val="008666"/>
+                      </a:solidFill>
+                      <a:prstDash val="solid"/>
+                      <a:round/>
+                      <a:headEnd type="none" w="med" len="med"/>
+                      <a:tailEnd type="none" w="med" len="med"/>
+                    </a:lnT>
+                    <a:lnB w="3175" cap="flat" cmpd="sng" algn="ctr">
+                      <a:solidFill>
+                        <a:srgbClr val="008666"/>
+                      </a:solidFill>
+                      <a:prstDash val="solid"/>
+                      <a:round/>
+                      <a:headEnd type="none" w="med" len="med"/>
+                      <a:tailEnd type="none" w="med" len="med"/>
+                    </a:lnB>
+                    <a:solidFill>
+                      <a:srgbClr val="008666"/>
+                    </a:solidFill>
+                  </a:tcPr>
+                </a:tc>
+                <a:tc>
+                  <a:txBody>
+                    <a:bodyPr/>
+                    <a:lstStyle/>
+                    <a:p>
+                      <a:pPr algn="ctr" fontAlgn="b"/>
+                      <a:r>
+                        <a:rPr lang="pt-BR" sz="1400" b="1" i="0" u="none" strike="noStrike" dirty="0">
+                          <a:solidFill>
+                            <a:schemeClr val="bg1"/>
+                          </a:solidFill>
+                          <a:effectLst/>
+                          <a:latin typeface="Calibri" panose="020F0502020204030204" pitchFamily="34" charset="0"/>
+                        </a:rPr>
+                        <a:t>ARIMA</a:t>
+                      </a:r>
+                    </a:p>
+                  </a:txBody>
+                  <a:tcPr marL="9525" marR="9525" marT="9525" marB="0" anchor="ctr">
+                    <a:lnL w="3175" cap="flat" cmpd="sng" algn="ctr">
+                      <a:solidFill>
+                        <a:srgbClr val="008666"/>
+                      </a:solidFill>
+                      <a:prstDash val="solid"/>
+                      <a:round/>
+                      <a:headEnd type="none" w="med" len="med"/>
+                      <a:tailEnd type="none" w="med" len="med"/>
+                    </a:lnL>
+                    <a:lnR w="3175" cap="flat" cmpd="sng" algn="ctr">
+                      <a:solidFill>
+                        <a:srgbClr val="008666"/>
+                      </a:solidFill>
+                      <a:prstDash val="solid"/>
+                      <a:round/>
+                      <a:headEnd type="none" w="med" len="med"/>
+                      <a:tailEnd type="none" w="med" len="med"/>
+                    </a:lnR>
+                    <a:lnT w="3175" cap="flat" cmpd="sng" algn="ctr">
+                      <a:solidFill>
+                        <a:srgbClr val="008666"/>
+                      </a:solidFill>
+                      <a:prstDash val="solid"/>
+                      <a:round/>
+                      <a:headEnd type="none" w="med" len="med"/>
+                      <a:tailEnd type="none" w="med" len="med"/>
+                    </a:lnT>
+                    <a:lnB w="3175" cap="flat" cmpd="sng" algn="ctr">
+                      <a:solidFill>
+                        <a:srgbClr val="008666"/>
+                      </a:solidFill>
+                      <a:prstDash val="solid"/>
+                      <a:round/>
+                      <a:headEnd type="none" w="med" len="med"/>
+                      <a:tailEnd type="none" w="med" len="med"/>
+                    </a:lnB>
+                    <a:solidFill>
+                      <a:srgbClr val="008666"/>
+                    </a:solidFill>
+                  </a:tcPr>
+                </a:tc>
+                <a:extLst>
+                  <a:ext uri="{0D108BD9-81ED-4DB2-BD59-A6C34878D82A}">
+                    <a16:rowId xmlns:a16="http://schemas.microsoft.com/office/drawing/2014/main" val="3489715866"/>
+                  </a:ext>
+                </a:extLst>
+              </a:tr>
+              <a:tr h="396000">
+                <a:tc>
+                  <a:txBody>
+                    <a:bodyPr/>
+                    <a:lstStyle/>
+                    <a:p>
+                      <a:pPr algn="ctr" fontAlgn="b"/>
+                      <a:r>
+                        <a:rPr lang="pt-BR" sz="1400" b="1" i="0" u="none" strike="noStrike" dirty="0">
+                          <a:solidFill>
+                            <a:schemeClr val="bg1"/>
+                          </a:solidFill>
+                          <a:effectLst/>
+                          <a:latin typeface="Calibri" panose="020F0502020204030204" pitchFamily="34" charset="0"/>
+                        </a:rPr>
+                        <a:t>RMSE</a:t>
+                      </a:r>
+                    </a:p>
+                  </a:txBody>
+                  <a:tcPr marL="9525" marR="9525" marT="9525" marB="0" anchor="ctr">
+                    <a:lnL w="3175" cap="flat" cmpd="sng" algn="ctr">
+                      <a:solidFill>
+                        <a:srgbClr val="008666"/>
+                      </a:solidFill>
+                      <a:prstDash val="solid"/>
+                      <a:round/>
+                      <a:headEnd type="none" w="med" len="med"/>
+                      <a:tailEnd type="none" w="med" len="med"/>
+                    </a:lnL>
+                    <a:lnR w="3175" cap="flat" cmpd="sng" algn="ctr">
+                      <a:solidFill>
+                        <a:srgbClr val="008666"/>
+                      </a:solidFill>
+                      <a:prstDash val="solid"/>
+                      <a:round/>
+                      <a:headEnd type="none" w="med" len="med"/>
+                      <a:tailEnd type="none" w="med" len="med"/>
+                    </a:lnR>
+                    <a:lnT w="3175" cap="flat" cmpd="sng" algn="ctr">
+                      <a:noFill/>
+                      <a:prstDash val="solid"/>
+                      <a:round/>
+                      <a:headEnd type="none" w="med" len="med"/>
+                      <a:tailEnd type="none" w="med" len="med"/>
+                    </a:lnT>
+                    <a:lnB w="3175" cap="flat" cmpd="sng" algn="ctr">
+                      <a:solidFill>
+                        <a:srgbClr val="008666"/>
+                      </a:solidFill>
+                      <a:prstDash val="solid"/>
+                      <a:round/>
+                      <a:headEnd type="none" w="med" len="med"/>
+                      <a:tailEnd type="none" w="med" len="med"/>
+                    </a:lnB>
+                    <a:solidFill>
+                      <a:srgbClr val="008666"/>
+                    </a:solidFill>
+                  </a:tcPr>
+                </a:tc>
+                <a:tc>
+                  <a:txBody>
+                    <a:bodyPr/>
+                    <a:lstStyle/>
+                    <a:p>
+                      <a:pPr algn="ctr" fontAlgn="b"/>
+                      <a:r>
+                        <a:rPr lang="pt-BR" sz="1400" b="0" i="0" u="none" strike="noStrike" dirty="0">
+                          <a:solidFill>
+                            <a:srgbClr val="000000"/>
+                          </a:solidFill>
+                          <a:effectLst/>
+                          <a:latin typeface="Calibri" panose="020F0502020204030204" pitchFamily="34" charset="0"/>
+                        </a:rPr>
+                        <a:t>227.326.343</a:t>
+                      </a:r>
+                    </a:p>
+                  </a:txBody>
+                  <a:tcPr marL="9525" marR="9525" marT="9525" marB="0" anchor="ctr">
+                    <a:lnL w="3175" cap="flat" cmpd="sng" algn="ctr">
+                      <a:solidFill>
+                        <a:srgbClr val="008666"/>
+                      </a:solidFill>
+                      <a:prstDash val="solid"/>
+                      <a:round/>
+                      <a:headEnd type="none" w="med" len="med"/>
+                      <a:tailEnd type="none" w="med" len="med"/>
+                    </a:lnL>
+                    <a:lnR w="3175" cap="flat" cmpd="sng" algn="ctr">
+                      <a:solidFill>
+                        <a:srgbClr val="008666"/>
+                      </a:solidFill>
+                      <a:prstDash val="solid"/>
+                      <a:round/>
+                      <a:headEnd type="none" w="med" len="med"/>
+                      <a:tailEnd type="none" w="med" len="med"/>
+                    </a:lnR>
+                    <a:lnT w="3175" cap="flat" cmpd="sng" algn="ctr">
+                      <a:solidFill>
+                        <a:srgbClr val="008666"/>
+                      </a:solidFill>
+                      <a:prstDash val="solid"/>
+                      <a:round/>
+                      <a:headEnd type="none" w="med" len="med"/>
+                      <a:tailEnd type="none" w="med" len="med"/>
+                    </a:lnT>
+                    <a:lnB w="3175" cap="flat" cmpd="sng" algn="ctr">
+                      <a:solidFill>
+                        <a:srgbClr val="008666"/>
+                      </a:solidFill>
+                      <a:prstDash val="solid"/>
+                      <a:round/>
+                      <a:headEnd type="none" w="med" len="med"/>
+                      <a:tailEnd type="none" w="med" len="med"/>
+                    </a:lnB>
+                  </a:tcPr>
+                </a:tc>
+                <a:tc>
+                  <a:txBody>
+                    <a:bodyPr/>
+                    <a:lstStyle/>
+                    <a:p>
+                      <a:pPr algn="ctr" fontAlgn="b"/>
+                      <a:r>
+                        <a:rPr lang="pt-BR" sz="1400" b="0" i="0" u="none" strike="noStrike" dirty="0">
+                          <a:solidFill>
+                            <a:srgbClr val="000000"/>
+                          </a:solidFill>
+                          <a:effectLst/>
+                          <a:latin typeface="Calibri" panose="020F0502020204030204" pitchFamily="34" charset="0"/>
+                        </a:rPr>
+                        <a:t> 283.715.709 </a:t>
+                      </a:r>
+                    </a:p>
+                  </a:txBody>
+                  <a:tcPr marL="9525" marR="9525" marT="9525" marB="0" anchor="ctr">
+                    <a:lnL w="3175" cap="flat" cmpd="sng" algn="ctr">
+                      <a:solidFill>
+                        <a:srgbClr val="008666"/>
+                      </a:solidFill>
+                      <a:prstDash val="solid"/>
+                      <a:round/>
+                      <a:headEnd type="none" w="med" len="med"/>
+                      <a:tailEnd type="none" w="med" len="med"/>
+                    </a:lnL>
+                    <a:lnR w="3175" cap="flat" cmpd="sng" algn="ctr">
+                      <a:solidFill>
+                        <a:srgbClr val="008666"/>
+                      </a:solidFill>
+                      <a:prstDash val="solid"/>
+                      <a:round/>
+                      <a:headEnd type="none" w="med" len="med"/>
+                      <a:tailEnd type="none" w="med" len="med"/>
+                    </a:lnR>
+                    <a:lnT w="3175" cap="flat" cmpd="sng" algn="ctr">
+                      <a:solidFill>
+                        <a:srgbClr val="008666"/>
+                      </a:solidFill>
+                      <a:prstDash val="solid"/>
+                      <a:round/>
+                      <a:headEnd type="none" w="med" len="med"/>
+                      <a:tailEnd type="none" w="med" len="med"/>
+                    </a:lnT>
+                    <a:lnB w="3175" cap="flat" cmpd="sng" algn="ctr">
+                      <a:solidFill>
+                        <a:srgbClr val="008666"/>
+                      </a:solidFill>
+                      <a:prstDash val="solid"/>
+                      <a:round/>
+                      <a:headEnd type="none" w="med" len="med"/>
+                      <a:tailEnd type="none" w="med" len="med"/>
+                    </a:lnB>
+                  </a:tcPr>
+                </a:tc>
+                <a:tc>
+                  <a:txBody>
+                    <a:bodyPr/>
+                    <a:lstStyle/>
+                    <a:p>
+                      <a:pPr algn="ctr" fontAlgn="b"/>
+                      <a:r>
+                        <a:rPr lang="pt-BR" sz="1400" b="0" i="0" u="none" strike="noStrike" dirty="0">
+                          <a:solidFill>
+                            <a:srgbClr val="000000"/>
+                          </a:solidFill>
+                          <a:effectLst/>
+                          <a:latin typeface="Calibri" panose="020F0502020204030204" pitchFamily="34" charset="0"/>
+                        </a:rPr>
+                        <a:t> 226.234.881</a:t>
+                      </a:r>
+                    </a:p>
+                  </a:txBody>
+                  <a:tcPr marL="9525" marR="9525" marT="9525" marB="0" anchor="ctr">
+                    <a:lnL w="3175" cap="flat" cmpd="sng" algn="ctr">
+                      <a:solidFill>
+                        <a:srgbClr val="008666"/>
+                      </a:solidFill>
+                      <a:prstDash val="solid"/>
+                      <a:round/>
+                      <a:headEnd type="none" w="med" len="med"/>
+                      <a:tailEnd type="none" w="med" len="med"/>
+                    </a:lnL>
+                    <a:lnR w="3175" cap="flat" cmpd="sng" algn="ctr">
+                      <a:solidFill>
+                        <a:srgbClr val="008666"/>
+                      </a:solidFill>
+                      <a:prstDash val="solid"/>
+                      <a:round/>
+                      <a:headEnd type="none" w="med" len="med"/>
+                      <a:tailEnd type="none" w="med" len="med"/>
+                    </a:lnR>
+                    <a:lnT w="3175" cap="flat" cmpd="sng" algn="ctr">
+                      <a:solidFill>
+                        <a:srgbClr val="008666"/>
+                      </a:solidFill>
+                      <a:prstDash val="solid"/>
+                      <a:round/>
+                      <a:headEnd type="none" w="med" len="med"/>
+                      <a:tailEnd type="none" w="med" len="med"/>
+                    </a:lnT>
+                    <a:lnB w="3175" cap="flat" cmpd="sng" algn="ctr">
+                      <a:solidFill>
+                        <a:srgbClr val="008666"/>
+                      </a:solidFill>
+                      <a:prstDash val="solid"/>
+                      <a:round/>
+                      <a:headEnd type="none" w="med" len="med"/>
+                      <a:tailEnd type="none" w="med" len="med"/>
+                    </a:lnB>
+                  </a:tcPr>
+                </a:tc>
+                <a:tc>
+                  <a:txBody>
+                    <a:bodyPr/>
+                    <a:lstStyle/>
+                    <a:p>
+                      <a:pPr algn="ctr" fontAlgn="b"/>
+                      <a:r>
+                        <a:rPr lang="pt-BR" sz="1400" b="0" i="0" u="none" strike="noStrike" dirty="0">
+                          <a:solidFill>
+                            <a:srgbClr val="000000"/>
+                          </a:solidFill>
+                          <a:effectLst/>
+                          <a:latin typeface="Calibri" panose="020F0502020204030204" pitchFamily="34" charset="0"/>
+                        </a:rPr>
+                        <a:t>166.299.005</a:t>
+                      </a:r>
+                    </a:p>
+                  </a:txBody>
+                  <a:tcPr marL="9525" marR="9525" marT="9525" marB="0" anchor="ctr">
+                    <a:lnL w="3175" cap="flat" cmpd="sng" algn="ctr">
+                      <a:solidFill>
+                        <a:srgbClr val="008666"/>
+                      </a:solidFill>
+                      <a:prstDash val="solid"/>
+                      <a:round/>
+                      <a:headEnd type="none" w="med" len="med"/>
+                      <a:tailEnd type="none" w="med" len="med"/>
+                    </a:lnL>
+                    <a:lnR w="3175" cap="flat" cmpd="sng" algn="ctr">
+                      <a:solidFill>
+                        <a:srgbClr val="008666"/>
+                      </a:solidFill>
+                      <a:prstDash val="solid"/>
+                      <a:round/>
+                      <a:headEnd type="none" w="med" len="med"/>
+                      <a:tailEnd type="none" w="med" len="med"/>
+                    </a:lnR>
+                    <a:lnT w="3175" cap="flat" cmpd="sng" algn="ctr">
+                      <a:solidFill>
+                        <a:srgbClr val="008666"/>
+                      </a:solidFill>
+                      <a:prstDash val="solid"/>
+                      <a:round/>
+                      <a:headEnd type="none" w="med" len="med"/>
+                      <a:tailEnd type="none" w="med" len="med"/>
+                    </a:lnT>
+                    <a:lnB w="3175" cap="flat" cmpd="sng" algn="ctr">
+                      <a:solidFill>
+                        <a:srgbClr val="008666"/>
+                      </a:solidFill>
+                      <a:prstDash val="solid"/>
+                      <a:round/>
+                      <a:headEnd type="none" w="med" len="med"/>
+                      <a:tailEnd type="none" w="med" len="med"/>
+                    </a:lnB>
+                  </a:tcPr>
+                </a:tc>
+                <a:extLst>
+                  <a:ext uri="{0D108BD9-81ED-4DB2-BD59-A6C34878D82A}">
+                    <a16:rowId xmlns:a16="http://schemas.microsoft.com/office/drawing/2014/main" val="1509879909"/>
+                  </a:ext>
+                </a:extLst>
+              </a:tr>
+              <a:tr h="396000">
+                <a:tc>
+                  <a:txBody>
+                    <a:bodyPr/>
+                    <a:lstStyle/>
+                    <a:p>
+                      <a:pPr algn="ctr" fontAlgn="b"/>
+                      <a:r>
+                        <a:rPr lang="pt-BR" sz="1400" b="1" i="0" u="none" strike="noStrike" dirty="0">
+                          <a:solidFill>
+                            <a:schemeClr val="bg1"/>
+                          </a:solidFill>
+                          <a:effectLst/>
+                          <a:latin typeface="Calibri" panose="020F0502020204030204" pitchFamily="34" charset="0"/>
+                        </a:rPr>
+                        <a:t>MAPE</a:t>
+                      </a:r>
+                    </a:p>
+                  </a:txBody>
+                  <a:tcPr marL="9525" marR="9525" marT="9525" marB="0" anchor="ctr">
+                    <a:lnL w="3175" cap="flat" cmpd="sng" algn="ctr">
+                      <a:solidFill>
+                        <a:srgbClr val="008666"/>
+                      </a:solidFill>
+                      <a:prstDash val="solid"/>
+                      <a:round/>
+                      <a:headEnd type="none" w="med" len="med"/>
+                      <a:tailEnd type="none" w="med" len="med"/>
+                    </a:lnL>
+                    <a:lnR w="3175" cap="flat" cmpd="sng" algn="ctr">
+                      <a:solidFill>
+                        <a:srgbClr val="008666"/>
+                      </a:solidFill>
+                      <a:prstDash val="solid"/>
+                      <a:round/>
+                      <a:headEnd type="none" w="med" len="med"/>
+                      <a:tailEnd type="none" w="med" len="med"/>
+                    </a:lnR>
+                    <a:lnT w="3175" cap="flat" cmpd="sng" algn="ctr">
+                      <a:solidFill>
+                        <a:srgbClr val="008666"/>
+                      </a:solidFill>
+                      <a:prstDash val="solid"/>
+                      <a:round/>
+                      <a:headEnd type="none" w="med" len="med"/>
+                      <a:tailEnd type="none" w="med" len="med"/>
+                    </a:lnT>
+                    <a:lnB w="3175" cap="flat" cmpd="sng" algn="ctr">
+                      <a:solidFill>
+                        <a:srgbClr val="008666"/>
+                      </a:solidFill>
+                      <a:prstDash val="solid"/>
+                      <a:round/>
+                      <a:headEnd type="none" w="med" len="med"/>
+                      <a:tailEnd type="none" w="med" len="med"/>
+                    </a:lnB>
+                    <a:solidFill>
+                      <a:srgbClr val="008666"/>
+                    </a:solidFill>
+                  </a:tcPr>
+                </a:tc>
+                <a:tc>
+                  <a:txBody>
+                    <a:bodyPr/>
+                    <a:lstStyle/>
+                    <a:p>
+                      <a:pPr algn="ctr" fontAlgn="b"/>
+                      <a:r>
+                        <a:rPr lang="pt-BR" sz="1400" b="0" i="0" u="none" strike="noStrike" dirty="0">
+                          <a:solidFill>
+                            <a:srgbClr val="000000"/>
+                          </a:solidFill>
+                          <a:effectLst/>
+                          <a:latin typeface="Calibri" panose="020F0502020204030204" pitchFamily="34" charset="0"/>
+                        </a:rPr>
+                        <a:t> 0,76600 </a:t>
+                      </a:r>
+                    </a:p>
+                  </a:txBody>
+                  <a:tcPr marL="9525" marR="9525" marT="9525" marB="0" anchor="ctr">
+                    <a:lnL w="3175" cap="flat" cmpd="sng" algn="ctr">
+                      <a:solidFill>
+                        <a:srgbClr val="008666"/>
+                      </a:solidFill>
+                      <a:prstDash val="solid"/>
+                      <a:round/>
+                      <a:headEnd type="none" w="med" len="med"/>
+                      <a:tailEnd type="none" w="med" len="med"/>
+                    </a:lnL>
+                    <a:lnR w="3175" cap="flat" cmpd="sng" algn="ctr">
+                      <a:solidFill>
+                        <a:srgbClr val="008666"/>
+                      </a:solidFill>
+                      <a:prstDash val="solid"/>
+                      <a:round/>
+                      <a:headEnd type="none" w="med" len="med"/>
+                      <a:tailEnd type="none" w="med" len="med"/>
+                    </a:lnR>
+                    <a:lnT w="3175" cap="flat" cmpd="sng" algn="ctr">
+                      <a:solidFill>
+                        <a:srgbClr val="008666"/>
+                      </a:solidFill>
+                      <a:prstDash val="solid"/>
+                      <a:round/>
+                      <a:headEnd type="none" w="med" len="med"/>
+                      <a:tailEnd type="none" w="med" len="med"/>
+                    </a:lnT>
+                    <a:lnB w="3175" cap="flat" cmpd="sng" algn="ctr">
+                      <a:solidFill>
+                        <a:srgbClr val="008666"/>
+                      </a:solidFill>
+                      <a:prstDash val="solid"/>
+                      <a:round/>
+                      <a:headEnd type="none" w="med" len="med"/>
+                      <a:tailEnd type="none" w="med" len="med"/>
+                    </a:lnB>
+                  </a:tcPr>
+                </a:tc>
+                <a:tc>
+                  <a:txBody>
+                    <a:bodyPr/>
+                    <a:lstStyle/>
+                    <a:p>
+                      <a:pPr algn="ctr" fontAlgn="b"/>
+                      <a:r>
+                        <a:rPr lang="pt-BR" sz="1400" b="0" i="0" u="none" strike="noStrike" dirty="0">
+                          <a:solidFill>
+                            <a:srgbClr val="000000"/>
+                          </a:solidFill>
+                          <a:effectLst/>
+                          <a:latin typeface="Calibri" panose="020F0502020204030204" pitchFamily="34" charset="0"/>
+                        </a:rPr>
+                        <a:t> 0,94521 </a:t>
+                      </a:r>
+                    </a:p>
+                  </a:txBody>
+                  <a:tcPr marL="9525" marR="9525" marT="9525" marB="0" anchor="ctr">
+                    <a:lnL w="3175" cap="flat" cmpd="sng" algn="ctr">
+                      <a:solidFill>
+                        <a:srgbClr val="008666"/>
+                      </a:solidFill>
+                      <a:prstDash val="solid"/>
+                      <a:round/>
+                      <a:headEnd type="none" w="med" len="med"/>
+                      <a:tailEnd type="none" w="med" len="med"/>
+                    </a:lnL>
+                    <a:lnR w="3175" cap="flat" cmpd="sng" algn="ctr">
+                      <a:solidFill>
+                        <a:srgbClr val="008666"/>
+                      </a:solidFill>
+                      <a:prstDash val="solid"/>
+                      <a:round/>
+                      <a:headEnd type="none" w="med" len="med"/>
+                      <a:tailEnd type="none" w="med" len="med"/>
+                    </a:lnR>
+                    <a:lnT w="3175" cap="flat" cmpd="sng" algn="ctr">
+                      <a:solidFill>
+                        <a:srgbClr val="008666"/>
+                      </a:solidFill>
+                      <a:prstDash val="solid"/>
+                      <a:round/>
+                      <a:headEnd type="none" w="med" len="med"/>
+                      <a:tailEnd type="none" w="med" len="med"/>
+                    </a:lnT>
+                    <a:lnB w="3175" cap="flat" cmpd="sng" algn="ctr">
+                      <a:solidFill>
+                        <a:srgbClr val="008666"/>
+                      </a:solidFill>
+                      <a:prstDash val="solid"/>
+                      <a:round/>
+                      <a:headEnd type="none" w="med" len="med"/>
+                      <a:tailEnd type="none" w="med" len="med"/>
+                    </a:lnB>
+                  </a:tcPr>
+                </a:tc>
+                <a:tc>
+                  <a:txBody>
+                    <a:bodyPr/>
+                    <a:lstStyle/>
+                    <a:p>
+                      <a:pPr algn="ctr" fontAlgn="b"/>
+                      <a:r>
+                        <a:rPr lang="pt-BR" sz="1400" b="0" i="0" u="none" strike="noStrike" dirty="0">
+                          <a:solidFill>
+                            <a:srgbClr val="000000"/>
+                          </a:solidFill>
+                          <a:effectLst/>
+                          <a:latin typeface="Calibri" panose="020F0502020204030204" pitchFamily="34" charset="0"/>
+                        </a:rPr>
+                        <a:t> 0,77914 </a:t>
+                      </a:r>
+                    </a:p>
+                  </a:txBody>
+                  <a:tcPr marL="9525" marR="9525" marT="9525" marB="0" anchor="ctr">
+                    <a:lnL w="3175" cap="flat" cmpd="sng" algn="ctr">
+                      <a:solidFill>
+                        <a:srgbClr val="008666"/>
+                      </a:solidFill>
+                      <a:prstDash val="solid"/>
+                      <a:round/>
+                      <a:headEnd type="none" w="med" len="med"/>
+                      <a:tailEnd type="none" w="med" len="med"/>
+                    </a:lnL>
+                    <a:lnR w="3175" cap="flat" cmpd="sng" algn="ctr">
+                      <a:solidFill>
+                        <a:srgbClr val="008666"/>
+                      </a:solidFill>
+                      <a:prstDash val="solid"/>
+                      <a:round/>
+                      <a:headEnd type="none" w="med" len="med"/>
+                      <a:tailEnd type="none" w="med" len="med"/>
+                    </a:lnR>
+                    <a:lnT w="3175" cap="flat" cmpd="sng" algn="ctr">
+                      <a:solidFill>
+                        <a:srgbClr val="008666"/>
+                      </a:solidFill>
+                      <a:prstDash val="solid"/>
+                      <a:round/>
+                      <a:headEnd type="none" w="med" len="med"/>
+                      <a:tailEnd type="none" w="med" len="med"/>
+                    </a:lnT>
+                    <a:lnB w="3175" cap="flat" cmpd="sng" algn="ctr">
+                      <a:solidFill>
+                        <a:srgbClr val="008666"/>
+                      </a:solidFill>
+                      <a:prstDash val="solid"/>
+                      <a:round/>
+                      <a:headEnd type="none" w="med" len="med"/>
+                      <a:tailEnd type="none" w="med" len="med"/>
+                    </a:lnB>
+                  </a:tcPr>
+                </a:tc>
+                <a:tc>
+                  <a:txBody>
+                    <a:bodyPr/>
+                    <a:lstStyle/>
+                    <a:p>
+                      <a:pPr algn="ctr" fontAlgn="b"/>
+                      <a:r>
+                        <a:rPr lang="pt-BR" sz="1400" b="0" i="0" u="none" strike="noStrike" dirty="0">
+                          <a:solidFill>
+                            <a:srgbClr val="000000"/>
+                          </a:solidFill>
+                          <a:effectLst/>
+                          <a:latin typeface="Calibri" panose="020F0502020204030204" pitchFamily="34" charset="0"/>
+                        </a:rPr>
+                        <a:t>0,52015</a:t>
+                      </a:r>
+                    </a:p>
+                  </a:txBody>
+                  <a:tcPr marL="9525" marR="9525" marT="9525" marB="0" anchor="ctr">
+                    <a:lnL w="3175" cap="flat" cmpd="sng" algn="ctr">
+                      <a:solidFill>
+                        <a:srgbClr val="008666"/>
+                      </a:solidFill>
+                      <a:prstDash val="solid"/>
+                      <a:round/>
+                      <a:headEnd type="none" w="med" len="med"/>
+                      <a:tailEnd type="none" w="med" len="med"/>
+                    </a:lnL>
+                    <a:lnR w="3175" cap="flat" cmpd="sng" algn="ctr">
+                      <a:solidFill>
+                        <a:srgbClr val="008666"/>
+                      </a:solidFill>
+                      <a:prstDash val="solid"/>
+                      <a:round/>
+                      <a:headEnd type="none" w="med" len="med"/>
+                      <a:tailEnd type="none" w="med" len="med"/>
+                    </a:lnR>
+                    <a:lnT w="3175" cap="flat" cmpd="sng" algn="ctr">
+                      <a:solidFill>
+                        <a:srgbClr val="008666"/>
+                      </a:solidFill>
+                      <a:prstDash val="solid"/>
+                      <a:round/>
+                      <a:headEnd type="none" w="med" len="med"/>
+                      <a:tailEnd type="none" w="med" len="med"/>
+                    </a:lnT>
+                    <a:lnB w="3175" cap="flat" cmpd="sng" algn="ctr">
+                      <a:solidFill>
+                        <a:srgbClr val="008666"/>
+                      </a:solidFill>
+                      <a:prstDash val="solid"/>
+                      <a:round/>
+                      <a:headEnd type="none" w="med" len="med"/>
+                      <a:tailEnd type="none" w="med" len="med"/>
+                    </a:lnB>
+                  </a:tcPr>
+                </a:tc>
+                <a:extLst>
+                  <a:ext uri="{0D108BD9-81ED-4DB2-BD59-A6C34878D82A}">
+                    <a16:rowId xmlns:a16="http://schemas.microsoft.com/office/drawing/2014/main" val="3060609737"/>
+                  </a:ext>
+                </a:extLst>
+              </a:tr>
+            </a:tbl>
+          </a:graphicData>
+        </a:graphic>
+      </p:graphicFrame>
+      <p:graphicFrame>
+        <p:nvGraphicFramePr>
+          <p:cNvPr id="10" name="Gráfico 9">
+            <a:extLst>
+              <a:ext uri="{FF2B5EF4-FFF2-40B4-BE49-F238E27FC236}">
+                <a16:creationId xmlns:a16="http://schemas.microsoft.com/office/drawing/2014/main" id="{00000000-0008-0000-0000-000003000000}"/>
+              </a:ext>
+            </a:extLst>
+          </p:cNvPr>
+          <p:cNvGraphicFramePr>
+            <a:graphicFrameLocks/>
+          </p:cNvGraphicFramePr>
+          <p:nvPr>
+            <p:extLst>
+              <p:ext uri="{D42A27DB-BD31-4B8C-83A1-F6EECF244321}">
+                <p14:modId xmlns:p14="http://schemas.microsoft.com/office/powerpoint/2010/main" val="2841142308"/>
+              </p:ext>
+            </p:extLst>
+          </p:nvPr>
+        </p:nvGraphicFramePr>
+        <p:xfrm>
+          <a:off x="365126" y="876299"/>
+          <a:ext cx="6716992" cy="5282454"/>
+        </p:xfrm>
+        <a:graphic>
+          <a:graphicData uri="http://schemas.openxmlformats.org/drawingml/2006/chart">
+            <c:chart xmlns:c="http://schemas.openxmlformats.org/drawingml/2006/chart" xmlns:r="http://schemas.openxmlformats.org/officeDocument/2006/relationships" r:id="rId2"/>
+          </a:graphicData>
+        </a:graphic>
+      </p:graphicFrame>
+      <p:sp>
+        <p:nvSpPr>
+          <p:cNvPr id="11" name="Balão de Fala: Retângulo com Cantos Arredondados 10">
+            <a:extLst>
+              <a:ext uri="{FF2B5EF4-FFF2-40B4-BE49-F238E27FC236}">
+                <a16:creationId xmlns:a16="http://schemas.microsoft.com/office/drawing/2014/main" id="{3FF68AE6-AE67-4EB1-8FA8-900CB3F210BD}"/>
+              </a:ext>
+            </a:extLst>
+          </p:cNvPr>
+          <p:cNvSpPr/>
+          <p:nvPr/>
+        </p:nvSpPr>
+        <p:spPr>
+          <a:xfrm>
+            <a:off x="8054974" y="2723606"/>
+            <a:ext cx="3771900" cy="992873"/>
+          </a:xfrm>
+          <a:prstGeom prst="wedgeRoundRectCallout">
+            <a:avLst>
+              <a:gd name="adj1" fmla="val 39520"/>
+              <a:gd name="adj2" fmla="val -100587"/>
+              <a:gd name="adj3" fmla="val 16667"/>
+            </a:avLst>
+          </a:prstGeom>
+          <a:solidFill>
+            <a:srgbClr val="008666"/>
+          </a:solidFill>
+          <a:ln>
+            <a:solidFill>
+              <a:srgbClr val="008666"/>
+            </a:solidFill>
+          </a:ln>
+        </p:spPr>
+        <p:style>
+          <a:lnRef idx="2">
+            <a:schemeClr val="accent1">
+              <a:shade val="50000"/>
+            </a:schemeClr>
+          </a:lnRef>
+          <a:fillRef idx="1">
+            <a:schemeClr val="accent1"/>
+          </a:fillRef>
+          <a:effectRef idx="0">
+            <a:schemeClr val="accent1"/>
+          </a:effectRef>
+          <a:fontRef idx="minor">
+            <a:schemeClr val="lt1"/>
+          </a:fontRef>
+        </p:style>
+        <p:txBody>
+          <a:bodyPr rtlCol="0" anchor="ctr"/>
+          <a:lstStyle/>
+          <a:p>
+            <a:pPr algn="ctr"/>
+            <a:r>
+              <a:rPr lang="pt-BR" dirty="0"/>
+              <a:t>O modelo ARIMA apresentou o melhor resultado entre os modelos </a:t>
+            </a:r>
+          </a:p>
+        </p:txBody>
+      </p:sp>
+      <p:sp>
+        <p:nvSpPr>
+          <p:cNvPr id="13" name="Retângulo 12">
+            <a:extLst>
+              <a:ext uri="{FF2B5EF4-FFF2-40B4-BE49-F238E27FC236}">
+                <a16:creationId xmlns:a16="http://schemas.microsoft.com/office/drawing/2014/main" id="{A159CF82-D08D-4B27-A862-5CE22A0CAC75}"/>
+              </a:ext>
+            </a:extLst>
+          </p:cNvPr>
+          <p:cNvSpPr/>
+          <p:nvPr/>
+        </p:nvSpPr>
+        <p:spPr>
+          <a:xfrm>
+            <a:off x="7125749" y="4030584"/>
+            <a:ext cx="4847199" cy="1631216"/>
+          </a:xfrm>
+          <a:prstGeom prst="rect">
+            <a:avLst/>
+          </a:prstGeom>
+        </p:spPr>
+        <p:txBody>
+          <a:bodyPr wrap="square">
+            <a:spAutoFit/>
+          </a:bodyPr>
+          <a:lstStyle/>
+          <a:p>
+            <a:pPr marL="285750" indent="-285750" algn="just">
+              <a:spcAft>
+                <a:spcPts val="1200"/>
+              </a:spcAft>
+              <a:buFont typeface="Arial" panose="020B0604020202020204" pitchFamily="34" charset="0"/>
+              <a:buChar char="•"/>
+            </a:pPr>
+            <a:r>
+              <a:rPr lang="pt-BR" b="1" dirty="0"/>
+              <a:t>MAPE (Erro médio Absoluto Porcentual):</a:t>
+            </a:r>
+            <a:r>
+              <a:rPr lang="pt-BR" dirty="0"/>
+              <a:t> média das porcentagens dos erros absolutos;</a:t>
+            </a:r>
+          </a:p>
+          <a:p>
+            <a:pPr marL="285750" indent="-285750" algn="just">
+              <a:spcAft>
+                <a:spcPts val="1200"/>
+              </a:spcAft>
+              <a:buFont typeface="Arial" panose="020B0604020202020204" pitchFamily="34" charset="0"/>
+              <a:buChar char="•"/>
+            </a:pPr>
+            <a:r>
+              <a:rPr lang="pt-BR" b="1" dirty="0"/>
+              <a:t>RMSE (Raiz do erro quadrático médio):   </a:t>
+            </a:r>
+            <a:r>
+              <a:rPr lang="pt-BR" dirty="0"/>
+              <a:t>média das diferenças ao quadrado entre os valores reais e os valores previstos.</a:t>
+            </a:r>
+          </a:p>
+        </p:txBody>
+      </p:sp>
+    </p:spTree>
+    <p:extLst>
+      <p:ext uri="{BB962C8B-B14F-4D97-AF65-F5344CB8AC3E}">
+        <p14:creationId xmlns:p14="http://schemas.microsoft.com/office/powerpoint/2010/main" val="9864538"/>
+      </p:ext>
+    </p:extLst>
+  </p:cSld>
+  <p:clrMapOvr>
+    <a:masterClrMapping/>
+  </p:clrMapOvr>
+</p:sld>
+</file>
+
+<file path=ppt/slides/slide6.xml><?xml version="1.0" encoding="utf-8"?>
+<p:sld xmlns:a="http://schemas.openxmlformats.org/drawingml/2006/main" xmlns:r="http://schemas.openxmlformats.org/officeDocument/2006/relationships" xmlns:p="http://schemas.openxmlformats.org/presentationml/2006/main">
+  <p:cSld>
+    <p:spTree>
+      <p:nvGrpSpPr>
+        <p:cNvPr id="1" name=""/>
+        <p:cNvGrpSpPr/>
+        <p:nvPr/>
+      </p:nvGrpSpPr>
+      <p:grpSpPr>
+        <a:xfrm>
+          <a:off x="0" y="0"/>
+          <a:ext cx="0" cy="0"/>
+          <a:chOff x="0" y="0"/>
+          <a:chExt cx="0" cy="0"/>
+        </a:xfrm>
+      </p:grpSpPr>
+      <p:sp>
+        <p:nvSpPr>
+          <p:cNvPr id="3" name="Título 2">
+            <a:extLst>
+              <a:ext uri="{FF2B5EF4-FFF2-40B4-BE49-F238E27FC236}">
+                <a16:creationId xmlns:a16="http://schemas.microsoft.com/office/drawing/2014/main" id="{1A235EBE-ABFB-4102-A953-EDE583B23B0E}"/>
+              </a:ext>
+            </a:extLst>
+          </p:cNvPr>
+          <p:cNvSpPr>
+            <a:spLocks noGrp="1"/>
+          </p:cNvSpPr>
+          <p:nvPr>
+            <p:ph type="title"/>
+          </p:nvPr>
+        </p:nvSpPr>
+        <p:spPr/>
+        <p:txBody>
+          <a:bodyPr/>
+          <a:lstStyle/>
+          <a:p>
+            <a:r>
+              <a:rPr lang="pt-BR" dirty="0"/>
+              <a:t>Resultado do modelo ARIMA</a:t>
+            </a:r>
+          </a:p>
+        </p:txBody>
+      </p:sp>
+      <p:sp>
+        <p:nvSpPr>
+          <p:cNvPr id="4" name="Espaço Reservado para Texto 3">
+            <a:extLst>
+              <a:ext uri="{FF2B5EF4-FFF2-40B4-BE49-F238E27FC236}">
+                <a16:creationId xmlns:a16="http://schemas.microsoft.com/office/drawing/2014/main" id="{659FC740-EE90-4257-8ABA-42F529421C5D}"/>
+              </a:ext>
+            </a:extLst>
+          </p:cNvPr>
+          <p:cNvSpPr>
+            <a:spLocks noGrp="1"/>
+          </p:cNvSpPr>
+          <p:nvPr>
+            <p:ph type="body" sz="quarter" idx="13"/>
+          </p:nvPr>
+        </p:nvSpPr>
+        <p:spPr/>
+        <p:txBody>
+          <a:bodyPr/>
+          <a:lstStyle/>
+          <a:p>
+            <a:r>
+              <a:rPr lang="pt-BR" dirty="0"/>
+              <a:t>ARIMA, ETS, Holt Method, Holt Winters</a:t>
+            </a:r>
+          </a:p>
+        </p:txBody>
+      </p:sp>
+      <p:sp>
+        <p:nvSpPr>
+          <p:cNvPr id="5" name="Espaço Reservado para Rodapé 4">
+            <a:extLst>
+              <a:ext uri="{FF2B5EF4-FFF2-40B4-BE49-F238E27FC236}">
+                <a16:creationId xmlns:a16="http://schemas.microsoft.com/office/drawing/2014/main" id="{69D2A987-FB22-46CB-AFC7-840F9F6C1518}"/>
+              </a:ext>
+            </a:extLst>
+          </p:cNvPr>
+          <p:cNvSpPr>
+            <a:spLocks noGrp="1"/>
+          </p:cNvSpPr>
+          <p:nvPr>
+            <p:ph type="ftr" sz="quarter" idx="11"/>
+          </p:nvPr>
+        </p:nvSpPr>
+        <p:spPr/>
+        <p:txBody>
+          <a:bodyPr/>
+          <a:lstStyle/>
+          <a:p>
+            <a:r>
+              <a:rPr lang="pt-BR"/>
+              <a:t>Secretaria de Estado da Economia</a:t>
+            </a:r>
+            <a:endParaRPr lang="pt-BR" dirty="0"/>
+          </a:p>
+        </p:txBody>
+      </p:sp>
+      <p:sp>
+        <p:nvSpPr>
+          <p:cNvPr id="6" name="Espaço Reservado para Número de Slide 5">
+            <a:extLst>
+              <a:ext uri="{FF2B5EF4-FFF2-40B4-BE49-F238E27FC236}">
+                <a16:creationId xmlns:a16="http://schemas.microsoft.com/office/drawing/2014/main" id="{9191E0A7-7682-4252-972F-014502419F98}"/>
+              </a:ext>
+            </a:extLst>
+          </p:cNvPr>
+          <p:cNvSpPr>
+            <a:spLocks noGrp="1"/>
+          </p:cNvSpPr>
+          <p:nvPr>
+            <p:ph type="sldNum" sz="quarter" idx="12"/>
+          </p:nvPr>
+        </p:nvSpPr>
+        <p:spPr/>
+        <p:txBody>
+          <a:bodyPr/>
+          <a:lstStyle/>
+          <a:p>
+            <a:fld id="{FAACE0D2-E678-453C-8082-E08B461DE721}" type="slidenum">
+              <a:rPr lang="pt-BR" smtClean="0"/>
+              <a:t>6</a:t>
+            </a:fld>
+            <a:endParaRPr lang="pt-BR"/>
+          </a:p>
+        </p:txBody>
+      </p:sp>
+      <p:sp>
+        <p:nvSpPr>
+          <p:cNvPr id="2" name="Retângulo 1">
+            <a:extLst>
+              <a:ext uri="{FF2B5EF4-FFF2-40B4-BE49-F238E27FC236}">
+                <a16:creationId xmlns:a16="http://schemas.microsoft.com/office/drawing/2014/main" id="{70243968-7327-49E2-A7CA-9FAF11B6FD76}"/>
+              </a:ext>
+            </a:extLst>
+          </p:cNvPr>
+          <p:cNvSpPr/>
+          <p:nvPr/>
+        </p:nvSpPr>
+        <p:spPr>
+          <a:xfrm>
+            <a:off x="222251" y="4815403"/>
+            <a:ext cx="11131549" cy="1631216"/>
+          </a:xfrm>
+          <a:prstGeom prst="rect">
+            <a:avLst/>
+          </a:prstGeom>
+        </p:spPr>
+        <p:txBody>
+          <a:bodyPr wrap="square">
+            <a:spAutoFit/>
+          </a:bodyPr>
+          <a:lstStyle/>
+          <a:p>
+            <a:pPr marL="285750" indent="-285750" algn="just">
+              <a:spcAft>
+                <a:spcPts val="600"/>
+              </a:spcAft>
+              <a:buFont typeface="Arial" panose="020B0604020202020204" pitchFamily="34" charset="0"/>
+              <a:buChar char="•"/>
+            </a:pPr>
+            <a:r>
+              <a:rPr lang="pt-BR" dirty="0"/>
+              <a:t>O gráfico de resíduos apresenta média em torno de 0, o ACF não apresenta </a:t>
+            </a:r>
+            <a:r>
+              <a:rPr lang="pt-BR" dirty="0" err="1"/>
+              <a:t>autocorrelação</a:t>
+            </a:r>
+            <a:r>
+              <a:rPr lang="pt-BR" dirty="0"/>
+              <a:t> significativa e o teste </a:t>
+            </a:r>
+            <a:r>
+              <a:rPr lang="pt-BR" dirty="0" err="1"/>
+              <a:t>Ljung</a:t>
+            </a:r>
+            <a:r>
+              <a:rPr lang="pt-BR" dirty="0"/>
+              <a:t>-Box apresenta valor de p superior a 0,05. </a:t>
+            </a:r>
+          </a:p>
+          <a:p>
+            <a:pPr marL="285750" indent="-285750" algn="just">
+              <a:spcAft>
+                <a:spcPts val="600"/>
+              </a:spcAft>
+              <a:buFont typeface="Arial" panose="020B0604020202020204" pitchFamily="34" charset="0"/>
+              <a:buChar char="•"/>
+            </a:pPr>
+            <a:r>
+              <a:rPr lang="pt-BR" dirty="0"/>
+              <a:t>Esses fatores confirmam que os resíduos podem ser considerados ruído branco. </a:t>
+            </a:r>
+          </a:p>
+          <a:p>
+            <a:pPr marL="285750" indent="-285750" algn="just">
+              <a:spcAft>
+                <a:spcPts val="600"/>
+              </a:spcAft>
+              <a:buFont typeface="Arial" panose="020B0604020202020204" pitchFamily="34" charset="0"/>
+              <a:buChar char="•"/>
+            </a:pPr>
+            <a:r>
+              <a:rPr lang="pt-BR" dirty="0"/>
+              <a:t>A distribuição também é geralmente normal, sem valores discrepantes, o que significa que os intervalos de previsão serão menos amplos.</a:t>
+            </a:r>
+          </a:p>
+        </p:txBody>
+      </p:sp>
+      <p:pic>
+        <p:nvPicPr>
+          <p:cNvPr id="8" name="Imagem 7">
+            <a:extLst>
+              <a:ext uri="{FF2B5EF4-FFF2-40B4-BE49-F238E27FC236}">
+                <a16:creationId xmlns:a16="http://schemas.microsoft.com/office/drawing/2014/main" id="{A08B2D83-F19F-47A2-8FAE-C8AD7E337BFA}"/>
+              </a:ext>
+            </a:extLst>
+          </p:cNvPr>
+          <p:cNvPicPr>
+            <a:picLocks noChangeAspect="1"/>
+          </p:cNvPicPr>
+          <p:nvPr/>
+        </p:nvPicPr>
+        <p:blipFill>
+          <a:blip r:embed="rId2" cstate="print">
+            <a:extLst>
+              <a:ext uri="{28A0092B-C50C-407E-A947-70E740481C1C}">
+                <a14:useLocalDpi xmlns:a14="http://schemas.microsoft.com/office/drawing/2010/main" val="0"/>
+              </a:ext>
+            </a:extLst>
+          </a:blip>
+          <a:stretch>
+            <a:fillRect/>
+          </a:stretch>
+        </p:blipFill>
+        <p:spPr>
+          <a:xfrm>
+            <a:off x="365125" y="918780"/>
+            <a:ext cx="6154513" cy="3808105"/>
+          </a:xfrm>
+          <a:prstGeom prst="rect">
+            <a:avLst/>
+          </a:prstGeom>
+        </p:spPr>
+      </p:pic>
+      <p:sp>
+        <p:nvSpPr>
+          <p:cNvPr id="11" name="Retângulo 10">
+            <a:extLst>
+              <a:ext uri="{FF2B5EF4-FFF2-40B4-BE49-F238E27FC236}">
+                <a16:creationId xmlns:a16="http://schemas.microsoft.com/office/drawing/2014/main" id="{79597649-0D92-4705-A214-21CCA952BD4F}"/>
+              </a:ext>
+            </a:extLst>
+          </p:cNvPr>
+          <p:cNvSpPr/>
+          <p:nvPr/>
+        </p:nvSpPr>
+        <p:spPr>
+          <a:xfrm>
+            <a:off x="6905625" y="1068507"/>
+            <a:ext cx="3762375" cy="1754326"/>
+          </a:xfrm>
+          <a:prstGeom prst="rect">
+            <a:avLst/>
+          </a:prstGeom>
+        </p:spPr>
+        <p:txBody>
+          <a:bodyPr wrap="square">
+            <a:spAutoFit/>
+          </a:bodyPr>
+          <a:lstStyle/>
+          <a:p>
+            <a:r>
+              <a:rPr lang="pt-BR" dirty="0" err="1"/>
+              <a:t>jung</a:t>
+            </a:r>
+            <a:r>
+              <a:rPr lang="pt-BR" dirty="0"/>
+              <a:t>-Box </a:t>
+            </a:r>
+            <a:r>
+              <a:rPr lang="pt-BR" dirty="0" err="1"/>
+              <a:t>test</a:t>
+            </a:r>
+            <a:r>
+              <a:rPr lang="pt-BR" dirty="0"/>
+              <a:t> </a:t>
+            </a:r>
+          </a:p>
+          <a:p>
+            <a:r>
+              <a:rPr lang="pt-BR" dirty="0" err="1"/>
+              <a:t>data:Residuals</a:t>
+            </a:r>
+            <a:endParaRPr lang="pt-BR" dirty="0"/>
+          </a:p>
+          <a:p>
+            <a:endParaRPr lang="pt-BR" dirty="0"/>
+          </a:p>
+          <a:p>
+            <a:r>
+              <a:rPr lang="pt-BR" dirty="0"/>
+              <a:t>Q* = 12.32, </a:t>
+            </a:r>
+            <a:r>
+              <a:rPr lang="pt-BR" dirty="0" err="1"/>
+              <a:t>df</a:t>
+            </a:r>
+            <a:r>
+              <a:rPr lang="pt-BR" dirty="0"/>
+              <a:t> = 17, p-</a:t>
+            </a:r>
+            <a:r>
+              <a:rPr lang="pt-BR" dirty="0" err="1"/>
+              <a:t>value</a:t>
+            </a:r>
+            <a:r>
+              <a:rPr lang="pt-BR" dirty="0"/>
+              <a:t> = 0.7804</a:t>
+            </a:r>
+          </a:p>
+          <a:p>
+            <a:endParaRPr lang="pt-BR" dirty="0"/>
+          </a:p>
+          <a:p>
+            <a:r>
+              <a:rPr lang="pt-BR" dirty="0" err="1"/>
+              <a:t>Model</a:t>
+            </a:r>
+            <a:r>
+              <a:rPr lang="pt-BR" dirty="0"/>
+              <a:t> </a:t>
+            </a:r>
+            <a:r>
+              <a:rPr lang="pt-BR" dirty="0" err="1"/>
+              <a:t>df</a:t>
+            </a:r>
+            <a:r>
+              <a:rPr lang="pt-BR" dirty="0"/>
+              <a:t>: 0. Total </a:t>
+            </a:r>
+            <a:r>
+              <a:rPr lang="pt-BR" dirty="0" err="1"/>
+              <a:t>lags</a:t>
+            </a:r>
+            <a:r>
+              <a:rPr lang="pt-BR" dirty="0"/>
+              <a:t> </a:t>
+            </a:r>
+            <a:r>
+              <a:rPr lang="pt-BR" dirty="0" err="1"/>
+              <a:t>used</a:t>
+            </a:r>
+            <a:r>
+              <a:rPr lang="pt-BR" dirty="0"/>
+              <a:t>: 17</a:t>
+            </a:r>
+          </a:p>
+        </p:txBody>
+      </p:sp>
+    </p:spTree>
+    <p:extLst>
+      <p:ext uri="{BB962C8B-B14F-4D97-AF65-F5344CB8AC3E}">
+        <p14:creationId xmlns:p14="http://schemas.microsoft.com/office/powerpoint/2010/main" val="2062138284"/>
+      </p:ext>
+    </p:extLst>
+  </p:cSld>
+  <p:clrMapOvr>
+    <a:masterClrMapping/>
+  </p:clrMapOvr>
+</p:sld>
+</file>
+
+<file path=ppt/slides/slide7.xml><?xml version="1.0" encoding="utf-8"?>
+<p:sld xmlns:a="http://schemas.openxmlformats.org/drawingml/2006/main" xmlns:r="http://schemas.openxmlformats.org/officeDocument/2006/relationships" xmlns:p="http://schemas.openxmlformats.org/presentationml/2006/main">
+  <p:cSld>
+    <p:spTree>
+      <p:nvGrpSpPr>
+        <p:cNvPr id="1" name=""/>
+        <p:cNvGrpSpPr/>
+        <p:nvPr/>
+      </p:nvGrpSpPr>
+      <p:grpSpPr>
+        <a:xfrm>
+          <a:off x="0" y="0"/>
+          <a:ext cx="0" cy="0"/>
+          <a:chOff x="0" y="0"/>
+          <a:chExt cx="0" cy="0"/>
+        </a:xfrm>
+      </p:grpSpPr>
+      <p:sp>
+        <p:nvSpPr>
+          <p:cNvPr id="3" name="Título 2">
+            <a:extLst>
+              <a:ext uri="{FF2B5EF4-FFF2-40B4-BE49-F238E27FC236}">
+                <a16:creationId xmlns:a16="http://schemas.microsoft.com/office/drawing/2014/main" id="{1A235EBE-ABFB-4102-A953-EDE583B23B0E}"/>
+              </a:ext>
+            </a:extLst>
+          </p:cNvPr>
+          <p:cNvSpPr>
+            <a:spLocks noGrp="1"/>
+          </p:cNvSpPr>
+          <p:nvPr>
+            <p:ph type="title"/>
+          </p:nvPr>
+        </p:nvSpPr>
+        <p:spPr/>
+        <p:txBody>
+          <a:bodyPr/>
+          <a:lstStyle/>
+          <a:p>
+            <a:r>
+              <a:rPr lang="pt-BR" dirty="0"/>
+              <a:t>Previsão RCL jun. de 24 a dez. de 27</a:t>
+            </a:r>
+          </a:p>
+        </p:txBody>
+      </p:sp>
+      <p:sp>
+        <p:nvSpPr>
+          <p:cNvPr id="4" name="Espaço Reservado para Texto 3">
+            <a:extLst>
+              <a:ext uri="{FF2B5EF4-FFF2-40B4-BE49-F238E27FC236}">
+                <a16:creationId xmlns:a16="http://schemas.microsoft.com/office/drawing/2014/main" id="{659FC740-EE90-4257-8ABA-42F529421C5D}"/>
+              </a:ext>
+            </a:extLst>
+          </p:cNvPr>
+          <p:cNvSpPr>
+            <a:spLocks noGrp="1"/>
+          </p:cNvSpPr>
+          <p:nvPr>
+            <p:ph type="body" sz="quarter" idx="13"/>
+          </p:nvPr>
+        </p:nvSpPr>
+        <p:spPr/>
+        <p:txBody>
+          <a:bodyPr/>
+          <a:lstStyle/>
+          <a:p>
+            <a:r>
+              <a:rPr lang="pt-BR" dirty="0"/>
+              <a:t>Previsão original versus Previsão ARIMA</a:t>
+            </a:r>
+          </a:p>
+        </p:txBody>
+      </p:sp>
+      <p:sp>
+        <p:nvSpPr>
+          <p:cNvPr id="5" name="Espaço Reservado para Rodapé 4">
+            <a:extLst>
+              <a:ext uri="{FF2B5EF4-FFF2-40B4-BE49-F238E27FC236}">
+                <a16:creationId xmlns:a16="http://schemas.microsoft.com/office/drawing/2014/main" id="{69D2A987-FB22-46CB-AFC7-840F9F6C1518}"/>
+              </a:ext>
+            </a:extLst>
+          </p:cNvPr>
+          <p:cNvSpPr>
+            <a:spLocks noGrp="1"/>
+          </p:cNvSpPr>
+          <p:nvPr>
+            <p:ph type="ftr" sz="quarter" idx="11"/>
+          </p:nvPr>
+        </p:nvSpPr>
+        <p:spPr/>
+        <p:txBody>
+          <a:bodyPr/>
+          <a:lstStyle/>
+          <a:p>
+            <a:r>
+              <a:rPr lang="pt-BR"/>
+              <a:t>Secretaria de Estado da Economia</a:t>
+            </a:r>
+            <a:endParaRPr lang="pt-BR" dirty="0"/>
+          </a:p>
+        </p:txBody>
+      </p:sp>
+      <p:sp>
+        <p:nvSpPr>
+          <p:cNvPr id="6" name="Espaço Reservado para Número de Slide 5">
+            <a:extLst>
+              <a:ext uri="{FF2B5EF4-FFF2-40B4-BE49-F238E27FC236}">
+                <a16:creationId xmlns:a16="http://schemas.microsoft.com/office/drawing/2014/main" id="{9191E0A7-7682-4252-972F-014502419F98}"/>
+              </a:ext>
+            </a:extLst>
+          </p:cNvPr>
+          <p:cNvSpPr>
+            <a:spLocks noGrp="1"/>
+          </p:cNvSpPr>
+          <p:nvPr>
+            <p:ph type="sldNum" sz="quarter" idx="12"/>
+          </p:nvPr>
+        </p:nvSpPr>
+        <p:spPr/>
+        <p:txBody>
+          <a:bodyPr/>
+          <a:lstStyle/>
+          <a:p>
+            <a:fld id="{FAACE0D2-E678-453C-8082-E08B461DE721}" type="slidenum">
+              <a:rPr lang="pt-BR" smtClean="0"/>
+              <a:t>7</a:t>
+            </a:fld>
+            <a:endParaRPr lang="pt-BR"/>
+          </a:p>
+        </p:txBody>
+      </p:sp>
+      <p:pic>
+        <p:nvPicPr>
+          <p:cNvPr id="2" name="Imagem 1">
+            <a:extLst>
+              <a:ext uri="{FF2B5EF4-FFF2-40B4-BE49-F238E27FC236}">
+                <a16:creationId xmlns:a16="http://schemas.microsoft.com/office/drawing/2014/main" id="{96247C40-B625-4295-AEC6-DA5EDB0CF24C}"/>
+              </a:ext>
+            </a:extLst>
+          </p:cNvPr>
+          <p:cNvPicPr>
+            <a:picLocks noChangeAspect="1"/>
+          </p:cNvPicPr>
+          <p:nvPr/>
+        </p:nvPicPr>
+        <p:blipFill>
+          <a:blip r:embed="rId2"/>
+          <a:stretch>
+            <a:fillRect/>
+          </a:stretch>
+        </p:blipFill>
+        <p:spPr>
+          <a:xfrm>
+            <a:off x="365126" y="879889"/>
+            <a:ext cx="6311900" cy="5387561"/>
+          </a:xfrm>
+          <a:prstGeom prst="rect">
+            <a:avLst/>
+          </a:prstGeom>
+        </p:spPr>
+      </p:pic>
+      <p:graphicFrame>
+        <p:nvGraphicFramePr>
+          <p:cNvPr id="8" name="Tabela 7">
+            <a:extLst>
+              <a:ext uri="{FF2B5EF4-FFF2-40B4-BE49-F238E27FC236}">
+                <a16:creationId xmlns:a16="http://schemas.microsoft.com/office/drawing/2014/main" id="{3DE050A7-546A-4061-9946-CFD0F65A3A5C}"/>
+              </a:ext>
+            </a:extLst>
+          </p:cNvPr>
+          <p:cNvGraphicFramePr>
+            <a:graphicFrameLocks noGrp="1"/>
+          </p:cNvGraphicFramePr>
+          <p:nvPr>
+            <p:extLst>
+              <p:ext uri="{D42A27DB-BD31-4B8C-83A1-F6EECF244321}">
+                <p14:modId xmlns:p14="http://schemas.microsoft.com/office/powerpoint/2010/main" val="2550488241"/>
+              </p:ext>
+            </p:extLst>
+          </p:nvPr>
+        </p:nvGraphicFramePr>
+        <p:xfrm>
+          <a:off x="6819901" y="876299"/>
+          <a:ext cx="5220000" cy="1571625"/>
+        </p:xfrm>
+        <a:graphic>
+          <a:graphicData uri="http://schemas.openxmlformats.org/drawingml/2006/table">
+            <a:tbl>
+              <a:tblPr/>
+              <a:tblGrid>
+                <a:gridCol w="1044000">
+                  <a:extLst>
+                    <a:ext uri="{9D8B030D-6E8A-4147-A177-3AD203B41FA5}">
+                      <a16:colId xmlns:a16="http://schemas.microsoft.com/office/drawing/2014/main" val="532676015"/>
+                    </a:ext>
+                  </a:extLst>
+                </a:gridCol>
+                <a:gridCol w="1044000">
+                  <a:extLst>
+                    <a:ext uri="{9D8B030D-6E8A-4147-A177-3AD203B41FA5}">
+                      <a16:colId xmlns:a16="http://schemas.microsoft.com/office/drawing/2014/main" val="515101359"/>
+                    </a:ext>
+                  </a:extLst>
+                </a:gridCol>
+                <a:gridCol w="1044000">
+                  <a:extLst>
+                    <a:ext uri="{9D8B030D-6E8A-4147-A177-3AD203B41FA5}">
+                      <a16:colId xmlns:a16="http://schemas.microsoft.com/office/drawing/2014/main" val="1367724258"/>
+                    </a:ext>
+                  </a:extLst>
+                </a:gridCol>
+                <a:gridCol w="1044000">
+                  <a:extLst>
+                    <a:ext uri="{9D8B030D-6E8A-4147-A177-3AD203B41FA5}">
+                      <a16:colId xmlns:a16="http://schemas.microsoft.com/office/drawing/2014/main" val="187398346"/>
+                    </a:ext>
+                  </a:extLst>
+                </a:gridCol>
+                <a:gridCol w="1044000">
+                  <a:extLst>
+                    <a:ext uri="{9D8B030D-6E8A-4147-A177-3AD203B41FA5}">
+                      <a16:colId xmlns:a16="http://schemas.microsoft.com/office/drawing/2014/main" val="859196735"/>
+                    </a:ext>
+                  </a:extLst>
+                </a:gridCol>
+              </a:tblGrid>
+              <a:tr h="314325">
+                <a:tc>
+                  <a:txBody>
+                    <a:bodyPr/>
+                    <a:lstStyle/>
+                    <a:p>
+                      <a:pPr algn="l" fontAlgn="b"/>
+                      <a:endParaRPr lang="pt-BR" sz="1000" b="0" i="0" u="none" strike="noStrike" dirty="0">
+                        <a:solidFill>
+                          <a:schemeClr val="bg1"/>
+                        </a:solidFill>
+                        <a:effectLst/>
+                        <a:latin typeface="Arial" panose="020B0604020202020204" pitchFamily="34" charset="0"/>
+                      </a:endParaRPr>
+                    </a:p>
+                  </a:txBody>
+                  <a:tcPr marL="9525" marR="9525" marT="9525" marB="0" anchor="ctr">
+                    <a:lnL w="3175" cap="flat" cmpd="sng" algn="ctr">
+                      <a:noFill/>
+                      <a:prstDash val="solid"/>
+                      <a:round/>
+                      <a:headEnd type="none" w="med" len="med"/>
+                      <a:tailEnd type="none" w="med" len="med"/>
+                    </a:lnL>
+                    <a:lnR w="3175" cap="flat" cmpd="sng" algn="ctr">
+                      <a:noFill/>
+                      <a:prstDash val="solid"/>
+                      <a:round/>
+                      <a:headEnd type="none" w="med" len="med"/>
+                      <a:tailEnd type="none" w="med" len="med"/>
+                    </a:lnR>
+                    <a:lnT w="3175" cap="flat" cmpd="sng" algn="ctr">
+                      <a:noFill/>
+                      <a:prstDash val="solid"/>
+                      <a:round/>
+                      <a:headEnd type="none" w="med" len="med"/>
+                      <a:tailEnd type="none" w="med" len="med"/>
+                    </a:lnT>
+                    <a:lnB w="3175" cap="flat" cmpd="sng" algn="ctr">
+                      <a:noFill/>
+                      <a:prstDash val="solid"/>
+                      <a:round/>
+                      <a:headEnd type="none" w="med" len="med"/>
+                      <a:tailEnd type="none" w="med" len="med"/>
+                    </a:lnB>
+                    <a:lnTlToBr w="12700" cmpd="sng">
+                      <a:noFill/>
+                      <a:prstDash val="solid"/>
+                    </a:lnTlToBr>
+                    <a:lnBlToTr w="12700" cmpd="sng">
+                      <a:noFill/>
+                      <a:prstDash val="solid"/>
+                    </a:lnBlToTr>
+                    <a:solidFill>
+                      <a:schemeClr val="bg1"/>
+                    </a:solidFill>
+                  </a:tcPr>
+                </a:tc>
+                <a:tc>
+                  <a:txBody>
+                    <a:bodyPr/>
+                    <a:lstStyle/>
+                    <a:p>
+                      <a:pPr algn="ctr" fontAlgn="ctr"/>
+                      <a:r>
+                        <a:rPr lang="pt-BR" sz="1000" b="1" i="0" u="none" strike="noStrike" dirty="0">
+                          <a:solidFill>
+                            <a:schemeClr val="bg1"/>
+                          </a:solidFill>
+                          <a:effectLst/>
+                          <a:latin typeface="Arial" panose="020B0604020202020204" pitchFamily="34" charset="0"/>
+                        </a:rPr>
+                        <a:t>ARIMA</a:t>
+                      </a:r>
+                    </a:p>
+                  </a:txBody>
+                  <a:tcPr marL="9525" marR="9525" marT="9525" marB="0" anchor="ctr">
+                    <a:lnL w="3175" cap="flat" cmpd="sng" algn="ctr">
+                      <a:noFill/>
+                      <a:prstDash val="solid"/>
+                      <a:round/>
+                      <a:headEnd type="none" w="med" len="med"/>
+                      <a:tailEnd type="none" w="med" len="med"/>
+                    </a:lnL>
+                    <a:lnR w="3175" cap="flat" cmpd="sng" algn="ctr">
+                      <a:solidFill>
+                        <a:srgbClr val="008666"/>
+                      </a:solidFill>
+                      <a:prstDash val="solid"/>
+                      <a:round/>
+                      <a:headEnd type="none" w="med" len="med"/>
+                      <a:tailEnd type="none" w="med" len="med"/>
+                    </a:lnR>
+                    <a:lnT w="3175" cap="flat" cmpd="sng" algn="ctr">
+                      <a:solidFill>
+                        <a:srgbClr val="008666"/>
+                      </a:solidFill>
+                      <a:prstDash val="solid"/>
+                      <a:round/>
+                      <a:headEnd type="none" w="med" len="med"/>
+                      <a:tailEnd type="none" w="med" len="med"/>
+                    </a:lnT>
+                    <a:lnB w="3175" cap="flat" cmpd="sng" algn="ctr">
+                      <a:solidFill>
+                        <a:srgbClr val="008666"/>
+                      </a:solidFill>
+                      <a:prstDash val="solid"/>
+                      <a:round/>
+                      <a:headEnd type="none" w="med" len="med"/>
+                      <a:tailEnd type="none" w="med" len="med"/>
+                    </a:lnB>
+                    <a:solidFill>
+                      <a:srgbClr val="008666"/>
+                    </a:solidFill>
+                  </a:tcPr>
+                </a:tc>
+                <a:tc>
+                  <a:txBody>
+                    <a:bodyPr/>
+                    <a:lstStyle/>
+                    <a:p>
+                      <a:pPr algn="ctr" fontAlgn="ctr"/>
+                      <a:r>
+                        <a:rPr lang="pt-BR" sz="1000" b="1" i="0" u="none" strike="noStrike" dirty="0">
+                          <a:solidFill>
+                            <a:schemeClr val="bg1"/>
+                          </a:solidFill>
+                          <a:effectLst/>
+                          <a:latin typeface="Arial" panose="020B0604020202020204" pitchFamily="34" charset="0"/>
+                        </a:rPr>
+                        <a:t>Previsão</a:t>
+                      </a:r>
+                    </a:p>
+                    <a:p>
+                      <a:pPr algn="ctr" fontAlgn="ctr"/>
+                      <a:r>
+                        <a:rPr lang="pt-BR" sz="1000" b="1" i="0" u="none" strike="noStrike" dirty="0">
+                          <a:solidFill>
+                            <a:schemeClr val="bg1"/>
+                          </a:solidFill>
+                          <a:effectLst/>
+                          <a:latin typeface="Arial" panose="020B0604020202020204" pitchFamily="34" charset="0"/>
+                        </a:rPr>
+                        <a:t>Anterior</a:t>
+                      </a:r>
+                    </a:p>
+                  </a:txBody>
+                  <a:tcPr marL="9525" marR="9525" marT="9525" marB="0" anchor="ctr">
+                    <a:lnL w="3175" cap="flat" cmpd="sng" algn="ctr">
+                      <a:solidFill>
+                        <a:srgbClr val="008666"/>
+                      </a:solidFill>
+                      <a:prstDash val="solid"/>
+                      <a:round/>
+                      <a:headEnd type="none" w="med" len="med"/>
+                      <a:tailEnd type="none" w="med" len="med"/>
+                    </a:lnL>
+                    <a:lnR w="3175" cap="flat" cmpd="sng" algn="ctr">
+                      <a:solidFill>
+                        <a:srgbClr val="008666"/>
+                      </a:solidFill>
+                      <a:prstDash val="solid"/>
+                      <a:round/>
+                      <a:headEnd type="none" w="med" len="med"/>
+                      <a:tailEnd type="none" w="med" len="med"/>
+                    </a:lnR>
+                    <a:lnT w="3175" cap="flat" cmpd="sng" algn="ctr">
+                      <a:solidFill>
+                        <a:srgbClr val="008666"/>
+                      </a:solidFill>
+                      <a:prstDash val="solid"/>
+                      <a:round/>
+                      <a:headEnd type="none" w="med" len="med"/>
+                      <a:tailEnd type="none" w="med" len="med"/>
+                    </a:lnT>
+                    <a:lnB w="3175" cap="flat" cmpd="sng" algn="ctr">
+                      <a:solidFill>
+                        <a:srgbClr val="008666"/>
+                      </a:solidFill>
+                      <a:prstDash val="solid"/>
+                      <a:round/>
+                      <a:headEnd type="none" w="med" len="med"/>
+                      <a:tailEnd type="none" w="med" len="med"/>
+                    </a:lnB>
+                    <a:solidFill>
+                      <a:srgbClr val="008666"/>
+                    </a:solidFill>
+                  </a:tcPr>
+                </a:tc>
+                <a:tc>
+                  <a:txBody>
+                    <a:bodyPr/>
+                    <a:lstStyle/>
+                    <a:p>
+                      <a:pPr algn="ctr" fontAlgn="b"/>
+                      <a:r>
+                        <a:rPr lang="pt-BR" sz="1000" b="1" i="0" u="none" strike="noStrike" dirty="0">
+                          <a:solidFill>
+                            <a:schemeClr val="bg1"/>
+                          </a:solidFill>
+                          <a:effectLst/>
+                          <a:latin typeface="Arial" panose="020B0604020202020204" pitchFamily="34" charset="0"/>
+                        </a:rPr>
+                        <a:t>Diferença</a:t>
+                      </a:r>
+                    </a:p>
+                  </a:txBody>
+                  <a:tcPr marL="9525" marR="9525" marT="9525" marB="0" anchor="ctr">
+                    <a:lnL w="3175" cap="flat" cmpd="sng" algn="ctr">
+                      <a:solidFill>
+                        <a:srgbClr val="008666"/>
+                      </a:solidFill>
+                      <a:prstDash val="solid"/>
+                      <a:round/>
+                      <a:headEnd type="none" w="med" len="med"/>
+                      <a:tailEnd type="none" w="med" len="med"/>
+                    </a:lnL>
+                    <a:lnR w="3175" cap="flat" cmpd="sng" algn="ctr">
+                      <a:solidFill>
+                        <a:srgbClr val="008666"/>
+                      </a:solidFill>
+                      <a:prstDash val="solid"/>
+                      <a:round/>
+                      <a:headEnd type="none" w="med" len="med"/>
+                      <a:tailEnd type="none" w="med" len="med"/>
+                    </a:lnR>
+                    <a:lnT w="3175" cap="flat" cmpd="sng" algn="ctr">
+                      <a:solidFill>
+                        <a:srgbClr val="008666"/>
+                      </a:solidFill>
+                      <a:prstDash val="solid"/>
+                      <a:round/>
+                      <a:headEnd type="none" w="med" len="med"/>
+                      <a:tailEnd type="none" w="med" len="med"/>
+                    </a:lnT>
+                    <a:lnB w="3175" cap="flat" cmpd="sng" algn="ctr">
+                      <a:solidFill>
+                        <a:srgbClr val="008666"/>
+                      </a:solidFill>
+                      <a:prstDash val="solid"/>
+                      <a:round/>
+                      <a:headEnd type="none" w="med" len="med"/>
+                      <a:tailEnd type="none" w="med" len="med"/>
+                    </a:lnB>
+                    <a:solidFill>
+                      <a:srgbClr val="008666"/>
+                    </a:solidFill>
+                  </a:tcPr>
+                </a:tc>
+                <a:tc>
+                  <a:txBody>
+                    <a:bodyPr/>
+                    <a:lstStyle/>
+                    <a:p>
+                      <a:pPr algn="ctr" fontAlgn="b"/>
+                      <a:r>
+                        <a:rPr lang="pt-BR" sz="1000" b="1" i="0" u="none" strike="noStrike" dirty="0">
+                          <a:solidFill>
+                            <a:schemeClr val="bg1"/>
+                          </a:solidFill>
+                          <a:effectLst/>
+                          <a:latin typeface="Arial" panose="020B0604020202020204" pitchFamily="34" charset="0"/>
+                        </a:rPr>
+                        <a:t>ARIMA/Prev. Anterior</a:t>
+                      </a:r>
+                    </a:p>
+                  </a:txBody>
+                  <a:tcPr marL="9525" marR="9525" marT="9525" marB="0" anchor="ctr">
+                    <a:lnL w="3175" cap="flat" cmpd="sng" algn="ctr">
+                      <a:solidFill>
+                        <a:srgbClr val="008666"/>
+                      </a:solidFill>
+                      <a:prstDash val="solid"/>
+                      <a:round/>
+                      <a:headEnd type="none" w="med" len="med"/>
+                      <a:tailEnd type="none" w="med" len="med"/>
+                    </a:lnL>
+                    <a:lnR w="3175" cap="flat" cmpd="sng" algn="ctr">
+                      <a:solidFill>
+                        <a:srgbClr val="008666"/>
+                      </a:solidFill>
+                      <a:prstDash val="solid"/>
+                      <a:round/>
+                      <a:headEnd type="none" w="med" len="med"/>
+                      <a:tailEnd type="none" w="med" len="med"/>
+                    </a:lnR>
+                    <a:lnT w="3175" cap="flat" cmpd="sng" algn="ctr">
+                      <a:solidFill>
+                        <a:srgbClr val="008666"/>
+                      </a:solidFill>
+                      <a:prstDash val="solid"/>
+                      <a:round/>
+                      <a:headEnd type="none" w="med" len="med"/>
+                      <a:tailEnd type="none" w="med" len="med"/>
+                    </a:lnT>
+                    <a:lnB w="3175" cap="flat" cmpd="sng" algn="ctr">
+                      <a:solidFill>
+                        <a:srgbClr val="008666"/>
+                      </a:solidFill>
+                      <a:prstDash val="solid"/>
+                      <a:round/>
+                      <a:headEnd type="none" w="med" len="med"/>
+                      <a:tailEnd type="none" w="med" len="med"/>
+                    </a:lnB>
+                    <a:solidFill>
+                      <a:srgbClr val="008666"/>
+                    </a:solidFill>
+                  </a:tcPr>
+                </a:tc>
+                <a:extLst>
+                  <a:ext uri="{0D108BD9-81ED-4DB2-BD59-A6C34878D82A}">
+                    <a16:rowId xmlns:a16="http://schemas.microsoft.com/office/drawing/2014/main" val="1714035033"/>
+                  </a:ext>
+                </a:extLst>
+              </a:tr>
+              <a:tr h="314325">
+                <a:tc>
+                  <a:txBody>
+                    <a:bodyPr/>
+                    <a:lstStyle/>
+                    <a:p>
+                      <a:pPr algn="ctr" fontAlgn="ctr"/>
+                      <a:r>
+                        <a:rPr lang="pt-BR" sz="1000" b="1" i="0" u="none" strike="noStrike" dirty="0">
+                          <a:solidFill>
+                            <a:schemeClr val="bg1"/>
+                          </a:solidFill>
+                          <a:effectLst/>
+                          <a:latin typeface="Arial" panose="020B0604020202020204" pitchFamily="34" charset="0"/>
+                        </a:rPr>
+                        <a:t>2024</a:t>
+                      </a:r>
+                    </a:p>
+                  </a:txBody>
+                  <a:tcPr marL="9525" marR="9525" marT="9525" marB="0" anchor="ctr">
+                    <a:lnL w="3175" cap="flat" cmpd="sng" algn="ctr">
+                      <a:solidFill>
+                        <a:srgbClr val="008666"/>
+                      </a:solidFill>
+                      <a:prstDash val="solid"/>
+                      <a:round/>
+                      <a:headEnd type="none" w="med" len="med"/>
+                      <a:tailEnd type="none" w="med" len="med"/>
+                    </a:lnL>
+                    <a:lnR w="3175" cap="flat" cmpd="sng" algn="ctr">
+                      <a:solidFill>
+                        <a:srgbClr val="008666"/>
+                      </a:solidFill>
+                      <a:prstDash val="solid"/>
+                      <a:round/>
+                      <a:headEnd type="none" w="med" len="med"/>
+                      <a:tailEnd type="none" w="med" len="med"/>
+                    </a:lnR>
+                    <a:lnT w="3175" cap="flat" cmpd="sng" algn="ctr">
+                      <a:noFill/>
+                      <a:prstDash val="solid"/>
+                      <a:round/>
+                      <a:headEnd type="none" w="med" len="med"/>
+                      <a:tailEnd type="none" w="med" len="med"/>
+                    </a:lnT>
+                    <a:lnB w="3175" cap="flat" cmpd="sng" algn="ctr">
+                      <a:solidFill>
+                        <a:srgbClr val="008666"/>
+                      </a:solidFill>
+                      <a:prstDash val="solid"/>
+                      <a:round/>
+                      <a:headEnd type="none" w="med" len="med"/>
+                      <a:tailEnd type="none" w="med" len="med"/>
+                    </a:lnB>
+                    <a:solidFill>
+                      <a:srgbClr val="008666"/>
+                    </a:solidFill>
+                  </a:tcPr>
+                </a:tc>
+                <a:tc>
+                  <a:txBody>
+                    <a:bodyPr/>
+                    <a:lstStyle/>
+                    <a:p>
+                      <a:pPr algn="ctr" fontAlgn="ctr"/>
+                      <a:r>
+                        <a:rPr lang="pt-BR" sz="1000" b="0" i="0" u="none" strike="noStrike" dirty="0">
+                          <a:solidFill>
+                            <a:srgbClr val="000000"/>
+                          </a:solidFill>
+                          <a:effectLst/>
+                          <a:latin typeface="Arial" panose="020B0604020202020204" pitchFamily="34" charset="0"/>
+                        </a:rPr>
+                        <a:t> R$41,32 </a:t>
+                      </a:r>
+                    </a:p>
+                  </a:txBody>
+                  <a:tcPr marL="9525" marR="9525" marT="9525" marB="0" anchor="ctr">
+                    <a:lnL w="3175" cap="flat" cmpd="sng" algn="ctr">
+                      <a:solidFill>
+                        <a:srgbClr val="008666"/>
+                      </a:solidFill>
+                      <a:prstDash val="solid"/>
+                      <a:round/>
+                      <a:headEnd type="none" w="med" len="med"/>
+                      <a:tailEnd type="none" w="med" len="med"/>
+                    </a:lnL>
+                    <a:lnR w="3175" cap="flat" cmpd="sng" algn="ctr">
+                      <a:solidFill>
+                        <a:srgbClr val="008666"/>
+                      </a:solidFill>
+                      <a:prstDash val="solid"/>
+                      <a:round/>
+                      <a:headEnd type="none" w="med" len="med"/>
+                      <a:tailEnd type="none" w="med" len="med"/>
+                    </a:lnR>
+                    <a:lnT w="3175" cap="flat" cmpd="sng" algn="ctr">
+                      <a:solidFill>
+                        <a:srgbClr val="008666"/>
+                      </a:solidFill>
+                      <a:prstDash val="solid"/>
+                      <a:round/>
+                      <a:headEnd type="none" w="med" len="med"/>
+                      <a:tailEnd type="none" w="med" len="med"/>
+                    </a:lnT>
+                    <a:lnB w="3175" cap="flat" cmpd="sng" algn="ctr">
+                      <a:solidFill>
+                        <a:srgbClr val="008666"/>
+                      </a:solidFill>
+                      <a:prstDash val="solid"/>
+                      <a:round/>
+                      <a:headEnd type="none" w="med" len="med"/>
+                      <a:tailEnd type="none" w="med" len="med"/>
+                    </a:lnB>
+                  </a:tcPr>
+                </a:tc>
+                <a:tc>
+                  <a:txBody>
+                    <a:bodyPr/>
+                    <a:lstStyle/>
+                    <a:p>
+                      <a:pPr algn="ctr" fontAlgn="ctr"/>
+                      <a:r>
+                        <a:rPr lang="pt-BR" sz="1000" b="0" i="0" u="none" strike="noStrike" dirty="0">
+                          <a:solidFill>
+                            <a:srgbClr val="000000"/>
+                          </a:solidFill>
+                          <a:effectLst/>
+                          <a:latin typeface="Arial" panose="020B0604020202020204" pitchFamily="34" charset="0"/>
+                        </a:rPr>
+                        <a:t> R$41,52 </a:t>
+                      </a:r>
+                    </a:p>
+                  </a:txBody>
+                  <a:tcPr marL="9525" marR="9525" marT="9525" marB="0" anchor="ctr">
+                    <a:lnL w="3175" cap="flat" cmpd="sng" algn="ctr">
+                      <a:solidFill>
+                        <a:srgbClr val="008666"/>
+                      </a:solidFill>
+                      <a:prstDash val="solid"/>
+                      <a:round/>
+                      <a:headEnd type="none" w="med" len="med"/>
+                      <a:tailEnd type="none" w="med" len="med"/>
+                    </a:lnL>
+                    <a:lnR w="3175" cap="flat" cmpd="sng" algn="ctr">
+                      <a:solidFill>
+                        <a:srgbClr val="008666"/>
+                      </a:solidFill>
+                      <a:prstDash val="solid"/>
+                      <a:round/>
+                      <a:headEnd type="none" w="med" len="med"/>
+                      <a:tailEnd type="none" w="med" len="med"/>
+                    </a:lnR>
+                    <a:lnT w="3175" cap="flat" cmpd="sng" algn="ctr">
+                      <a:solidFill>
+                        <a:srgbClr val="008666"/>
+                      </a:solidFill>
+                      <a:prstDash val="solid"/>
+                      <a:round/>
+                      <a:headEnd type="none" w="med" len="med"/>
+                      <a:tailEnd type="none" w="med" len="med"/>
+                    </a:lnT>
+                    <a:lnB w="3175" cap="flat" cmpd="sng" algn="ctr">
+                      <a:solidFill>
+                        <a:srgbClr val="008666"/>
+                      </a:solidFill>
+                      <a:prstDash val="solid"/>
+                      <a:round/>
+                      <a:headEnd type="none" w="med" len="med"/>
+                      <a:tailEnd type="none" w="med" len="med"/>
+                    </a:lnB>
+                  </a:tcPr>
+                </a:tc>
+                <a:tc>
+                  <a:txBody>
+                    <a:bodyPr/>
+                    <a:lstStyle/>
+                    <a:p>
+                      <a:pPr algn="ctr" fontAlgn="ctr"/>
+                      <a:r>
+                        <a:rPr lang="pt-BR" sz="1000" b="0" i="0" u="none" strike="noStrike" dirty="0">
+                          <a:solidFill>
+                            <a:srgbClr val="C00000"/>
+                          </a:solidFill>
+                          <a:effectLst/>
+                          <a:latin typeface="Arial" panose="020B0604020202020204" pitchFamily="34" charset="0"/>
+                        </a:rPr>
+                        <a:t>-R$ 0,196 </a:t>
+                      </a:r>
+                    </a:p>
+                  </a:txBody>
+                  <a:tcPr marL="9525" marR="9525" marT="9525" marB="0" anchor="ctr">
+                    <a:lnL w="3175" cap="flat" cmpd="sng" algn="ctr">
+                      <a:solidFill>
+                        <a:srgbClr val="008666"/>
+                      </a:solidFill>
+                      <a:prstDash val="solid"/>
+                      <a:round/>
+                      <a:headEnd type="none" w="med" len="med"/>
+                      <a:tailEnd type="none" w="med" len="med"/>
+                    </a:lnL>
+                    <a:lnR w="3175" cap="flat" cmpd="sng" algn="ctr">
+                      <a:solidFill>
+                        <a:srgbClr val="008666"/>
+                      </a:solidFill>
+                      <a:prstDash val="solid"/>
+                      <a:round/>
+                      <a:headEnd type="none" w="med" len="med"/>
+                      <a:tailEnd type="none" w="med" len="med"/>
+                    </a:lnR>
+                    <a:lnT w="3175" cap="flat" cmpd="sng" algn="ctr">
+                      <a:solidFill>
+                        <a:srgbClr val="008666"/>
+                      </a:solidFill>
+                      <a:prstDash val="solid"/>
+                      <a:round/>
+                      <a:headEnd type="none" w="med" len="med"/>
+                      <a:tailEnd type="none" w="med" len="med"/>
+                    </a:lnT>
+                    <a:lnB w="3175" cap="flat" cmpd="sng" algn="ctr">
+                      <a:solidFill>
+                        <a:srgbClr val="008666"/>
+                      </a:solidFill>
+                      <a:prstDash val="solid"/>
+                      <a:round/>
+                      <a:headEnd type="none" w="med" len="med"/>
+                      <a:tailEnd type="none" w="med" len="med"/>
+                    </a:lnB>
+                  </a:tcPr>
+                </a:tc>
+                <a:tc>
+                  <a:txBody>
+                    <a:bodyPr/>
+                    <a:lstStyle/>
+                    <a:p>
+                      <a:pPr algn="ctr" fontAlgn="ctr"/>
+                      <a:r>
+                        <a:rPr lang="pt-BR" sz="1000" b="0" i="0" u="none" strike="noStrike">
+                          <a:solidFill>
+                            <a:srgbClr val="C00000"/>
+                          </a:solidFill>
+                          <a:effectLst/>
+                          <a:latin typeface="Arial" panose="020B0604020202020204" pitchFamily="34" charset="0"/>
+                        </a:rPr>
+                        <a:t>-0,5%</a:t>
+                      </a:r>
+                    </a:p>
+                  </a:txBody>
+                  <a:tcPr marL="9525" marR="9525" marT="9525" marB="0" anchor="ctr">
+                    <a:lnL w="3175" cap="flat" cmpd="sng" algn="ctr">
+                      <a:solidFill>
+                        <a:srgbClr val="008666"/>
+                      </a:solidFill>
+                      <a:prstDash val="solid"/>
+                      <a:round/>
+                      <a:headEnd type="none" w="med" len="med"/>
+                      <a:tailEnd type="none" w="med" len="med"/>
+                    </a:lnL>
+                    <a:lnR w="3175" cap="flat" cmpd="sng" algn="ctr">
+                      <a:solidFill>
+                        <a:srgbClr val="008666"/>
+                      </a:solidFill>
+                      <a:prstDash val="solid"/>
+                      <a:round/>
+                      <a:headEnd type="none" w="med" len="med"/>
+                      <a:tailEnd type="none" w="med" len="med"/>
+                    </a:lnR>
+                    <a:lnT w="3175" cap="flat" cmpd="sng" algn="ctr">
+                      <a:solidFill>
+                        <a:srgbClr val="008666"/>
+                      </a:solidFill>
+                      <a:prstDash val="solid"/>
+                      <a:round/>
+                      <a:headEnd type="none" w="med" len="med"/>
+                      <a:tailEnd type="none" w="med" len="med"/>
+                    </a:lnT>
+                    <a:lnB w="3175" cap="flat" cmpd="sng" algn="ctr">
+                      <a:solidFill>
+                        <a:srgbClr val="008666"/>
+                      </a:solidFill>
+                      <a:prstDash val="solid"/>
+                      <a:round/>
+                      <a:headEnd type="none" w="med" len="med"/>
+                      <a:tailEnd type="none" w="med" len="med"/>
+                    </a:lnB>
+                  </a:tcPr>
+                </a:tc>
+                <a:extLst>
+                  <a:ext uri="{0D108BD9-81ED-4DB2-BD59-A6C34878D82A}">
+                    <a16:rowId xmlns:a16="http://schemas.microsoft.com/office/drawing/2014/main" val="2046771142"/>
+                  </a:ext>
+                </a:extLst>
+              </a:tr>
+              <a:tr h="314325">
+                <a:tc>
+                  <a:txBody>
+                    <a:bodyPr/>
+                    <a:lstStyle/>
+                    <a:p>
+                      <a:pPr algn="ctr" fontAlgn="ctr"/>
+                      <a:r>
+                        <a:rPr lang="pt-BR" sz="1000" b="1" i="0" u="none" strike="noStrike" dirty="0">
+                          <a:solidFill>
+                            <a:schemeClr val="bg1"/>
+                          </a:solidFill>
+                          <a:effectLst/>
+                          <a:latin typeface="Arial" panose="020B0604020202020204" pitchFamily="34" charset="0"/>
+                        </a:rPr>
+                        <a:t>2025</a:t>
+                      </a:r>
+                    </a:p>
+                  </a:txBody>
+                  <a:tcPr marL="9525" marR="9525" marT="9525" marB="0" anchor="ctr">
+                    <a:lnL w="3175" cap="flat" cmpd="sng" algn="ctr">
+                      <a:solidFill>
+                        <a:srgbClr val="008666"/>
+                      </a:solidFill>
+                      <a:prstDash val="solid"/>
+                      <a:round/>
+                      <a:headEnd type="none" w="med" len="med"/>
+                      <a:tailEnd type="none" w="med" len="med"/>
+                    </a:lnL>
+                    <a:lnR w="3175" cap="flat" cmpd="sng" algn="ctr">
+                      <a:solidFill>
+                        <a:srgbClr val="008666"/>
+                      </a:solidFill>
+                      <a:prstDash val="solid"/>
+                      <a:round/>
+                      <a:headEnd type="none" w="med" len="med"/>
+                      <a:tailEnd type="none" w="med" len="med"/>
+                    </a:lnR>
+                    <a:lnT w="3175" cap="flat" cmpd="sng" algn="ctr">
+                      <a:solidFill>
+                        <a:srgbClr val="008666"/>
+                      </a:solidFill>
+                      <a:prstDash val="solid"/>
+                      <a:round/>
+                      <a:headEnd type="none" w="med" len="med"/>
+                      <a:tailEnd type="none" w="med" len="med"/>
+                    </a:lnT>
+                    <a:lnB w="3175" cap="flat" cmpd="sng" algn="ctr">
+                      <a:solidFill>
+                        <a:srgbClr val="008666"/>
+                      </a:solidFill>
+                      <a:prstDash val="solid"/>
+                      <a:round/>
+                      <a:headEnd type="none" w="med" len="med"/>
+                      <a:tailEnd type="none" w="med" len="med"/>
+                    </a:lnB>
+                    <a:solidFill>
+                      <a:srgbClr val="008666"/>
+                    </a:solidFill>
+                  </a:tcPr>
+                </a:tc>
+                <a:tc>
+                  <a:txBody>
+                    <a:bodyPr/>
+                    <a:lstStyle/>
+                    <a:p>
+                      <a:pPr algn="ctr" fontAlgn="ctr"/>
+                      <a:r>
+                        <a:rPr lang="pt-BR" sz="1000" b="0" i="0" u="none" strike="noStrike" dirty="0">
+                          <a:solidFill>
+                            <a:srgbClr val="000000"/>
+                          </a:solidFill>
+                          <a:effectLst/>
+                          <a:latin typeface="Arial" panose="020B0604020202020204" pitchFamily="34" charset="0"/>
+                        </a:rPr>
+                        <a:t> R$45,63 </a:t>
+                      </a:r>
+                    </a:p>
+                  </a:txBody>
+                  <a:tcPr marL="9525" marR="9525" marT="9525" marB="0" anchor="ctr">
+                    <a:lnL w="3175" cap="flat" cmpd="sng" algn="ctr">
+                      <a:solidFill>
+                        <a:srgbClr val="008666"/>
+                      </a:solidFill>
+                      <a:prstDash val="solid"/>
+                      <a:round/>
+                      <a:headEnd type="none" w="med" len="med"/>
+                      <a:tailEnd type="none" w="med" len="med"/>
+                    </a:lnL>
+                    <a:lnR w="3175" cap="flat" cmpd="sng" algn="ctr">
+                      <a:solidFill>
+                        <a:srgbClr val="008666"/>
+                      </a:solidFill>
+                      <a:prstDash val="solid"/>
+                      <a:round/>
+                      <a:headEnd type="none" w="med" len="med"/>
+                      <a:tailEnd type="none" w="med" len="med"/>
+                    </a:lnR>
+                    <a:lnT w="3175" cap="flat" cmpd="sng" algn="ctr">
+                      <a:solidFill>
+                        <a:srgbClr val="008666"/>
+                      </a:solidFill>
+                      <a:prstDash val="solid"/>
+                      <a:round/>
+                      <a:headEnd type="none" w="med" len="med"/>
+                      <a:tailEnd type="none" w="med" len="med"/>
+                    </a:lnT>
+                    <a:lnB w="3175" cap="flat" cmpd="sng" algn="ctr">
+                      <a:solidFill>
+                        <a:srgbClr val="008666"/>
+                      </a:solidFill>
+                      <a:prstDash val="solid"/>
+                      <a:round/>
+                      <a:headEnd type="none" w="med" len="med"/>
+                      <a:tailEnd type="none" w="med" len="med"/>
+                    </a:lnB>
+                  </a:tcPr>
+                </a:tc>
+                <a:tc>
+                  <a:txBody>
+                    <a:bodyPr/>
+                    <a:lstStyle/>
+                    <a:p>
+                      <a:pPr algn="ctr" fontAlgn="ctr"/>
+                      <a:r>
+                        <a:rPr lang="pt-BR" sz="1000" b="0" i="0" u="none" strike="noStrike" dirty="0">
+                          <a:solidFill>
+                            <a:srgbClr val="000000"/>
+                          </a:solidFill>
+                          <a:effectLst/>
+                          <a:latin typeface="Arial" panose="020B0604020202020204" pitchFamily="34" charset="0"/>
+                        </a:rPr>
+                        <a:t> R$44,03 </a:t>
+                      </a:r>
+                    </a:p>
+                  </a:txBody>
+                  <a:tcPr marL="9525" marR="9525" marT="9525" marB="0" anchor="ctr">
+                    <a:lnL w="3175" cap="flat" cmpd="sng" algn="ctr">
+                      <a:solidFill>
+                        <a:srgbClr val="008666"/>
+                      </a:solidFill>
+                      <a:prstDash val="solid"/>
+                      <a:round/>
+                      <a:headEnd type="none" w="med" len="med"/>
+                      <a:tailEnd type="none" w="med" len="med"/>
+                    </a:lnL>
+                    <a:lnR w="3175" cap="flat" cmpd="sng" algn="ctr">
+                      <a:solidFill>
+                        <a:srgbClr val="008666"/>
+                      </a:solidFill>
+                      <a:prstDash val="solid"/>
+                      <a:round/>
+                      <a:headEnd type="none" w="med" len="med"/>
+                      <a:tailEnd type="none" w="med" len="med"/>
+                    </a:lnR>
+                    <a:lnT w="3175" cap="flat" cmpd="sng" algn="ctr">
+                      <a:solidFill>
+                        <a:srgbClr val="008666"/>
+                      </a:solidFill>
+                      <a:prstDash val="solid"/>
+                      <a:round/>
+                      <a:headEnd type="none" w="med" len="med"/>
+                      <a:tailEnd type="none" w="med" len="med"/>
+                    </a:lnT>
+                    <a:lnB w="3175" cap="flat" cmpd="sng" algn="ctr">
+                      <a:solidFill>
+                        <a:srgbClr val="008666"/>
+                      </a:solidFill>
+                      <a:prstDash val="solid"/>
+                      <a:round/>
+                      <a:headEnd type="none" w="med" len="med"/>
+                      <a:tailEnd type="none" w="med" len="med"/>
+                    </a:lnB>
+                  </a:tcPr>
+                </a:tc>
+                <a:tc>
+                  <a:txBody>
+                    <a:bodyPr/>
+                    <a:lstStyle/>
+                    <a:p>
+                      <a:pPr algn="ctr" fontAlgn="ctr"/>
+                      <a:r>
+                        <a:rPr lang="pt-BR" sz="1000" b="0" i="0" u="none" strike="noStrike" dirty="0">
+                          <a:solidFill>
+                            <a:srgbClr val="000000"/>
+                          </a:solidFill>
+                          <a:effectLst/>
+                          <a:latin typeface="Arial" panose="020B0604020202020204" pitchFamily="34" charset="0"/>
+                        </a:rPr>
+                        <a:t> R$ 1,601 </a:t>
+                      </a:r>
+                    </a:p>
+                  </a:txBody>
+                  <a:tcPr marL="9525" marR="9525" marT="9525" marB="0" anchor="ctr">
+                    <a:lnL w="3175" cap="flat" cmpd="sng" algn="ctr">
+                      <a:solidFill>
+                        <a:srgbClr val="008666"/>
+                      </a:solidFill>
+                      <a:prstDash val="solid"/>
+                      <a:round/>
+                      <a:headEnd type="none" w="med" len="med"/>
+                      <a:tailEnd type="none" w="med" len="med"/>
+                    </a:lnL>
+                    <a:lnR w="3175" cap="flat" cmpd="sng" algn="ctr">
+                      <a:solidFill>
+                        <a:srgbClr val="008666"/>
+                      </a:solidFill>
+                      <a:prstDash val="solid"/>
+                      <a:round/>
+                      <a:headEnd type="none" w="med" len="med"/>
+                      <a:tailEnd type="none" w="med" len="med"/>
+                    </a:lnR>
+                    <a:lnT w="3175" cap="flat" cmpd="sng" algn="ctr">
+                      <a:solidFill>
+                        <a:srgbClr val="008666"/>
+                      </a:solidFill>
+                      <a:prstDash val="solid"/>
+                      <a:round/>
+                      <a:headEnd type="none" w="med" len="med"/>
+                      <a:tailEnd type="none" w="med" len="med"/>
+                    </a:lnT>
+                    <a:lnB w="3175" cap="flat" cmpd="sng" algn="ctr">
+                      <a:solidFill>
+                        <a:srgbClr val="008666"/>
+                      </a:solidFill>
+                      <a:prstDash val="solid"/>
+                      <a:round/>
+                      <a:headEnd type="none" w="med" len="med"/>
+                      <a:tailEnd type="none" w="med" len="med"/>
+                    </a:lnB>
+                  </a:tcPr>
+                </a:tc>
+                <a:tc>
+                  <a:txBody>
+                    <a:bodyPr/>
+                    <a:lstStyle/>
+                    <a:p>
+                      <a:pPr algn="ctr" fontAlgn="ctr"/>
+                      <a:r>
+                        <a:rPr lang="pt-BR" sz="1000" b="0" i="0" u="none" strike="noStrike">
+                          <a:solidFill>
+                            <a:srgbClr val="000000"/>
+                          </a:solidFill>
+                          <a:effectLst/>
+                          <a:latin typeface="Arial" panose="020B0604020202020204" pitchFamily="34" charset="0"/>
+                        </a:rPr>
+                        <a:t>3,6%</a:t>
+                      </a:r>
+                    </a:p>
+                  </a:txBody>
+                  <a:tcPr marL="9525" marR="9525" marT="9525" marB="0" anchor="ctr">
+                    <a:lnL w="3175" cap="flat" cmpd="sng" algn="ctr">
+                      <a:solidFill>
+                        <a:srgbClr val="008666"/>
+                      </a:solidFill>
+                      <a:prstDash val="solid"/>
+                      <a:round/>
+                      <a:headEnd type="none" w="med" len="med"/>
+                      <a:tailEnd type="none" w="med" len="med"/>
+                    </a:lnL>
+                    <a:lnR w="3175" cap="flat" cmpd="sng" algn="ctr">
+                      <a:solidFill>
+                        <a:srgbClr val="008666"/>
+                      </a:solidFill>
+                      <a:prstDash val="solid"/>
+                      <a:round/>
+                      <a:headEnd type="none" w="med" len="med"/>
+                      <a:tailEnd type="none" w="med" len="med"/>
+                    </a:lnR>
+                    <a:lnT w="3175" cap="flat" cmpd="sng" algn="ctr">
+                      <a:solidFill>
+                        <a:srgbClr val="008666"/>
+                      </a:solidFill>
+                      <a:prstDash val="solid"/>
+                      <a:round/>
+                      <a:headEnd type="none" w="med" len="med"/>
+                      <a:tailEnd type="none" w="med" len="med"/>
+                    </a:lnT>
+                    <a:lnB w="3175" cap="flat" cmpd="sng" algn="ctr">
+                      <a:solidFill>
+                        <a:srgbClr val="008666"/>
+                      </a:solidFill>
+                      <a:prstDash val="solid"/>
+                      <a:round/>
+                      <a:headEnd type="none" w="med" len="med"/>
+                      <a:tailEnd type="none" w="med" len="med"/>
+                    </a:lnB>
+                  </a:tcPr>
+                </a:tc>
+                <a:extLst>
+                  <a:ext uri="{0D108BD9-81ED-4DB2-BD59-A6C34878D82A}">
+                    <a16:rowId xmlns:a16="http://schemas.microsoft.com/office/drawing/2014/main" val="2489300189"/>
+                  </a:ext>
+                </a:extLst>
+              </a:tr>
+              <a:tr h="314325">
+                <a:tc>
+                  <a:txBody>
+                    <a:bodyPr/>
+                    <a:lstStyle/>
+                    <a:p>
+                      <a:pPr algn="ctr" fontAlgn="ctr"/>
+                      <a:r>
+                        <a:rPr lang="pt-BR" sz="1000" b="1" i="0" u="none" strike="noStrike" dirty="0">
+                          <a:solidFill>
+                            <a:schemeClr val="bg1"/>
+                          </a:solidFill>
+                          <a:effectLst/>
+                          <a:latin typeface="Arial" panose="020B0604020202020204" pitchFamily="34" charset="0"/>
+                        </a:rPr>
+                        <a:t>2026</a:t>
+                      </a:r>
+                    </a:p>
+                  </a:txBody>
+                  <a:tcPr marL="9525" marR="9525" marT="9525" marB="0" anchor="ctr">
+                    <a:lnL w="3175" cap="flat" cmpd="sng" algn="ctr">
+                      <a:solidFill>
+                        <a:srgbClr val="008666"/>
+                      </a:solidFill>
+                      <a:prstDash val="solid"/>
+                      <a:round/>
+                      <a:headEnd type="none" w="med" len="med"/>
+                      <a:tailEnd type="none" w="med" len="med"/>
+                    </a:lnL>
+                    <a:lnR w="3175" cap="flat" cmpd="sng" algn="ctr">
+                      <a:solidFill>
+                        <a:srgbClr val="008666"/>
+                      </a:solidFill>
+                      <a:prstDash val="solid"/>
+                      <a:round/>
+                      <a:headEnd type="none" w="med" len="med"/>
+                      <a:tailEnd type="none" w="med" len="med"/>
+                    </a:lnR>
+                    <a:lnT w="3175" cap="flat" cmpd="sng" algn="ctr">
+                      <a:solidFill>
+                        <a:srgbClr val="008666"/>
+                      </a:solidFill>
+                      <a:prstDash val="solid"/>
+                      <a:round/>
+                      <a:headEnd type="none" w="med" len="med"/>
+                      <a:tailEnd type="none" w="med" len="med"/>
+                    </a:lnT>
+                    <a:lnB w="3175" cap="flat" cmpd="sng" algn="ctr">
+                      <a:solidFill>
+                        <a:srgbClr val="008666"/>
+                      </a:solidFill>
+                      <a:prstDash val="solid"/>
+                      <a:round/>
+                      <a:headEnd type="none" w="med" len="med"/>
+                      <a:tailEnd type="none" w="med" len="med"/>
+                    </a:lnB>
+                    <a:solidFill>
+                      <a:srgbClr val="008666"/>
+                    </a:solidFill>
+                  </a:tcPr>
+                </a:tc>
+                <a:tc>
+                  <a:txBody>
+                    <a:bodyPr/>
+                    <a:lstStyle/>
+                    <a:p>
+                      <a:pPr algn="ctr" fontAlgn="ctr"/>
+                      <a:r>
+                        <a:rPr lang="pt-BR" sz="1000" b="0" i="0" u="none" strike="noStrike" dirty="0">
+                          <a:solidFill>
+                            <a:srgbClr val="000000"/>
+                          </a:solidFill>
+                          <a:effectLst/>
+                          <a:latin typeface="Arial" panose="020B0604020202020204" pitchFamily="34" charset="0"/>
+                        </a:rPr>
+                        <a:t> R$49,48 </a:t>
+                      </a:r>
+                    </a:p>
+                  </a:txBody>
+                  <a:tcPr marL="9525" marR="9525" marT="9525" marB="0" anchor="ctr">
+                    <a:lnL w="3175" cap="flat" cmpd="sng" algn="ctr">
+                      <a:solidFill>
+                        <a:srgbClr val="008666"/>
+                      </a:solidFill>
+                      <a:prstDash val="solid"/>
+                      <a:round/>
+                      <a:headEnd type="none" w="med" len="med"/>
+                      <a:tailEnd type="none" w="med" len="med"/>
+                    </a:lnL>
+                    <a:lnR w="3175" cap="flat" cmpd="sng" algn="ctr">
+                      <a:solidFill>
+                        <a:srgbClr val="008666"/>
+                      </a:solidFill>
+                      <a:prstDash val="solid"/>
+                      <a:round/>
+                      <a:headEnd type="none" w="med" len="med"/>
+                      <a:tailEnd type="none" w="med" len="med"/>
+                    </a:lnR>
+                    <a:lnT w="3175" cap="flat" cmpd="sng" algn="ctr">
+                      <a:solidFill>
+                        <a:srgbClr val="008666"/>
+                      </a:solidFill>
+                      <a:prstDash val="solid"/>
+                      <a:round/>
+                      <a:headEnd type="none" w="med" len="med"/>
+                      <a:tailEnd type="none" w="med" len="med"/>
+                    </a:lnT>
+                    <a:lnB w="3175" cap="flat" cmpd="sng" algn="ctr">
+                      <a:solidFill>
+                        <a:srgbClr val="008666"/>
+                      </a:solidFill>
+                      <a:prstDash val="solid"/>
+                      <a:round/>
+                      <a:headEnd type="none" w="med" len="med"/>
+                      <a:tailEnd type="none" w="med" len="med"/>
+                    </a:lnB>
+                  </a:tcPr>
+                </a:tc>
+                <a:tc>
+                  <a:txBody>
+                    <a:bodyPr/>
+                    <a:lstStyle/>
+                    <a:p>
+                      <a:pPr algn="ctr" fontAlgn="ctr"/>
+                      <a:r>
+                        <a:rPr lang="pt-BR" sz="1000" b="0" i="0" u="none" strike="noStrike" dirty="0">
+                          <a:solidFill>
+                            <a:srgbClr val="000000"/>
+                          </a:solidFill>
+                          <a:effectLst/>
+                          <a:latin typeface="Arial" panose="020B0604020202020204" pitchFamily="34" charset="0"/>
+                        </a:rPr>
+                        <a:t> R$45,27 </a:t>
+                      </a:r>
+                    </a:p>
+                  </a:txBody>
+                  <a:tcPr marL="9525" marR="9525" marT="9525" marB="0" anchor="ctr">
+                    <a:lnL w="3175" cap="flat" cmpd="sng" algn="ctr">
+                      <a:solidFill>
+                        <a:srgbClr val="008666"/>
+                      </a:solidFill>
+                      <a:prstDash val="solid"/>
+                      <a:round/>
+                      <a:headEnd type="none" w="med" len="med"/>
+                      <a:tailEnd type="none" w="med" len="med"/>
+                    </a:lnL>
+                    <a:lnR w="3175" cap="flat" cmpd="sng" algn="ctr">
+                      <a:solidFill>
+                        <a:srgbClr val="008666"/>
+                      </a:solidFill>
+                      <a:prstDash val="solid"/>
+                      <a:round/>
+                      <a:headEnd type="none" w="med" len="med"/>
+                      <a:tailEnd type="none" w="med" len="med"/>
+                    </a:lnR>
+                    <a:lnT w="3175" cap="flat" cmpd="sng" algn="ctr">
+                      <a:solidFill>
+                        <a:srgbClr val="008666"/>
+                      </a:solidFill>
+                      <a:prstDash val="solid"/>
+                      <a:round/>
+                      <a:headEnd type="none" w="med" len="med"/>
+                      <a:tailEnd type="none" w="med" len="med"/>
+                    </a:lnT>
+                    <a:lnB w="3175" cap="flat" cmpd="sng" algn="ctr">
+                      <a:solidFill>
+                        <a:srgbClr val="008666"/>
+                      </a:solidFill>
+                      <a:prstDash val="solid"/>
+                      <a:round/>
+                      <a:headEnd type="none" w="med" len="med"/>
+                      <a:tailEnd type="none" w="med" len="med"/>
+                    </a:lnB>
+                  </a:tcPr>
+                </a:tc>
+                <a:tc>
+                  <a:txBody>
+                    <a:bodyPr/>
+                    <a:lstStyle/>
+                    <a:p>
+                      <a:pPr algn="ctr" fontAlgn="ctr"/>
+                      <a:r>
+                        <a:rPr lang="pt-BR" sz="1000" b="0" i="0" u="none" strike="noStrike" dirty="0">
+                          <a:solidFill>
+                            <a:srgbClr val="000000"/>
+                          </a:solidFill>
+                          <a:effectLst/>
+                          <a:latin typeface="Arial" panose="020B0604020202020204" pitchFamily="34" charset="0"/>
+                        </a:rPr>
+                        <a:t> R$ 4,212 </a:t>
+                      </a:r>
+                    </a:p>
+                  </a:txBody>
+                  <a:tcPr marL="9525" marR="9525" marT="9525" marB="0" anchor="ctr">
+                    <a:lnL w="3175" cap="flat" cmpd="sng" algn="ctr">
+                      <a:solidFill>
+                        <a:srgbClr val="008666"/>
+                      </a:solidFill>
+                      <a:prstDash val="solid"/>
+                      <a:round/>
+                      <a:headEnd type="none" w="med" len="med"/>
+                      <a:tailEnd type="none" w="med" len="med"/>
+                    </a:lnL>
+                    <a:lnR w="3175" cap="flat" cmpd="sng" algn="ctr">
+                      <a:solidFill>
+                        <a:srgbClr val="008666"/>
+                      </a:solidFill>
+                      <a:prstDash val="solid"/>
+                      <a:round/>
+                      <a:headEnd type="none" w="med" len="med"/>
+                      <a:tailEnd type="none" w="med" len="med"/>
+                    </a:lnR>
+                    <a:lnT w="3175" cap="flat" cmpd="sng" algn="ctr">
+                      <a:solidFill>
+                        <a:srgbClr val="008666"/>
+                      </a:solidFill>
+                      <a:prstDash val="solid"/>
+                      <a:round/>
+                      <a:headEnd type="none" w="med" len="med"/>
+                      <a:tailEnd type="none" w="med" len="med"/>
+                    </a:lnT>
+                    <a:lnB w="3175" cap="flat" cmpd="sng" algn="ctr">
+                      <a:solidFill>
+                        <a:srgbClr val="008666"/>
+                      </a:solidFill>
+                      <a:prstDash val="solid"/>
+                      <a:round/>
+                      <a:headEnd type="none" w="med" len="med"/>
+                      <a:tailEnd type="none" w="med" len="med"/>
+                    </a:lnB>
+                  </a:tcPr>
+                </a:tc>
+                <a:tc>
+                  <a:txBody>
+                    <a:bodyPr/>
+                    <a:lstStyle/>
+                    <a:p>
+                      <a:pPr algn="ctr" fontAlgn="ctr"/>
+                      <a:r>
+                        <a:rPr lang="pt-BR" sz="1000" b="0" i="0" u="none" strike="noStrike" dirty="0">
+                          <a:solidFill>
+                            <a:srgbClr val="000000"/>
+                          </a:solidFill>
+                          <a:effectLst/>
+                          <a:latin typeface="Arial" panose="020B0604020202020204" pitchFamily="34" charset="0"/>
+                        </a:rPr>
+                        <a:t>9,3%</a:t>
+                      </a:r>
+                    </a:p>
+                  </a:txBody>
+                  <a:tcPr marL="9525" marR="9525" marT="9525" marB="0" anchor="ctr">
+                    <a:lnL w="3175" cap="flat" cmpd="sng" algn="ctr">
+                      <a:solidFill>
+                        <a:srgbClr val="008666"/>
+                      </a:solidFill>
+                      <a:prstDash val="solid"/>
+                      <a:round/>
+                      <a:headEnd type="none" w="med" len="med"/>
+                      <a:tailEnd type="none" w="med" len="med"/>
+                    </a:lnL>
+                    <a:lnR w="3175" cap="flat" cmpd="sng" algn="ctr">
+                      <a:solidFill>
+                        <a:srgbClr val="008666"/>
+                      </a:solidFill>
+                      <a:prstDash val="solid"/>
+                      <a:round/>
+                      <a:headEnd type="none" w="med" len="med"/>
+                      <a:tailEnd type="none" w="med" len="med"/>
+                    </a:lnR>
+                    <a:lnT w="3175" cap="flat" cmpd="sng" algn="ctr">
+                      <a:solidFill>
+                        <a:srgbClr val="008666"/>
+                      </a:solidFill>
+                      <a:prstDash val="solid"/>
+                      <a:round/>
+                      <a:headEnd type="none" w="med" len="med"/>
+                      <a:tailEnd type="none" w="med" len="med"/>
+                    </a:lnT>
+                    <a:lnB w="3175" cap="flat" cmpd="sng" algn="ctr">
+                      <a:solidFill>
+                        <a:srgbClr val="008666"/>
+                      </a:solidFill>
+                      <a:prstDash val="solid"/>
+                      <a:round/>
+                      <a:headEnd type="none" w="med" len="med"/>
+                      <a:tailEnd type="none" w="med" len="med"/>
+                    </a:lnB>
+                  </a:tcPr>
+                </a:tc>
+                <a:extLst>
+                  <a:ext uri="{0D108BD9-81ED-4DB2-BD59-A6C34878D82A}">
+                    <a16:rowId xmlns:a16="http://schemas.microsoft.com/office/drawing/2014/main" val="2809524148"/>
+                  </a:ext>
+                </a:extLst>
+              </a:tr>
+              <a:tr h="314325">
+                <a:tc>
+                  <a:txBody>
+                    <a:bodyPr/>
+                    <a:lstStyle/>
+                    <a:p>
+                      <a:pPr algn="ctr" fontAlgn="ctr"/>
+                      <a:r>
+                        <a:rPr lang="pt-BR" sz="1000" b="1" i="0" u="none" strike="noStrike" dirty="0">
+                          <a:solidFill>
+                            <a:schemeClr val="bg1"/>
+                          </a:solidFill>
+                          <a:effectLst/>
+                          <a:latin typeface="Arial" panose="020B0604020202020204" pitchFamily="34" charset="0"/>
+                        </a:rPr>
+                        <a:t>2027</a:t>
+                      </a:r>
+                    </a:p>
+                  </a:txBody>
+                  <a:tcPr marL="9525" marR="9525" marT="9525" marB="0" anchor="ctr">
+                    <a:lnL w="3175" cap="flat" cmpd="sng" algn="ctr">
+                      <a:solidFill>
+                        <a:srgbClr val="008666"/>
+                      </a:solidFill>
+                      <a:prstDash val="solid"/>
+                      <a:round/>
+                      <a:headEnd type="none" w="med" len="med"/>
+                      <a:tailEnd type="none" w="med" len="med"/>
+                    </a:lnL>
+                    <a:lnR w="3175" cap="flat" cmpd="sng" algn="ctr">
+                      <a:solidFill>
+                        <a:srgbClr val="008666"/>
+                      </a:solidFill>
+                      <a:prstDash val="solid"/>
+                      <a:round/>
+                      <a:headEnd type="none" w="med" len="med"/>
+                      <a:tailEnd type="none" w="med" len="med"/>
+                    </a:lnR>
+                    <a:lnT w="3175" cap="flat" cmpd="sng" algn="ctr">
+                      <a:solidFill>
+                        <a:srgbClr val="008666"/>
+                      </a:solidFill>
+                      <a:prstDash val="solid"/>
+                      <a:round/>
+                      <a:headEnd type="none" w="med" len="med"/>
+                      <a:tailEnd type="none" w="med" len="med"/>
+                    </a:lnT>
+                    <a:lnB w="3175" cap="flat" cmpd="sng" algn="ctr">
+                      <a:solidFill>
+                        <a:srgbClr val="008666"/>
+                      </a:solidFill>
+                      <a:prstDash val="solid"/>
+                      <a:round/>
+                      <a:headEnd type="none" w="med" len="med"/>
+                      <a:tailEnd type="none" w="med" len="med"/>
+                    </a:lnB>
+                    <a:solidFill>
+                      <a:srgbClr val="008666"/>
+                    </a:solidFill>
+                  </a:tcPr>
+                </a:tc>
+                <a:tc>
+                  <a:txBody>
+                    <a:bodyPr/>
+                    <a:lstStyle/>
+                    <a:p>
+                      <a:pPr algn="ctr" fontAlgn="ctr"/>
+                      <a:r>
+                        <a:rPr lang="pt-BR" sz="1000" b="0" i="0" u="none" strike="noStrike" dirty="0">
+                          <a:solidFill>
+                            <a:srgbClr val="000000"/>
+                          </a:solidFill>
+                          <a:effectLst/>
+                          <a:latin typeface="Arial" panose="020B0604020202020204" pitchFamily="34" charset="0"/>
+                        </a:rPr>
+                        <a:t> R$53,48 </a:t>
+                      </a:r>
+                    </a:p>
+                  </a:txBody>
+                  <a:tcPr marL="9525" marR="9525" marT="9525" marB="0" anchor="ctr">
+                    <a:lnL w="3175" cap="flat" cmpd="sng" algn="ctr">
+                      <a:solidFill>
+                        <a:srgbClr val="008666"/>
+                      </a:solidFill>
+                      <a:prstDash val="solid"/>
+                      <a:round/>
+                      <a:headEnd type="none" w="med" len="med"/>
+                      <a:tailEnd type="none" w="med" len="med"/>
+                    </a:lnL>
+                    <a:lnR w="3175" cap="flat" cmpd="sng" algn="ctr">
+                      <a:solidFill>
+                        <a:srgbClr val="008666"/>
+                      </a:solidFill>
+                      <a:prstDash val="solid"/>
+                      <a:round/>
+                      <a:headEnd type="none" w="med" len="med"/>
+                      <a:tailEnd type="none" w="med" len="med"/>
+                    </a:lnR>
+                    <a:lnT w="3175" cap="flat" cmpd="sng" algn="ctr">
+                      <a:solidFill>
+                        <a:srgbClr val="008666"/>
+                      </a:solidFill>
+                      <a:prstDash val="solid"/>
+                      <a:round/>
+                      <a:headEnd type="none" w="med" len="med"/>
+                      <a:tailEnd type="none" w="med" len="med"/>
+                    </a:lnT>
+                    <a:lnB w="3175" cap="flat" cmpd="sng" algn="ctr">
+                      <a:solidFill>
+                        <a:srgbClr val="008666"/>
+                      </a:solidFill>
+                      <a:prstDash val="solid"/>
+                      <a:round/>
+                      <a:headEnd type="none" w="med" len="med"/>
+                      <a:tailEnd type="none" w="med" len="med"/>
+                    </a:lnB>
+                  </a:tcPr>
+                </a:tc>
+                <a:tc>
+                  <a:txBody>
+                    <a:bodyPr/>
+                    <a:lstStyle/>
+                    <a:p>
+                      <a:pPr algn="ctr" fontAlgn="ctr"/>
+                      <a:r>
+                        <a:rPr lang="pt-BR" sz="1000" b="0" i="0" u="none" strike="noStrike" dirty="0">
+                          <a:solidFill>
+                            <a:srgbClr val="000000"/>
+                          </a:solidFill>
+                          <a:effectLst/>
+                          <a:latin typeface="Arial" panose="020B0604020202020204" pitchFamily="34" charset="0"/>
+                        </a:rPr>
+                        <a:t> R$47,45 </a:t>
+                      </a:r>
+                    </a:p>
+                  </a:txBody>
+                  <a:tcPr marL="9525" marR="9525" marT="9525" marB="0" anchor="ctr">
+                    <a:lnL w="3175" cap="flat" cmpd="sng" algn="ctr">
+                      <a:solidFill>
+                        <a:srgbClr val="008666"/>
+                      </a:solidFill>
+                      <a:prstDash val="solid"/>
+                      <a:round/>
+                      <a:headEnd type="none" w="med" len="med"/>
+                      <a:tailEnd type="none" w="med" len="med"/>
+                    </a:lnL>
+                    <a:lnR w="3175" cap="flat" cmpd="sng" algn="ctr">
+                      <a:solidFill>
+                        <a:srgbClr val="008666"/>
+                      </a:solidFill>
+                      <a:prstDash val="solid"/>
+                      <a:round/>
+                      <a:headEnd type="none" w="med" len="med"/>
+                      <a:tailEnd type="none" w="med" len="med"/>
+                    </a:lnR>
+                    <a:lnT w="3175" cap="flat" cmpd="sng" algn="ctr">
+                      <a:solidFill>
+                        <a:srgbClr val="008666"/>
+                      </a:solidFill>
+                      <a:prstDash val="solid"/>
+                      <a:round/>
+                      <a:headEnd type="none" w="med" len="med"/>
+                      <a:tailEnd type="none" w="med" len="med"/>
+                    </a:lnT>
+                    <a:lnB w="3175" cap="flat" cmpd="sng" algn="ctr">
+                      <a:solidFill>
+                        <a:srgbClr val="008666"/>
+                      </a:solidFill>
+                      <a:prstDash val="solid"/>
+                      <a:round/>
+                      <a:headEnd type="none" w="med" len="med"/>
+                      <a:tailEnd type="none" w="med" len="med"/>
+                    </a:lnB>
+                  </a:tcPr>
+                </a:tc>
+                <a:tc>
+                  <a:txBody>
+                    <a:bodyPr/>
+                    <a:lstStyle/>
+                    <a:p>
+                      <a:pPr algn="ctr" fontAlgn="ctr"/>
+                      <a:r>
+                        <a:rPr lang="pt-BR" sz="1000" b="0" i="0" u="none" strike="noStrike" dirty="0">
+                          <a:solidFill>
+                            <a:srgbClr val="000000"/>
+                          </a:solidFill>
+                          <a:effectLst/>
+                          <a:latin typeface="Arial" panose="020B0604020202020204" pitchFamily="34" charset="0"/>
+                        </a:rPr>
+                        <a:t> R$ 6,037 </a:t>
+                      </a:r>
+                    </a:p>
+                  </a:txBody>
+                  <a:tcPr marL="9525" marR="9525" marT="9525" marB="0" anchor="ctr">
+                    <a:lnL w="3175" cap="flat" cmpd="sng" algn="ctr">
+                      <a:solidFill>
+                        <a:srgbClr val="008666"/>
+                      </a:solidFill>
+                      <a:prstDash val="solid"/>
+                      <a:round/>
+                      <a:headEnd type="none" w="med" len="med"/>
+                      <a:tailEnd type="none" w="med" len="med"/>
+                    </a:lnL>
+                    <a:lnR w="3175" cap="flat" cmpd="sng" algn="ctr">
+                      <a:solidFill>
+                        <a:srgbClr val="008666"/>
+                      </a:solidFill>
+                      <a:prstDash val="solid"/>
+                      <a:round/>
+                      <a:headEnd type="none" w="med" len="med"/>
+                      <a:tailEnd type="none" w="med" len="med"/>
+                    </a:lnR>
+                    <a:lnT w="3175" cap="flat" cmpd="sng" algn="ctr">
+                      <a:solidFill>
+                        <a:srgbClr val="008666"/>
+                      </a:solidFill>
+                      <a:prstDash val="solid"/>
+                      <a:round/>
+                      <a:headEnd type="none" w="med" len="med"/>
+                      <a:tailEnd type="none" w="med" len="med"/>
+                    </a:lnT>
+                    <a:lnB w="3175" cap="flat" cmpd="sng" algn="ctr">
+                      <a:solidFill>
+                        <a:srgbClr val="008666"/>
+                      </a:solidFill>
+                      <a:prstDash val="solid"/>
+                      <a:round/>
+                      <a:headEnd type="none" w="med" len="med"/>
+                      <a:tailEnd type="none" w="med" len="med"/>
+                    </a:lnB>
+                  </a:tcPr>
+                </a:tc>
+                <a:tc>
+                  <a:txBody>
+                    <a:bodyPr/>
+                    <a:lstStyle/>
+                    <a:p>
+                      <a:pPr algn="ctr" fontAlgn="ctr"/>
+                      <a:r>
+                        <a:rPr lang="pt-BR" sz="1000" b="0" i="0" u="none" strike="noStrike" dirty="0">
+                          <a:solidFill>
+                            <a:srgbClr val="000000"/>
+                          </a:solidFill>
+                          <a:effectLst/>
+                          <a:latin typeface="Arial" panose="020B0604020202020204" pitchFamily="34" charset="0"/>
+                        </a:rPr>
+                        <a:t>12,7%</a:t>
+                      </a:r>
+                    </a:p>
+                  </a:txBody>
+                  <a:tcPr marL="9525" marR="9525" marT="9525" marB="0" anchor="ctr">
+                    <a:lnL w="3175" cap="flat" cmpd="sng" algn="ctr">
+                      <a:solidFill>
+                        <a:srgbClr val="008666"/>
+                      </a:solidFill>
+                      <a:prstDash val="solid"/>
+                      <a:round/>
+                      <a:headEnd type="none" w="med" len="med"/>
+                      <a:tailEnd type="none" w="med" len="med"/>
+                    </a:lnL>
+                    <a:lnR w="3175" cap="flat" cmpd="sng" algn="ctr">
+                      <a:solidFill>
+                        <a:srgbClr val="008666"/>
+                      </a:solidFill>
+                      <a:prstDash val="solid"/>
+                      <a:round/>
+                      <a:headEnd type="none" w="med" len="med"/>
+                      <a:tailEnd type="none" w="med" len="med"/>
+                    </a:lnR>
+                    <a:lnT w="3175" cap="flat" cmpd="sng" algn="ctr">
+                      <a:solidFill>
+                        <a:srgbClr val="008666"/>
+                      </a:solidFill>
+                      <a:prstDash val="solid"/>
+                      <a:round/>
+                      <a:headEnd type="none" w="med" len="med"/>
+                      <a:tailEnd type="none" w="med" len="med"/>
+                    </a:lnT>
+                    <a:lnB w="3175" cap="flat" cmpd="sng" algn="ctr">
+                      <a:solidFill>
+                        <a:srgbClr val="008666"/>
+                      </a:solidFill>
+                      <a:prstDash val="solid"/>
+                      <a:round/>
+                      <a:headEnd type="none" w="med" len="med"/>
+                      <a:tailEnd type="none" w="med" len="med"/>
+                    </a:lnB>
+                  </a:tcPr>
+                </a:tc>
+                <a:extLst>
+                  <a:ext uri="{0D108BD9-81ED-4DB2-BD59-A6C34878D82A}">
+                    <a16:rowId xmlns:a16="http://schemas.microsoft.com/office/drawing/2014/main" val="1952217232"/>
+                  </a:ext>
+                </a:extLst>
+              </a:tr>
+            </a:tbl>
+          </a:graphicData>
+        </a:graphic>
+      </p:graphicFrame>
+      <p:sp>
+        <p:nvSpPr>
+          <p:cNvPr id="9" name="Balão de Fala: Retângulo com Cantos Arredondados 8">
+            <a:extLst>
+              <a:ext uri="{FF2B5EF4-FFF2-40B4-BE49-F238E27FC236}">
+                <a16:creationId xmlns:a16="http://schemas.microsoft.com/office/drawing/2014/main" id="{B6B06DD4-67AA-48F9-AEAB-3D37461298FC}"/>
+              </a:ext>
+            </a:extLst>
+          </p:cNvPr>
+          <p:cNvSpPr/>
+          <p:nvPr/>
+        </p:nvSpPr>
+        <p:spPr>
+          <a:xfrm>
+            <a:off x="6980389" y="3921968"/>
+            <a:ext cx="4899024" cy="1371602"/>
+          </a:xfrm>
+          <a:prstGeom prst="wedgeRoundRectCallout">
+            <a:avLst>
+              <a:gd name="adj1" fmla="val 6970"/>
+              <a:gd name="adj2" fmla="val -150134"/>
+              <a:gd name="adj3" fmla="val 16667"/>
+            </a:avLst>
+          </a:prstGeom>
+          <a:solidFill>
+            <a:srgbClr val="008666"/>
+          </a:solidFill>
+          <a:ln>
+            <a:solidFill>
+              <a:srgbClr val="008666"/>
+            </a:solidFill>
+          </a:ln>
+        </p:spPr>
+        <p:style>
+          <a:lnRef idx="2">
+            <a:schemeClr val="accent1">
+              <a:shade val="50000"/>
+            </a:schemeClr>
+          </a:lnRef>
+          <a:fillRef idx="1">
+            <a:schemeClr val="accent1"/>
+          </a:fillRef>
+          <a:effectRef idx="0">
+            <a:schemeClr val="accent1"/>
+          </a:effectRef>
+          <a:fontRef idx="minor">
+            <a:schemeClr val="lt1"/>
+          </a:fontRef>
+        </p:style>
+        <p:txBody>
+          <a:bodyPr rtlCol="0" anchor="ctr"/>
+          <a:lstStyle/>
+          <a:p>
+            <a:pPr algn="ctr"/>
+            <a:r>
+              <a:rPr lang="pt-BR" dirty="0"/>
+              <a:t>Escrever algo</a:t>
+            </a:r>
+          </a:p>
+        </p:txBody>
+      </p:sp>
+    </p:spTree>
+    <p:extLst>
+      <p:ext uri="{BB962C8B-B14F-4D97-AF65-F5344CB8AC3E}">
+        <p14:creationId xmlns:p14="http://schemas.microsoft.com/office/powerpoint/2010/main" val="907694827"/>
       </p:ext>
     </p:extLst>
   </p:cSld>

--- a/Estimativa de receitas.pptx
+++ b/Estimativa de receitas.pptx
@@ -1705,6 +1705,1542 @@
         <c:grouping val="standard"/>
         <c:varyColors val="0"/>
         <c:ser>
+          <c:idx val="3"/>
+          <c:order val="0"/>
+          <c:tx>
+            <c:v>RCL_12M_AJUSTE</c:v>
+          </c:tx>
+          <c:spPr>
+            <a:ln>
+              <a:solidFill>
+                <a:srgbClr val="0070C0"/>
+              </a:solidFill>
+            </a:ln>
+          </c:spPr>
+          <c:marker>
+            <c:symbol val="none"/>
+          </c:marker>
+          <c:cat>
+            <c:numRef>
+              <c:f>Sheet1!$A$14:$A$114</c:f>
+              <c:numCache>
+                <c:formatCode>m/d/yyyy</c:formatCode>
+                <c:ptCount val="101"/>
+                <c:pt idx="0">
+                  <c:v>42370</c:v>
+                </c:pt>
+                <c:pt idx="1">
+                  <c:v>42401</c:v>
+                </c:pt>
+                <c:pt idx="2">
+                  <c:v>42430</c:v>
+                </c:pt>
+                <c:pt idx="3">
+                  <c:v>42461</c:v>
+                </c:pt>
+                <c:pt idx="4">
+                  <c:v>42491</c:v>
+                </c:pt>
+                <c:pt idx="5">
+                  <c:v>42522</c:v>
+                </c:pt>
+                <c:pt idx="6">
+                  <c:v>42552</c:v>
+                </c:pt>
+                <c:pt idx="7">
+                  <c:v>42583</c:v>
+                </c:pt>
+                <c:pt idx="8">
+                  <c:v>42614</c:v>
+                </c:pt>
+                <c:pt idx="9">
+                  <c:v>42644</c:v>
+                </c:pt>
+                <c:pt idx="10">
+                  <c:v>42675</c:v>
+                </c:pt>
+                <c:pt idx="11">
+                  <c:v>42705</c:v>
+                </c:pt>
+                <c:pt idx="12">
+                  <c:v>42736</c:v>
+                </c:pt>
+                <c:pt idx="13">
+                  <c:v>42767</c:v>
+                </c:pt>
+                <c:pt idx="14">
+                  <c:v>42795</c:v>
+                </c:pt>
+                <c:pt idx="15">
+                  <c:v>42826</c:v>
+                </c:pt>
+                <c:pt idx="16">
+                  <c:v>42856</c:v>
+                </c:pt>
+                <c:pt idx="17">
+                  <c:v>42887</c:v>
+                </c:pt>
+                <c:pt idx="18">
+                  <c:v>42917</c:v>
+                </c:pt>
+                <c:pt idx="19">
+                  <c:v>42948</c:v>
+                </c:pt>
+                <c:pt idx="20">
+                  <c:v>42979</c:v>
+                </c:pt>
+                <c:pt idx="21">
+                  <c:v>43009</c:v>
+                </c:pt>
+                <c:pt idx="22">
+                  <c:v>43040</c:v>
+                </c:pt>
+                <c:pt idx="23">
+                  <c:v>43070</c:v>
+                </c:pt>
+                <c:pt idx="24">
+                  <c:v>43101</c:v>
+                </c:pt>
+                <c:pt idx="25">
+                  <c:v>43132</c:v>
+                </c:pt>
+                <c:pt idx="26">
+                  <c:v>43160</c:v>
+                </c:pt>
+                <c:pt idx="27">
+                  <c:v>43191</c:v>
+                </c:pt>
+                <c:pt idx="28">
+                  <c:v>43221</c:v>
+                </c:pt>
+                <c:pt idx="29">
+                  <c:v>43252</c:v>
+                </c:pt>
+                <c:pt idx="30">
+                  <c:v>43282</c:v>
+                </c:pt>
+                <c:pt idx="31">
+                  <c:v>43313</c:v>
+                </c:pt>
+                <c:pt idx="32">
+                  <c:v>43344</c:v>
+                </c:pt>
+                <c:pt idx="33">
+                  <c:v>43374</c:v>
+                </c:pt>
+                <c:pt idx="34">
+                  <c:v>43405</c:v>
+                </c:pt>
+                <c:pt idx="35">
+                  <c:v>43435</c:v>
+                </c:pt>
+                <c:pt idx="36">
+                  <c:v>43466</c:v>
+                </c:pt>
+                <c:pt idx="37">
+                  <c:v>43497</c:v>
+                </c:pt>
+                <c:pt idx="38">
+                  <c:v>43525</c:v>
+                </c:pt>
+                <c:pt idx="39">
+                  <c:v>43556</c:v>
+                </c:pt>
+                <c:pt idx="40">
+                  <c:v>43586</c:v>
+                </c:pt>
+                <c:pt idx="41">
+                  <c:v>43617</c:v>
+                </c:pt>
+                <c:pt idx="42">
+                  <c:v>43647</c:v>
+                </c:pt>
+                <c:pt idx="43">
+                  <c:v>43678</c:v>
+                </c:pt>
+                <c:pt idx="44">
+                  <c:v>43709</c:v>
+                </c:pt>
+                <c:pt idx="45">
+                  <c:v>43739</c:v>
+                </c:pt>
+                <c:pt idx="46">
+                  <c:v>43770</c:v>
+                </c:pt>
+                <c:pt idx="47">
+                  <c:v>43800</c:v>
+                </c:pt>
+                <c:pt idx="48">
+                  <c:v>43831</c:v>
+                </c:pt>
+                <c:pt idx="49">
+                  <c:v>43862</c:v>
+                </c:pt>
+                <c:pt idx="50">
+                  <c:v>43891</c:v>
+                </c:pt>
+                <c:pt idx="51">
+                  <c:v>43922</c:v>
+                </c:pt>
+                <c:pt idx="52">
+                  <c:v>43952</c:v>
+                </c:pt>
+                <c:pt idx="53">
+                  <c:v>43983</c:v>
+                </c:pt>
+                <c:pt idx="54">
+                  <c:v>44013</c:v>
+                </c:pt>
+                <c:pt idx="55">
+                  <c:v>44044</c:v>
+                </c:pt>
+                <c:pt idx="56">
+                  <c:v>44075</c:v>
+                </c:pt>
+                <c:pt idx="57">
+                  <c:v>44105</c:v>
+                </c:pt>
+                <c:pt idx="58">
+                  <c:v>44136</c:v>
+                </c:pt>
+                <c:pt idx="59">
+                  <c:v>44166</c:v>
+                </c:pt>
+                <c:pt idx="60">
+                  <c:v>44197</c:v>
+                </c:pt>
+                <c:pt idx="61">
+                  <c:v>44228</c:v>
+                </c:pt>
+                <c:pt idx="62">
+                  <c:v>44256</c:v>
+                </c:pt>
+                <c:pt idx="63">
+                  <c:v>44287</c:v>
+                </c:pt>
+                <c:pt idx="64">
+                  <c:v>44317</c:v>
+                </c:pt>
+                <c:pt idx="65">
+                  <c:v>44348</c:v>
+                </c:pt>
+                <c:pt idx="66">
+                  <c:v>44378</c:v>
+                </c:pt>
+                <c:pt idx="67">
+                  <c:v>44409</c:v>
+                </c:pt>
+                <c:pt idx="68">
+                  <c:v>44440</c:v>
+                </c:pt>
+                <c:pt idx="69">
+                  <c:v>44470</c:v>
+                </c:pt>
+                <c:pt idx="70">
+                  <c:v>44501</c:v>
+                </c:pt>
+                <c:pt idx="71">
+                  <c:v>44531</c:v>
+                </c:pt>
+                <c:pt idx="72">
+                  <c:v>44562</c:v>
+                </c:pt>
+                <c:pt idx="73">
+                  <c:v>44593</c:v>
+                </c:pt>
+                <c:pt idx="74">
+                  <c:v>44621</c:v>
+                </c:pt>
+                <c:pt idx="75">
+                  <c:v>44652</c:v>
+                </c:pt>
+                <c:pt idx="76">
+                  <c:v>44682</c:v>
+                </c:pt>
+                <c:pt idx="77">
+                  <c:v>44713</c:v>
+                </c:pt>
+                <c:pt idx="78">
+                  <c:v>44743</c:v>
+                </c:pt>
+                <c:pt idx="79">
+                  <c:v>44774</c:v>
+                </c:pt>
+                <c:pt idx="80">
+                  <c:v>44805</c:v>
+                </c:pt>
+                <c:pt idx="81">
+                  <c:v>44835</c:v>
+                </c:pt>
+                <c:pt idx="82">
+                  <c:v>44866</c:v>
+                </c:pt>
+                <c:pt idx="83">
+                  <c:v>44896</c:v>
+                </c:pt>
+                <c:pt idx="84">
+                  <c:v>44927</c:v>
+                </c:pt>
+                <c:pt idx="85">
+                  <c:v>44958</c:v>
+                </c:pt>
+                <c:pt idx="86">
+                  <c:v>44986</c:v>
+                </c:pt>
+                <c:pt idx="87">
+                  <c:v>45017</c:v>
+                </c:pt>
+                <c:pt idx="88">
+                  <c:v>45047</c:v>
+                </c:pt>
+                <c:pt idx="89">
+                  <c:v>45078</c:v>
+                </c:pt>
+                <c:pt idx="90">
+                  <c:v>45108</c:v>
+                </c:pt>
+                <c:pt idx="91">
+                  <c:v>45139</c:v>
+                </c:pt>
+                <c:pt idx="92">
+                  <c:v>45170</c:v>
+                </c:pt>
+                <c:pt idx="93">
+                  <c:v>45200</c:v>
+                </c:pt>
+                <c:pt idx="94">
+                  <c:v>45231</c:v>
+                </c:pt>
+                <c:pt idx="95">
+                  <c:v>45261</c:v>
+                </c:pt>
+                <c:pt idx="96">
+                  <c:v>45292</c:v>
+                </c:pt>
+                <c:pt idx="97">
+                  <c:v>45323</c:v>
+                </c:pt>
+                <c:pt idx="98">
+                  <c:v>45352</c:v>
+                </c:pt>
+                <c:pt idx="99">
+                  <c:v>45383</c:v>
+                </c:pt>
+                <c:pt idx="100">
+                  <c:v>45413</c:v>
+                </c:pt>
+              </c:numCache>
+            </c:numRef>
+          </c:cat>
+          <c:val>
+            <c:numRef>
+              <c:f>Sheet1!$G$14:$G$114</c:f>
+              <c:numCache>
+                <c:formatCode>_(* #,##0.00_);_(* \(#,##0.00\);_(* "-"??_);_(@_)</c:formatCode>
+                <c:ptCount val="101"/>
+                <c:pt idx="0">
+                  <c:v>16392815963.369999</c:v>
+                </c:pt>
+                <c:pt idx="1">
+                  <c:v>16467853242.309999</c:v>
+                </c:pt>
+                <c:pt idx="2">
+                  <c:v>16557032655.669998</c:v>
+                </c:pt>
+                <c:pt idx="3">
+                  <c:v>16718617520.010002</c:v>
+                </c:pt>
+                <c:pt idx="4">
+                  <c:v>16906242312.209999</c:v>
+                </c:pt>
+                <c:pt idx="5">
+                  <c:v>17182711164.669998</c:v>
+                </c:pt>
+                <c:pt idx="6">
+                  <c:v>17459802512.5</c:v>
+                </c:pt>
+                <c:pt idx="7">
+                  <c:v>17657905247.580002</c:v>
+                </c:pt>
+                <c:pt idx="8">
+                  <c:v>17757273937.089996</c:v>
+                </c:pt>
+                <c:pt idx="9">
+                  <c:v>17844167352.279999</c:v>
+                </c:pt>
+                <c:pt idx="10">
+                  <c:v>17655381054.739998</c:v>
+                </c:pt>
+                <c:pt idx="11">
+                  <c:v>17679611748.369999</c:v>
+                </c:pt>
+                <c:pt idx="12">
+                  <c:v>18194825978.099998</c:v>
+                </c:pt>
+                <c:pt idx="13">
+                  <c:v>18220828393.030003</c:v>
+                </c:pt>
+                <c:pt idx="14">
+                  <c:v>18384612175.360001</c:v>
+                </c:pt>
+                <c:pt idx="15">
+                  <c:v>18396086668.990002</c:v>
+                </c:pt>
+                <c:pt idx="16">
+                  <c:v>18383002349.27</c:v>
+                </c:pt>
+                <c:pt idx="17">
+                  <c:v>18345897558.700001</c:v>
+                </c:pt>
+                <c:pt idx="18">
+                  <c:v>18327064821.639999</c:v>
+                </c:pt>
+                <c:pt idx="19">
+                  <c:v>18284947192.600002</c:v>
+                </c:pt>
+                <c:pt idx="20">
+                  <c:v>18565489018.920002</c:v>
+                </c:pt>
+                <c:pt idx="21">
+                  <c:v>18791760020.009998</c:v>
+                </c:pt>
+                <c:pt idx="22">
+                  <c:v>19093894250.939999</c:v>
+                </c:pt>
+                <c:pt idx="23">
+                  <c:v>19398170894.810001</c:v>
+                </c:pt>
+                <c:pt idx="24">
+                  <c:v>19852048840.890003</c:v>
+                </c:pt>
+                <c:pt idx="25">
+                  <c:v>19987072860.560001</c:v>
+                </c:pt>
+                <c:pt idx="26">
+                  <c:v>20019755099.000004</c:v>
+                </c:pt>
+                <c:pt idx="27">
+                  <c:v>20135611095.790001</c:v>
+                </c:pt>
+                <c:pt idx="28">
+                  <c:v>20275606136.43</c:v>
+                </c:pt>
+                <c:pt idx="29">
+                  <c:v>20343991340.230003</c:v>
+                </c:pt>
+                <c:pt idx="30">
+                  <c:v>20369717408.989998</c:v>
+                </c:pt>
+                <c:pt idx="31">
+                  <c:v>20538532106.719997</c:v>
+                </c:pt>
+                <c:pt idx="32">
+                  <c:v>20527906918.979996</c:v>
+                </c:pt>
+                <c:pt idx="33">
+                  <c:v>20513179544.139999</c:v>
+                </c:pt>
+                <c:pt idx="34">
+                  <c:v>20674032563.949997</c:v>
+                </c:pt>
+                <c:pt idx="35">
+                  <c:v>20489695013.529999</c:v>
+                </c:pt>
+                <c:pt idx="36">
+                  <c:v>19906780273.890003</c:v>
+                </c:pt>
+                <c:pt idx="37">
+                  <c:v>20136194556.099998</c:v>
+                </c:pt>
+                <c:pt idx="38">
+                  <c:v>20383129810.720001</c:v>
+                </c:pt>
+                <c:pt idx="39">
+                  <c:v>20454245161.239998</c:v>
+                </c:pt>
+                <c:pt idx="40">
+                  <c:v>20651108319.879997</c:v>
+                </c:pt>
+                <c:pt idx="41">
+                  <c:v>21025354821.07</c:v>
+                </c:pt>
+                <c:pt idx="42">
+                  <c:v>21167615887.09</c:v>
+                </c:pt>
+                <c:pt idx="43">
+                  <c:v>21296316677.809998</c:v>
+                </c:pt>
+                <c:pt idx="44">
+                  <c:v>21455972732.809998</c:v>
+                </c:pt>
+                <c:pt idx="45">
+                  <c:v>21717870166.84</c:v>
+                </c:pt>
+                <c:pt idx="46">
+                  <c:v>21899114749.880001</c:v>
+                </c:pt>
+                <c:pt idx="47">
+                  <c:v>22233722420.41</c:v>
+                </c:pt>
+                <c:pt idx="48">
+                  <c:v>22798347815.029999</c:v>
+                </c:pt>
+                <c:pt idx="49">
+                  <c:v>22929797808.560001</c:v>
+                </c:pt>
+                <c:pt idx="50">
+                  <c:v>22990748741.380001</c:v>
+                </c:pt>
+                <c:pt idx="51">
+                  <c:v>23152976595.670002</c:v>
+                </c:pt>
+                <c:pt idx="52">
+                  <c:v>22832574709.889999</c:v>
+                </c:pt>
+                <c:pt idx="53">
+                  <c:v>22403882464.529995</c:v>
+                </c:pt>
+                <c:pt idx="54">
+                  <c:v>22741180506.900002</c:v>
+                </c:pt>
+                <c:pt idx="55">
+                  <c:v>23121102322.040001</c:v>
+                </c:pt>
+                <c:pt idx="56">
+                  <c:v>23781044029.560001</c:v>
+                </c:pt>
+                <c:pt idx="57">
+                  <c:v>24109875952.700001</c:v>
+                </c:pt>
+                <c:pt idx="58">
+                  <c:v>24363479288.900002</c:v>
+                </c:pt>
+                <c:pt idx="59">
+                  <c:v>24714978511.639996</c:v>
+                </c:pt>
+                <c:pt idx="60">
+                  <c:v>24561622290.279999</c:v>
+                </c:pt>
+                <c:pt idx="61">
+                  <c:v>24971859670.439995</c:v>
+                </c:pt>
+                <c:pt idx="62">
+                  <c:v>25362216793.499996</c:v>
+                </c:pt>
+                <c:pt idx="63">
+                  <c:v>25777375535.709999</c:v>
+                </c:pt>
+                <c:pt idx="64">
+                  <c:v>26503745667.459999</c:v>
+                </c:pt>
+                <c:pt idx="65">
+                  <c:v>27199743226.619999</c:v>
+                </c:pt>
+                <c:pt idx="66">
+                  <c:v>27496817096.909996</c:v>
+                </c:pt>
+                <c:pt idx="67">
+                  <c:v>27716283800.459995</c:v>
+                </c:pt>
+                <c:pt idx="68">
+                  <c:v>27916127607.549995</c:v>
+                </c:pt>
+                <c:pt idx="69">
+                  <c:v>28249420002.609993</c:v>
+                </c:pt>
+                <c:pt idx="70">
+                  <c:v>28691998001.789993</c:v>
+                </c:pt>
+                <c:pt idx="71">
+                  <c:v>29172812119.439999</c:v>
+                </c:pt>
+                <c:pt idx="72">
+                  <c:v>29792223779.029995</c:v>
+                </c:pt>
+                <c:pt idx="73">
+                  <c:v>30069848636.389999</c:v>
+                </c:pt>
+                <c:pt idx="74">
+                  <c:v>30549597289.140003</c:v>
+                </c:pt>
+                <c:pt idx="75">
+                  <c:v>31033686486.82</c:v>
+                </c:pt>
+                <c:pt idx="76">
+                  <c:v>31593084462.230003</c:v>
+                </c:pt>
+                <c:pt idx="77">
+                  <c:v>32475927145.119999</c:v>
+                </c:pt>
+                <c:pt idx="78">
+                  <c:v>33127940007.180004</c:v>
+                </c:pt>
+                <c:pt idx="79">
+                  <c:v>33489185610.540001</c:v>
+                </c:pt>
+                <c:pt idx="80">
+                  <c:v>33483591046.269997</c:v>
+                </c:pt>
+                <c:pt idx="81">
+                  <c:v>33675940817.990002</c:v>
+                </c:pt>
+                <c:pt idx="82">
+                  <c:v>33944328717.990002</c:v>
+                </c:pt>
+                <c:pt idx="83">
+                  <c:v>34032118879.170006</c:v>
+                </c:pt>
+                <c:pt idx="84">
+                  <c:v>34292740077.91</c:v>
+                </c:pt>
+                <c:pt idx="85">
+                  <c:v>34427695588.43</c:v>
+                </c:pt>
+                <c:pt idx="86">
+                  <c:v>34470430837.899994</c:v>
+                </c:pt>
+                <c:pt idx="87">
+                  <c:v>34680870364.019997</c:v>
+                </c:pt>
+                <c:pt idx="88">
+                  <c:v>34904988701.309998</c:v>
+                </c:pt>
+                <c:pt idx="89">
+                  <c:v>34824297621.889992</c:v>
+                </c:pt>
+                <c:pt idx="90">
+                  <c:v>34751979437.269997</c:v>
+                </c:pt>
+                <c:pt idx="91">
+                  <c:v>35072387820.5</c:v>
+                </c:pt>
+                <c:pt idx="92">
+                  <c:v>35426990166.349998</c:v>
+                </c:pt>
+                <c:pt idx="93">
+                  <c:v>35870795864.630005</c:v>
+                </c:pt>
+                <c:pt idx="94">
+                  <c:v>36548729160.490005</c:v>
+                </c:pt>
+                <c:pt idx="95">
+                  <c:v>37362687827.279999</c:v>
+                </c:pt>
+                <c:pt idx="96">
+                  <c:v>37797107427.590004</c:v>
+                </c:pt>
+                <c:pt idx="97">
+                  <c:v>38284575625.32</c:v>
+                </c:pt>
+                <c:pt idx="98">
+                  <c:v>38694164319.169998</c:v>
+                </c:pt>
+                <c:pt idx="99">
+                  <c:v>38735189842.379997</c:v>
+                </c:pt>
+                <c:pt idx="100">
+                  <c:v>39045234936.590004</c:v>
+                </c:pt>
+              </c:numCache>
+            </c:numRef>
+          </c:val>
+          <c:smooth val="0"/>
+          <c:extLst>
+            <c:ext xmlns:c16="http://schemas.microsoft.com/office/drawing/2014/chart" uri="{C3380CC4-5D6E-409C-BE32-E72D297353CC}">
+              <c16:uniqueId val="{00000000-FCA9-424A-90AE-4B3ABBFEFE32}"/>
+            </c:ext>
+          </c:extLst>
+        </c:ser>
+        <c:ser>
+          <c:idx val="0"/>
+          <c:order val="1"/>
+          <c:tx>
+            <c:strRef>
+              <c:f>Sheet1!$H$1</c:f>
+              <c:strCache>
+                <c:ptCount val="1"/>
+                <c:pt idx="0">
+                  <c:v>Filtro Hodrick-Prescott</c:v>
+                </c:pt>
+              </c:strCache>
+            </c:strRef>
+          </c:tx>
+          <c:spPr>
+            <a:ln w="28575" cap="rnd">
+              <a:solidFill>
+                <a:schemeClr val="accent6">
+                  <a:lumMod val="75000"/>
+                </a:schemeClr>
+              </a:solidFill>
+              <a:round/>
+            </a:ln>
+            <a:effectLst/>
+          </c:spPr>
+          <c:marker>
+            <c:symbol val="none"/>
+          </c:marker>
+          <c:cat>
+            <c:numRef>
+              <c:f>Sheet1!$A$14:$A$114</c:f>
+              <c:numCache>
+                <c:formatCode>m/d/yyyy</c:formatCode>
+                <c:ptCount val="101"/>
+                <c:pt idx="0">
+                  <c:v>42370</c:v>
+                </c:pt>
+                <c:pt idx="1">
+                  <c:v>42401</c:v>
+                </c:pt>
+                <c:pt idx="2">
+                  <c:v>42430</c:v>
+                </c:pt>
+                <c:pt idx="3">
+                  <c:v>42461</c:v>
+                </c:pt>
+                <c:pt idx="4">
+                  <c:v>42491</c:v>
+                </c:pt>
+                <c:pt idx="5">
+                  <c:v>42522</c:v>
+                </c:pt>
+                <c:pt idx="6">
+                  <c:v>42552</c:v>
+                </c:pt>
+                <c:pt idx="7">
+                  <c:v>42583</c:v>
+                </c:pt>
+                <c:pt idx="8">
+                  <c:v>42614</c:v>
+                </c:pt>
+                <c:pt idx="9">
+                  <c:v>42644</c:v>
+                </c:pt>
+                <c:pt idx="10">
+                  <c:v>42675</c:v>
+                </c:pt>
+                <c:pt idx="11">
+                  <c:v>42705</c:v>
+                </c:pt>
+                <c:pt idx="12">
+                  <c:v>42736</c:v>
+                </c:pt>
+                <c:pt idx="13">
+                  <c:v>42767</c:v>
+                </c:pt>
+                <c:pt idx="14">
+                  <c:v>42795</c:v>
+                </c:pt>
+                <c:pt idx="15">
+                  <c:v>42826</c:v>
+                </c:pt>
+                <c:pt idx="16">
+                  <c:v>42856</c:v>
+                </c:pt>
+                <c:pt idx="17">
+                  <c:v>42887</c:v>
+                </c:pt>
+                <c:pt idx="18">
+                  <c:v>42917</c:v>
+                </c:pt>
+                <c:pt idx="19">
+                  <c:v>42948</c:v>
+                </c:pt>
+                <c:pt idx="20">
+                  <c:v>42979</c:v>
+                </c:pt>
+                <c:pt idx="21">
+                  <c:v>43009</c:v>
+                </c:pt>
+                <c:pt idx="22">
+                  <c:v>43040</c:v>
+                </c:pt>
+                <c:pt idx="23">
+                  <c:v>43070</c:v>
+                </c:pt>
+                <c:pt idx="24">
+                  <c:v>43101</c:v>
+                </c:pt>
+                <c:pt idx="25">
+                  <c:v>43132</c:v>
+                </c:pt>
+                <c:pt idx="26">
+                  <c:v>43160</c:v>
+                </c:pt>
+                <c:pt idx="27">
+                  <c:v>43191</c:v>
+                </c:pt>
+                <c:pt idx="28">
+                  <c:v>43221</c:v>
+                </c:pt>
+                <c:pt idx="29">
+                  <c:v>43252</c:v>
+                </c:pt>
+                <c:pt idx="30">
+                  <c:v>43282</c:v>
+                </c:pt>
+                <c:pt idx="31">
+                  <c:v>43313</c:v>
+                </c:pt>
+                <c:pt idx="32">
+                  <c:v>43344</c:v>
+                </c:pt>
+                <c:pt idx="33">
+                  <c:v>43374</c:v>
+                </c:pt>
+                <c:pt idx="34">
+                  <c:v>43405</c:v>
+                </c:pt>
+                <c:pt idx="35">
+                  <c:v>43435</c:v>
+                </c:pt>
+                <c:pt idx="36">
+                  <c:v>43466</c:v>
+                </c:pt>
+                <c:pt idx="37">
+                  <c:v>43497</c:v>
+                </c:pt>
+                <c:pt idx="38">
+                  <c:v>43525</c:v>
+                </c:pt>
+                <c:pt idx="39">
+                  <c:v>43556</c:v>
+                </c:pt>
+                <c:pt idx="40">
+                  <c:v>43586</c:v>
+                </c:pt>
+                <c:pt idx="41">
+                  <c:v>43617</c:v>
+                </c:pt>
+                <c:pt idx="42">
+                  <c:v>43647</c:v>
+                </c:pt>
+                <c:pt idx="43">
+                  <c:v>43678</c:v>
+                </c:pt>
+                <c:pt idx="44">
+                  <c:v>43709</c:v>
+                </c:pt>
+                <c:pt idx="45">
+                  <c:v>43739</c:v>
+                </c:pt>
+                <c:pt idx="46">
+                  <c:v>43770</c:v>
+                </c:pt>
+                <c:pt idx="47">
+                  <c:v>43800</c:v>
+                </c:pt>
+                <c:pt idx="48">
+                  <c:v>43831</c:v>
+                </c:pt>
+                <c:pt idx="49">
+                  <c:v>43862</c:v>
+                </c:pt>
+                <c:pt idx="50">
+                  <c:v>43891</c:v>
+                </c:pt>
+                <c:pt idx="51">
+                  <c:v>43922</c:v>
+                </c:pt>
+                <c:pt idx="52">
+                  <c:v>43952</c:v>
+                </c:pt>
+                <c:pt idx="53">
+                  <c:v>43983</c:v>
+                </c:pt>
+                <c:pt idx="54">
+                  <c:v>44013</c:v>
+                </c:pt>
+                <c:pt idx="55">
+                  <c:v>44044</c:v>
+                </c:pt>
+                <c:pt idx="56">
+                  <c:v>44075</c:v>
+                </c:pt>
+                <c:pt idx="57">
+                  <c:v>44105</c:v>
+                </c:pt>
+                <c:pt idx="58">
+                  <c:v>44136</c:v>
+                </c:pt>
+                <c:pt idx="59">
+                  <c:v>44166</c:v>
+                </c:pt>
+                <c:pt idx="60">
+                  <c:v>44197</c:v>
+                </c:pt>
+                <c:pt idx="61">
+                  <c:v>44228</c:v>
+                </c:pt>
+                <c:pt idx="62">
+                  <c:v>44256</c:v>
+                </c:pt>
+                <c:pt idx="63">
+                  <c:v>44287</c:v>
+                </c:pt>
+                <c:pt idx="64">
+                  <c:v>44317</c:v>
+                </c:pt>
+                <c:pt idx="65">
+                  <c:v>44348</c:v>
+                </c:pt>
+                <c:pt idx="66">
+                  <c:v>44378</c:v>
+                </c:pt>
+                <c:pt idx="67">
+                  <c:v>44409</c:v>
+                </c:pt>
+                <c:pt idx="68">
+                  <c:v>44440</c:v>
+                </c:pt>
+                <c:pt idx="69">
+                  <c:v>44470</c:v>
+                </c:pt>
+                <c:pt idx="70">
+                  <c:v>44501</c:v>
+                </c:pt>
+                <c:pt idx="71">
+                  <c:v>44531</c:v>
+                </c:pt>
+                <c:pt idx="72">
+                  <c:v>44562</c:v>
+                </c:pt>
+                <c:pt idx="73">
+                  <c:v>44593</c:v>
+                </c:pt>
+                <c:pt idx="74">
+                  <c:v>44621</c:v>
+                </c:pt>
+                <c:pt idx="75">
+                  <c:v>44652</c:v>
+                </c:pt>
+                <c:pt idx="76">
+                  <c:v>44682</c:v>
+                </c:pt>
+                <c:pt idx="77">
+                  <c:v>44713</c:v>
+                </c:pt>
+                <c:pt idx="78">
+                  <c:v>44743</c:v>
+                </c:pt>
+                <c:pt idx="79">
+                  <c:v>44774</c:v>
+                </c:pt>
+                <c:pt idx="80">
+                  <c:v>44805</c:v>
+                </c:pt>
+                <c:pt idx="81">
+                  <c:v>44835</c:v>
+                </c:pt>
+                <c:pt idx="82">
+                  <c:v>44866</c:v>
+                </c:pt>
+                <c:pt idx="83">
+                  <c:v>44896</c:v>
+                </c:pt>
+                <c:pt idx="84">
+                  <c:v>44927</c:v>
+                </c:pt>
+                <c:pt idx="85">
+                  <c:v>44958</c:v>
+                </c:pt>
+                <c:pt idx="86">
+                  <c:v>44986</c:v>
+                </c:pt>
+                <c:pt idx="87">
+                  <c:v>45017</c:v>
+                </c:pt>
+                <c:pt idx="88">
+                  <c:v>45047</c:v>
+                </c:pt>
+                <c:pt idx="89">
+                  <c:v>45078</c:v>
+                </c:pt>
+                <c:pt idx="90">
+                  <c:v>45108</c:v>
+                </c:pt>
+                <c:pt idx="91">
+                  <c:v>45139</c:v>
+                </c:pt>
+                <c:pt idx="92">
+                  <c:v>45170</c:v>
+                </c:pt>
+                <c:pt idx="93">
+                  <c:v>45200</c:v>
+                </c:pt>
+                <c:pt idx="94">
+                  <c:v>45231</c:v>
+                </c:pt>
+                <c:pt idx="95">
+                  <c:v>45261</c:v>
+                </c:pt>
+                <c:pt idx="96">
+                  <c:v>45292</c:v>
+                </c:pt>
+                <c:pt idx="97">
+                  <c:v>45323</c:v>
+                </c:pt>
+                <c:pt idx="98">
+                  <c:v>45352</c:v>
+                </c:pt>
+                <c:pt idx="99">
+                  <c:v>45383</c:v>
+                </c:pt>
+                <c:pt idx="100">
+                  <c:v>45413</c:v>
+                </c:pt>
+              </c:numCache>
+            </c:numRef>
+          </c:cat>
+          <c:val>
+            <c:numRef>
+              <c:f>Sheet1!$H$14:$H$114</c:f>
+              <c:numCache>
+                <c:formatCode>General</c:formatCode>
+                <c:ptCount val="101"/>
+                <c:pt idx="0">
+                  <c:v>16568365512.102489</c:v>
+                </c:pt>
+                <c:pt idx="1">
+                  <c:v>16679336519.901739</c:v>
+                </c:pt>
+                <c:pt idx="2">
+                  <c:v>16790295336.76009</c:v>
+                </c:pt>
+                <c:pt idx="3">
+                  <c:v>16901215085.397961</c:v>
+                </c:pt>
+                <c:pt idx="4">
+                  <c:v>17012052689.73844</c:v>
+                </c:pt>
+                <c:pt idx="5">
+                  <c:v>17122752393.31813</c:v>
+                </c:pt>
+                <c:pt idx="6">
+                  <c:v>17233251091.73077</c:v>
+                </c:pt>
+                <c:pt idx="7">
+                  <c:v>17343489844.373638</c:v>
+                </c:pt>
+                <c:pt idx="8">
+                  <c:v>17453425443.381599</c:v>
+                </c:pt>
+                <c:pt idx="9">
+                  <c:v>17563036515.29245</c:v>
+                </c:pt>
+                <c:pt idx="10">
+                  <c:v>17672322787.233921</c:v>
+                </c:pt>
+                <c:pt idx="11">
+                  <c:v>17781303509.308479</c:v>
+                </c:pt>
+                <c:pt idx="12">
+                  <c:v>17889996755.109421</c:v>
+                </c:pt>
+                <c:pt idx="13">
+                  <c:v>17998413536.302181</c:v>
+                </c:pt>
+                <c:pt idx="14">
+                  <c:v>18106586033.248211</c:v>
+                </c:pt>
+                <c:pt idx="15">
+                  <c:v>18214561871.785172</c:v>
+                </c:pt>
+                <c:pt idx="16">
+                  <c:v>18322407985.12167</c:v>
+                </c:pt>
+                <c:pt idx="17">
+                  <c:v>18430203912.355019</c:v>
+                </c:pt>
+                <c:pt idx="18">
+                  <c:v>18538033400.52449</c:v>
+                </c:pt>
+                <c:pt idx="19">
+                  <c:v>18645974342.061451</c:v>
+                </c:pt>
+                <c:pt idx="20">
+                  <c:v>18754089978.801529</c:v>
+                </c:pt>
+                <c:pt idx="21">
+                  <c:v>18862418481.250511</c:v>
+                </c:pt>
+                <c:pt idx="22">
+                  <c:v>18970984922.625309</c:v>
+                </c:pt>
+                <c:pt idx="23">
+                  <c:v>19079809469.30526</c:v>
+                </c:pt>
+                <c:pt idx="24">
+                  <c:v>19188920823.039711</c:v>
+                </c:pt>
+                <c:pt idx="25">
+                  <c:v>19298369794.01033</c:v>
+                </c:pt>
+                <c:pt idx="26">
+                  <c:v>19408253242.955601</c:v>
+                </c:pt>
+                <c:pt idx="27">
+                  <c:v>19518715857.215832</c:v>
+                </c:pt>
+                <c:pt idx="28">
+                  <c:v>19629944789.53801</c:v>
+                </c:pt>
+                <c:pt idx="29">
+                  <c:v>19742170032.616249</c:v>
+                </c:pt>
+                <c:pt idx="30">
+                  <c:v>19855666416.738178</c:v>
+                </c:pt>
+                <c:pt idx="31">
+                  <c:v>19970750565.337818</c:v>
+                </c:pt>
+                <c:pt idx="32">
+                  <c:v>20087774799.834751</c:v>
+                </c:pt>
+                <c:pt idx="33">
+                  <c:v>20207130870.922249</c:v>
+                </c:pt>
+                <c:pt idx="34">
+                  <c:v>20329241094.024071</c:v>
+                </c:pt>
+                <c:pt idx="35">
+                  <c:v>20454549037.944099</c:v>
+                </c:pt>
+                <c:pt idx="36">
+                  <c:v>20583522215.338299</c:v>
+                </c:pt>
+                <c:pt idx="37">
+                  <c:v>20716630579.55529</c:v>
+                </c:pt>
+                <c:pt idx="38">
+                  <c:v>20854297087.975731</c:v>
+                </c:pt>
+                <c:pt idx="39">
+                  <c:v>20996904389.922871</c:v>
+                </c:pt>
+                <c:pt idx="40">
+                  <c:v>21144802414.770309</c:v>
+                </c:pt>
+                <c:pt idx="41">
+                  <c:v>21298303407.2229</c:v>
+                </c:pt>
+                <c:pt idx="42">
+                  <c:v>21457685327.67329</c:v>
+                </c:pt>
+                <c:pt idx="43">
+                  <c:v>21623207181.751389</c:v>
+                </c:pt>
+                <c:pt idx="44">
+                  <c:v>21795107831.3759</c:v>
+                </c:pt>
+                <c:pt idx="45">
+                  <c:v>21973603437.736031</c:v>
+                </c:pt>
+                <c:pt idx="46">
+                  <c:v>22158886610.972439</c:v>
+                </c:pt>
+                <c:pt idx="47">
+                  <c:v>22351132201.970951</c:v>
+                </c:pt>
+                <c:pt idx="48">
+                  <c:v>22550497021.904758</c:v>
+                </c:pt>
+                <c:pt idx="49">
+                  <c:v>22757129728.490021</c:v>
+                </c:pt>
+                <c:pt idx="50">
+                  <c:v>22971196191.30344</c:v>
+                </c:pt>
+                <c:pt idx="51">
+                  <c:v>23192874270.76086</c:v>
+                </c:pt>
+                <c:pt idx="52">
+                  <c:v>23422343185.09388</c:v>
+                </c:pt>
+                <c:pt idx="53">
+                  <c:v>23659779381.862228</c:v>
+                </c:pt>
+                <c:pt idx="54">
+                  <c:v>23905318352.48159</c:v>
+                </c:pt>
+                <c:pt idx="55">
+                  <c:v>24159008373.30397</c:v>
+                </c:pt>
+                <c:pt idx="56">
+                  <c:v>24420816877.775379</c:v>
+                </c:pt>
+                <c:pt idx="57">
+                  <c:v>24690639222.532799</c:v>
+                </c:pt>
+                <c:pt idx="58">
+                  <c:v>24968326335.543011</c:v>
+                </c:pt>
+                <c:pt idx="59">
+                  <c:v>25253688813.990318</c:v>
+                </c:pt>
+                <c:pt idx="60">
+                  <c:v>25546495251.791851</c:v>
+                </c:pt>
+                <c:pt idx="61">
+                  <c:v>25846476832.427059</c:v>
+                </c:pt>
+                <c:pt idx="62">
+                  <c:v>26153296345.419781</c:v>
+                </c:pt>
+                <c:pt idx="63">
+                  <c:v>26466555842.990898</c:v>
+                </c:pt>
+                <c:pt idx="64">
+                  <c:v>26785802441.281349</c:v>
+                </c:pt>
+                <c:pt idx="65">
+                  <c:v>27110535396.68837</c:v>
+                </c:pt>
+                <c:pt idx="66">
+                  <c:v>27440234378.33345</c:v>
+                </c:pt>
+                <c:pt idx="67">
+                  <c:v>27774385250.326149</c:v>
+                </c:pt>
+                <c:pt idx="68">
+                  <c:v>28112477806.1315</c:v>
+                </c:pt>
+                <c:pt idx="69">
+                  <c:v>28453997804.391571</c:v>
+                </c:pt>
+                <c:pt idx="70">
+                  <c:v>28798417368.318031</c:v>
+                </c:pt>
+                <c:pt idx="71">
+                  <c:v>29145194414.33075</c:v>
+                </c:pt>
+                <c:pt idx="72">
+                  <c:v>29493779468.61581</c:v>
+                </c:pt>
+                <c:pt idx="73">
+                  <c:v>29843624975.255508</c:v>
+                </c:pt>
+                <c:pt idx="74">
+                  <c:v>30194204103.631451</c:v>
+                </c:pt>
+                <c:pt idx="75">
+                  <c:v>30545005733.1017</c:v>
+                </c:pt>
+                <c:pt idx="76">
+                  <c:v>30895543423.10667</c:v>
+                </c:pt>
+                <c:pt idx="77">
+                  <c:v>31245364669.25021</c:v>
+                </c:pt>
+                <c:pt idx="78">
+                  <c:v>31594065407.486141</c:v>
+                </c:pt>
+                <c:pt idx="79">
+                  <c:v>31941327029.49572</c:v>
+                </c:pt>
+                <c:pt idx="80">
+                  <c:v>32286937446.029652</c:v>
+                </c:pt>
+                <c:pt idx="81">
+                  <c:v>32630792058.01791</c:v>
+                </c:pt>
+                <c:pt idx="82">
+                  <c:v>32972869367.334888</c:v>
+                </c:pt>
+                <c:pt idx="83">
+                  <c:v>33313220455.630001</c:v>
+                </c:pt>
+                <c:pt idx="84">
+                  <c:v>33651963867.007549</c:v>
+                </c:pt>
+                <c:pt idx="85">
+                  <c:v>33989268069.07349</c:v>
+                </c:pt>
+                <c:pt idx="86">
+                  <c:v>34325346027.78175</c:v>
+                </c:pt>
+                <c:pt idx="87">
+                  <c:v>34660441155.44178</c:v>
+                </c:pt>
+                <c:pt idx="88">
+                  <c:v>34994806939.697029</c:v>
+                </c:pt>
+                <c:pt idx="89">
+                  <c:v>35328698286.886032</c:v>
+                </c:pt>
+                <c:pt idx="90">
+                  <c:v>35662363865.969627</c:v>
+                </c:pt>
+                <c:pt idx="91">
+                  <c:v>35996017318.084717</c:v>
+                </c:pt>
+                <c:pt idx="92">
+                  <c:v>36329809063.227303</c:v>
+                </c:pt>
+                <c:pt idx="93">
+                  <c:v>36663825380.456062</c:v>
+                </c:pt>
+                <c:pt idx="94">
+                  <c:v>36998089853.072937</c:v>
+                </c:pt>
+                <c:pt idx="95">
+                  <c:v>37332570992.885742</c:v>
+                </c:pt>
+                <c:pt idx="96">
+                  <c:v>37667206106.098602</c:v>
+                </c:pt>
+                <c:pt idx="97">
+                  <c:v>38001934590.362503</c:v>
+                </c:pt>
+                <c:pt idx="98">
+                  <c:v>38336704864.25351</c:v>
+                </c:pt>
+                <c:pt idx="99">
+                  <c:v>38671484974.197357</c:v>
+                </c:pt>
+                <c:pt idx="100">
+                  <c:v>39006267790.193062</c:v>
+                </c:pt>
+              </c:numCache>
+            </c:numRef>
+          </c:val>
+          <c:smooth val="0"/>
+          <c:extLst>
+            <c:ext xmlns:c16="http://schemas.microsoft.com/office/drawing/2014/chart" uri="{C3380CC4-5D6E-409C-BE32-E72D297353CC}">
+              <c16:uniqueId val="{00000001-FCA9-424A-90AE-4B3ABBFEFE32}"/>
+            </c:ext>
+          </c:extLst>
+        </c:ser>
+        <c:dLbls>
+          <c:showLegendKey val="0"/>
+          <c:showVal val="0"/>
+          <c:showCatName val="0"/>
+          <c:showSerName val="0"/>
+          <c:showPercent val="0"/>
+          <c:showBubbleSize val="0"/>
+        </c:dLbls>
+        <c:smooth val="0"/>
+        <c:axId val="2017517231"/>
+        <c:axId val="2110974991"/>
+      </c:lineChart>
+      <c:dateAx>
+        <c:axId val="2017517231"/>
+        <c:scaling>
+          <c:orientation val="minMax"/>
+        </c:scaling>
+        <c:delete val="0"/>
+        <c:axPos val="b"/>
+        <c:numFmt formatCode="[$-416]mmm\-yy;@" sourceLinked="0"/>
+        <c:majorTickMark val="out"/>
+        <c:minorTickMark val="none"/>
+        <c:tickLblPos val="nextTo"/>
+        <c:spPr>
+          <a:noFill/>
+          <a:ln w="9525" cap="flat" cmpd="sng" algn="ctr">
+            <a:solidFill>
+              <a:schemeClr val="tx1">
+                <a:lumMod val="15000"/>
+                <a:lumOff val="85000"/>
+              </a:schemeClr>
+            </a:solidFill>
+            <a:round/>
+          </a:ln>
+          <a:effectLst/>
+        </c:spPr>
+        <c:txPr>
+          <a:bodyPr rot="-60000000" spcFirstLastPara="1" vertOverflow="ellipsis" vert="horz" wrap="square" anchor="ctr" anchorCtr="1"/>
+          <a:lstStyle/>
+          <a:p>
+            <a:pPr>
+              <a:defRPr sz="1200" b="0" i="0" u="none" strike="noStrike" kern="1200" baseline="0">
+                <a:solidFill>
+                  <a:schemeClr val="tx1">
+                    <a:lumMod val="65000"/>
+                    <a:lumOff val="35000"/>
+                  </a:schemeClr>
+                </a:solidFill>
+                <a:latin typeface="+mn-lt"/>
+                <a:ea typeface="+mn-ea"/>
+                <a:cs typeface="+mn-cs"/>
+              </a:defRPr>
+            </a:pPr>
+            <a:endParaRPr lang="pt-BR"/>
+          </a:p>
+        </c:txPr>
+        <c:crossAx val="2110974991"/>
+        <c:crosses val="autoZero"/>
+        <c:auto val="1"/>
+        <c:lblOffset val="100"/>
+        <c:baseTimeUnit val="months"/>
+        <c:majorUnit val="1"/>
+        <c:majorTimeUnit val="years"/>
+      </c:dateAx>
+      <c:valAx>
+        <c:axId val="2110974991"/>
+        <c:scaling>
+          <c:orientation val="minMax"/>
+          <c:min val="15000000000"/>
+        </c:scaling>
+        <c:delete val="0"/>
+        <c:axPos val="l"/>
+        <c:majorGridlines>
+          <c:spPr>
+            <a:ln w="9525" cap="flat" cmpd="sng" algn="ctr">
+              <a:solidFill>
+                <a:schemeClr val="tx1">
+                  <a:lumMod val="15000"/>
+                  <a:lumOff val="85000"/>
+                </a:schemeClr>
+              </a:solidFill>
+              <a:round/>
+            </a:ln>
+            <a:effectLst/>
+          </c:spPr>
+        </c:majorGridlines>
+        <c:numFmt formatCode="_(* #,##0_);_(* \(#,##0\);_(* &quot;-&quot;_);_(@_)" sourceLinked="0"/>
+        <c:majorTickMark val="none"/>
+        <c:minorTickMark val="none"/>
+        <c:tickLblPos val="nextTo"/>
+        <c:spPr>
+          <a:noFill/>
+          <a:ln>
+            <a:noFill/>
+          </a:ln>
+          <a:effectLst/>
+        </c:spPr>
+        <c:txPr>
+          <a:bodyPr rot="-60000000" spcFirstLastPara="1" vertOverflow="ellipsis" vert="horz" wrap="square" anchor="ctr" anchorCtr="1"/>
+          <a:lstStyle/>
+          <a:p>
+            <a:pPr>
+              <a:defRPr sz="1200" b="0" i="0" u="none" strike="noStrike" kern="1200" baseline="0">
+                <a:solidFill>
+                  <a:schemeClr val="tx1">
+                    <a:lumMod val="65000"/>
+                    <a:lumOff val="35000"/>
+                  </a:schemeClr>
+                </a:solidFill>
+                <a:latin typeface="+mn-lt"/>
+                <a:ea typeface="+mn-ea"/>
+                <a:cs typeface="+mn-cs"/>
+              </a:defRPr>
+            </a:pPr>
+            <a:endParaRPr lang="pt-BR"/>
+          </a:p>
+        </c:txPr>
+        <c:crossAx val="2017517231"/>
+        <c:crosses val="autoZero"/>
+        <c:crossBetween val="between"/>
+        <c:dispUnits>
+          <c:builtInUnit val="billions"/>
+          <c:dispUnitsLbl>
+            <c:tx>
+              <c:rich>
+                <a:bodyPr rot="-5400000" spcFirstLastPara="1" vertOverflow="ellipsis" vert="horz" wrap="square" anchor="ctr" anchorCtr="1"/>
+                <a:lstStyle/>
+                <a:p>
+                  <a:pPr>
+                    <a:defRPr sz="1200" b="0" i="0" u="none" strike="noStrike" kern="1200" baseline="0">
+                      <a:solidFill>
+                        <a:schemeClr val="tx1">
+                          <a:lumMod val="65000"/>
+                          <a:lumOff val="35000"/>
+                        </a:schemeClr>
+                      </a:solidFill>
+                      <a:latin typeface="+mn-lt"/>
+                      <a:ea typeface="+mn-ea"/>
+                      <a:cs typeface="+mn-cs"/>
+                    </a:defRPr>
+                  </a:pPr>
+                  <a:r>
+                    <a:rPr lang="pt-BR"/>
+                    <a:t>Bilhões em R$</a:t>
+                  </a:r>
+                </a:p>
+              </c:rich>
+            </c:tx>
+            <c:spPr>
+              <a:noFill/>
+              <a:ln>
+                <a:noFill/>
+              </a:ln>
+              <a:effectLst/>
+            </c:spPr>
+          </c:dispUnitsLbl>
+        </c:dispUnits>
+      </c:valAx>
+    </c:plotArea>
+    <c:legend>
+      <c:legendPos val="b"/>
+      <c:overlay val="0"/>
+      <c:spPr>
+        <a:noFill/>
+        <a:ln>
+          <a:noFill/>
+        </a:ln>
+        <a:effectLst/>
+      </c:spPr>
+      <c:txPr>
+        <a:bodyPr rot="0" spcFirstLastPara="1" vertOverflow="ellipsis" vert="horz" wrap="square" anchor="ctr" anchorCtr="1"/>
+        <a:lstStyle/>
+        <a:p>
+          <a:pPr>
+            <a:defRPr sz="1200" b="0" i="0" u="none" strike="noStrike" kern="1200" baseline="0">
+              <a:solidFill>
+                <a:schemeClr val="tx1">
+                  <a:lumMod val="65000"/>
+                  <a:lumOff val="35000"/>
+                </a:schemeClr>
+              </a:solidFill>
+              <a:latin typeface="+mn-lt"/>
+              <a:ea typeface="+mn-ea"/>
+              <a:cs typeface="+mn-cs"/>
+            </a:defRPr>
+          </a:pPr>
+          <a:endParaRPr lang="pt-BR"/>
+        </a:p>
+      </c:txPr>
+    </c:legend>
+    <c:plotVisOnly val="1"/>
+    <c:dispBlanksAs val="gap"/>
+    <c:showDLblsOverMax val="0"/>
+  </c:chart>
+  <c:txPr>
+    <a:bodyPr/>
+    <a:lstStyle/>
+    <a:p>
+      <a:pPr>
+        <a:defRPr sz="1200"/>
+      </a:pPr>
+      <a:endParaRPr lang="pt-BR"/>
+    </a:p>
+  </c:txPr>
+  <c:externalData r:id="rId1">
+    <c:autoUpdate val="0"/>
+  </c:externalData>
+</c:chartSpace>
+</file>
+
+<file path=ppt/charts/chart3.xml><?xml version="1.0" encoding="utf-8"?>
+<c:chartSpace xmlns:c="http://schemas.openxmlformats.org/drawingml/2006/chart" xmlns:a="http://schemas.openxmlformats.org/drawingml/2006/main" xmlns:r="http://schemas.openxmlformats.org/officeDocument/2006/relationships" xmlns:c16r2="http://schemas.microsoft.com/office/drawing/2015/06/chart">
+  <c:date1904 val="0"/>
+  <c:lang val="pt-BR"/>
+  <c:roundedCorners val="0"/>
+  <mc:AlternateContent xmlns:mc="http://schemas.openxmlformats.org/markup-compatibility/2006">
+    <mc:Choice xmlns:c14="http://schemas.microsoft.com/office/drawing/2007/8/2/chart" Requires="c14">
+      <c14:style val="102"/>
+    </mc:Choice>
+    <mc:Fallback>
+      <c:style val="2"/>
+    </mc:Fallback>
+  </mc:AlternateContent>
+  <c:chart>
+    <c:autoTitleDeleted val="1"/>
+    <c:plotArea>
+      <c:layout/>
+      <c:lineChart>
+        <c:grouping val="standard"/>
+        <c:varyColors val="0"/>
+        <c:ser>
           <c:idx val="0"/>
           <c:order val="0"/>
           <c:tx>
@@ -3069,7 +4605,7 @@
             <c:numRef>
               <c:f>Sheet1!$R$2:$R$54</c:f>
               <c:numCache>
-                <c:formatCode>yyyy\-mm\-dd</c:formatCode>
+                <c:formatCode>General</c:formatCode>
                 <c:ptCount val="53"/>
                 <c:pt idx="36" formatCode="_(* #,##0.00_);_(* \(#,##0.00\);_(* &quot;-&quot;??_);_(@_)">
                   <c:v>34322622945</c:v>
@@ -4560,7 +6096,7 @@
           <a:p>
             <a:fld id="{FB147E4C-8A93-4C03-890D-6471A064E5A8}" type="datetimeFigureOut">
               <a:rPr lang="pt-BR" smtClean="0"/>
-              <a:t>20/06/2024</a:t>
+              <a:t>21/06/2024</a:t>
             </a:fld>
             <a:endParaRPr lang="pt-BR"/>
           </a:p>
@@ -5485,7 +7021,7 @@
           <a:p>
             <a:fld id="{9D3B9545-DAC0-419E-85DE-3D98E5847DE1}" type="datetime1">
               <a:rPr lang="pt-BR" smtClean="0"/>
-              <a:t>20/06/2024</a:t>
+              <a:t>21/06/2024</a:t>
             </a:fld>
             <a:endParaRPr lang="pt-BR"/>
           </a:p>
@@ -5918,7 +7454,7 @@
           <a:p>
             <a:fld id="{DF7172D7-E29E-45F0-859B-8326898233ED}" type="datetime1">
               <a:rPr lang="pt-BR" smtClean="0"/>
-              <a:t>20/06/2024</a:t>
+              <a:t>21/06/2024</a:t>
             </a:fld>
             <a:endParaRPr lang="pt-BR"/>
           </a:p>
@@ -6294,7 +7830,7 @@
           <a:p>
             <a:fld id="{9D1DFD41-D5C6-451F-8FDC-B4CCBD1403AB}" type="datetime1">
               <a:rPr lang="pt-BR" smtClean="0"/>
-              <a:t>20/06/2024</a:t>
+              <a:t>21/06/2024</a:t>
             </a:fld>
             <a:endParaRPr lang="pt-BR"/>
           </a:p>
@@ -7081,7 +8617,7 @@
           <a:p>
             <a:fld id="{0607BD49-73B0-4A8F-9945-1AB1E5A4A7D9}" type="datetime1">
               <a:rPr lang="pt-BR" smtClean="0"/>
-              <a:t>20/06/2024</a:t>
+              <a:t>21/06/2024</a:t>
             </a:fld>
             <a:endParaRPr lang="pt-BR"/>
           </a:p>
@@ -7673,7 +9209,7 @@
           <a:p>
             <a:fld id="{3395128D-77F1-4756-93C8-EE2A964385C3}" type="datetime1">
               <a:rPr lang="pt-BR" smtClean="0"/>
-              <a:t>20/06/2024</a:t>
+              <a:t>21/06/2024</a:t>
             </a:fld>
             <a:endParaRPr lang="pt-BR"/>
           </a:p>
@@ -8023,7 +9559,7 @@
           <a:p>
             <a:fld id="{DB640980-AF61-493B-AC89-46355AB17B7B}" type="datetime1">
               <a:rPr lang="pt-BR" smtClean="0"/>
-              <a:t>20/06/2024</a:t>
+              <a:t>21/06/2024</a:t>
             </a:fld>
             <a:endParaRPr lang="pt-BR"/>
           </a:p>
@@ -8373,7 +9909,7 @@
           <a:p>
             <a:fld id="{25B9F0CD-75E8-4E42-9852-939F0791AF88}" type="datetime1">
               <a:rPr lang="pt-BR" smtClean="0"/>
-              <a:t>20/06/2024</a:t>
+              <a:t>21/06/2024</a:t>
             </a:fld>
             <a:endParaRPr lang="pt-BR"/>
           </a:p>
@@ -8904,7 +10440,7 @@
           <a:p>
             <a:fld id="{BE95EA4F-EA24-4028-993A-FDA0886A51D8}" type="datetime1">
               <a:rPr lang="pt-BR" smtClean="0"/>
-              <a:t>20/06/2024</a:t>
+              <a:t>21/06/2024</a:t>
             </a:fld>
             <a:endParaRPr lang="pt-BR"/>
           </a:p>
@@ -9323,7 +10859,7 @@
           <a:p>
             <a:fld id="{470491BB-C939-4FFF-9E62-5A4EC19959E7}" type="datetime1">
               <a:rPr lang="pt-BR" smtClean="0"/>
-              <a:t>20/06/2024</a:t>
+              <a:t>21/06/2024</a:t>
             </a:fld>
             <a:endParaRPr lang="pt-BR"/>
           </a:p>
@@ -9696,7 +11232,7 @@
           <a:p>
             <a:fld id="{4EB3D2F9-248C-4422-95B8-CADA3F075573}" type="datetime1">
               <a:rPr lang="pt-BR" smtClean="0"/>
-              <a:t>20/06/2024</a:t>
+              <a:t>21/06/2024</a:t>
             </a:fld>
             <a:endParaRPr lang="pt-BR"/>
           </a:p>
@@ -10234,30 +11770,7 @@
           <a:p>
             <a:r>
               <a:rPr lang="pt-BR" dirty="0"/>
-              <a:t>Previsão da Receita Corrente Liquida</a:t>
-            </a:r>
-          </a:p>
-        </p:txBody>
-      </p:sp>
-      <p:sp>
-        <p:nvSpPr>
-          <p:cNvPr id="3" name="Subtítulo 2"/>
-          <p:cNvSpPr>
-            <a:spLocks noGrp="1"/>
-          </p:cNvSpPr>
-          <p:nvPr>
-            <p:ph type="subTitle" idx="1"/>
-          </p:nvPr>
-        </p:nvSpPr>
-        <p:spPr/>
-        <p:txBody>
-          <a:bodyPr/>
-          <a:lstStyle/>
-          <a:p>
-            <a:pPr algn="r"/>
-            <a:r>
-              <a:rPr lang="pt-BR" dirty="0"/>
-              <a:t>Modelos: ARIMA, ETS, Holt Method, Holt Winters</a:t>
+              <a:t>Previsão da Receita Corrente Liquida - RCL</a:t>
             </a:r>
           </a:p>
         </p:txBody>
@@ -10348,7 +11861,7 @@
           <a:p>
             <a:r>
               <a:rPr lang="pt-BR" dirty="0"/>
-              <a:t>Diferença entre RCL e RCL com ajustes (Retirando IPASGO e venda da CELG-T)</a:t>
+              <a:t>Diferença entre RCL e RCL com ajustes (Retirando IPASGO e venda da CELG-T). Acumulado 12 meses.</a:t>
             </a:r>
           </a:p>
         </p:txBody>
@@ -10426,14 +11939,14 @@
           <p:nvPr>
             <p:extLst>
               <p:ext uri="{D42A27DB-BD31-4B8C-83A1-F6EECF244321}">
-                <p14:modId xmlns:p14="http://schemas.microsoft.com/office/powerpoint/2010/main" val="1583364886"/>
+                <p14:modId xmlns:p14="http://schemas.microsoft.com/office/powerpoint/2010/main" val="2577385031"/>
               </p:ext>
             </p:extLst>
           </p:nvPr>
         </p:nvGraphicFramePr>
         <p:xfrm>
-          <a:off x="365125" y="1175656"/>
-          <a:ext cx="11160000" cy="3960000"/>
+          <a:off x="1992420" y="1175656"/>
+          <a:ext cx="8207159" cy="3960000"/>
         </p:xfrm>
         <a:graphic>
           <a:graphicData uri="http://schemas.openxmlformats.org/drawingml/2006/chart">
@@ -10569,7 +12082,7 @@
           <a:p>
             <a:r>
               <a:rPr lang="pt-BR" dirty="0"/>
-              <a:t>Decomposição da serie RCL - jan. de 2016 a mai. de 2024</a:t>
+              <a:t>Decomposição da série RCL - jan. de 2016 a mai. de 2024</a:t>
             </a:r>
           </a:p>
         </p:txBody>
@@ -10662,8 +12175,8 @@
         </p:blipFill>
         <p:spPr>
           <a:xfrm>
-            <a:off x="957625" y="876299"/>
-            <a:ext cx="10276750" cy="3845742"/>
+            <a:off x="495752" y="903311"/>
+            <a:ext cx="5434466" cy="3845742"/>
           </a:xfrm>
         </p:spPr>
       </p:pic>
@@ -10755,6 +12268,36 @@
           </a:p>
         </p:txBody>
       </p:sp>
+      <p:graphicFrame>
+        <p:nvGraphicFramePr>
+          <p:cNvPr id="7" name="Gráfico 6">
+            <a:extLst>
+              <a:ext uri="{FF2B5EF4-FFF2-40B4-BE49-F238E27FC236}">
+                <a16:creationId xmlns:a16="http://schemas.microsoft.com/office/drawing/2014/main" id="{C9F83F44-3C1D-4594-9BCC-FD7D286D193C}"/>
+              </a:ext>
+            </a:extLst>
+          </p:cNvPr>
+          <p:cNvGraphicFramePr>
+            <a:graphicFrameLocks/>
+          </p:cNvGraphicFramePr>
+          <p:nvPr>
+            <p:extLst>
+              <p:ext uri="{D42A27DB-BD31-4B8C-83A1-F6EECF244321}">
+                <p14:modId xmlns:p14="http://schemas.microsoft.com/office/powerpoint/2010/main" val="1875751146"/>
+              </p:ext>
+            </p:extLst>
+          </p:nvPr>
+        </p:nvGraphicFramePr>
+        <p:xfrm>
+          <a:off x="6095999" y="830263"/>
+          <a:ext cx="5399313" cy="3918790"/>
+        </p:xfrm>
+        <a:graphic>
+          <a:graphicData uri="http://schemas.openxmlformats.org/drawingml/2006/chart">
+            <c:chart xmlns:c="http://schemas.openxmlformats.org/drawingml/2006/chart" xmlns:r="http://schemas.openxmlformats.org/officeDocument/2006/relationships" r:id="rId3"/>
+          </a:graphicData>
+        </a:graphic>
+      </p:graphicFrame>
     </p:spTree>
     <p:extLst>
       <p:ext uri="{BB962C8B-B14F-4D97-AF65-F5344CB8AC3E}">
@@ -11207,14 +12750,14 @@
           <p:nvPr>
             <p:extLst>
               <p:ext uri="{D42A27DB-BD31-4B8C-83A1-F6EECF244321}">
-                <p14:modId xmlns:p14="http://schemas.microsoft.com/office/powerpoint/2010/main" val="322763521"/>
+                <p14:modId xmlns:p14="http://schemas.microsoft.com/office/powerpoint/2010/main" val="3885572586"/>
               </p:ext>
             </p:extLst>
           </p:nvPr>
         </p:nvGraphicFramePr>
         <p:xfrm>
           <a:off x="7173350" y="876299"/>
-          <a:ext cx="4751999" cy="1188000"/>
+          <a:ext cx="4751999" cy="1584000"/>
         </p:xfrm>
         <a:graphic>
           <a:graphicData uri="http://schemas.openxmlformats.org/drawingml/2006/table">
@@ -11632,9 +13175,9 @@
                     <a:p>
                       <a:pPr algn="ctr" fontAlgn="b"/>
                       <a:r>
-                        <a:rPr lang="pt-BR" sz="1400" b="0" i="0" u="none" strike="noStrike" dirty="0">
+                        <a:rPr lang="pt-BR" sz="1400" b="1" i="0" u="none" strike="noStrike" dirty="0">
                           <a:solidFill>
-                            <a:srgbClr val="000000"/>
+                            <a:schemeClr val="accent2"/>
                           </a:solidFill>
                           <a:effectLst/>
                           <a:latin typeface="Calibri" panose="020F0502020204030204" pitchFamily="34" charset="0"/>
@@ -11689,9 +13232,11 @@
                     <a:p>
                       <a:pPr algn="ctr" fontAlgn="b"/>
                       <a:r>
-                        <a:rPr lang="pt-BR" sz="1400" b="0" i="0" u="none" strike="noStrike" dirty="0">
+                        <a:rPr lang="pt-BR" sz="1400" b="1" i="0" u="none" strike="noStrike" dirty="0">
                           <a:solidFill>
-                            <a:srgbClr val="000000"/>
+                            <a:schemeClr val="accent6">
+                              <a:lumMod val="50000"/>
+                            </a:schemeClr>
                           </a:solidFill>
                           <a:effectLst/>
                           <a:latin typeface="Calibri" panose="020F0502020204030204" pitchFamily="34" charset="0"/>
@@ -11746,9 +13291,11 @@
                     <a:p>
                       <a:pPr algn="ctr" fontAlgn="b"/>
                       <a:r>
-                        <a:rPr lang="pt-BR" sz="1400" b="0" i="0" u="none" strike="noStrike" dirty="0">
+                        <a:rPr lang="pt-BR" sz="1400" b="1" i="0" u="none" strike="noStrike" dirty="0">
                           <a:solidFill>
-                            <a:srgbClr val="000000"/>
+                            <a:schemeClr val="accent4">
+                              <a:lumMod val="75000"/>
+                            </a:schemeClr>
                           </a:solidFill>
                           <a:effectLst/>
                           <a:latin typeface="Calibri" panose="020F0502020204030204" pitchFamily="34" charset="0"/>
@@ -11803,9 +13350,9 @@
                     <a:p>
                       <a:pPr algn="ctr" fontAlgn="b"/>
                       <a:r>
-                        <a:rPr lang="pt-BR" sz="1400" b="0" i="0" u="none" strike="noStrike" dirty="0">
+                        <a:rPr lang="pt-BR" sz="1400" b="1" i="0" u="none" strike="noStrike" dirty="0">
                           <a:solidFill>
-                            <a:srgbClr val="000000"/>
+                            <a:srgbClr val="0070C0"/>
                           </a:solidFill>
                           <a:effectLst/>
                           <a:latin typeface="Calibri" panose="020F0502020204030204" pitchFamily="34" charset="0"/>
@@ -11927,14 +13474,14 @@
                     <a:p>
                       <a:pPr algn="ctr" fontAlgn="b"/>
                       <a:r>
-                        <a:rPr lang="pt-BR" sz="1400" b="0" i="0" u="none" strike="noStrike" dirty="0">
+                        <a:rPr lang="pt-BR" sz="1400" b="1" i="0" u="none" strike="noStrike" dirty="0">
                           <a:solidFill>
-                            <a:srgbClr val="000000"/>
+                            <a:schemeClr val="accent2"/>
                           </a:solidFill>
                           <a:effectLst/>
                           <a:latin typeface="Calibri" panose="020F0502020204030204" pitchFamily="34" charset="0"/>
                         </a:rPr>
-                        <a:t> 0,76600 </a:t>
+                        <a:t> 0,766% </a:t>
                       </a:r>
                     </a:p>
                   </a:txBody>
@@ -11984,14 +13531,16 @@
                     <a:p>
                       <a:pPr algn="ctr" fontAlgn="b"/>
                       <a:r>
-                        <a:rPr lang="pt-BR" sz="1400" b="0" i="0" u="none" strike="noStrike" dirty="0">
+                        <a:rPr lang="pt-BR" sz="1400" b="1" i="0" u="none" strike="noStrike" dirty="0">
                           <a:solidFill>
-                            <a:srgbClr val="000000"/>
+                            <a:schemeClr val="accent6">
+                              <a:lumMod val="50000"/>
+                            </a:schemeClr>
                           </a:solidFill>
                           <a:effectLst/>
                           <a:latin typeface="Calibri" panose="020F0502020204030204" pitchFamily="34" charset="0"/>
                         </a:rPr>
-                        <a:t> 0,94521 </a:t>
+                        <a:t> 0,945%</a:t>
                       </a:r>
                     </a:p>
                   </a:txBody>
@@ -12041,14 +13590,16 @@
                     <a:p>
                       <a:pPr algn="ctr" fontAlgn="b"/>
                       <a:r>
-                        <a:rPr lang="pt-BR" sz="1400" b="0" i="0" u="none" strike="noStrike" dirty="0">
+                        <a:rPr lang="pt-BR" sz="1400" b="1" i="0" u="none" strike="noStrike" dirty="0">
                           <a:solidFill>
-                            <a:srgbClr val="000000"/>
+                            <a:schemeClr val="accent4">
+                              <a:lumMod val="75000"/>
+                            </a:schemeClr>
                           </a:solidFill>
                           <a:effectLst/>
                           <a:latin typeface="Calibri" panose="020F0502020204030204" pitchFamily="34" charset="0"/>
                         </a:rPr>
-                        <a:t> 0,77914 </a:t>
+                        <a:t> 0,779%</a:t>
                       </a:r>
                     </a:p>
                   </a:txBody>
@@ -12098,14 +13649,175 @@
                     <a:p>
                       <a:pPr algn="ctr" fontAlgn="b"/>
                       <a:r>
-                        <a:rPr lang="pt-BR" sz="1400" b="0" i="0" u="none" strike="noStrike" dirty="0">
+                        <a:rPr lang="pt-BR" sz="1400" b="1" i="0" u="none" strike="noStrike" dirty="0">
+                          <a:solidFill>
+                            <a:srgbClr val="0070C0"/>
+                          </a:solidFill>
+                          <a:effectLst/>
+                          <a:latin typeface="Calibri" panose="020F0502020204030204" pitchFamily="34" charset="0"/>
+                        </a:rPr>
+                        <a:t>0,520%</a:t>
+                      </a:r>
+                    </a:p>
+                  </a:txBody>
+                  <a:tcPr marL="9525" marR="9525" marT="9525" marB="0" anchor="ctr">
+                    <a:lnL w="3175" cap="flat" cmpd="sng" algn="ctr">
+                      <a:solidFill>
+                        <a:srgbClr val="008666"/>
+                      </a:solidFill>
+                      <a:prstDash val="solid"/>
+                      <a:round/>
+                      <a:headEnd type="none" w="med" len="med"/>
+                      <a:tailEnd type="none" w="med" len="med"/>
+                    </a:lnL>
+                    <a:lnR w="3175" cap="flat" cmpd="sng" algn="ctr">
+                      <a:solidFill>
+                        <a:srgbClr val="008666"/>
+                      </a:solidFill>
+                      <a:prstDash val="solid"/>
+                      <a:round/>
+                      <a:headEnd type="none" w="med" len="med"/>
+                      <a:tailEnd type="none" w="med" len="med"/>
+                    </a:lnR>
+                    <a:lnT w="3175" cap="flat" cmpd="sng" algn="ctr">
+                      <a:solidFill>
+                        <a:srgbClr val="008666"/>
+                      </a:solidFill>
+                      <a:prstDash val="solid"/>
+                      <a:round/>
+                      <a:headEnd type="none" w="med" len="med"/>
+                      <a:tailEnd type="none" w="med" len="med"/>
+                    </a:lnT>
+                    <a:lnB w="3175" cap="flat" cmpd="sng" algn="ctr">
+                      <a:solidFill>
+                        <a:srgbClr val="008666"/>
+                      </a:solidFill>
+                      <a:prstDash val="solid"/>
+                      <a:round/>
+                      <a:headEnd type="none" w="med" len="med"/>
+                      <a:tailEnd type="none" w="med" len="med"/>
+                    </a:lnB>
+                  </a:tcPr>
+                </a:tc>
+                <a:extLst>
+                  <a:ext uri="{0D108BD9-81ED-4DB2-BD59-A6C34878D82A}">
+                    <a16:rowId xmlns:a16="http://schemas.microsoft.com/office/drawing/2014/main" val="3060609737"/>
+                  </a:ext>
+                </a:extLst>
+              </a:tr>
+              <a:tr h="396000">
+                <a:tc>
+                  <a:txBody>
+                    <a:bodyPr/>
+                    <a:lstStyle/>
+                    <a:p>
+                      <a:pPr algn="ctr" fontAlgn="b"/>
+                      <a:endParaRPr lang="pt-BR" sz="1400" b="1" i="0" u="none" strike="noStrike" dirty="0">
+                        <a:solidFill>
+                          <a:schemeClr val="bg1"/>
+                        </a:solidFill>
+                        <a:effectLst/>
+                        <a:latin typeface="Calibri" panose="020F0502020204030204" pitchFamily="34" charset="0"/>
+                      </a:endParaRPr>
+                    </a:p>
+                  </a:txBody>
+                  <a:tcPr marL="9525" marR="9525" marT="9525" marB="0" anchor="ctr">
+                    <a:lnL w="3175" cap="flat" cmpd="sng" algn="ctr">
+                      <a:solidFill>
+                        <a:srgbClr val="008666"/>
+                      </a:solidFill>
+                      <a:prstDash val="solid"/>
+                      <a:round/>
+                      <a:headEnd type="none" w="med" len="med"/>
+                      <a:tailEnd type="none" w="med" len="med"/>
+                    </a:lnL>
+                    <a:lnR w="3175" cap="flat" cmpd="sng" algn="ctr">
+                      <a:solidFill>
+                        <a:srgbClr val="008666"/>
+                      </a:solidFill>
+                      <a:prstDash val="solid"/>
+                      <a:round/>
+                      <a:headEnd type="none" w="med" len="med"/>
+                      <a:tailEnd type="none" w="med" len="med"/>
+                    </a:lnR>
+                    <a:lnT w="3175" cap="flat" cmpd="sng" algn="ctr">
+                      <a:solidFill>
+                        <a:srgbClr val="008666"/>
+                      </a:solidFill>
+                      <a:prstDash val="solid"/>
+                      <a:round/>
+                      <a:headEnd type="none" w="med" len="med"/>
+                      <a:tailEnd type="none" w="med" len="med"/>
+                    </a:lnT>
+                    <a:lnB w="3175" cap="flat" cmpd="sng" algn="ctr">
+                      <a:solidFill>
+                        <a:srgbClr val="008666"/>
+                      </a:solidFill>
+                      <a:prstDash val="solid"/>
+                      <a:round/>
+                      <a:headEnd type="none" w="med" len="med"/>
+                      <a:tailEnd type="none" w="med" len="med"/>
+                    </a:lnB>
+                    <a:solidFill>
+                      <a:srgbClr val="008666"/>
+                    </a:solidFill>
+                  </a:tcPr>
+                </a:tc>
+                <a:tc gridSpan="4">
+                  <a:txBody>
+                    <a:bodyPr/>
+                    <a:lstStyle/>
+                    <a:p>
+                      <a:pPr algn="l" fontAlgn="b"/>
+                      <a:r>
+                        <a:rPr lang="pt-BR" sz="1100" b="0" i="0" u="none" strike="noStrike" dirty="0">
                           <a:solidFill>
                             <a:srgbClr val="000000"/>
                           </a:solidFill>
                           <a:effectLst/>
                           <a:latin typeface="Calibri" panose="020F0502020204030204" pitchFamily="34" charset="0"/>
                         </a:rPr>
-                        <a:t>0,52015</a:t>
+                        <a:t>RMSE e MAPE calculado entre o período de </a:t>
+                      </a:r>
+                      <a:r>
+                        <a:rPr lang="pt-BR" sz="1100" b="0" i="0" u="none" strike="noStrike" dirty="0" err="1">
+                          <a:solidFill>
+                            <a:srgbClr val="000000"/>
+                          </a:solidFill>
+                          <a:effectLst/>
+                          <a:latin typeface="Calibri" panose="020F0502020204030204" pitchFamily="34" charset="0"/>
+                        </a:rPr>
+                        <a:t>jan</a:t>
+                      </a:r>
+                      <a:r>
+                        <a:rPr lang="pt-BR" sz="1100" b="0" i="0" u="none" strike="noStrike" dirty="0">
+                          <a:solidFill>
+                            <a:srgbClr val="000000"/>
+                          </a:solidFill>
+                          <a:effectLst/>
+                          <a:latin typeface="Calibri" panose="020F0502020204030204" pitchFamily="34" charset="0"/>
+                        </a:rPr>
+                        <a:t>/23 – </a:t>
+                      </a:r>
+                      <a:r>
+                        <a:rPr lang="pt-BR" sz="1100" b="0" i="0" u="none" strike="noStrike" dirty="0" err="1">
+                          <a:solidFill>
+                            <a:srgbClr val="000000"/>
+                          </a:solidFill>
+                          <a:effectLst/>
+                          <a:latin typeface="Calibri" panose="020F0502020204030204" pitchFamily="34" charset="0"/>
+                        </a:rPr>
+                        <a:t>mai</a:t>
+                      </a:r>
+                      <a:r>
+                        <a:rPr lang="pt-BR" sz="1100" b="0" i="0" u="none" strike="noStrike" dirty="0">
+                          <a:solidFill>
+                            <a:srgbClr val="000000"/>
+                          </a:solidFill>
+                          <a:effectLst/>
+                          <a:latin typeface="Calibri" panose="020F0502020204030204" pitchFamily="34" charset="0"/>
+                        </a:rPr>
+                        <a:t>/24.</a:t>
                       </a:r>
                     </a:p>
                   </a:txBody>
@@ -12148,9 +13860,171 @@
                     </a:lnB>
                   </a:tcPr>
                 </a:tc>
+                <a:tc hMerge="1">
+                  <a:txBody>
+                    <a:bodyPr/>
+                    <a:lstStyle/>
+                    <a:p>
+                      <a:pPr algn="ctr" fontAlgn="b"/>
+                      <a:endParaRPr lang="pt-BR" sz="1400" b="0" i="0" u="none" strike="noStrike" dirty="0">
+                        <a:solidFill>
+                          <a:srgbClr val="000000"/>
+                        </a:solidFill>
+                        <a:effectLst/>
+                        <a:latin typeface="Calibri" panose="020F0502020204030204" pitchFamily="34" charset="0"/>
+                      </a:endParaRPr>
+                    </a:p>
+                  </a:txBody>
+                  <a:tcPr marL="9525" marR="9525" marT="9525" marB="0" anchor="ctr">
+                    <a:lnL w="3175" cap="flat" cmpd="sng" algn="ctr">
+                      <a:solidFill>
+                        <a:srgbClr val="008666"/>
+                      </a:solidFill>
+                      <a:prstDash val="solid"/>
+                      <a:round/>
+                      <a:headEnd type="none" w="med" len="med"/>
+                      <a:tailEnd type="none" w="med" len="med"/>
+                    </a:lnL>
+                    <a:lnR w="3175" cap="flat" cmpd="sng" algn="ctr">
+                      <a:solidFill>
+                        <a:srgbClr val="008666"/>
+                      </a:solidFill>
+                      <a:prstDash val="solid"/>
+                      <a:round/>
+                      <a:headEnd type="none" w="med" len="med"/>
+                      <a:tailEnd type="none" w="med" len="med"/>
+                    </a:lnR>
+                    <a:lnT w="3175" cap="flat" cmpd="sng" algn="ctr">
+                      <a:solidFill>
+                        <a:srgbClr val="008666"/>
+                      </a:solidFill>
+                      <a:prstDash val="solid"/>
+                      <a:round/>
+                      <a:headEnd type="none" w="med" len="med"/>
+                      <a:tailEnd type="none" w="med" len="med"/>
+                    </a:lnT>
+                    <a:lnB w="3175" cap="flat" cmpd="sng" algn="ctr">
+                      <a:solidFill>
+                        <a:srgbClr val="008666"/>
+                      </a:solidFill>
+                      <a:prstDash val="solid"/>
+                      <a:round/>
+                      <a:headEnd type="none" w="med" len="med"/>
+                      <a:tailEnd type="none" w="med" len="med"/>
+                    </a:lnB>
+                  </a:tcPr>
+                </a:tc>
+                <a:tc hMerge="1">
+                  <a:txBody>
+                    <a:bodyPr/>
+                    <a:lstStyle/>
+                    <a:p>
+                      <a:pPr algn="ctr" fontAlgn="b"/>
+                      <a:endParaRPr lang="pt-BR" sz="1400" b="0" i="0" u="none" strike="noStrike" dirty="0">
+                        <a:solidFill>
+                          <a:srgbClr val="000000"/>
+                        </a:solidFill>
+                        <a:effectLst/>
+                        <a:latin typeface="Calibri" panose="020F0502020204030204" pitchFamily="34" charset="0"/>
+                      </a:endParaRPr>
+                    </a:p>
+                  </a:txBody>
+                  <a:tcPr marL="9525" marR="9525" marT="9525" marB="0" anchor="ctr">
+                    <a:lnL w="3175" cap="flat" cmpd="sng" algn="ctr">
+                      <a:solidFill>
+                        <a:srgbClr val="008666"/>
+                      </a:solidFill>
+                      <a:prstDash val="solid"/>
+                      <a:round/>
+                      <a:headEnd type="none" w="med" len="med"/>
+                      <a:tailEnd type="none" w="med" len="med"/>
+                    </a:lnL>
+                    <a:lnR w="3175" cap="flat" cmpd="sng" algn="ctr">
+                      <a:solidFill>
+                        <a:srgbClr val="008666"/>
+                      </a:solidFill>
+                      <a:prstDash val="solid"/>
+                      <a:round/>
+                      <a:headEnd type="none" w="med" len="med"/>
+                      <a:tailEnd type="none" w="med" len="med"/>
+                    </a:lnR>
+                    <a:lnT w="3175" cap="flat" cmpd="sng" algn="ctr">
+                      <a:solidFill>
+                        <a:srgbClr val="008666"/>
+                      </a:solidFill>
+                      <a:prstDash val="solid"/>
+                      <a:round/>
+                      <a:headEnd type="none" w="med" len="med"/>
+                      <a:tailEnd type="none" w="med" len="med"/>
+                    </a:lnT>
+                    <a:lnB w="3175" cap="flat" cmpd="sng" algn="ctr">
+                      <a:solidFill>
+                        <a:srgbClr val="008666"/>
+                      </a:solidFill>
+                      <a:prstDash val="solid"/>
+                      <a:round/>
+                      <a:headEnd type="none" w="med" len="med"/>
+                      <a:tailEnd type="none" w="med" len="med"/>
+                    </a:lnB>
+                  </a:tcPr>
+                </a:tc>
+                <a:tc hMerge="1">
+                  <a:txBody>
+                    <a:bodyPr/>
+                    <a:lstStyle/>
+                    <a:p>
+                      <a:pPr algn="ctr" fontAlgn="b"/>
+                      <a:endParaRPr lang="pt-BR" sz="1400" b="0" i="0" u="none" strike="noStrike" dirty="0">
+                        <a:solidFill>
+                          <a:srgbClr val="000000"/>
+                        </a:solidFill>
+                        <a:effectLst/>
+                        <a:latin typeface="Calibri" panose="020F0502020204030204" pitchFamily="34" charset="0"/>
+                      </a:endParaRPr>
+                    </a:p>
+                  </a:txBody>
+                  <a:tcPr marL="9525" marR="9525" marT="9525" marB="0" anchor="ctr">
+                    <a:lnL w="3175" cap="flat" cmpd="sng" algn="ctr">
+                      <a:solidFill>
+                        <a:srgbClr val="008666"/>
+                      </a:solidFill>
+                      <a:prstDash val="solid"/>
+                      <a:round/>
+                      <a:headEnd type="none" w="med" len="med"/>
+                      <a:tailEnd type="none" w="med" len="med"/>
+                    </a:lnL>
+                    <a:lnR w="3175" cap="flat" cmpd="sng" algn="ctr">
+                      <a:solidFill>
+                        <a:srgbClr val="008666"/>
+                      </a:solidFill>
+                      <a:prstDash val="solid"/>
+                      <a:round/>
+                      <a:headEnd type="none" w="med" len="med"/>
+                      <a:tailEnd type="none" w="med" len="med"/>
+                    </a:lnR>
+                    <a:lnT w="3175" cap="flat" cmpd="sng" algn="ctr">
+                      <a:solidFill>
+                        <a:srgbClr val="008666"/>
+                      </a:solidFill>
+                      <a:prstDash val="solid"/>
+                      <a:round/>
+                      <a:headEnd type="none" w="med" len="med"/>
+                      <a:tailEnd type="none" w="med" len="med"/>
+                    </a:lnT>
+                    <a:lnB w="3175" cap="flat" cmpd="sng" algn="ctr">
+                      <a:solidFill>
+                        <a:srgbClr val="008666"/>
+                      </a:solidFill>
+                      <a:prstDash val="solid"/>
+                      <a:round/>
+                      <a:headEnd type="none" w="med" len="med"/>
+                      <a:tailEnd type="none" w="med" len="med"/>
+                    </a:lnB>
+                  </a:tcPr>
+                </a:tc>
                 <a:extLst>
                   <a:ext uri="{0D108BD9-81ED-4DB2-BD59-A6C34878D82A}">
-                    <a16:rowId xmlns:a16="http://schemas.microsoft.com/office/drawing/2014/main" val="3060609737"/>
+                    <a16:rowId xmlns:a16="http://schemas.microsoft.com/office/drawing/2014/main" val="2822219175"/>
                   </a:ext>
                 </a:extLst>
               </a:tr>
@@ -12173,13 +14047,13 @@
           <p:nvPr>
             <p:extLst>
               <p:ext uri="{D42A27DB-BD31-4B8C-83A1-F6EECF244321}">
-                <p14:modId xmlns:p14="http://schemas.microsoft.com/office/powerpoint/2010/main" val="2841142308"/>
+                <p14:modId xmlns:p14="http://schemas.microsoft.com/office/powerpoint/2010/main" val="3407782888"/>
               </p:ext>
             </p:extLst>
           </p:nvPr>
         </p:nvGraphicFramePr>
         <p:xfrm>
-          <a:off x="365126" y="876299"/>
+          <a:off x="365125" y="876299"/>
           <a:ext cx="6716992" cy="5282454"/>
         </p:xfrm>
         <a:graphic>
@@ -12202,7 +14076,7 @@
         </p:nvSpPr>
         <p:spPr>
           <a:xfrm>
-            <a:off x="8054974" y="2723606"/>
+            <a:off x="8201048" y="2827416"/>
             <a:ext cx="3771900" cy="992873"/>
           </a:xfrm>
           <a:prstGeom prst="wedgeRoundRectCallout">
@@ -12855,7 +14729,7 @@
         </p:blipFill>
         <p:spPr>
           <a:xfrm>
-            <a:off x="365126" y="879889"/>
+            <a:off x="152099" y="876299"/>
             <a:ext cx="6311900" cy="5387561"/>
           </a:xfrm>
           <a:prstGeom prst="rect">
@@ -12863,12 +14737,47 @@
           </a:prstGeom>
         </p:spPr>
       </p:pic>
+      <p:sp>
+        <p:nvSpPr>
+          <p:cNvPr id="7" name="CaixaDeTexto 6">
+            <a:extLst>
+              <a:ext uri="{FF2B5EF4-FFF2-40B4-BE49-F238E27FC236}">
+                <a16:creationId xmlns:a16="http://schemas.microsoft.com/office/drawing/2014/main" id="{88BFAB23-AC24-4DFD-9317-1D9C27732ADB}"/>
+              </a:ext>
+            </a:extLst>
+          </p:cNvPr>
+          <p:cNvSpPr txBox="1"/>
+          <p:nvPr/>
+        </p:nvSpPr>
+        <p:spPr>
+          <a:xfrm>
+            <a:off x="9112398" y="1034031"/>
+            <a:ext cx="989373" cy="261610"/>
+          </a:xfrm>
+          <a:prstGeom prst="rect">
+            <a:avLst/>
+          </a:prstGeom>
+          <a:noFill/>
+        </p:spPr>
+        <p:txBody>
+          <a:bodyPr wrap="none" rtlCol="0">
+            <a:spAutoFit/>
+          </a:bodyPr>
+          <a:lstStyle/>
+          <a:p>
+            <a:r>
+              <a:rPr lang="pt-BR" sz="1100" dirty="0"/>
+              <a:t>Em R$ bilhões</a:t>
+            </a:r>
+          </a:p>
+        </p:txBody>
+      </p:sp>
       <p:graphicFrame>
         <p:nvGraphicFramePr>
-          <p:cNvPr id="8" name="Tabela 7">
+          <p:cNvPr id="10" name="Tabela 9">
             <a:extLst>
               <a:ext uri="{FF2B5EF4-FFF2-40B4-BE49-F238E27FC236}">
-                <a16:creationId xmlns:a16="http://schemas.microsoft.com/office/drawing/2014/main" id="{3DE050A7-546A-4061-9946-CFD0F65A3A5C}"/>
+                <a16:creationId xmlns:a16="http://schemas.microsoft.com/office/drawing/2014/main" id="{FAD5B423-A586-10EE-3E52-7A701BA97B0F}"/>
               </a:ext>
             </a:extLst>
           </p:cNvPr>
@@ -12878,111 +14787,404 @@
           <p:nvPr>
             <p:extLst>
               <p:ext uri="{D42A27DB-BD31-4B8C-83A1-F6EECF244321}">
-                <p14:modId xmlns:p14="http://schemas.microsoft.com/office/powerpoint/2010/main" val="2550488241"/>
+                <p14:modId xmlns:p14="http://schemas.microsoft.com/office/powerpoint/2010/main" val="3586367356"/>
               </p:ext>
             </p:extLst>
           </p:nvPr>
         </p:nvGraphicFramePr>
         <p:xfrm>
-          <a:off x="6819901" y="876299"/>
-          <a:ext cx="5220000" cy="1571625"/>
+          <a:off x="6549887" y="1295641"/>
+          <a:ext cx="5490019" cy="2162175"/>
         </p:xfrm>
         <a:graphic>
           <a:graphicData uri="http://schemas.openxmlformats.org/drawingml/2006/table">
             <a:tbl>
               <a:tblPr/>
               <a:tblGrid>
-                <a:gridCol w="1044000">
+                <a:gridCol w="610002">
                   <a:extLst>
                     <a:ext uri="{9D8B030D-6E8A-4147-A177-3AD203B41FA5}">
-                      <a16:colId xmlns:a16="http://schemas.microsoft.com/office/drawing/2014/main" val="532676015"/>
+                      <a16:colId xmlns:a16="http://schemas.microsoft.com/office/drawing/2014/main" val="1410326164"/>
                     </a:ext>
                   </a:extLst>
                 </a:gridCol>
-                <a:gridCol w="1044000">
+                <a:gridCol w="234824">
                   <a:extLst>
                     <a:ext uri="{9D8B030D-6E8A-4147-A177-3AD203B41FA5}">
-                      <a16:colId xmlns:a16="http://schemas.microsoft.com/office/drawing/2014/main" val="515101359"/>
+                      <a16:colId xmlns:a16="http://schemas.microsoft.com/office/drawing/2014/main" val="2533374564"/>
                     </a:ext>
                   </a:extLst>
                 </a:gridCol>
-                <a:gridCol w="1044000">
+                <a:gridCol w="663599">
                   <a:extLst>
                     <a:ext uri="{9D8B030D-6E8A-4147-A177-3AD203B41FA5}">
-                      <a16:colId xmlns:a16="http://schemas.microsoft.com/office/drawing/2014/main" val="1367724258"/>
+                      <a16:colId xmlns:a16="http://schemas.microsoft.com/office/drawing/2014/main" val="756503097"/>
                     </a:ext>
                   </a:extLst>
                 </a:gridCol>
-                <a:gridCol w="1044000">
+                <a:gridCol w="663599">
                   <a:extLst>
                     <a:ext uri="{9D8B030D-6E8A-4147-A177-3AD203B41FA5}">
-                      <a16:colId xmlns:a16="http://schemas.microsoft.com/office/drawing/2014/main" val="187398346"/>
+                      <a16:colId xmlns:a16="http://schemas.microsoft.com/office/drawing/2014/main" val="1882355087"/>
                     </a:ext>
                   </a:extLst>
                 </a:gridCol>
-                <a:gridCol w="1044000">
+                <a:gridCol w="663599">
                   <a:extLst>
                     <a:ext uri="{9D8B030D-6E8A-4147-A177-3AD203B41FA5}">
-                      <a16:colId xmlns:a16="http://schemas.microsoft.com/office/drawing/2014/main" val="859196735"/>
+                      <a16:colId xmlns:a16="http://schemas.microsoft.com/office/drawing/2014/main" val="3358030958"/>
+                    </a:ext>
+                  </a:extLst>
+                </a:gridCol>
+                <a:gridCol w="663599">
+                  <a:extLst>
+                    <a:ext uri="{9D8B030D-6E8A-4147-A177-3AD203B41FA5}">
+                      <a16:colId xmlns:a16="http://schemas.microsoft.com/office/drawing/2014/main" val="2431562542"/>
+                    </a:ext>
+                  </a:extLst>
+                </a:gridCol>
+                <a:gridCol w="663599">
+                  <a:extLst>
+                    <a:ext uri="{9D8B030D-6E8A-4147-A177-3AD203B41FA5}">
+                      <a16:colId xmlns:a16="http://schemas.microsoft.com/office/drawing/2014/main" val="2183881443"/>
+                    </a:ext>
+                  </a:extLst>
+                </a:gridCol>
+                <a:gridCol w="663599">
+                  <a:extLst>
+                    <a:ext uri="{9D8B030D-6E8A-4147-A177-3AD203B41FA5}">
+                      <a16:colId xmlns:a16="http://schemas.microsoft.com/office/drawing/2014/main" val="1623631932"/>
+                    </a:ext>
+                  </a:extLst>
+                </a:gridCol>
+                <a:gridCol w="663599">
+                  <a:extLst>
+                    <a:ext uri="{9D8B030D-6E8A-4147-A177-3AD203B41FA5}">
+                      <a16:colId xmlns:a16="http://schemas.microsoft.com/office/drawing/2014/main" val="3125133420"/>
                     </a:ext>
                   </a:extLst>
                 </a:gridCol>
               </a:tblGrid>
-              <a:tr h="314325">
+              <a:tr h="200025">
                 <a:tc>
                   <a:txBody>
                     <a:bodyPr/>
                     <a:lstStyle/>
                     <a:p>
                       <a:pPr algn="l" fontAlgn="b"/>
-                      <a:endParaRPr lang="pt-BR" sz="1000" b="0" i="0" u="none" strike="noStrike" dirty="0">
+                      <a:endParaRPr lang="pt-BR" sz="1100" b="0" i="0" u="none" strike="noStrike">
                         <a:solidFill>
-                          <a:schemeClr val="bg1"/>
+                          <a:srgbClr val="000000"/>
                         </a:solidFill>
                         <a:effectLst/>
-                        <a:latin typeface="Arial" panose="020B0604020202020204" pitchFamily="34" charset="0"/>
+                        <a:latin typeface="Calibri" panose="020F0502020204030204" pitchFamily="34" charset="0"/>
                       </a:endParaRPr>
                     </a:p>
                   </a:txBody>
+                  <a:tcPr marL="9525" marR="9525" marT="9525" marB="0" anchor="b">
+                    <a:lnL>
+                      <a:noFill/>
+                    </a:lnL>
+                    <a:lnR>
+                      <a:noFill/>
+                    </a:lnR>
+                    <a:lnT>
+                      <a:noFill/>
+                    </a:lnT>
+                    <a:lnB>
+                      <a:noFill/>
+                    </a:lnB>
+                    <a:noFill/>
+                  </a:tcPr>
+                </a:tc>
+                <a:tc>
+                  <a:txBody>
+                    <a:bodyPr/>
+                    <a:lstStyle/>
+                    <a:p>
+                      <a:pPr algn="l" fontAlgn="b"/>
+                      <a:endParaRPr lang="pt-BR" sz="1100" b="0" i="0" u="none" strike="noStrike">
+                        <a:solidFill>
+                          <a:srgbClr val="000000"/>
+                        </a:solidFill>
+                        <a:effectLst/>
+                        <a:latin typeface="Calibri" panose="020F0502020204030204" pitchFamily="34" charset="0"/>
+                      </a:endParaRPr>
+                    </a:p>
+                  </a:txBody>
+                  <a:tcPr marL="9525" marR="9525" marT="9525" marB="0" anchor="b">
+                    <a:lnL>
+                      <a:noFill/>
+                    </a:lnL>
+                    <a:lnR w="12700" cap="flat" cmpd="sng" algn="ctr">
+                      <a:solidFill>
+                        <a:srgbClr val="008666"/>
+                      </a:solidFill>
+                      <a:prstDash val="solid"/>
+                      <a:round/>
+                      <a:headEnd type="none" w="med" len="med"/>
+                      <a:tailEnd type="none" w="med" len="med"/>
+                    </a:lnR>
+                    <a:lnT>
+                      <a:noFill/>
+                    </a:lnT>
+                    <a:lnB>
+                      <a:noFill/>
+                    </a:lnB>
+                    <a:noFill/>
+                  </a:tcPr>
+                </a:tc>
+                <a:tc gridSpan="4">
+                  <a:txBody>
+                    <a:bodyPr/>
+                    <a:lstStyle/>
+                    <a:p>
+                      <a:pPr algn="ctr" rtl="0" fontAlgn="ctr"/>
+                      <a:r>
+                        <a:rPr lang="pt-BR" sz="1000" b="1" i="0" u="none" strike="noStrike">
+                          <a:solidFill>
+                            <a:srgbClr val="FFFFFF"/>
+                          </a:solidFill>
+                          <a:effectLst/>
+                          <a:highlight>
+                            <a:srgbClr val="008666"/>
+                          </a:highlight>
+                          <a:latin typeface="Arial" panose="020B0604020202020204" pitchFamily="34" charset="0"/>
+                        </a:rPr>
+                        <a:t>Previsão</a:t>
+                      </a:r>
+                    </a:p>
+                  </a:txBody>
                   <a:tcPr marL="9525" marR="9525" marT="9525" marB="0" anchor="ctr">
-                    <a:lnL w="3175" cap="flat" cmpd="sng" algn="ctr">
+                    <a:lnL w="12700" cap="flat" cmpd="sng" algn="ctr">
+                      <a:solidFill>
+                        <a:srgbClr val="008666"/>
+                      </a:solidFill>
+                      <a:prstDash val="solid"/>
+                      <a:round/>
+                      <a:headEnd type="none" w="med" len="med"/>
+                      <a:tailEnd type="none" w="med" len="med"/>
+                    </a:lnL>
+                    <a:lnR w="6350" cap="flat" cmpd="sng" algn="ctr">
+                      <a:solidFill>
+                        <a:srgbClr val="008666"/>
+                      </a:solidFill>
+                      <a:prstDash val="solid"/>
+                      <a:round/>
+                      <a:headEnd type="none" w="med" len="med"/>
+                      <a:tailEnd type="none" w="med" len="med"/>
+                    </a:lnR>
+                    <a:lnT w="12700" cap="flat" cmpd="sng" algn="ctr">
+                      <a:solidFill>
+                        <a:srgbClr val="008666"/>
+                      </a:solidFill>
+                      <a:prstDash val="solid"/>
+                      <a:round/>
+                      <a:headEnd type="none" w="med" len="med"/>
+                      <a:tailEnd type="none" w="med" len="med"/>
+                    </a:lnT>
+                    <a:lnB w="12700" cap="flat" cmpd="sng" algn="ctr">
+                      <a:solidFill>
+                        <a:srgbClr val="008666"/>
+                      </a:solidFill>
+                      <a:prstDash val="solid"/>
+                      <a:round/>
+                      <a:headEnd type="none" w="med" len="med"/>
+                      <a:tailEnd type="none" w="med" len="med"/>
+                    </a:lnB>
+                    <a:solidFill>
+                      <a:srgbClr val="008666"/>
+                    </a:solidFill>
+                  </a:tcPr>
+                </a:tc>
+                <a:tc hMerge="1">
+                  <a:txBody>
+                    <a:bodyPr/>
+                    <a:lstStyle/>
+                    <a:p>
+                      <a:endParaRPr lang="pt-BR"/>
+                    </a:p>
+                  </a:txBody>
+                  <a:tcPr/>
+                </a:tc>
+                <a:tc hMerge="1">
+                  <a:txBody>
+                    <a:bodyPr/>
+                    <a:lstStyle/>
+                    <a:p>
+                      <a:endParaRPr lang="pt-BR"/>
+                    </a:p>
+                  </a:txBody>
+                  <a:tcPr/>
+                </a:tc>
+                <a:tc hMerge="1">
+                  <a:txBody>
+                    <a:bodyPr/>
+                    <a:lstStyle/>
+                    <a:p>
+                      <a:endParaRPr lang="pt-BR"/>
+                    </a:p>
+                  </a:txBody>
+                  <a:tcPr/>
+                </a:tc>
+                <a:tc gridSpan="3">
+                  <a:txBody>
+                    <a:bodyPr/>
+                    <a:lstStyle/>
+                    <a:p>
+                      <a:pPr algn="ctr" rtl="0" fontAlgn="ctr"/>
+                      <a:r>
+                        <a:rPr lang="pt-BR" sz="1000" b="1" i="0" u="none" strike="noStrike" dirty="0">
+                          <a:solidFill>
+                            <a:srgbClr val="FFFFFF"/>
+                          </a:solidFill>
+                          <a:effectLst/>
+                          <a:highlight>
+                            <a:srgbClr val="008666"/>
+                          </a:highlight>
+                          <a:latin typeface="Arial" panose="020B0604020202020204" pitchFamily="34" charset="0"/>
+                        </a:rPr>
+                        <a:t>Var. </a:t>
+                      </a:r>
+                      <a:r>
+                        <a:rPr lang="pt-BR" sz="1000" b="1" i="0" u="none" strike="noStrike" dirty="0" err="1">
+                          <a:solidFill>
+                            <a:srgbClr val="FFFFFF"/>
+                          </a:solidFill>
+                          <a:effectLst/>
+                          <a:highlight>
+                            <a:srgbClr val="008666"/>
+                          </a:highlight>
+                          <a:latin typeface="Arial" panose="020B0604020202020204" pitchFamily="34" charset="0"/>
+                        </a:rPr>
+                        <a:t>a.a</a:t>
+                      </a:r>
+                      <a:r>
+                        <a:rPr lang="pt-BR" sz="1000" b="1" i="0" u="none" strike="noStrike" dirty="0">
+                          <a:solidFill>
+                            <a:srgbClr val="FFFFFF"/>
+                          </a:solidFill>
+                          <a:effectLst/>
+                          <a:highlight>
+                            <a:srgbClr val="008666"/>
+                          </a:highlight>
+                          <a:latin typeface="Arial" panose="020B0604020202020204" pitchFamily="34" charset="0"/>
+                        </a:rPr>
+                        <a:t> (%)</a:t>
+                      </a:r>
+                    </a:p>
+                  </a:txBody>
+                  <a:tcPr marL="9525" marR="9525" marT="9525" marB="0" anchor="ctr">
+                    <a:lnL w="6350" cap="flat" cmpd="sng" algn="ctr">
+                      <a:solidFill>
+                        <a:srgbClr val="008666"/>
+                      </a:solidFill>
+                      <a:prstDash val="solid"/>
+                      <a:round/>
+                      <a:headEnd type="none" w="med" len="med"/>
+                      <a:tailEnd type="none" w="med" len="med"/>
+                    </a:lnL>
+                    <a:lnR w="12700" cap="flat" cmpd="sng" algn="ctr">
+                      <a:solidFill>
+                        <a:srgbClr val="008666"/>
+                      </a:solidFill>
+                      <a:prstDash val="solid"/>
+                      <a:round/>
+                      <a:headEnd type="none" w="med" len="med"/>
+                      <a:tailEnd type="none" w="med" len="med"/>
+                    </a:lnR>
+                    <a:lnT w="12700" cap="flat" cmpd="sng" algn="ctr">
+                      <a:solidFill>
+                        <a:srgbClr val="008666"/>
+                      </a:solidFill>
+                      <a:prstDash val="solid"/>
+                      <a:round/>
+                      <a:headEnd type="none" w="med" len="med"/>
+                      <a:tailEnd type="none" w="med" len="med"/>
+                    </a:lnT>
+                    <a:lnB w="12700" cap="flat" cmpd="sng" algn="ctr">
+                      <a:solidFill>
+                        <a:srgbClr val="008666"/>
+                      </a:solidFill>
+                      <a:prstDash val="solid"/>
+                      <a:round/>
+                      <a:headEnd type="none" w="med" len="med"/>
+                      <a:tailEnd type="none" w="med" len="med"/>
+                    </a:lnB>
+                    <a:solidFill>
+                      <a:srgbClr val="008666"/>
+                    </a:solidFill>
+                  </a:tcPr>
+                </a:tc>
+                <a:tc hMerge="1">
+                  <a:txBody>
+                    <a:bodyPr/>
+                    <a:lstStyle/>
+                    <a:p>
+                      <a:endParaRPr lang="pt-BR"/>
+                    </a:p>
+                  </a:txBody>
+                  <a:tcPr/>
+                </a:tc>
+                <a:tc hMerge="1">
+                  <a:txBody>
+                    <a:bodyPr/>
+                    <a:lstStyle/>
+                    <a:p>
+                      <a:endParaRPr lang="pt-BR"/>
+                    </a:p>
+                  </a:txBody>
+                  <a:tcPr/>
+                </a:tc>
+                <a:extLst>
+                  <a:ext uri="{0D108BD9-81ED-4DB2-BD59-A6C34878D82A}">
+                    <a16:rowId xmlns:a16="http://schemas.microsoft.com/office/drawing/2014/main" val="2427751510"/>
+                  </a:ext>
+                </a:extLst>
+              </a:tr>
+              <a:tr h="295275">
+                <a:tc>
+                  <a:txBody>
+                    <a:bodyPr/>
+                    <a:lstStyle/>
+                    <a:p>
+                      <a:pPr algn="l" fontAlgn="ctr"/>
+                      <a:r>
+                        <a:rPr lang="pt-BR" sz="1800" b="0" i="0" u="none" strike="noStrike">
+                          <a:solidFill>
+                            <a:srgbClr val="000000"/>
+                          </a:solidFill>
+                          <a:effectLst/>
+                          <a:highlight>
+                            <a:srgbClr val="FFFFFF"/>
+                          </a:highlight>
+                          <a:latin typeface="Arial" panose="020B0604020202020204" pitchFamily="34" charset="0"/>
+                        </a:rPr>
+                        <a:t> </a:t>
+                      </a:r>
+                    </a:p>
+                  </a:txBody>
+                  <a:tcPr marL="9525" marR="9525" marT="9525" marB="0" anchor="ctr">
+                    <a:lnL>
                       <a:noFill/>
-                      <a:prstDash val="solid"/>
-                      <a:round/>
-                      <a:headEnd type="none" w="med" len="med"/>
-                      <a:tailEnd type="none" w="med" len="med"/>
                     </a:lnL>
-                    <a:lnR w="3175" cap="flat" cmpd="sng" algn="ctr">
+                    <a:lnR>
                       <a:noFill/>
-                      <a:prstDash val="solid"/>
-                      <a:round/>
-                      <a:headEnd type="none" w="med" len="med"/>
-                      <a:tailEnd type="none" w="med" len="med"/>
                     </a:lnR>
-                    <a:lnT w="3175" cap="flat" cmpd="sng" algn="ctr">
+                    <a:lnT>
                       <a:noFill/>
-                      <a:prstDash val="solid"/>
-                      <a:round/>
-                      <a:headEnd type="none" w="med" len="med"/>
-                      <a:tailEnd type="none" w="med" len="med"/>
                     </a:lnT>
-                    <a:lnB w="3175" cap="flat" cmpd="sng" algn="ctr">
-                      <a:noFill/>
+                    <a:lnB w="12700" cap="flat" cmpd="sng" algn="ctr">
+                      <a:solidFill>
+                        <a:srgbClr val="FFFFFF"/>
+                      </a:solidFill>
                       <a:prstDash val="solid"/>
                       <a:round/>
                       <a:headEnd type="none" w="med" len="med"/>
                       <a:tailEnd type="none" w="med" len="med"/>
                     </a:lnB>
-                    <a:lnTlToBr w="12700" cmpd="sng">
-                      <a:noFill/>
-                      <a:prstDash val="solid"/>
-                    </a:lnTlToBr>
-                    <a:lnBlToTr w="12700" cmpd="sng">
-                      <a:noFill/>
-                      <a:prstDash val="solid"/>
-                    </a:lnBlToTr>
                     <a:solidFill>
-                      <a:schemeClr val="bg1"/>
+                      <a:srgbClr val="FFFFFF"/>
                     </a:solidFill>
                   </a:tcPr>
                 </a:tc>
@@ -12991,28 +15193,27 @@
                     <a:bodyPr/>
                     <a:lstStyle/>
                     <a:p>
-                      <a:pPr algn="ctr" fontAlgn="ctr"/>
+                      <a:pPr algn="l" fontAlgn="ctr"/>
                       <a:r>
-                        <a:rPr lang="pt-BR" sz="1000" b="1" i="0" u="none" strike="noStrike" dirty="0">
+                        <a:rPr lang="pt-BR" sz="1800" b="0" i="0" u="none" strike="noStrike">
                           <a:solidFill>
-                            <a:schemeClr val="bg1"/>
+                            <a:srgbClr val="000000"/>
                           </a:solidFill>
                           <a:effectLst/>
+                          <a:highlight>
+                            <a:srgbClr val="FFFFFF"/>
+                          </a:highlight>
                           <a:latin typeface="Arial" panose="020B0604020202020204" pitchFamily="34" charset="0"/>
                         </a:rPr>
-                        <a:t>ARIMA</a:t>
+                        <a:t> </a:t>
                       </a:r>
                     </a:p>
                   </a:txBody>
                   <a:tcPr marL="9525" marR="9525" marT="9525" marB="0" anchor="ctr">
-                    <a:lnL w="3175" cap="flat" cmpd="sng" algn="ctr">
+                    <a:lnL>
                       <a:noFill/>
-                      <a:prstDash val="solid"/>
-                      <a:round/>
-                      <a:headEnd type="none" w="med" len="med"/>
-                      <a:tailEnd type="none" w="med" len="med"/>
                     </a:lnL>
-                    <a:lnR w="3175" cap="flat" cmpd="sng" algn="ctr">
+                    <a:lnR w="12700" cap="flat" cmpd="sng" algn="ctr">
                       <a:solidFill>
                         <a:srgbClr val="008666"/>
                       </a:solidFill>
@@ -13021,16 +15222,73 @@
                       <a:headEnd type="none" w="med" len="med"/>
                       <a:tailEnd type="none" w="med" len="med"/>
                     </a:lnR>
-                    <a:lnT w="3175" cap="flat" cmpd="sng" algn="ctr">
-                      <a:solidFill>
-                        <a:srgbClr val="008666"/>
-                      </a:solidFill>
-                      <a:prstDash val="solid"/>
-                      <a:round/>
-                      <a:headEnd type="none" w="med" len="med"/>
-                      <a:tailEnd type="none" w="med" len="med"/>
+                    <a:lnT>
+                      <a:noFill/>
                     </a:lnT>
-                    <a:lnB w="3175" cap="flat" cmpd="sng" algn="ctr">
+                    <a:lnB w="12700" cap="flat" cmpd="sng" algn="ctr">
+                      <a:solidFill>
+                        <a:srgbClr val="FFFFFF"/>
+                      </a:solidFill>
+                      <a:prstDash val="solid"/>
+                      <a:round/>
+                      <a:headEnd type="none" w="med" len="med"/>
+                      <a:tailEnd type="none" w="med" len="med"/>
+                    </a:lnB>
+                    <a:solidFill>
+                      <a:srgbClr val="FFFFFF"/>
+                    </a:solidFill>
+                  </a:tcPr>
+                </a:tc>
+                <a:tc>
+                  <a:txBody>
+                    <a:bodyPr/>
+                    <a:lstStyle/>
+                    <a:p>
+                      <a:pPr algn="ctr" rtl="0" fontAlgn="ctr"/>
+                      <a:r>
+                        <a:rPr lang="pt-BR" sz="1000" b="1" i="0" u="none" strike="noStrike" dirty="0">
+                          <a:solidFill>
+                            <a:srgbClr val="FFFFFF"/>
+                          </a:solidFill>
+                          <a:effectLst/>
+                          <a:highlight>
+                            <a:srgbClr val="008666"/>
+                          </a:highlight>
+                          <a:latin typeface="Arial" panose="020B0604020202020204" pitchFamily="34" charset="0"/>
+                        </a:rPr>
+                        <a:t>2024</a:t>
+                      </a:r>
+                    </a:p>
+                  </a:txBody>
+                  <a:tcPr marL="9525" marR="9525" marT="9525" marB="0" anchor="ctr">
+                    <a:lnL w="12700" cap="flat" cmpd="sng" algn="ctr">
+                      <a:solidFill>
+                        <a:srgbClr val="008666"/>
+                      </a:solidFill>
+                      <a:prstDash val="solid"/>
+                      <a:round/>
+                      <a:headEnd type="none" w="med" len="med"/>
+                      <a:tailEnd type="none" w="med" len="med"/>
+                    </a:lnL>
+                    <a:lnR w="6350" cap="flat" cmpd="sng" algn="ctr">
+                      <a:solidFill>
+                        <a:srgbClr val="008666"/>
+                      </a:solidFill>
+                      <a:prstDash val="solid"/>
+                      <a:round/>
+                      <a:headEnd type="none" w="med" len="med"/>
+                      <a:tailEnd type="none" w="med" len="med"/>
+                    </a:lnR>
+                    <a:lnT w="12700" cap="flat" cmpd="sng" algn="ctr">
+                      <a:solidFill>
+                        <a:srgbClr val="008666"/>
+                      </a:solidFill>
+                      <a:prstDash val="solid"/>
+                      <a:round/>
+                      <a:headEnd type="none" w="med" len="med"/>
+                      <a:tailEnd type="none" w="med" len="med"/>
+                    </a:lnT>
+                    <a:lnB w="6350" cap="flat" cmpd="sng" algn="ctr">
                       <a:solidFill>
                         <a:srgbClr val="008666"/>
                       </a:solidFill>
@@ -13049,34 +15307,24 @@
                     <a:bodyPr/>
                     <a:lstStyle/>
                     <a:p>
-                      <a:pPr algn="ctr" fontAlgn="ctr"/>
+                      <a:pPr algn="ctr" rtl="0" fontAlgn="ctr"/>
                       <a:r>
-                        <a:rPr lang="pt-BR" sz="1000" b="1" i="0" u="none" strike="noStrike" dirty="0">
+                        <a:rPr lang="pt-BR" sz="1000" b="1" i="0" u="none" strike="noStrike">
                           <a:solidFill>
-                            <a:schemeClr val="bg1"/>
+                            <a:srgbClr val="FFFFFF"/>
                           </a:solidFill>
                           <a:effectLst/>
+                          <a:highlight>
+                            <a:srgbClr val="008666"/>
+                          </a:highlight>
                           <a:latin typeface="Arial" panose="020B0604020202020204" pitchFamily="34" charset="0"/>
                         </a:rPr>
-                        <a:t>Previsão</a:t>
-                      </a:r>
-                    </a:p>
-                    <a:p>
-                      <a:pPr algn="ctr" fontAlgn="ctr"/>
-                      <a:r>
-                        <a:rPr lang="pt-BR" sz="1000" b="1" i="0" u="none" strike="noStrike" dirty="0">
-                          <a:solidFill>
-                            <a:schemeClr val="bg1"/>
-                          </a:solidFill>
-                          <a:effectLst/>
-                          <a:latin typeface="Arial" panose="020B0604020202020204" pitchFamily="34" charset="0"/>
-                        </a:rPr>
-                        <a:t>Anterior</a:t>
+                        <a:t>2025</a:t>
                       </a:r>
                     </a:p>
                   </a:txBody>
                   <a:tcPr marL="9525" marR="9525" marT="9525" marB="0" anchor="ctr">
-                    <a:lnL w="3175" cap="flat" cmpd="sng" algn="ctr">
+                    <a:lnL w="6350" cap="flat" cmpd="sng" algn="ctr">
                       <a:solidFill>
                         <a:srgbClr val="008666"/>
                       </a:solidFill>
@@ -13085,7 +15333,7 @@
                       <a:headEnd type="none" w="med" len="med"/>
                       <a:tailEnd type="none" w="med" len="med"/>
                     </a:lnL>
-                    <a:lnR w="3175" cap="flat" cmpd="sng" algn="ctr">
+                    <a:lnR w="6350" cap="flat" cmpd="sng" algn="ctr">
                       <a:solidFill>
                         <a:srgbClr val="008666"/>
                       </a:solidFill>
@@ -13094,7 +15342,7 @@
                       <a:headEnd type="none" w="med" len="med"/>
                       <a:tailEnd type="none" w="med" len="med"/>
                     </a:lnR>
-                    <a:lnT w="3175" cap="flat" cmpd="sng" algn="ctr">
+                    <a:lnT w="12700" cap="flat" cmpd="sng" algn="ctr">
                       <a:solidFill>
                         <a:srgbClr val="008666"/>
                       </a:solidFill>
@@ -13103,7 +15351,7 @@
                       <a:headEnd type="none" w="med" len="med"/>
                       <a:tailEnd type="none" w="med" len="med"/>
                     </a:lnT>
-                    <a:lnB w="3175" cap="flat" cmpd="sng" algn="ctr">
+                    <a:lnB w="6350" cap="flat" cmpd="sng" algn="ctr">
                       <a:solidFill>
                         <a:srgbClr val="008666"/>
                       </a:solidFill>
@@ -13122,21 +15370,24 @@
                     <a:bodyPr/>
                     <a:lstStyle/>
                     <a:p>
-                      <a:pPr algn="ctr" fontAlgn="b"/>
+                      <a:pPr algn="ctr" rtl="0" fontAlgn="ctr"/>
                       <a:r>
-                        <a:rPr lang="pt-BR" sz="1000" b="1" i="0" u="none" strike="noStrike" dirty="0">
+                        <a:rPr lang="pt-BR" sz="1000" b="1" i="0" u="none" strike="noStrike">
                           <a:solidFill>
-                            <a:schemeClr val="bg1"/>
+                            <a:srgbClr val="FFFFFF"/>
                           </a:solidFill>
                           <a:effectLst/>
+                          <a:highlight>
+                            <a:srgbClr val="008666"/>
+                          </a:highlight>
                           <a:latin typeface="Arial" panose="020B0604020202020204" pitchFamily="34" charset="0"/>
                         </a:rPr>
-                        <a:t>Diferença</a:t>
+                        <a:t>2026</a:t>
                       </a:r>
                     </a:p>
                   </a:txBody>
                   <a:tcPr marL="9525" marR="9525" marT="9525" marB="0" anchor="ctr">
-                    <a:lnL w="3175" cap="flat" cmpd="sng" algn="ctr">
+                    <a:lnL w="6350" cap="flat" cmpd="sng" algn="ctr">
                       <a:solidFill>
                         <a:srgbClr val="008666"/>
                       </a:solidFill>
@@ -13145,7 +15396,7 @@
                       <a:headEnd type="none" w="med" len="med"/>
                       <a:tailEnd type="none" w="med" len="med"/>
                     </a:lnL>
-                    <a:lnR w="3175" cap="flat" cmpd="sng" algn="ctr">
+                    <a:lnR w="6350" cap="flat" cmpd="sng" algn="ctr">
                       <a:solidFill>
                         <a:srgbClr val="008666"/>
                       </a:solidFill>
@@ -13154,7 +15405,7 @@
                       <a:headEnd type="none" w="med" len="med"/>
                       <a:tailEnd type="none" w="med" len="med"/>
                     </a:lnR>
-                    <a:lnT w="3175" cap="flat" cmpd="sng" algn="ctr">
+                    <a:lnT w="12700" cap="flat" cmpd="sng" algn="ctr">
                       <a:solidFill>
                         <a:srgbClr val="008666"/>
                       </a:solidFill>
@@ -13163,7 +15414,7 @@
                       <a:headEnd type="none" w="med" len="med"/>
                       <a:tailEnd type="none" w="med" len="med"/>
                     </a:lnT>
-                    <a:lnB w="3175" cap="flat" cmpd="sng" algn="ctr">
+                    <a:lnB w="6350" cap="flat" cmpd="sng" algn="ctr">
                       <a:solidFill>
                         <a:srgbClr val="008666"/>
                       </a:solidFill>
@@ -13182,21 +15433,24 @@
                     <a:bodyPr/>
                     <a:lstStyle/>
                     <a:p>
-                      <a:pPr algn="ctr" fontAlgn="b"/>
+                      <a:pPr algn="ctr" rtl="0" fontAlgn="ctr"/>
                       <a:r>
-                        <a:rPr lang="pt-BR" sz="1000" b="1" i="0" u="none" strike="noStrike" dirty="0">
+                        <a:rPr lang="pt-BR" sz="1000" b="1" i="0" u="none" strike="noStrike">
                           <a:solidFill>
-                            <a:schemeClr val="bg1"/>
+                            <a:srgbClr val="FFFFFF"/>
                           </a:solidFill>
                           <a:effectLst/>
+                          <a:highlight>
+                            <a:srgbClr val="008666"/>
+                          </a:highlight>
                           <a:latin typeface="Arial" panose="020B0604020202020204" pitchFamily="34" charset="0"/>
                         </a:rPr>
-                        <a:t>ARIMA/Prev. Anterior</a:t>
+                        <a:t>2027</a:t>
                       </a:r>
                     </a:p>
                   </a:txBody>
                   <a:tcPr marL="9525" marR="9525" marT="9525" marB="0" anchor="ctr">
-                    <a:lnL w="3175" cap="flat" cmpd="sng" algn="ctr">
+                    <a:lnL w="6350" cap="flat" cmpd="sng" algn="ctr">
                       <a:solidFill>
                         <a:srgbClr val="008666"/>
                       </a:solidFill>
@@ -13205,7 +15459,7 @@
                       <a:headEnd type="none" w="med" len="med"/>
                       <a:tailEnd type="none" w="med" len="med"/>
                     </a:lnL>
-                    <a:lnR w="3175" cap="flat" cmpd="sng" algn="ctr">
+                    <a:lnR w="12700" cap="flat" cmpd="sng" algn="ctr">
                       <a:solidFill>
                         <a:srgbClr val="008666"/>
                       </a:solidFill>
@@ -13214,7 +15468,7 @@
                       <a:headEnd type="none" w="med" len="med"/>
                       <a:tailEnd type="none" w="med" len="med"/>
                     </a:lnR>
-                    <a:lnT w="3175" cap="flat" cmpd="sng" algn="ctr">
+                    <a:lnT w="12700" cap="flat" cmpd="sng" algn="ctr">
                       <a:solidFill>
                         <a:srgbClr val="008666"/>
                       </a:solidFill>
@@ -13223,72 +15477,7 @@
                       <a:headEnd type="none" w="med" len="med"/>
                       <a:tailEnd type="none" w="med" len="med"/>
                     </a:lnT>
-                    <a:lnB w="3175" cap="flat" cmpd="sng" algn="ctr">
-                      <a:solidFill>
-                        <a:srgbClr val="008666"/>
-                      </a:solidFill>
-                      <a:prstDash val="solid"/>
-                      <a:round/>
-                      <a:headEnd type="none" w="med" len="med"/>
-                      <a:tailEnd type="none" w="med" len="med"/>
-                    </a:lnB>
-                    <a:solidFill>
-                      <a:srgbClr val="008666"/>
-                    </a:solidFill>
-                  </a:tcPr>
-                </a:tc>
-                <a:extLst>
-                  <a:ext uri="{0D108BD9-81ED-4DB2-BD59-A6C34878D82A}">
-                    <a16:rowId xmlns:a16="http://schemas.microsoft.com/office/drawing/2014/main" val="1714035033"/>
-                  </a:ext>
-                </a:extLst>
-              </a:tr>
-              <a:tr h="314325">
-                <a:tc>
-                  <a:txBody>
-                    <a:bodyPr/>
-                    <a:lstStyle/>
-                    <a:p>
-                      <a:pPr algn="ctr" fontAlgn="ctr"/>
-                      <a:r>
-                        <a:rPr lang="pt-BR" sz="1000" b="1" i="0" u="none" strike="noStrike" dirty="0">
-                          <a:solidFill>
-                            <a:schemeClr val="bg1"/>
-                          </a:solidFill>
-                          <a:effectLst/>
-                          <a:latin typeface="Arial" panose="020B0604020202020204" pitchFamily="34" charset="0"/>
-                        </a:rPr>
-                        <a:t>2024</a:t>
-                      </a:r>
-                    </a:p>
-                  </a:txBody>
-                  <a:tcPr marL="9525" marR="9525" marT="9525" marB="0" anchor="ctr">
-                    <a:lnL w="3175" cap="flat" cmpd="sng" algn="ctr">
-                      <a:solidFill>
-                        <a:srgbClr val="008666"/>
-                      </a:solidFill>
-                      <a:prstDash val="solid"/>
-                      <a:round/>
-                      <a:headEnd type="none" w="med" len="med"/>
-                      <a:tailEnd type="none" w="med" len="med"/>
-                    </a:lnL>
-                    <a:lnR w="3175" cap="flat" cmpd="sng" algn="ctr">
-                      <a:solidFill>
-                        <a:srgbClr val="008666"/>
-                      </a:solidFill>
-                      <a:prstDash val="solid"/>
-                      <a:round/>
-                      <a:headEnd type="none" w="med" len="med"/>
-                      <a:tailEnd type="none" w="med" len="med"/>
-                    </a:lnR>
-                    <a:lnT w="3175" cap="flat" cmpd="sng" algn="ctr">
-                      <a:noFill/>
-                      <a:prstDash val="solid"/>
-                      <a:round/>
-                      <a:headEnd type="none" w="med" len="med"/>
-                      <a:tailEnd type="none" w="med" len="med"/>
-                    </a:lnT>
-                    <a:lnB w="3175" cap="flat" cmpd="sng" algn="ctr">
+                    <a:lnB w="6350" cap="flat" cmpd="sng" algn="ctr">
                       <a:solidFill>
                         <a:srgbClr val="008666"/>
                       </a:solidFill>
@@ -13307,21 +15496,24 @@
                     <a:bodyPr/>
                     <a:lstStyle/>
                     <a:p>
-                      <a:pPr algn="ctr" fontAlgn="ctr"/>
+                      <a:pPr algn="ctr" rtl="0" fontAlgn="ctr"/>
                       <a:r>
-                        <a:rPr lang="pt-BR" sz="1000" b="0" i="0" u="none" strike="noStrike" dirty="0">
+                        <a:rPr lang="pt-BR" sz="1000" b="1" i="0" u="none" strike="noStrike">
                           <a:solidFill>
-                            <a:srgbClr val="000000"/>
+                            <a:srgbClr val="FFFFFF"/>
                           </a:solidFill>
                           <a:effectLst/>
+                          <a:highlight>
+                            <a:srgbClr val="008666"/>
+                          </a:highlight>
                           <a:latin typeface="Arial" panose="020B0604020202020204" pitchFamily="34" charset="0"/>
                         </a:rPr>
-                        <a:t> R$41,32 </a:t>
+                        <a:t>24x25</a:t>
                       </a:r>
                     </a:p>
                   </a:txBody>
                   <a:tcPr marL="9525" marR="9525" marT="9525" marB="0" anchor="ctr">
-                    <a:lnL w="3175" cap="flat" cmpd="sng" algn="ctr">
+                    <a:lnL w="12700" cap="flat" cmpd="sng" algn="ctr">
                       <a:solidFill>
                         <a:srgbClr val="008666"/>
                       </a:solidFill>
@@ -13330,7 +15522,7 @@
                       <a:headEnd type="none" w="med" len="med"/>
                       <a:tailEnd type="none" w="med" len="med"/>
                     </a:lnL>
-                    <a:lnR w="3175" cap="flat" cmpd="sng" algn="ctr">
+                    <a:lnR w="6350" cap="flat" cmpd="sng" algn="ctr">
                       <a:solidFill>
                         <a:srgbClr val="008666"/>
                       </a:solidFill>
@@ -13339,7 +15531,7 @@
                       <a:headEnd type="none" w="med" len="med"/>
                       <a:tailEnd type="none" w="med" len="med"/>
                     </a:lnR>
-                    <a:lnT w="3175" cap="flat" cmpd="sng" algn="ctr">
+                    <a:lnT w="12700" cap="flat" cmpd="sng" algn="ctr">
                       <a:solidFill>
                         <a:srgbClr val="008666"/>
                       </a:solidFill>
@@ -13348,242 +15540,7 @@
                       <a:headEnd type="none" w="med" len="med"/>
                       <a:tailEnd type="none" w="med" len="med"/>
                     </a:lnT>
-                    <a:lnB w="3175" cap="flat" cmpd="sng" algn="ctr">
-                      <a:solidFill>
-                        <a:srgbClr val="008666"/>
-                      </a:solidFill>
-                      <a:prstDash val="solid"/>
-                      <a:round/>
-                      <a:headEnd type="none" w="med" len="med"/>
-                      <a:tailEnd type="none" w="med" len="med"/>
-                    </a:lnB>
-                  </a:tcPr>
-                </a:tc>
-                <a:tc>
-                  <a:txBody>
-                    <a:bodyPr/>
-                    <a:lstStyle/>
-                    <a:p>
-                      <a:pPr algn="ctr" fontAlgn="ctr"/>
-                      <a:r>
-                        <a:rPr lang="pt-BR" sz="1000" b="0" i="0" u="none" strike="noStrike" dirty="0">
-                          <a:solidFill>
-                            <a:srgbClr val="000000"/>
-                          </a:solidFill>
-                          <a:effectLst/>
-                          <a:latin typeface="Arial" panose="020B0604020202020204" pitchFamily="34" charset="0"/>
-                        </a:rPr>
-                        <a:t> R$41,52 </a:t>
-                      </a:r>
-                    </a:p>
-                  </a:txBody>
-                  <a:tcPr marL="9525" marR="9525" marT="9525" marB="0" anchor="ctr">
-                    <a:lnL w="3175" cap="flat" cmpd="sng" algn="ctr">
-                      <a:solidFill>
-                        <a:srgbClr val="008666"/>
-                      </a:solidFill>
-                      <a:prstDash val="solid"/>
-                      <a:round/>
-                      <a:headEnd type="none" w="med" len="med"/>
-                      <a:tailEnd type="none" w="med" len="med"/>
-                    </a:lnL>
-                    <a:lnR w="3175" cap="flat" cmpd="sng" algn="ctr">
-                      <a:solidFill>
-                        <a:srgbClr val="008666"/>
-                      </a:solidFill>
-                      <a:prstDash val="solid"/>
-                      <a:round/>
-                      <a:headEnd type="none" w="med" len="med"/>
-                      <a:tailEnd type="none" w="med" len="med"/>
-                    </a:lnR>
-                    <a:lnT w="3175" cap="flat" cmpd="sng" algn="ctr">
-                      <a:solidFill>
-                        <a:srgbClr val="008666"/>
-                      </a:solidFill>
-                      <a:prstDash val="solid"/>
-                      <a:round/>
-                      <a:headEnd type="none" w="med" len="med"/>
-                      <a:tailEnd type="none" w="med" len="med"/>
-                    </a:lnT>
-                    <a:lnB w="3175" cap="flat" cmpd="sng" algn="ctr">
-                      <a:solidFill>
-                        <a:srgbClr val="008666"/>
-                      </a:solidFill>
-                      <a:prstDash val="solid"/>
-                      <a:round/>
-                      <a:headEnd type="none" w="med" len="med"/>
-                      <a:tailEnd type="none" w="med" len="med"/>
-                    </a:lnB>
-                  </a:tcPr>
-                </a:tc>
-                <a:tc>
-                  <a:txBody>
-                    <a:bodyPr/>
-                    <a:lstStyle/>
-                    <a:p>
-                      <a:pPr algn="ctr" fontAlgn="ctr"/>
-                      <a:r>
-                        <a:rPr lang="pt-BR" sz="1000" b="0" i="0" u="none" strike="noStrike" dirty="0">
-                          <a:solidFill>
-                            <a:srgbClr val="C00000"/>
-                          </a:solidFill>
-                          <a:effectLst/>
-                          <a:latin typeface="Arial" panose="020B0604020202020204" pitchFamily="34" charset="0"/>
-                        </a:rPr>
-                        <a:t>-R$ 0,196 </a:t>
-                      </a:r>
-                    </a:p>
-                  </a:txBody>
-                  <a:tcPr marL="9525" marR="9525" marT="9525" marB="0" anchor="ctr">
-                    <a:lnL w="3175" cap="flat" cmpd="sng" algn="ctr">
-                      <a:solidFill>
-                        <a:srgbClr val="008666"/>
-                      </a:solidFill>
-                      <a:prstDash val="solid"/>
-                      <a:round/>
-                      <a:headEnd type="none" w="med" len="med"/>
-                      <a:tailEnd type="none" w="med" len="med"/>
-                    </a:lnL>
-                    <a:lnR w="3175" cap="flat" cmpd="sng" algn="ctr">
-                      <a:solidFill>
-                        <a:srgbClr val="008666"/>
-                      </a:solidFill>
-                      <a:prstDash val="solid"/>
-                      <a:round/>
-                      <a:headEnd type="none" w="med" len="med"/>
-                      <a:tailEnd type="none" w="med" len="med"/>
-                    </a:lnR>
-                    <a:lnT w="3175" cap="flat" cmpd="sng" algn="ctr">
-                      <a:solidFill>
-                        <a:srgbClr val="008666"/>
-                      </a:solidFill>
-                      <a:prstDash val="solid"/>
-                      <a:round/>
-                      <a:headEnd type="none" w="med" len="med"/>
-                      <a:tailEnd type="none" w="med" len="med"/>
-                    </a:lnT>
-                    <a:lnB w="3175" cap="flat" cmpd="sng" algn="ctr">
-                      <a:solidFill>
-                        <a:srgbClr val="008666"/>
-                      </a:solidFill>
-                      <a:prstDash val="solid"/>
-                      <a:round/>
-                      <a:headEnd type="none" w="med" len="med"/>
-                      <a:tailEnd type="none" w="med" len="med"/>
-                    </a:lnB>
-                  </a:tcPr>
-                </a:tc>
-                <a:tc>
-                  <a:txBody>
-                    <a:bodyPr/>
-                    <a:lstStyle/>
-                    <a:p>
-                      <a:pPr algn="ctr" fontAlgn="ctr"/>
-                      <a:r>
-                        <a:rPr lang="pt-BR" sz="1000" b="0" i="0" u="none" strike="noStrike">
-                          <a:solidFill>
-                            <a:srgbClr val="C00000"/>
-                          </a:solidFill>
-                          <a:effectLst/>
-                          <a:latin typeface="Arial" panose="020B0604020202020204" pitchFamily="34" charset="0"/>
-                        </a:rPr>
-                        <a:t>-0,5%</a:t>
-                      </a:r>
-                    </a:p>
-                  </a:txBody>
-                  <a:tcPr marL="9525" marR="9525" marT="9525" marB="0" anchor="ctr">
-                    <a:lnL w="3175" cap="flat" cmpd="sng" algn="ctr">
-                      <a:solidFill>
-                        <a:srgbClr val="008666"/>
-                      </a:solidFill>
-                      <a:prstDash val="solid"/>
-                      <a:round/>
-                      <a:headEnd type="none" w="med" len="med"/>
-                      <a:tailEnd type="none" w="med" len="med"/>
-                    </a:lnL>
-                    <a:lnR w="3175" cap="flat" cmpd="sng" algn="ctr">
-                      <a:solidFill>
-                        <a:srgbClr val="008666"/>
-                      </a:solidFill>
-                      <a:prstDash val="solid"/>
-                      <a:round/>
-                      <a:headEnd type="none" w="med" len="med"/>
-                      <a:tailEnd type="none" w="med" len="med"/>
-                    </a:lnR>
-                    <a:lnT w="3175" cap="flat" cmpd="sng" algn="ctr">
-                      <a:solidFill>
-                        <a:srgbClr val="008666"/>
-                      </a:solidFill>
-                      <a:prstDash val="solid"/>
-                      <a:round/>
-                      <a:headEnd type="none" w="med" len="med"/>
-                      <a:tailEnd type="none" w="med" len="med"/>
-                    </a:lnT>
-                    <a:lnB w="3175" cap="flat" cmpd="sng" algn="ctr">
-                      <a:solidFill>
-                        <a:srgbClr val="008666"/>
-                      </a:solidFill>
-                      <a:prstDash val="solid"/>
-                      <a:round/>
-                      <a:headEnd type="none" w="med" len="med"/>
-                      <a:tailEnd type="none" w="med" len="med"/>
-                    </a:lnB>
-                  </a:tcPr>
-                </a:tc>
-                <a:extLst>
-                  <a:ext uri="{0D108BD9-81ED-4DB2-BD59-A6C34878D82A}">
-                    <a16:rowId xmlns:a16="http://schemas.microsoft.com/office/drawing/2014/main" val="2046771142"/>
-                  </a:ext>
-                </a:extLst>
-              </a:tr>
-              <a:tr h="314325">
-                <a:tc>
-                  <a:txBody>
-                    <a:bodyPr/>
-                    <a:lstStyle/>
-                    <a:p>
-                      <a:pPr algn="ctr" fontAlgn="ctr"/>
-                      <a:r>
-                        <a:rPr lang="pt-BR" sz="1000" b="1" i="0" u="none" strike="noStrike" dirty="0">
-                          <a:solidFill>
-                            <a:schemeClr val="bg1"/>
-                          </a:solidFill>
-                          <a:effectLst/>
-                          <a:latin typeface="Arial" panose="020B0604020202020204" pitchFamily="34" charset="0"/>
-                        </a:rPr>
-                        <a:t>2025</a:t>
-                      </a:r>
-                    </a:p>
-                  </a:txBody>
-                  <a:tcPr marL="9525" marR="9525" marT="9525" marB="0" anchor="ctr">
-                    <a:lnL w="3175" cap="flat" cmpd="sng" algn="ctr">
-                      <a:solidFill>
-                        <a:srgbClr val="008666"/>
-                      </a:solidFill>
-                      <a:prstDash val="solid"/>
-                      <a:round/>
-                      <a:headEnd type="none" w="med" len="med"/>
-                      <a:tailEnd type="none" w="med" len="med"/>
-                    </a:lnL>
-                    <a:lnR w="3175" cap="flat" cmpd="sng" algn="ctr">
-                      <a:solidFill>
-                        <a:srgbClr val="008666"/>
-                      </a:solidFill>
-                      <a:prstDash val="solid"/>
-                      <a:round/>
-                      <a:headEnd type="none" w="med" len="med"/>
-                      <a:tailEnd type="none" w="med" len="med"/>
-                    </a:lnR>
-                    <a:lnT w="3175" cap="flat" cmpd="sng" algn="ctr">
-                      <a:solidFill>
-                        <a:srgbClr val="008666"/>
-                      </a:solidFill>
-                      <a:prstDash val="solid"/>
-                      <a:round/>
-                      <a:headEnd type="none" w="med" len="med"/>
-                      <a:tailEnd type="none" w="med" len="med"/>
-                    </a:lnT>
-                    <a:lnB w="3175" cap="flat" cmpd="sng" algn="ctr">
+                    <a:lnB w="6350" cap="flat" cmpd="sng" algn="ctr">
                       <a:solidFill>
                         <a:srgbClr val="008666"/>
                       </a:solidFill>
@@ -13602,21 +15559,24 @@
                     <a:bodyPr/>
                     <a:lstStyle/>
                     <a:p>
-                      <a:pPr algn="ctr" fontAlgn="ctr"/>
+                      <a:pPr algn="ctr" rtl="0" fontAlgn="ctr"/>
                       <a:r>
-                        <a:rPr lang="pt-BR" sz="1000" b="0" i="0" u="none" strike="noStrike" dirty="0">
+                        <a:rPr lang="pt-BR" sz="1000" b="1" i="0" u="none" strike="noStrike">
                           <a:solidFill>
-                            <a:srgbClr val="000000"/>
+                            <a:srgbClr val="FFFFFF"/>
                           </a:solidFill>
                           <a:effectLst/>
+                          <a:highlight>
+                            <a:srgbClr val="008666"/>
+                          </a:highlight>
                           <a:latin typeface="Arial" panose="020B0604020202020204" pitchFamily="34" charset="0"/>
                         </a:rPr>
-                        <a:t> R$45,63 </a:t>
+                        <a:t>25x26</a:t>
                       </a:r>
                     </a:p>
                   </a:txBody>
                   <a:tcPr marL="9525" marR="9525" marT="9525" marB="0" anchor="ctr">
-                    <a:lnL w="3175" cap="flat" cmpd="sng" algn="ctr">
+                    <a:lnL w="6350" cap="flat" cmpd="sng" algn="ctr">
                       <a:solidFill>
                         <a:srgbClr val="008666"/>
                       </a:solidFill>
@@ -13625,7 +15585,7 @@
                       <a:headEnd type="none" w="med" len="med"/>
                       <a:tailEnd type="none" w="med" len="med"/>
                     </a:lnL>
-                    <a:lnR w="3175" cap="flat" cmpd="sng" algn="ctr">
+                    <a:lnR w="6350" cap="flat" cmpd="sng" algn="ctr">
                       <a:solidFill>
                         <a:srgbClr val="008666"/>
                       </a:solidFill>
@@ -13634,7 +15594,7 @@
                       <a:headEnd type="none" w="med" len="med"/>
                       <a:tailEnd type="none" w="med" len="med"/>
                     </a:lnR>
-                    <a:lnT w="3175" cap="flat" cmpd="sng" algn="ctr">
+                    <a:lnT w="12700" cap="flat" cmpd="sng" algn="ctr">
                       <a:solidFill>
                         <a:srgbClr val="008666"/>
                       </a:solidFill>
@@ -13643,242 +15603,7 @@
                       <a:headEnd type="none" w="med" len="med"/>
                       <a:tailEnd type="none" w="med" len="med"/>
                     </a:lnT>
-                    <a:lnB w="3175" cap="flat" cmpd="sng" algn="ctr">
-                      <a:solidFill>
-                        <a:srgbClr val="008666"/>
-                      </a:solidFill>
-                      <a:prstDash val="solid"/>
-                      <a:round/>
-                      <a:headEnd type="none" w="med" len="med"/>
-                      <a:tailEnd type="none" w="med" len="med"/>
-                    </a:lnB>
-                  </a:tcPr>
-                </a:tc>
-                <a:tc>
-                  <a:txBody>
-                    <a:bodyPr/>
-                    <a:lstStyle/>
-                    <a:p>
-                      <a:pPr algn="ctr" fontAlgn="ctr"/>
-                      <a:r>
-                        <a:rPr lang="pt-BR" sz="1000" b="0" i="0" u="none" strike="noStrike" dirty="0">
-                          <a:solidFill>
-                            <a:srgbClr val="000000"/>
-                          </a:solidFill>
-                          <a:effectLst/>
-                          <a:latin typeface="Arial" panose="020B0604020202020204" pitchFamily="34" charset="0"/>
-                        </a:rPr>
-                        <a:t> R$44,03 </a:t>
-                      </a:r>
-                    </a:p>
-                  </a:txBody>
-                  <a:tcPr marL="9525" marR="9525" marT="9525" marB="0" anchor="ctr">
-                    <a:lnL w="3175" cap="flat" cmpd="sng" algn="ctr">
-                      <a:solidFill>
-                        <a:srgbClr val="008666"/>
-                      </a:solidFill>
-                      <a:prstDash val="solid"/>
-                      <a:round/>
-                      <a:headEnd type="none" w="med" len="med"/>
-                      <a:tailEnd type="none" w="med" len="med"/>
-                    </a:lnL>
-                    <a:lnR w="3175" cap="flat" cmpd="sng" algn="ctr">
-                      <a:solidFill>
-                        <a:srgbClr val="008666"/>
-                      </a:solidFill>
-                      <a:prstDash val="solid"/>
-                      <a:round/>
-                      <a:headEnd type="none" w="med" len="med"/>
-                      <a:tailEnd type="none" w="med" len="med"/>
-                    </a:lnR>
-                    <a:lnT w="3175" cap="flat" cmpd="sng" algn="ctr">
-                      <a:solidFill>
-                        <a:srgbClr val="008666"/>
-                      </a:solidFill>
-                      <a:prstDash val="solid"/>
-                      <a:round/>
-                      <a:headEnd type="none" w="med" len="med"/>
-                      <a:tailEnd type="none" w="med" len="med"/>
-                    </a:lnT>
-                    <a:lnB w="3175" cap="flat" cmpd="sng" algn="ctr">
-                      <a:solidFill>
-                        <a:srgbClr val="008666"/>
-                      </a:solidFill>
-                      <a:prstDash val="solid"/>
-                      <a:round/>
-                      <a:headEnd type="none" w="med" len="med"/>
-                      <a:tailEnd type="none" w="med" len="med"/>
-                    </a:lnB>
-                  </a:tcPr>
-                </a:tc>
-                <a:tc>
-                  <a:txBody>
-                    <a:bodyPr/>
-                    <a:lstStyle/>
-                    <a:p>
-                      <a:pPr algn="ctr" fontAlgn="ctr"/>
-                      <a:r>
-                        <a:rPr lang="pt-BR" sz="1000" b="0" i="0" u="none" strike="noStrike" dirty="0">
-                          <a:solidFill>
-                            <a:srgbClr val="000000"/>
-                          </a:solidFill>
-                          <a:effectLst/>
-                          <a:latin typeface="Arial" panose="020B0604020202020204" pitchFamily="34" charset="0"/>
-                        </a:rPr>
-                        <a:t> R$ 1,601 </a:t>
-                      </a:r>
-                    </a:p>
-                  </a:txBody>
-                  <a:tcPr marL="9525" marR="9525" marT="9525" marB="0" anchor="ctr">
-                    <a:lnL w="3175" cap="flat" cmpd="sng" algn="ctr">
-                      <a:solidFill>
-                        <a:srgbClr val="008666"/>
-                      </a:solidFill>
-                      <a:prstDash val="solid"/>
-                      <a:round/>
-                      <a:headEnd type="none" w="med" len="med"/>
-                      <a:tailEnd type="none" w="med" len="med"/>
-                    </a:lnL>
-                    <a:lnR w="3175" cap="flat" cmpd="sng" algn="ctr">
-                      <a:solidFill>
-                        <a:srgbClr val="008666"/>
-                      </a:solidFill>
-                      <a:prstDash val="solid"/>
-                      <a:round/>
-                      <a:headEnd type="none" w="med" len="med"/>
-                      <a:tailEnd type="none" w="med" len="med"/>
-                    </a:lnR>
-                    <a:lnT w="3175" cap="flat" cmpd="sng" algn="ctr">
-                      <a:solidFill>
-                        <a:srgbClr val="008666"/>
-                      </a:solidFill>
-                      <a:prstDash val="solid"/>
-                      <a:round/>
-                      <a:headEnd type="none" w="med" len="med"/>
-                      <a:tailEnd type="none" w="med" len="med"/>
-                    </a:lnT>
-                    <a:lnB w="3175" cap="flat" cmpd="sng" algn="ctr">
-                      <a:solidFill>
-                        <a:srgbClr val="008666"/>
-                      </a:solidFill>
-                      <a:prstDash val="solid"/>
-                      <a:round/>
-                      <a:headEnd type="none" w="med" len="med"/>
-                      <a:tailEnd type="none" w="med" len="med"/>
-                    </a:lnB>
-                  </a:tcPr>
-                </a:tc>
-                <a:tc>
-                  <a:txBody>
-                    <a:bodyPr/>
-                    <a:lstStyle/>
-                    <a:p>
-                      <a:pPr algn="ctr" fontAlgn="ctr"/>
-                      <a:r>
-                        <a:rPr lang="pt-BR" sz="1000" b="0" i="0" u="none" strike="noStrike">
-                          <a:solidFill>
-                            <a:srgbClr val="000000"/>
-                          </a:solidFill>
-                          <a:effectLst/>
-                          <a:latin typeface="Arial" panose="020B0604020202020204" pitchFamily="34" charset="0"/>
-                        </a:rPr>
-                        <a:t>3,6%</a:t>
-                      </a:r>
-                    </a:p>
-                  </a:txBody>
-                  <a:tcPr marL="9525" marR="9525" marT="9525" marB="0" anchor="ctr">
-                    <a:lnL w="3175" cap="flat" cmpd="sng" algn="ctr">
-                      <a:solidFill>
-                        <a:srgbClr val="008666"/>
-                      </a:solidFill>
-                      <a:prstDash val="solid"/>
-                      <a:round/>
-                      <a:headEnd type="none" w="med" len="med"/>
-                      <a:tailEnd type="none" w="med" len="med"/>
-                    </a:lnL>
-                    <a:lnR w="3175" cap="flat" cmpd="sng" algn="ctr">
-                      <a:solidFill>
-                        <a:srgbClr val="008666"/>
-                      </a:solidFill>
-                      <a:prstDash val="solid"/>
-                      <a:round/>
-                      <a:headEnd type="none" w="med" len="med"/>
-                      <a:tailEnd type="none" w="med" len="med"/>
-                    </a:lnR>
-                    <a:lnT w="3175" cap="flat" cmpd="sng" algn="ctr">
-                      <a:solidFill>
-                        <a:srgbClr val="008666"/>
-                      </a:solidFill>
-                      <a:prstDash val="solid"/>
-                      <a:round/>
-                      <a:headEnd type="none" w="med" len="med"/>
-                      <a:tailEnd type="none" w="med" len="med"/>
-                    </a:lnT>
-                    <a:lnB w="3175" cap="flat" cmpd="sng" algn="ctr">
-                      <a:solidFill>
-                        <a:srgbClr val="008666"/>
-                      </a:solidFill>
-                      <a:prstDash val="solid"/>
-                      <a:round/>
-                      <a:headEnd type="none" w="med" len="med"/>
-                      <a:tailEnd type="none" w="med" len="med"/>
-                    </a:lnB>
-                  </a:tcPr>
-                </a:tc>
-                <a:extLst>
-                  <a:ext uri="{0D108BD9-81ED-4DB2-BD59-A6C34878D82A}">
-                    <a16:rowId xmlns:a16="http://schemas.microsoft.com/office/drawing/2014/main" val="2489300189"/>
-                  </a:ext>
-                </a:extLst>
-              </a:tr>
-              <a:tr h="314325">
-                <a:tc>
-                  <a:txBody>
-                    <a:bodyPr/>
-                    <a:lstStyle/>
-                    <a:p>
-                      <a:pPr algn="ctr" fontAlgn="ctr"/>
-                      <a:r>
-                        <a:rPr lang="pt-BR" sz="1000" b="1" i="0" u="none" strike="noStrike" dirty="0">
-                          <a:solidFill>
-                            <a:schemeClr val="bg1"/>
-                          </a:solidFill>
-                          <a:effectLst/>
-                          <a:latin typeface="Arial" panose="020B0604020202020204" pitchFamily="34" charset="0"/>
-                        </a:rPr>
-                        <a:t>2026</a:t>
-                      </a:r>
-                    </a:p>
-                  </a:txBody>
-                  <a:tcPr marL="9525" marR="9525" marT="9525" marB="0" anchor="ctr">
-                    <a:lnL w="3175" cap="flat" cmpd="sng" algn="ctr">
-                      <a:solidFill>
-                        <a:srgbClr val="008666"/>
-                      </a:solidFill>
-                      <a:prstDash val="solid"/>
-                      <a:round/>
-                      <a:headEnd type="none" w="med" len="med"/>
-                      <a:tailEnd type="none" w="med" len="med"/>
-                    </a:lnL>
-                    <a:lnR w="3175" cap="flat" cmpd="sng" algn="ctr">
-                      <a:solidFill>
-                        <a:srgbClr val="008666"/>
-                      </a:solidFill>
-                      <a:prstDash val="solid"/>
-                      <a:round/>
-                      <a:headEnd type="none" w="med" len="med"/>
-                      <a:tailEnd type="none" w="med" len="med"/>
-                    </a:lnR>
-                    <a:lnT w="3175" cap="flat" cmpd="sng" algn="ctr">
-                      <a:solidFill>
-                        <a:srgbClr val="008666"/>
-                      </a:solidFill>
-                      <a:prstDash val="solid"/>
-                      <a:round/>
-                      <a:headEnd type="none" w="med" len="med"/>
-                      <a:tailEnd type="none" w="med" len="med"/>
-                    </a:lnT>
-                    <a:lnB w="3175" cap="flat" cmpd="sng" algn="ctr">
+                    <a:lnB w="6350" cap="flat" cmpd="sng" algn="ctr">
                       <a:solidFill>
                         <a:srgbClr val="008666"/>
                       </a:solidFill>
@@ -13897,21 +15622,164 @@
                     <a:bodyPr/>
                     <a:lstStyle/>
                     <a:p>
-                      <a:pPr algn="ctr" fontAlgn="ctr"/>
+                      <a:pPr algn="ctr" rtl="0" fontAlgn="ctr"/>
                       <a:r>
-                        <a:rPr lang="pt-BR" sz="1000" b="0" i="0" u="none" strike="noStrike" dirty="0">
+                        <a:rPr lang="pt-BR" sz="1000" b="1" i="0" u="none" strike="noStrike">
+                          <a:solidFill>
+                            <a:srgbClr val="FFFFFF"/>
+                          </a:solidFill>
+                          <a:effectLst/>
+                          <a:highlight>
+                            <a:srgbClr val="008666"/>
+                          </a:highlight>
+                          <a:latin typeface="Arial" panose="020B0604020202020204" pitchFamily="34" charset="0"/>
+                        </a:rPr>
+                        <a:t>26x27</a:t>
+                      </a:r>
+                    </a:p>
+                  </a:txBody>
+                  <a:tcPr marL="9525" marR="9525" marT="9525" marB="0" anchor="ctr">
+                    <a:lnL w="6350" cap="flat" cmpd="sng" algn="ctr">
+                      <a:solidFill>
+                        <a:srgbClr val="008666"/>
+                      </a:solidFill>
+                      <a:prstDash val="solid"/>
+                      <a:round/>
+                      <a:headEnd type="none" w="med" len="med"/>
+                      <a:tailEnd type="none" w="med" len="med"/>
+                    </a:lnL>
+                    <a:lnR w="12700" cap="flat" cmpd="sng" algn="ctr">
+                      <a:solidFill>
+                        <a:srgbClr val="008666"/>
+                      </a:solidFill>
+                      <a:prstDash val="solid"/>
+                      <a:round/>
+                      <a:headEnd type="none" w="med" len="med"/>
+                      <a:tailEnd type="none" w="med" len="med"/>
+                    </a:lnR>
+                    <a:lnT w="12700" cap="flat" cmpd="sng" algn="ctr">
+                      <a:solidFill>
+                        <a:srgbClr val="008666"/>
+                      </a:solidFill>
+                      <a:prstDash val="solid"/>
+                      <a:round/>
+                      <a:headEnd type="none" w="med" len="med"/>
+                      <a:tailEnd type="none" w="med" len="med"/>
+                    </a:lnT>
+                    <a:lnB w="6350" cap="flat" cmpd="sng" algn="ctr">
+                      <a:solidFill>
+                        <a:srgbClr val="008666"/>
+                      </a:solidFill>
+                      <a:prstDash val="solid"/>
+                      <a:round/>
+                      <a:headEnd type="none" w="med" len="med"/>
+                      <a:tailEnd type="none" w="med" len="med"/>
+                    </a:lnB>
+                    <a:solidFill>
+                      <a:srgbClr val="008666"/>
+                    </a:solidFill>
+                  </a:tcPr>
+                </a:tc>
+                <a:extLst>
+                  <a:ext uri="{0D108BD9-81ED-4DB2-BD59-A6C34878D82A}">
+                    <a16:rowId xmlns:a16="http://schemas.microsoft.com/office/drawing/2014/main" val="1703897077"/>
+                  </a:ext>
+                </a:extLst>
+              </a:tr>
+              <a:tr h="400050">
+                <a:tc gridSpan="2">
+                  <a:txBody>
+                    <a:bodyPr/>
+                    <a:lstStyle/>
+                    <a:p>
+                      <a:pPr algn="ctr" rtl="0" fontAlgn="ctr"/>
+                      <a:r>
+                        <a:rPr lang="pt-BR" sz="1000" b="1" i="0" u="none" strike="noStrike">
+                          <a:solidFill>
+                            <a:srgbClr val="FFFFFF"/>
+                          </a:solidFill>
+                          <a:effectLst/>
+                          <a:highlight>
+                            <a:srgbClr val="008666"/>
+                          </a:highlight>
+                          <a:latin typeface="Arial" panose="020B0604020202020204" pitchFamily="34" charset="0"/>
+                        </a:rPr>
+                        <a:t>ARIMA</a:t>
+                      </a:r>
+                    </a:p>
+                  </a:txBody>
+                  <a:tcPr marL="9525" marR="9525" marT="9525" marB="0" anchor="ctr">
+                    <a:lnL w="12700" cap="flat" cmpd="sng" algn="ctr">
+                      <a:solidFill>
+                        <a:srgbClr val="FFFFFF"/>
+                      </a:solidFill>
+                      <a:prstDash val="solid"/>
+                      <a:round/>
+                      <a:headEnd type="none" w="med" len="med"/>
+                      <a:tailEnd type="none" w="med" len="med"/>
+                    </a:lnL>
+                    <a:lnR w="12700" cap="flat" cmpd="sng" algn="ctr">
+                      <a:solidFill>
+                        <a:srgbClr val="008666"/>
+                      </a:solidFill>
+                      <a:prstDash val="solid"/>
+                      <a:round/>
+                      <a:headEnd type="none" w="med" len="med"/>
+                      <a:tailEnd type="none" w="med" len="med"/>
+                    </a:lnR>
+                    <a:lnT w="12700" cap="flat" cmpd="sng" algn="ctr">
+                      <a:solidFill>
+                        <a:srgbClr val="FFFFFF"/>
+                      </a:solidFill>
+                      <a:prstDash val="solid"/>
+                      <a:round/>
+                      <a:headEnd type="none" w="med" len="med"/>
+                      <a:tailEnd type="none" w="med" len="med"/>
+                    </a:lnT>
+                    <a:lnB w="6350" cap="flat" cmpd="sng" algn="ctr">
+                      <a:solidFill>
+                        <a:srgbClr val="008666"/>
+                      </a:solidFill>
+                      <a:prstDash val="solid"/>
+                      <a:round/>
+                      <a:headEnd type="none" w="med" len="med"/>
+                      <a:tailEnd type="none" w="med" len="med"/>
+                    </a:lnB>
+                    <a:solidFill>
+                      <a:srgbClr val="008666"/>
+                    </a:solidFill>
+                  </a:tcPr>
+                </a:tc>
+                <a:tc hMerge="1">
+                  <a:txBody>
+                    <a:bodyPr/>
+                    <a:lstStyle/>
+                    <a:p>
+                      <a:endParaRPr lang="pt-BR"/>
+                    </a:p>
+                  </a:txBody>
+                  <a:tcPr/>
+                </a:tc>
+                <a:tc>
+                  <a:txBody>
+                    <a:bodyPr/>
+                    <a:lstStyle/>
+                    <a:p>
+                      <a:pPr algn="ctr" rtl="0" fontAlgn="ctr"/>
+                      <a:r>
+                        <a:rPr lang="pt-BR" sz="1100" b="0" i="0" u="none" strike="noStrike" dirty="0">
                           <a:solidFill>
                             <a:srgbClr val="000000"/>
                           </a:solidFill>
                           <a:effectLst/>
                           <a:latin typeface="Arial" panose="020B0604020202020204" pitchFamily="34" charset="0"/>
                         </a:rPr>
-                        <a:t> R$49,48 </a:t>
+                        <a:t>R$ 41,32</a:t>
                       </a:r>
                     </a:p>
                   </a:txBody>
                   <a:tcPr marL="9525" marR="9525" marT="9525" marB="0" anchor="ctr">
-                    <a:lnL w="3175" cap="flat" cmpd="sng" algn="ctr">
+                    <a:lnL w="12700" cap="flat" cmpd="sng" algn="ctr">
                       <a:solidFill>
                         <a:srgbClr val="008666"/>
                       </a:solidFill>
@@ -13920,7 +15788,7 @@
                       <a:headEnd type="none" w="med" len="med"/>
                       <a:tailEnd type="none" w="med" len="med"/>
                     </a:lnL>
-                    <a:lnR w="3175" cap="flat" cmpd="sng" algn="ctr">
+                    <a:lnR w="6350" cap="flat" cmpd="sng" algn="ctr">
                       <a:solidFill>
                         <a:srgbClr val="008666"/>
                       </a:solidFill>
@@ -13929,7 +15797,7 @@
                       <a:headEnd type="none" w="med" len="med"/>
                       <a:tailEnd type="none" w="med" len="med"/>
                     </a:lnR>
-                    <a:lnT w="3175" cap="flat" cmpd="sng" algn="ctr">
+                    <a:lnT w="6350" cap="flat" cmpd="sng" algn="ctr">
                       <a:solidFill>
                         <a:srgbClr val="008666"/>
                       </a:solidFill>
@@ -13938,7 +15806,7 @@
                       <a:headEnd type="none" w="med" len="med"/>
                       <a:tailEnd type="none" w="med" len="med"/>
                     </a:lnT>
-                    <a:lnB w="3175" cap="flat" cmpd="sng" algn="ctr">
+                    <a:lnB w="6350" cap="flat" cmpd="sng" algn="ctr">
                       <a:solidFill>
                         <a:srgbClr val="008666"/>
                       </a:solidFill>
@@ -13947,6 +15815,7 @@
                       <a:headEnd type="none" w="med" len="med"/>
                       <a:tailEnd type="none" w="med" len="med"/>
                     </a:lnB>
+                    <a:noFill/>
                   </a:tcPr>
                 </a:tc>
                 <a:tc>
@@ -13954,21 +15823,21 @@
                     <a:bodyPr/>
                     <a:lstStyle/>
                     <a:p>
-                      <a:pPr algn="ctr" fontAlgn="ctr"/>
+                      <a:pPr algn="ctr" rtl="0" fontAlgn="ctr"/>
                       <a:r>
-                        <a:rPr lang="pt-BR" sz="1000" b="0" i="0" u="none" strike="noStrike" dirty="0">
+                        <a:rPr lang="pt-BR" sz="1100" b="0" i="0" u="none" strike="noStrike">
                           <a:solidFill>
                             <a:srgbClr val="000000"/>
                           </a:solidFill>
                           <a:effectLst/>
                           <a:latin typeface="Arial" panose="020B0604020202020204" pitchFamily="34" charset="0"/>
                         </a:rPr>
-                        <a:t> R$45,27 </a:t>
+                        <a:t>R$ 45,63</a:t>
                       </a:r>
                     </a:p>
                   </a:txBody>
                   <a:tcPr marL="9525" marR="9525" marT="9525" marB="0" anchor="ctr">
-                    <a:lnL w="3175" cap="flat" cmpd="sng" algn="ctr">
+                    <a:lnL w="6350" cap="flat" cmpd="sng" algn="ctr">
                       <a:solidFill>
                         <a:srgbClr val="008666"/>
                       </a:solidFill>
@@ -13977,7 +15846,7 @@
                       <a:headEnd type="none" w="med" len="med"/>
                       <a:tailEnd type="none" w="med" len="med"/>
                     </a:lnL>
-                    <a:lnR w="3175" cap="flat" cmpd="sng" algn="ctr">
+                    <a:lnR w="6350" cap="flat" cmpd="sng" algn="ctr">
                       <a:solidFill>
                         <a:srgbClr val="008666"/>
                       </a:solidFill>
@@ -13986,7 +15855,7 @@
                       <a:headEnd type="none" w="med" len="med"/>
                       <a:tailEnd type="none" w="med" len="med"/>
                     </a:lnR>
-                    <a:lnT w="3175" cap="flat" cmpd="sng" algn="ctr">
+                    <a:lnT w="6350" cap="flat" cmpd="sng" algn="ctr">
                       <a:solidFill>
                         <a:srgbClr val="008666"/>
                       </a:solidFill>
@@ -13995,7 +15864,7 @@
                       <a:headEnd type="none" w="med" len="med"/>
                       <a:tailEnd type="none" w="med" len="med"/>
                     </a:lnT>
-                    <a:lnB w="3175" cap="flat" cmpd="sng" algn="ctr">
+                    <a:lnB w="6350" cap="flat" cmpd="sng" algn="ctr">
                       <a:solidFill>
                         <a:srgbClr val="008666"/>
                       </a:solidFill>
@@ -14004,6 +15873,7 @@
                       <a:headEnd type="none" w="med" len="med"/>
                       <a:tailEnd type="none" w="med" len="med"/>
                     </a:lnB>
+                    <a:noFill/>
                   </a:tcPr>
                 </a:tc>
                 <a:tc>
@@ -14011,21 +15881,21 @@
                     <a:bodyPr/>
                     <a:lstStyle/>
                     <a:p>
-                      <a:pPr algn="ctr" fontAlgn="ctr"/>
+                      <a:pPr algn="ctr" rtl="0" fontAlgn="ctr"/>
                       <a:r>
-                        <a:rPr lang="pt-BR" sz="1000" b="0" i="0" u="none" strike="noStrike" dirty="0">
+                        <a:rPr lang="pt-BR" sz="1100" b="0" i="0" u="none" strike="noStrike">
                           <a:solidFill>
                             <a:srgbClr val="000000"/>
                           </a:solidFill>
                           <a:effectLst/>
                           <a:latin typeface="Arial" panose="020B0604020202020204" pitchFamily="34" charset="0"/>
                         </a:rPr>
-                        <a:t> R$ 4,212 </a:t>
+                        <a:t>R$ 49,48</a:t>
                       </a:r>
                     </a:p>
                   </a:txBody>
                   <a:tcPr marL="9525" marR="9525" marT="9525" marB="0" anchor="ctr">
-                    <a:lnL w="3175" cap="flat" cmpd="sng" algn="ctr">
+                    <a:lnL w="6350" cap="flat" cmpd="sng" algn="ctr">
                       <a:solidFill>
                         <a:srgbClr val="008666"/>
                       </a:solidFill>
@@ -14034,7 +15904,7 @@
                       <a:headEnd type="none" w="med" len="med"/>
                       <a:tailEnd type="none" w="med" len="med"/>
                     </a:lnL>
-                    <a:lnR w="3175" cap="flat" cmpd="sng" algn="ctr">
+                    <a:lnR w="6350" cap="flat" cmpd="sng" algn="ctr">
                       <a:solidFill>
                         <a:srgbClr val="008666"/>
                       </a:solidFill>
@@ -14043,7 +15913,7 @@
                       <a:headEnd type="none" w="med" len="med"/>
                       <a:tailEnd type="none" w="med" len="med"/>
                     </a:lnR>
-                    <a:lnT w="3175" cap="flat" cmpd="sng" algn="ctr">
+                    <a:lnT w="6350" cap="flat" cmpd="sng" algn="ctr">
                       <a:solidFill>
                         <a:srgbClr val="008666"/>
                       </a:solidFill>
@@ -14052,7 +15922,7 @@
                       <a:headEnd type="none" w="med" len="med"/>
                       <a:tailEnd type="none" w="med" len="med"/>
                     </a:lnT>
-                    <a:lnB w="3175" cap="flat" cmpd="sng" algn="ctr">
+                    <a:lnB w="6350" cap="flat" cmpd="sng" algn="ctr">
                       <a:solidFill>
                         <a:srgbClr val="008666"/>
                       </a:solidFill>
@@ -14061,6 +15931,7 @@
                       <a:headEnd type="none" w="med" len="med"/>
                       <a:tailEnd type="none" w="med" len="med"/>
                     </a:lnB>
+                    <a:noFill/>
                   </a:tcPr>
                 </a:tc>
                 <a:tc>
@@ -14068,21 +15939,21 @@
                     <a:bodyPr/>
                     <a:lstStyle/>
                     <a:p>
-                      <a:pPr algn="ctr" fontAlgn="ctr"/>
+                      <a:pPr algn="ctr" rtl="0" fontAlgn="ctr"/>
                       <a:r>
-                        <a:rPr lang="pt-BR" sz="1000" b="0" i="0" u="none" strike="noStrike" dirty="0">
+                        <a:rPr lang="pt-BR" sz="1100" b="0" i="0" u="none" strike="noStrike">
                           <a:solidFill>
                             <a:srgbClr val="000000"/>
                           </a:solidFill>
                           <a:effectLst/>
                           <a:latin typeface="Arial" panose="020B0604020202020204" pitchFamily="34" charset="0"/>
                         </a:rPr>
-                        <a:t>9,3%</a:t>
+                        <a:t>R$ 53,48</a:t>
                       </a:r>
                     </a:p>
                   </a:txBody>
                   <a:tcPr marL="9525" marR="9525" marT="9525" marB="0" anchor="ctr">
-                    <a:lnL w="3175" cap="flat" cmpd="sng" algn="ctr">
+                    <a:lnL w="6350" cap="flat" cmpd="sng" algn="ctr">
                       <a:solidFill>
                         <a:srgbClr val="008666"/>
                       </a:solidFill>
@@ -14091,7 +15962,7 @@
                       <a:headEnd type="none" w="med" len="med"/>
                       <a:tailEnd type="none" w="med" len="med"/>
                     </a:lnL>
-                    <a:lnR w="3175" cap="flat" cmpd="sng" algn="ctr">
+                    <a:lnR w="12700" cap="flat" cmpd="sng" algn="ctr">
                       <a:solidFill>
                         <a:srgbClr val="008666"/>
                       </a:solidFill>
@@ -14100,7 +15971,7 @@
                       <a:headEnd type="none" w="med" len="med"/>
                       <a:tailEnd type="none" w="med" len="med"/>
                     </a:lnR>
-                    <a:lnT w="3175" cap="flat" cmpd="sng" algn="ctr">
+                    <a:lnT w="6350" cap="flat" cmpd="sng" algn="ctr">
                       <a:solidFill>
                         <a:srgbClr val="008666"/>
                       </a:solidFill>
@@ -14109,7 +15980,7 @@
                       <a:headEnd type="none" w="med" len="med"/>
                       <a:tailEnd type="none" w="med" len="med"/>
                     </a:lnT>
-                    <a:lnB w="3175" cap="flat" cmpd="sng" algn="ctr">
+                    <a:lnB w="6350" cap="flat" cmpd="sng" algn="ctr">
                       <a:solidFill>
                         <a:srgbClr val="008666"/>
                       </a:solidFill>
@@ -14118,35 +15989,29 @@
                       <a:headEnd type="none" w="med" len="med"/>
                       <a:tailEnd type="none" w="med" len="med"/>
                     </a:lnB>
+                    <a:noFill/>
                   </a:tcPr>
                 </a:tc>
-                <a:extLst>
-                  <a:ext uri="{0D108BD9-81ED-4DB2-BD59-A6C34878D82A}">
-                    <a16:rowId xmlns:a16="http://schemas.microsoft.com/office/drawing/2014/main" val="2809524148"/>
-                  </a:ext>
-                </a:extLst>
-              </a:tr>
-              <a:tr h="314325">
                 <a:tc>
                   <a:txBody>
                     <a:bodyPr/>
                     <a:lstStyle/>
                     <a:p>
-                      <a:pPr algn="ctr" fontAlgn="ctr"/>
+                      <a:pPr algn="ctr" rtl="0" fontAlgn="ctr"/>
                       <a:r>
-                        <a:rPr lang="pt-BR" sz="1000" b="1" i="0" u="none" strike="noStrike" dirty="0">
+                        <a:rPr lang="pt-BR" sz="1100" b="0" i="0" u="none" strike="noStrike">
                           <a:solidFill>
-                            <a:schemeClr val="bg1"/>
+                            <a:srgbClr val="000000"/>
                           </a:solidFill>
                           <a:effectLst/>
                           <a:latin typeface="Arial" panose="020B0604020202020204" pitchFamily="34" charset="0"/>
                         </a:rPr>
-                        <a:t>2027</a:t>
+                        <a:t>10,43%</a:t>
                       </a:r>
                     </a:p>
                   </a:txBody>
                   <a:tcPr marL="9525" marR="9525" marT="9525" marB="0" anchor="ctr">
-                    <a:lnL w="3175" cap="flat" cmpd="sng" algn="ctr">
+                    <a:lnL w="12700" cap="flat" cmpd="sng" algn="ctr">
                       <a:solidFill>
                         <a:srgbClr val="008666"/>
                       </a:solidFill>
@@ -14155,7 +16020,7 @@
                       <a:headEnd type="none" w="med" len="med"/>
                       <a:tailEnd type="none" w="med" len="med"/>
                     </a:lnL>
-                    <a:lnR w="3175" cap="flat" cmpd="sng" algn="ctr">
+                    <a:lnR w="6350" cap="flat" cmpd="sng" algn="ctr">
                       <a:solidFill>
                         <a:srgbClr val="008666"/>
                       </a:solidFill>
@@ -14164,7 +16029,7 @@
                       <a:headEnd type="none" w="med" len="med"/>
                       <a:tailEnd type="none" w="med" len="med"/>
                     </a:lnR>
-                    <a:lnT w="3175" cap="flat" cmpd="sng" algn="ctr">
+                    <a:lnT w="6350" cap="flat" cmpd="sng" algn="ctr">
                       <a:solidFill>
                         <a:srgbClr val="008666"/>
                       </a:solidFill>
@@ -14173,7 +16038,203 @@
                       <a:headEnd type="none" w="med" len="med"/>
                       <a:tailEnd type="none" w="med" len="med"/>
                     </a:lnT>
-                    <a:lnB w="3175" cap="flat" cmpd="sng" algn="ctr">
+                    <a:lnB w="6350" cap="flat" cmpd="sng" algn="ctr">
+                      <a:solidFill>
+                        <a:srgbClr val="008666"/>
+                      </a:solidFill>
+                      <a:prstDash val="solid"/>
+                      <a:round/>
+                      <a:headEnd type="none" w="med" len="med"/>
+                      <a:tailEnd type="none" w="med" len="med"/>
+                    </a:lnB>
+                    <a:noFill/>
+                  </a:tcPr>
+                </a:tc>
+                <a:tc>
+                  <a:txBody>
+                    <a:bodyPr/>
+                    <a:lstStyle/>
+                    <a:p>
+                      <a:pPr algn="ctr" rtl="0" fontAlgn="ctr"/>
+                      <a:r>
+                        <a:rPr lang="pt-BR" sz="1100" b="0" i="0" u="none" strike="noStrike">
+                          <a:solidFill>
+                            <a:srgbClr val="000000"/>
+                          </a:solidFill>
+                          <a:effectLst/>
+                          <a:latin typeface="Arial" panose="020B0604020202020204" pitchFamily="34" charset="0"/>
+                        </a:rPr>
+                        <a:t>8,44%</a:t>
+                      </a:r>
+                    </a:p>
+                  </a:txBody>
+                  <a:tcPr marL="9525" marR="9525" marT="9525" marB="0" anchor="ctr">
+                    <a:lnL w="6350" cap="flat" cmpd="sng" algn="ctr">
+                      <a:solidFill>
+                        <a:srgbClr val="008666"/>
+                      </a:solidFill>
+                      <a:prstDash val="solid"/>
+                      <a:round/>
+                      <a:headEnd type="none" w="med" len="med"/>
+                      <a:tailEnd type="none" w="med" len="med"/>
+                    </a:lnL>
+                    <a:lnR w="6350" cap="flat" cmpd="sng" algn="ctr">
+                      <a:solidFill>
+                        <a:srgbClr val="008666"/>
+                      </a:solidFill>
+                      <a:prstDash val="solid"/>
+                      <a:round/>
+                      <a:headEnd type="none" w="med" len="med"/>
+                      <a:tailEnd type="none" w="med" len="med"/>
+                    </a:lnR>
+                    <a:lnT w="6350" cap="flat" cmpd="sng" algn="ctr">
+                      <a:solidFill>
+                        <a:srgbClr val="008666"/>
+                      </a:solidFill>
+                      <a:prstDash val="solid"/>
+                      <a:round/>
+                      <a:headEnd type="none" w="med" len="med"/>
+                      <a:tailEnd type="none" w="med" len="med"/>
+                    </a:lnT>
+                    <a:lnB w="6350" cap="flat" cmpd="sng" algn="ctr">
+                      <a:solidFill>
+                        <a:srgbClr val="008666"/>
+                      </a:solidFill>
+                      <a:prstDash val="solid"/>
+                      <a:round/>
+                      <a:headEnd type="none" w="med" len="med"/>
+                      <a:tailEnd type="none" w="med" len="med"/>
+                    </a:lnB>
+                    <a:noFill/>
+                  </a:tcPr>
+                </a:tc>
+                <a:tc>
+                  <a:txBody>
+                    <a:bodyPr/>
+                    <a:lstStyle/>
+                    <a:p>
+                      <a:pPr algn="ctr" rtl="0" fontAlgn="ctr"/>
+                      <a:r>
+                        <a:rPr lang="pt-BR" sz="1100" b="0" i="0" u="none" strike="noStrike">
+                          <a:solidFill>
+                            <a:srgbClr val="000000"/>
+                          </a:solidFill>
+                          <a:effectLst/>
+                          <a:latin typeface="Arial" panose="020B0604020202020204" pitchFamily="34" charset="0"/>
+                        </a:rPr>
+                        <a:t>8,08%</a:t>
+                      </a:r>
+                    </a:p>
+                  </a:txBody>
+                  <a:tcPr marL="9525" marR="9525" marT="9525" marB="0" anchor="ctr">
+                    <a:lnL w="6350" cap="flat" cmpd="sng" algn="ctr">
+                      <a:solidFill>
+                        <a:srgbClr val="008666"/>
+                      </a:solidFill>
+                      <a:prstDash val="solid"/>
+                      <a:round/>
+                      <a:headEnd type="none" w="med" len="med"/>
+                      <a:tailEnd type="none" w="med" len="med"/>
+                    </a:lnL>
+                    <a:lnR w="12700" cap="flat" cmpd="sng" algn="ctr">
+                      <a:solidFill>
+                        <a:srgbClr val="008666"/>
+                      </a:solidFill>
+                      <a:prstDash val="solid"/>
+                      <a:round/>
+                      <a:headEnd type="none" w="med" len="med"/>
+                      <a:tailEnd type="none" w="med" len="med"/>
+                    </a:lnR>
+                    <a:lnT w="6350" cap="flat" cmpd="sng" algn="ctr">
+                      <a:solidFill>
+                        <a:srgbClr val="008666"/>
+                      </a:solidFill>
+                      <a:prstDash val="solid"/>
+                      <a:round/>
+                      <a:headEnd type="none" w="med" len="med"/>
+                      <a:tailEnd type="none" w="med" len="med"/>
+                    </a:lnT>
+                    <a:lnB w="6350" cap="flat" cmpd="sng" algn="ctr">
+                      <a:solidFill>
+                        <a:srgbClr val="008666"/>
+                      </a:solidFill>
+                      <a:prstDash val="solid"/>
+                      <a:round/>
+                      <a:headEnd type="none" w="med" len="med"/>
+                      <a:tailEnd type="none" w="med" len="med"/>
+                    </a:lnB>
+                    <a:noFill/>
+                  </a:tcPr>
+                </a:tc>
+                <a:extLst>
+                  <a:ext uri="{0D108BD9-81ED-4DB2-BD59-A6C34878D82A}">
+                    <a16:rowId xmlns:a16="http://schemas.microsoft.com/office/drawing/2014/main" val="2273114179"/>
+                  </a:ext>
+                </a:extLst>
+              </a:tr>
+              <a:tr h="400050">
+                <a:tc gridSpan="2">
+                  <a:txBody>
+                    <a:bodyPr/>
+                    <a:lstStyle/>
+                    <a:p>
+                      <a:pPr algn="ctr" rtl="0" fontAlgn="ctr"/>
+                      <a:br>
+                        <a:rPr lang="pt-BR" sz="1000" b="1" i="0" u="none" strike="noStrike">
+                          <a:solidFill>
+                            <a:srgbClr val="FFFFFF"/>
+                          </a:solidFill>
+                          <a:effectLst/>
+                          <a:highlight>
+                            <a:srgbClr val="008666"/>
+                          </a:highlight>
+                          <a:latin typeface="Arial" panose="020B0604020202020204" pitchFamily="34" charset="0"/>
+                        </a:rPr>
+                      </a:br>
+                      <a:r>
+                        <a:rPr lang="pt-BR" sz="1000" b="1" i="0" u="none" strike="noStrike">
+                          <a:solidFill>
+                            <a:srgbClr val="FFFFFF"/>
+                          </a:solidFill>
+                          <a:effectLst/>
+                          <a:highlight>
+                            <a:srgbClr val="008666"/>
+                          </a:highlight>
+                          <a:latin typeface="Arial" panose="020B0604020202020204" pitchFamily="34" charset="0"/>
+                        </a:rPr>
+                        <a:t>GPAF (Cen. 323)</a:t>
+                      </a:r>
+                    </a:p>
+                  </a:txBody>
+                  <a:tcPr marL="9525" marR="9525" marT="9525" marB="0" anchor="ctr">
+                    <a:lnL w="12700" cap="flat" cmpd="sng" algn="ctr">
+                      <a:solidFill>
+                        <a:srgbClr val="FFFFFF"/>
+                      </a:solidFill>
+                      <a:prstDash val="solid"/>
+                      <a:round/>
+                      <a:headEnd type="none" w="med" len="med"/>
+                      <a:tailEnd type="none" w="med" len="med"/>
+                    </a:lnL>
+                    <a:lnR w="12700" cap="flat" cmpd="sng" algn="ctr">
+                      <a:solidFill>
+                        <a:srgbClr val="008666"/>
+                      </a:solidFill>
+                      <a:prstDash val="solid"/>
+                      <a:round/>
+                      <a:headEnd type="none" w="med" len="med"/>
+                      <a:tailEnd type="none" w="med" len="med"/>
+                    </a:lnR>
+                    <a:lnT w="6350" cap="flat" cmpd="sng" algn="ctr">
+                      <a:solidFill>
+                        <a:srgbClr val="008666"/>
+                      </a:solidFill>
+                      <a:prstDash val="solid"/>
+                      <a:round/>
+                      <a:headEnd type="none" w="med" len="med"/>
+                      <a:tailEnd type="none" w="med" len="med"/>
+                    </a:lnT>
+                    <a:lnB w="6350" cap="flat" cmpd="sng" algn="ctr">
                       <a:solidFill>
                         <a:srgbClr val="008666"/>
                       </a:solidFill>
@@ -14184,6 +16245,562 @@
                     </a:lnB>
                     <a:solidFill>
                       <a:srgbClr val="008666"/>
+                    </a:solidFill>
+                  </a:tcPr>
+                </a:tc>
+                <a:tc hMerge="1">
+                  <a:txBody>
+                    <a:bodyPr/>
+                    <a:lstStyle/>
+                    <a:p>
+                      <a:endParaRPr lang="pt-BR"/>
+                    </a:p>
+                  </a:txBody>
+                  <a:tcPr/>
+                </a:tc>
+                <a:tc>
+                  <a:txBody>
+                    <a:bodyPr/>
+                    <a:lstStyle/>
+                    <a:p>
+                      <a:pPr algn="ctr" rtl="0" fontAlgn="ctr"/>
+                      <a:r>
+                        <a:rPr lang="pt-BR" sz="1100" b="0" i="0" u="none" strike="noStrike" dirty="0">
+                          <a:solidFill>
+                            <a:srgbClr val="000000"/>
+                          </a:solidFill>
+                          <a:effectLst/>
+                          <a:latin typeface="Arial" panose="020B0604020202020204" pitchFamily="34" charset="0"/>
+                        </a:rPr>
+                        <a:t>R$ 41,52</a:t>
+                      </a:r>
+                    </a:p>
+                  </a:txBody>
+                  <a:tcPr marL="9525" marR="9525" marT="9525" marB="0" anchor="ctr">
+                    <a:lnL w="12700" cap="flat" cmpd="sng" algn="ctr">
+                      <a:solidFill>
+                        <a:srgbClr val="008666"/>
+                      </a:solidFill>
+                      <a:prstDash val="solid"/>
+                      <a:round/>
+                      <a:headEnd type="none" w="med" len="med"/>
+                      <a:tailEnd type="none" w="med" len="med"/>
+                    </a:lnL>
+                    <a:lnR w="6350" cap="flat" cmpd="sng" algn="ctr">
+                      <a:solidFill>
+                        <a:srgbClr val="008666"/>
+                      </a:solidFill>
+                      <a:prstDash val="solid"/>
+                      <a:round/>
+                      <a:headEnd type="none" w="med" len="med"/>
+                      <a:tailEnd type="none" w="med" len="med"/>
+                    </a:lnR>
+                    <a:lnT w="6350" cap="flat" cmpd="sng" algn="ctr">
+                      <a:solidFill>
+                        <a:srgbClr val="008666"/>
+                      </a:solidFill>
+                      <a:prstDash val="solid"/>
+                      <a:round/>
+                      <a:headEnd type="none" w="med" len="med"/>
+                      <a:tailEnd type="none" w="med" len="med"/>
+                    </a:lnT>
+                    <a:lnB w="6350" cap="flat" cmpd="sng" algn="ctr">
+                      <a:solidFill>
+                        <a:srgbClr val="008666"/>
+                      </a:solidFill>
+                      <a:prstDash val="solid"/>
+                      <a:round/>
+                      <a:headEnd type="none" w="med" len="med"/>
+                      <a:tailEnd type="none" w="med" len="med"/>
+                    </a:lnB>
+                    <a:noFill/>
+                  </a:tcPr>
+                </a:tc>
+                <a:tc>
+                  <a:txBody>
+                    <a:bodyPr/>
+                    <a:lstStyle/>
+                    <a:p>
+                      <a:pPr algn="ctr" rtl="0" fontAlgn="ctr"/>
+                      <a:r>
+                        <a:rPr lang="pt-BR" sz="1100" b="0" i="0" u="none" strike="noStrike" dirty="0">
+                          <a:solidFill>
+                            <a:srgbClr val="000000"/>
+                          </a:solidFill>
+                          <a:effectLst/>
+                          <a:latin typeface="Arial" panose="020B0604020202020204" pitchFamily="34" charset="0"/>
+                        </a:rPr>
+                        <a:t>R$ 44,03</a:t>
+                      </a:r>
+                    </a:p>
+                  </a:txBody>
+                  <a:tcPr marL="9525" marR="9525" marT="9525" marB="0" anchor="ctr">
+                    <a:lnL w="6350" cap="flat" cmpd="sng" algn="ctr">
+                      <a:solidFill>
+                        <a:srgbClr val="008666"/>
+                      </a:solidFill>
+                      <a:prstDash val="solid"/>
+                      <a:round/>
+                      <a:headEnd type="none" w="med" len="med"/>
+                      <a:tailEnd type="none" w="med" len="med"/>
+                    </a:lnL>
+                    <a:lnR w="6350" cap="flat" cmpd="sng" algn="ctr">
+                      <a:solidFill>
+                        <a:srgbClr val="008666"/>
+                      </a:solidFill>
+                      <a:prstDash val="solid"/>
+                      <a:round/>
+                      <a:headEnd type="none" w="med" len="med"/>
+                      <a:tailEnd type="none" w="med" len="med"/>
+                    </a:lnR>
+                    <a:lnT w="6350" cap="flat" cmpd="sng" algn="ctr">
+                      <a:solidFill>
+                        <a:srgbClr val="008666"/>
+                      </a:solidFill>
+                      <a:prstDash val="solid"/>
+                      <a:round/>
+                      <a:headEnd type="none" w="med" len="med"/>
+                      <a:tailEnd type="none" w="med" len="med"/>
+                    </a:lnT>
+                    <a:lnB w="6350" cap="flat" cmpd="sng" algn="ctr">
+                      <a:solidFill>
+                        <a:srgbClr val="008666"/>
+                      </a:solidFill>
+                      <a:prstDash val="solid"/>
+                      <a:round/>
+                      <a:headEnd type="none" w="med" len="med"/>
+                      <a:tailEnd type="none" w="med" len="med"/>
+                    </a:lnB>
+                    <a:noFill/>
+                  </a:tcPr>
+                </a:tc>
+                <a:tc>
+                  <a:txBody>
+                    <a:bodyPr/>
+                    <a:lstStyle/>
+                    <a:p>
+                      <a:pPr algn="ctr" rtl="0" fontAlgn="ctr"/>
+                      <a:r>
+                        <a:rPr lang="pt-BR" sz="1100" b="0" i="0" u="none" strike="noStrike" dirty="0">
+                          <a:solidFill>
+                            <a:srgbClr val="000000"/>
+                          </a:solidFill>
+                          <a:effectLst/>
+                          <a:latin typeface="Arial" panose="020B0604020202020204" pitchFamily="34" charset="0"/>
+                        </a:rPr>
+                        <a:t>R$ 45,27</a:t>
+                      </a:r>
+                    </a:p>
+                  </a:txBody>
+                  <a:tcPr marL="9525" marR="9525" marT="9525" marB="0" anchor="ctr">
+                    <a:lnL w="6350" cap="flat" cmpd="sng" algn="ctr">
+                      <a:solidFill>
+                        <a:srgbClr val="008666"/>
+                      </a:solidFill>
+                      <a:prstDash val="solid"/>
+                      <a:round/>
+                      <a:headEnd type="none" w="med" len="med"/>
+                      <a:tailEnd type="none" w="med" len="med"/>
+                    </a:lnL>
+                    <a:lnR w="6350" cap="flat" cmpd="sng" algn="ctr">
+                      <a:solidFill>
+                        <a:srgbClr val="008666"/>
+                      </a:solidFill>
+                      <a:prstDash val="solid"/>
+                      <a:round/>
+                      <a:headEnd type="none" w="med" len="med"/>
+                      <a:tailEnd type="none" w="med" len="med"/>
+                    </a:lnR>
+                    <a:lnT w="6350" cap="flat" cmpd="sng" algn="ctr">
+                      <a:solidFill>
+                        <a:srgbClr val="008666"/>
+                      </a:solidFill>
+                      <a:prstDash val="solid"/>
+                      <a:round/>
+                      <a:headEnd type="none" w="med" len="med"/>
+                      <a:tailEnd type="none" w="med" len="med"/>
+                    </a:lnT>
+                    <a:lnB w="6350" cap="flat" cmpd="sng" algn="ctr">
+                      <a:solidFill>
+                        <a:srgbClr val="008666"/>
+                      </a:solidFill>
+                      <a:prstDash val="solid"/>
+                      <a:round/>
+                      <a:headEnd type="none" w="med" len="med"/>
+                      <a:tailEnd type="none" w="med" len="med"/>
+                    </a:lnB>
+                    <a:noFill/>
+                  </a:tcPr>
+                </a:tc>
+                <a:tc>
+                  <a:txBody>
+                    <a:bodyPr/>
+                    <a:lstStyle/>
+                    <a:p>
+                      <a:pPr algn="ctr" rtl="0" fontAlgn="ctr"/>
+                      <a:r>
+                        <a:rPr lang="pt-BR" sz="1100" b="0" i="0" u="none" strike="noStrike" dirty="0">
+                          <a:solidFill>
+                            <a:srgbClr val="000000"/>
+                          </a:solidFill>
+                          <a:effectLst/>
+                          <a:latin typeface="Arial" panose="020B0604020202020204" pitchFamily="34" charset="0"/>
+                        </a:rPr>
+                        <a:t>R$ 47,45</a:t>
+                      </a:r>
+                    </a:p>
+                  </a:txBody>
+                  <a:tcPr marL="9525" marR="9525" marT="9525" marB="0" anchor="ctr">
+                    <a:lnL w="6350" cap="flat" cmpd="sng" algn="ctr">
+                      <a:solidFill>
+                        <a:srgbClr val="008666"/>
+                      </a:solidFill>
+                      <a:prstDash val="solid"/>
+                      <a:round/>
+                      <a:headEnd type="none" w="med" len="med"/>
+                      <a:tailEnd type="none" w="med" len="med"/>
+                    </a:lnL>
+                    <a:lnR w="12700" cap="flat" cmpd="sng" algn="ctr">
+                      <a:solidFill>
+                        <a:srgbClr val="008666"/>
+                      </a:solidFill>
+                      <a:prstDash val="solid"/>
+                      <a:round/>
+                      <a:headEnd type="none" w="med" len="med"/>
+                      <a:tailEnd type="none" w="med" len="med"/>
+                    </a:lnR>
+                    <a:lnT w="6350" cap="flat" cmpd="sng" algn="ctr">
+                      <a:solidFill>
+                        <a:srgbClr val="008666"/>
+                      </a:solidFill>
+                      <a:prstDash val="solid"/>
+                      <a:round/>
+                      <a:headEnd type="none" w="med" len="med"/>
+                      <a:tailEnd type="none" w="med" len="med"/>
+                    </a:lnT>
+                    <a:lnB w="6350" cap="flat" cmpd="sng" algn="ctr">
+                      <a:solidFill>
+                        <a:srgbClr val="008666"/>
+                      </a:solidFill>
+                      <a:prstDash val="solid"/>
+                      <a:round/>
+                      <a:headEnd type="none" w="med" len="med"/>
+                      <a:tailEnd type="none" w="med" len="med"/>
+                    </a:lnB>
+                    <a:noFill/>
+                  </a:tcPr>
+                </a:tc>
+                <a:tc>
+                  <a:txBody>
+                    <a:bodyPr/>
+                    <a:lstStyle/>
+                    <a:p>
+                      <a:pPr algn="ctr" rtl="0" fontAlgn="ctr"/>
+                      <a:r>
+                        <a:rPr lang="pt-BR" sz="1100" b="0" i="0" u="none" strike="noStrike">
+                          <a:solidFill>
+                            <a:srgbClr val="000000"/>
+                          </a:solidFill>
+                          <a:effectLst/>
+                          <a:latin typeface="Arial" panose="020B0604020202020204" pitchFamily="34" charset="0"/>
+                        </a:rPr>
+                        <a:t>6,05%</a:t>
+                      </a:r>
+                    </a:p>
+                  </a:txBody>
+                  <a:tcPr marL="9525" marR="9525" marT="9525" marB="0" anchor="ctr">
+                    <a:lnL w="12700" cap="flat" cmpd="sng" algn="ctr">
+                      <a:solidFill>
+                        <a:srgbClr val="008666"/>
+                      </a:solidFill>
+                      <a:prstDash val="solid"/>
+                      <a:round/>
+                      <a:headEnd type="none" w="med" len="med"/>
+                      <a:tailEnd type="none" w="med" len="med"/>
+                    </a:lnL>
+                    <a:lnR w="6350" cap="flat" cmpd="sng" algn="ctr">
+                      <a:solidFill>
+                        <a:srgbClr val="008666"/>
+                      </a:solidFill>
+                      <a:prstDash val="solid"/>
+                      <a:round/>
+                      <a:headEnd type="none" w="med" len="med"/>
+                      <a:tailEnd type="none" w="med" len="med"/>
+                    </a:lnR>
+                    <a:lnT w="6350" cap="flat" cmpd="sng" algn="ctr">
+                      <a:solidFill>
+                        <a:srgbClr val="008666"/>
+                      </a:solidFill>
+                      <a:prstDash val="solid"/>
+                      <a:round/>
+                      <a:headEnd type="none" w="med" len="med"/>
+                      <a:tailEnd type="none" w="med" len="med"/>
+                    </a:lnT>
+                    <a:lnB w="12700" cap="flat" cmpd="sng" algn="ctr">
+                      <a:solidFill>
+                        <a:srgbClr val="008666"/>
+                      </a:solidFill>
+                      <a:prstDash val="solid"/>
+                      <a:round/>
+                      <a:headEnd type="none" w="med" len="med"/>
+                      <a:tailEnd type="none" w="med" len="med"/>
+                    </a:lnB>
+                    <a:noFill/>
+                  </a:tcPr>
+                </a:tc>
+                <a:tc>
+                  <a:txBody>
+                    <a:bodyPr/>
+                    <a:lstStyle/>
+                    <a:p>
+                      <a:pPr algn="ctr" rtl="0" fontAlgn="ctr"/>
+                      <a:r>
+                        <a:rPr lang="pt-BR" sz="1100" b="0" i="0" u="none" strike="noStrike">
+                          <a:solidFill>
+                            <a:srgbClr val="000000"/>
+                          </a:solidFill>
+                          <a:effectLst/>
+                          <a:latin typeface="Arial" panose="020B0604020202020204" pitchFamily="34" charset="0"/>
+                        </a:rPr>
+                        <a:t>2,82%</a:t>
+                      </a:r>
+                    </a:p>
+                  </a:txBody>
+                  <a:tcPr marL="9525" marR="9525" marT="9525" marB="0" anchor="ctr">
+                    <a:lnL w="6350" cap="flat" cmpd="sng" algn="ctr">
+                      <a:solidFill>
+                        <a:srgbClr val="008666"/>
+                      </a:solidFill>
+                      <a:prstDash val="solid"/>
+                      <a:round/>
+                      <a:headEnd type="none" w="med" len="med"/>
+                      <a:tailEnd type="none" w="med" len="med"/>
+                    </a:lnL>
+                    <a:lnR w="6350" cap="flat" cmpd="sng" algn="ctr">
+                      <a:solidFill>
+                        <a:srgbClr val="008666"/>
+                      </a:solidFill>
+                      <a:prstDash val="solid"/>
+                      <a:round/>
+                      <a:headEnd type="none" w="med" len="med"/>
+                      <a:tailEnd type="none" w="med" len="med"/>
+                    </a:lnR>
+                    <a:lnT w="6350" cap="flat" cmpd="sng" algn="ctr">
+                      <a:solidFill>
+                        <a:srgbClr val="008666"/>
+                      </a:solidFill>
+                      <a:prstDash val="solid"/>
+                      <a:round/>
+                      <a:headEnd type="none" w="med" len="med"/>
+                      <a:tailEnd type="none" w="med" len="med"/>
+                    </a:lnT>
+                    <a:lnB w="12700" cap="flat" cmpd="sng" algn="ctr">
+                      <a:solidFill>
+                        <a:srgbClr val="008666"/>
+                      </a:solidFill>
+                      <a:prstDash val="solid"/>
+                      <a:round/>
+                      <a:headEnd type="none" w="med" len="med"/>
+                      <a:tailEnd type="none" w="med" len="med"/>
+                    </a:lnB>
+                    <a:noFill/>
+                  </a:tcPr>
+                </a:tc>
+                <a:tc>
+                  <a:txBody>
+                    <a:bodyPr/>
+                    <a:lstStyle/>
+                    <a:p>
+                      <a:pPr algn="ctr" rtl="0" fontAlgn="ctr"/>
+                      <a:r>
+                        <a:rPr lang="pt-BR" sz="1100" b="0" i="0" u="none" strike="noStrike">
+                          <a:solidFill>
+                            <a:srgbClr val="000000"/>
+                          </a:solidFill>
+                          <a:effectLst/>
+                          <a:latin typeface="Arial" panose="020B0604020202020204" pitchFamily="34" charset="0"/>
+                        </a:rPr>
+                        <a:t>4,82%</a:t>
+                      </a:r>
+                    </a:p>
+                  </a:txBody>
+                  <a:tcPr marL="9525" marR="9525" marT="9525" marB="0" anchor="ctr">
+                    <a:lnL w="6350" cap="flat" cmpd="sng" algn="ctr">
+                      <a:solidFill>
+                        <a:srgbClr val="008666"/>
+                      </a:solidFill>
+                      <a:prstDash val="solid"/>
+                      <a:round/>
+                      <a:headEnd type="none" w="med" len="med"/>
+                      <a:tailEnd type="none" w="med" len="med"/>
+                    </a:lnL>
+                    <a:lnR w="12700" cap="flat" cmpd="sng" algn="ctr">
+                      <a:solidFill>
+                        <a:srgbClr val="008666"/>
+                      </a:solidFill>
+                      <a:prstDash val="solid"/>
+                      <a:round/>
+                      <a:headEnd type="none" w="med" len="med"/>
+                      <a:tailEnd type="none" w="med" len="med"/>
+                    </a:lnR>
+                    <a:lnT w="6350" cap="flat" cmpd="sng" algn="ctr">
+                      <a:solidFill>
+                        <a:srgbClr val="008666"/>
+                      </a:solidFill>
+                      <a:prstDash val="solid"/>
+                      <a:round/>
+                      <a:headEnd type="none" w="med" len="med"/>
+                      <a:tailEnd type="none" w="med" len="med"/>
+                    </a:lnT>
+                    <a:lnB w="12700" cap="flat" cmpd="sng" algn="ctr">
+                      <a:solidFill>
+                        <a:srgbClr val="008666"/>
+                      </a:solidFill>
+                      <a:prstDash val="solid"/>
+                      <a:round/>
+                      <a:headEnd type="none" w="med" len="med"/>
+                      <a:tailEnd type="none" w="med" len="med"/>
+                    </a:lnB>
+                    <a:noFill/>
+                  </a:tcPr>
+                </a:tc>
+                <a:extLst>
+                  <a:ext uri="{0D108BD9-81ED-4DB2-BD59-A6C34878D82A}">
+                    <a16:rowId xmlns:a16="http://schemas.microsoft.com/office/drawing/2014/main" val="1597895589"/>
+                  </a:ext>
+                </a:extLst>
+              </a:tr>
+              <a:tr h="400050">
+                <a:tc gridSpan="2">
+                  <a:txBody>
+                    <a:bodyPr/>
+                    <a:lstStyle/>
+                    <a:p>
+                      <a:pPr algn="ctr" rtl="0" fontAlgn="b"/>
+                      <a:r>
+                        <a:rPr lang="pt-BR" sz="1000" b="1" i="0" u="none" strike="noStrike">
+                          <a:solidFill>
+                            <a:srgbClr val="FFFFFF"/>
+                          </a:solidFill>
+                          <a:effectLst/>
+                          <a:highlight>
+                            <a:srgbClr val="008666"/>
+                          </a:highlight>
+                          <a:latin typeface="Arial" panose="020B0604020202020204" pitchFamily="34" charset="0"/>
+                        </a:rPr>
+                        <a:t>Diferença</a:t>
+                      </a:r>
+                    </a:p>
+                  </a:txBody>
+                  <a:tcPr marL="9525" marR="9525" marT="9525" marB="0" anchor="b">
+                    <a:lnL w="12700" cap="flat" cmpd="sng" algn="ctr">
+                      <a:solidFill>
+                        <a:srgbClr val="FFFFFF"/>
+                      </a:solidFill>
+                      <a:prstDash val="solid"/>
+                      <a:round/>
+                      <a:headEnd type="none" w="med" len="med"/>
+                      <a:tailEnd type="none" w="med" len="med"/>
+                    </a:lnL>
+                    <a:lnR w="12700" cap="flat" cmpd="sng" algn="ctr">
+                      <a:solidFill>
+                        <a:srgbClr val="008666"/>
+                      </a:solidFill>
+                      <a:prstDash val="solid"/>
+                      <a:round/>
+                      <a:headEnd type="none" w="med" len="med"/>
+                      <a:tailEnd type="none" w="med" len="med"/>
+                    </a:lnR>
+                    <a:lnT w="6350" cap="flat" cmpd="sng" algn="ctr">
+                      <a:solidFill>
+                        <a:srgbClr val="008666"/>
+                      </a:solidFill>
+                      <a:prstDash val="solid"/>
+                      <a:round/>
+                      <a:headEnd type="none" w="med" len="med"/>
+                      <a:tailEnd type="none" w="med" len="med"/>
+                    </a:lnT>
+                    <a:lnB w="6350" cap="flat" cmpd="sng" algn="ctr">
+                      <a:solidFill>
+                        <a:srgbClr val="008666"/>
+                      </a:solidFill>
+                      <a:prstDash val="solid"/>
+                      <a:round/>
+                      <a:headEnd type="none" w="med" len="med"/>
+                      <a:tailEnd type="none" w="med" len="med"/>
+                    </a:lnB>
+                    <a:solidFill>
+                      <a:srgbClr val="008666"/>
+                    </a:solidFill>
+                  </a:tcPr>
+                </a:tc>
+                <a:tc hMerge="1">
+                  <a:txBody>
+                    <a:bodyPr/>
+                    <a:lstStyle/>
+                    <a:p>
+                      <a:endParaRPr lang="pt-BR"/>
+                    </a:p>
+                  </a:txBody>
+                  <a:tcPr/>
+                </a:tc>
+                <a:tc>
+                  <a:txBody>
+                    <a:bodyPr/>
+                    <a:lstStyle/>
+                    <a:p>
+                      <a:pPr algn="ctr" rtl="0" fontAlgn="ctr"/>
+                      <a:r>
+                        <a:rPr lang="pt-BR" sz="1100" b="0" i="0" u="none" strike="noStrike" dirty="0">
+                          <a:solidFill>
+                            <a:srgbClr val="9C0006"/>
+                          </a:solidFill>
+                          <a:effectLst/>
+                          <a:latin typeface="Arial" panose="020B0604020202020204" pitchFamily="34" charset="0"/>
+                        </a:rPr>
+                        <a:t>-R$ 0,20</a:t>
+                      </a:r>
+                    </a:p>
+                  </a:txBody>
+                  <a:tcPr marL="9525" marR="9525" marT="9525" marB="0" anchor="ctr">
+                    <a:lnL w="12700" cap="flat" cmpd="sng" algn="ctr">
+                      <a:solidFill>
+                        <a:srgbClr val="008666"/>
+                      </a:solidFill>
+                      <a:prstDash val="solid"/>
+                      <a:round/>
+                      <a:headEnd type="none" w="med" len="med"/>
+                      <a:tailEnd type="none" w="med" len="med"/>
+                    </a:lnL>
+                    <a:lnR w="6350" cap="flat" cmpd="sng" algn="ctr">
+                      <a:solidFill>
+                        <a:srgbClr val="008666"/>
+                      </a:solidFill>
+                      <a:prstDash val="solid"/>
+                      <a:round/>
+                      <a:headEnd type="none" w="med" len="med"/>
+                      <a:tailEnd type="none" w="med" len="med"/>
+                    </a:lnR>
+                    <a:lnT w="6350" cap="flat" cmpd="sng" algn="ctr">
+                      <a:solidFill>
+                        <a:srgbClr val="008666"/>
+                      </a:solidFill>
+                      <a:prstDash val="solid"/>
+                      <a:round/>
+                      <a:headEnd type="none" w="med" len="med"/>
+                      <a:tailEnd type="none" w="med" len="med"/>
+                    </a:lnT>
+                    <a:lnB w="6350" cap="flat" cmpd="sng" algn="ctr">
+                      <a:solidFill>
+                        <a:srgbClr val="008666"/>
+                      </a:solidFill>
+                      <a:prstDash val="solid"/>
+                      <a:round/>
+                      <a:headEnd type="none" w="med" len="med"/>
+                      <a:tailEnd type="none" w="med" len="med"/>
+                    </a:lnB>
+                    <a:solidFill>
+                      <a:schemeClr val="bg1"/>
                     </a:solidFill>
                   </a:tcPr>
                 </a:tc>
@@ -14192,21 +16809,21 @@
                     <a:bodyPr/>
                     <a:lstStyle/>
                     <a:p>
-                      <a:pPr algn="ctr" fontAlgn="ctr"/>
+                      <a:pPr algn="ctr" rtl="0" fontAlgn="ctr"/>
                       <a:r>
-                        <a:rPr lang="pt-BR" sz="1000" b="0" i="0" u="none" strike="noStrike" dirty="0">
+                        <a:rPr lang="pt-BR" sz="1100" b="0" i="0" u="none" strike="noStrike" dirty="0">
                           <a:solidFill>
                             <a:srgbClr val="000000"/>
                           </a:solidFill>
                           <a:effectLst/>
                           <a:latin typeface="Arial" panose="020B0604020202020204" pitchFamily="34" charset="0"/>
                         </a:rPr>
-                        <a:t> R$53,48 </a:t>
+                        <a:t>R$ 1,60</a:t>
                       </a:r>
                     </a:p>
                   </a:txBody>
                   <a:tcPr marL="9525" marR="9525" marT="9525" marB="0" anchor="ctr">
-                    <a:lnL w="3175" cap="flat" cmpd="sng" algn="ctr">
+                    <a:lnL w="6350" cap="flat" cmpd="sng" algn="ctr">
                       <a:solidFill>
                         <a:srgbClr val="008666"/>
                       </a:solidFill>
@@ -14215,7 +16832,7 @@
                       <a:headEnd type="none" w="med" len="med"/>
                       <a:tailEnd type="none" w="med" len="med"/>
                     </a:lnL>
-                    <a:lnR w="3175" cap="flat" cmpd="sng" algn="ctr">
+                    <a:lnR w="6350" cap="flat" cmpd="sng" algn="ctr">
                       <a:solidFill>
                         <a:srgbClr val="008666"/>
                       </a:solidFill>
@@ -14224,7 +16841,7 @@
                       <a:headEnd type="none" w="med" len="med"/>
                       <a:tailEnd type="none" w="med" len="med"/>
                     </a:lnR>
-                    <a:lnT w="3175" cap="flat" cmpd="sng" algn="ctr">
+                    <a:lnT w="6350" cap="flat" cmpd="sng" algn="ctr">
                       <a:solidFill>
                         <a:srgbClr val="008666"/>
                       </a:solidFill>
@@ -14233,7 +16850,7 @@
                       <a:headEnd type="none" w="med" len="med"/>
                       <a:tailEnd type="none" w="med" len="med"/>
                     </a:lnT>
-                    <a:lnB w="3175" cap="flat" cmpd="sng" algn="ctr">
+                    <a:lnB w="6350" cap="flat" cmpd="sng" algn="ctr">
                       <a:solidFill>
                         <a:srgbClr val="008666"/>
                       </a:solidFill>
@@ -14242,6 +16859,7 @@
                       <a:headEnd type="none" w="med" len="med"/>
                       <a:tailEnd type="none" w="med" len="med"/>
                     </a:lnB>
+                    <a:noFill/>
                   </a:tcPr>
                 </a:tc>
                 <a:tc>
@@ -14249,21 +16867,21 @@
                     <a:bodyPr/>
                     <a:lstStyle/>
                     <a:p>
-                      <a:pPr algn="ctr" fontAlgn="ctr"/>
+                      <a:pPr algn="ctr" rtl="0" fontAlgn="ctr"/>
                       <a:r>
-                        <a:rPr lang="pt-BR" sz="1000" b="0" i="0" u="none" strike="noStrike" dirty="0">
+                        <a:rPr lang="pt-BR" sz="1100" b="0" i="0" u="none" strike="noStrike">
                           <a:solidFill>
                             <a:srgbClr val="000000"/>
                           </a:solidFill>
                           <a:effectLst/>
                           <a:latin typeface="Arial" panose="020B0604020202020204" pitchFamily="34" charset="0"/>
                         </a:rPr>
-                        <a:t> R$47,45 </a:t>
+                        <a:t>R$ 4,21</a:t>
                       </a:r>
                     </a:p>
                   </a:txBody>
                   <a:tcPr marL="9525" marR="9525" marT="9525" marB="0" anchor="ctr">
-                    <a:lnL w="3175" cap="flat" cmpd="sng" algn="ctr">
+                    <a:lnL w="6350" cap="flat" cmpd="sng" algn="ctr">
                       <a:solidFill>
                         <a:srgbClr val="008666"/>
                       </a:solidFill>
@@ -14272,7 +16890,7 @@
                       <a:headEnd type="none" w="med" len="med"/>
                       <a:tailEnd type="none" w="med" len="med"/>
                     </a:lnL>
-                    <a:lnR w="3175" cap="flat" cmpd="sng" algn="ctr">
+                    <a:lnR w="6350" cap="flat" cmpd="sng" algn="ctr">
                       <a:solidFill>
                         <a:srgbClr val="008666"/>
                       </a:solidFill>
@@ -14281,7 +16899,7 @@
                       <a:headEnd type="none" w="med" len="med"/>
                       <a:tailEnd type="none" w="med" len="med"/>
                     </a:lnR>
-                    <a:lnT w="3175" cap="flat" cmpd="sng" algn="ctr">
+                    <a:lnT w="6350" cap="flat" cmpd="sng" algn="ctr">
                       <a:solidFill>
                         <a:srgbClr val="008666"/>
                       </a:solidFill>
@@ -14290,7 +16908,7 @@
                       <a:headEnd type="none" w="med" len="med"/>
                       <a:tailEnd type="none" w="med" len="med"/>
                     </a:lnT>
-                    <a:lnB w="3175" cap="flat" cmpd="sng" algn="ctr">
+                    <a:lnB w="6350" cap="flat" cmpd="sng" algn="ctr">
                       <a:solidFill>
                         <a:srgbClr val="008666"/>
                       </a:solidFill>
@@ -14299,6 +16917,7 @@
                       <a:headEnd type="none" w="med" len="med"/>
                       <a:tailEnd type="none" w="med" len="med"/>
                     </a:lnB>
+                    <a:noFill/>
                   </a:tcPr>
                 </a:tc>
                 <a:tc>
@@ -14306,21 +16925,21 @@
                     <a:bodyPr/>
                     <a:lstStyle/>
                     <a:p>
-                      <a:pPr algn="ctr" fontAlgn="ctr"/>
+                      <a:pPr algn="ctr" rtl="0" fontAlgn="ctr"/>
                       <a:r>
-                        <a:rPr lang="pt-BR" sz="1000" b="0" i="0" u="none" strike="noStrike" dirty="0">
+                        <a:rPr lang="pt-BR" sz="1100" b="0" i="0" u="none" strike="noStrike" dirty="0">
                           <a:solidFill>
                             <a:srgbClr val="000000"/>
                           </a:solidFill>
                           <a:effectLst/>
                           <a:latin typeface="Arial" panose="020B0604020202020204" pitchFamily="34" charset="0"/>
                         </a:rPr>
-                        <a:t> R$ 6,037 </a:t>
+                        <a:t>R$ 6,04</a:t>
                       </a:r>
                     </a:p>
                   </a:txBody>
                   <a:tcPr marL="9525" marR="9525" marT="9525" marB="0" anchor="ctr">
-                    <a:lnL w="3175" cap="flat" cmpd="sng" algn="ctr">
+                    <a:lnL w="6350" cap="flat" cmpd="sng" algn="ctr">
                       <a:solidFill>
                         <a:srgbClr val="008666"/>
                       </a:solidFill>
@@ -14329,7 +16948,7 @@
                       <a:headEnd type="none" w="med" len="med"/>
                       <a:tailEnd type="none" w="med" len="med"/>
                     </a:lnL>
-                    <a:lnR w="3175" cap="flat" cmpd="sng" algn="ctr">
+                    <a:lnR w="12700" cap="flat" cmpd="sng" algn="ctr">
                       <a:solidFill>
                         <a:srgbClr val="008666"/>
                       </a:solidFill>
@@ -14338,7 +16957,7 @@
                       <a:headEnd type="none" w="med" len="med"/>
                       <a:tailEnd type="none" w="med" len="med"/>
                     </a:lnR>
-                    <a:lnT w="3175" cap="flat" cmpd="sng" algn="ctr">
+                    <a:lnT w="6350" cap="flat" cmpd="sng" algn="ctr">
                       <a:solidFill>
                         <a:srgbClr val="008666"/>
                       </a:solidFill>
@@ -14347,7 +16966,7 @@
                       <a:headEnd type="none" w="med" len="med"/>
                       <a:tailEnd type="none" w="med" len="med"/>
                     </a:lnT>
-                    <a:lnB w="3175" cap="flat" cmpd="sng" algn="ctr">
+                    <a:lnB w="6350" cap="flat" cmpd="sng" algn="ctr">
                       <a:solidFill>
                         <a:srgbClr val="008666"/>
                       </a:solidFill>
@@ -14356,6 +16975,7 @@
                       <a:headEnd type="none" w="med" len="med"/>
                       <a:tailEnd type="none" w="med" len="med"/>
                     </a:lnB>
+                    <a:noFill/>
                   </a:tcPr>
                 </a:tc>
                 <a:tc>
@@ -14363,21 +16983,278 @@
                     <a:bodyPr/>
                     <a:lstStyle/>
                     <a:p>
-                      <a:pPr algn="ctr" fontAlgn="ctr"/>
+                      <a:pPr algn="l" fontAlgn="b"/>
+                      <a:endParaRPr lang="pt-BR" sz="1100" b="0" i="0" u="none" strike="noStrike" dirty="0">
+                        <a:solidFill>
+                          <a:srgbClr val="000000"/>
+                        </a:solidFill>
+                        <a:effectLst/>
+                        <a:latin typeface="Calibri" panose="020F0502020204030204" pitchFamily="34" charset="0"/>
+                      </a:endParaRPr>
+                    </a:p>
+                  </a:txBody>
+                  <a:tcPr marL="9525" marR="9525" marT="9525" marB="0" anchor="b">
+                    <a:lnL w="12700" cap="flat" cmpd="sng" algn="ctr">
+                      <a:solidFill>
+                        <a:srgbClr val="008666"/>
+                      </a:solidFill>
+                      <a:prstDash val="solid"/>
+                      <a:round/>
+                      <a:headEnd type="none" w="med" len="med"/>
+                      <a:tailEnd type="none" w="med" len="med"/>
+                    </a:lnL>
+                    <a:lnR>
+                      <a:noFill/>
+                    </a:lnR>
+                    <a:lnT w="12700" cap="flat" cmpd="sng" algn="ctr">
+                      <a:solidFill>
+                        <a:srgbClr val="008666"/>
+                      </a:solidFill>
+                      <a:prstDash val="solid"/>
+                      <a:round/>
+                      <a:headEnd type="none" w="med" len="med"/>
+                      <a:tailEnd type="none" w="med" len="med"/>
+                    </a:lnT>
+                    <a:lnB>
+                      <a:noFill/>
+                    </a:lnB>
+                    <a:noFill/>
+                  </a:tcPr>
+                </a:tc>
+                <a:tc>
+                  <a:txBody>
+                    <a:bodyPr/>
+                    <a:lstStyle/>
+                    <a:p>
+                      <a:pPr algn="l" fontAlgn="b"/>
+                      <a:endParaRPr lang="pt-BR" sz="1100" b="0" i="0" u="none" strike="noStrike">
+                        <a:solidFill>
+                          <a:srgbClr val="000000"/>
+                        </a:solidFill>
+                        <a:effectLst/>
+                        <a:latin typeface="Calibri" panose="020F0502020204030204" pitchFamily="34" charset="0"/>
+                      </a:endParaRPr>
+                    </a:p>
+                  </a:txBody>
+                  <a:tcPr marL="9525" marR="9525" marT="9525" marB="0" anchor="b">
+                    <a:lnL>
+                      <a:noFill/>
+                    </a:lnL>
+                    <a:lnR>
+                      <a:noFill/>
+                    </a:lnR>
+                    <a:lnT w="12700" cap="flat" cmpd="sng" algn="ctr">
+                      <a:solidFill>
+                        <a:srgbClr val="008666"/>
+                      </a:solidFill>
+                      <a:prstDash val="solid"/>
+                      <a:round/>
+                      <a:headEnd type="none" w="med" len="med"/>
+                      <a:tailEnd type="none" w="med" len="med"/>
+                    </a:lnT>
+                    <a:lnB>
+                      <a:noFill/>
+                    </a:lnB>
+                    <a:noFill/>
+                  </a:tcPr>
+                </a:tc>
+                <a:tc>
+                  <a:txBody>
+                    <a:bodyPr/>
+                    <a:lstStyle/>
+                    <a:p>
+                      <a:pPr algn="l" fontAlgn="b"/>
+                      <a:endParaRPr lang="pt-BR" sz="1100" b="0" i="0" u="none" strike="noStrike">
+                        <a:solidFill>
+                          <a:srgbClr val="000000"/>
+                        </a:solidFill>
+                        <a:effectLst/>
+                        <a:latin typeface="Calibri" panose="020F0502020204030204" pitchFamily="34" charset="0"/>
+                      </a:endParaRPr>
+                    </a:p>
+                  </a:txBody>
+                  <a:tcPr marL="9525" marR="9525" marT="9525" marB="0" anchor="b">
+                    <a:lnL>
+                      <a:noFill/>
+                    </a:lnL>
+                    <a:lnR>
+                      <a:noFill/>
+                    </a:lnR>
+                    <a:lnT w="12700" cap="flat" cmpd="sng" algn="ctr">
+                      <a:solidFill>
+                        <a:srgbClr val="008666"/>
+                      </a:solidFill>
+                      <a:prstDash val="solid"/>
+                      <a:round/>
+                      <a:headEnd type="none" w="med" len="med"/>
+                      <a:tailEnd type="none" w="med" len="med"/>
+                    </a:lnT>
+                    <a:lnB>
+                      <a:noFill/>
+                    </a:lnB>
+                    <a:noFill/>
+                  </a:tcPr>
+                </a:tc>
+                <a:extLst>
+                  <a:ext uri="{0D108BD9-81ED-4DB2-BD59-A6C34878D82A}">
+                    <a16:rowId xmlns:a16="http://schemas.microsoft.com/office/drawing/2014/main" val="3405652356"/>
+                  </a:ext>
+                </a:extLst>
+              </a:tr>
+              <a:tr h="400050">
+                <a:tc gridSpan="2">
+                  <a:txBody>
+                    <a:bodyPr/>
+                    <a:lstStyle/>
+                    <a:p>
+                      <a:pPr algn="ctr" rtl="0" fontAlgn="b"/>
                       <a:r>
-                        <a:rPr lang="pt-BR" sz="1000" b="0" i="0" u="none" strike="noStrike" dirty="0">
+                        <a:rPr lang="pt-BR" sz="1000" b="1" i="0" u="none" strike="noStrike">
+                          <a:solidFill>
+                            <a:srgbClr val="FFFFFF"/>
+                          </a:solidFill>
+                          <a:effectLst/>
+                          <a:highlight>
+                            <a:srgbClr val="008666"/>
+                          </a:highlight>
+                          <a:latin typeface="Arial" panose="020B0604020202020204" pitchFamily="34" charset="0"/>
+                        </a:rPr>
+                        <a:t>ARIMA/Prev. Anterior</a:t>
+                      </a:r>
+                    </a:p>
+                  </a:txBody>
+                  <a:tcPr marL="9525" marR="9525" marT="9525" marB="0" anchor="b">
+                    <a:lnL w="12700" cap="flat" cmpd="sng" algn="ctr">
+                      <a:solidFill>
+                        <a:srgbClr val="FFFFFF"/>
+                      </a:solidFill>
+                      <a:prstDash val="solid"/>
+                      <a:round/>
+                      <a:headEnd type="none" w="med" len="med"/>
+                      <a:tailEnd type="none" w="med" len="med"/>
+                    </a:lnL>
+                    <a:lnR w="12700" cap="flat" cmpd="sng" algn="ctr">
+                      <a:solidFill>
+                        <a:srgbClr val="008666"/>
+                      </a:solidFill>
+                      <a:prstDash val="solid"/>
+                      <a:round/>
+                      <a:headEnd type="none" w="med" len="med"/>
+                      <a:tailEnd type="none" w="med" len="med"/>
+                    </a:lnR>
+                    <a:lnT w="6350" cap="flat" cmpd="sng" algn="ctr">
+                      <a:solidFill>
+                        <a:srgbClr val="008666"/>
+                      </a:solidFill>
+                      <a:prstDash val="solid"/>
+                      <a:round/>
+                      <a:headEnd type="none" w="med" len="med"/>
+                      <a:tailEnd type="none" w="med" len="med"/>
+                    </a:lnT>
+                    <a:lnB w="12700" cap="flat" cmpd="sng" algn="ctr">
+                      <a:solidFill>
+                        <a:srgbClr val="FFFFFF"/>
+                      </a:solidFill>
+                      <a:prstDash val="solid"/>
+                      <a:round/>
+                      <a:headEnd type="none" w="med" len="med"/>
+                      <a:tailEnd type="none" w="med" len="med"/>
+                    </a:lnB>
+                    <a:solidFill>
+                      <a:srgbClr val="008666"/>
+                    </a:solidFill>
+                  </a:tcPr>
+                </a:tc>
+                <a:tc hMerge="1">
+                  <a:txBody>
+                    <a:bodyPr/>
+                    <a:lstStyle/>
+                    <a:p>
+                      <a:endParaRPr lang="pt-BR"/>
+                    </a:p>
+                  </a:txBody>
+                  <a:tcPr/>
+                </a:tc>
+                <a:tc>
+                  <a:txBody>
+                    <a:bodyPr/>
+                    <a:lstStyle/>
+                    <a:p>
+                      <a:pPr algn="ctr" rtl="0" fontAlgn="ctr"/>
+                      <a:r>
+                        <a:rPr lang="pt-BR" sz="1100" b="0" i="0" u="none" strike="noStrike" dirty="0">
+                          <a:solidFill>
+                            <a:srgbClr val="9C0006"/>
+                          </a:solidFill>
+                          <a:effectLst/>
+                          <a:latin typeface="Arial" panose="020B0604020202020204" pitchFamily="34" charset="0"/>
+                        </a:rPr>
+                        <a:t>-0,50%</a:t>
+                      </a:r>
+                    </a:p>
+                  </a:txBody>
+                  <a:tcPr marL="9525" marR="9525" marT="9525" marB="0" anchor="ctr">
+                    <a:lnL w="12700" cap="flat" cmpd="sng" algn="ctr">
+                      <a:solidFill>
+                        <a:srgbClr val="008666"/>
+                      </a:solidFill>
+                      <a:prstDash val="solid"/>
+                      <a:round/>
+                      <a:headEnd type="none" w="med" len="med"/>
+                      <a:tailEnd type="none" w="med" len="med"/>
+                    </a:lnL>
+                    <a:lnR w="6350" cap="flat" cmpd="sng" algn="ctr">
+                      <a:solidFill>
+                        <a:srgbClr val="008666"/>
+                      </a:solidFill>
+                      <a:prstDash val="solid"/>
+                      <a:round/>
+                      <a:headEnd type="none" w="med" len="med"/>
+                      <a:tailEnd type="none" w="med" len="med"/>
+                    </a:lnR>
+                    <a:lnT w="6350" cap="flat" cmpd="sng" algn="ctr">
+                      <a:solidFill>
+                        <a:srgbClr val="008666"/>
+                      </a:solidFill>
+                      <a:prstDash val="solid"/>
+                      <a:round/>
+                      <a:headEnd type="none" w="med" len="med"/>
+                      <a:tailEnd type="none" w="med" len="med"/>
+                    </a:lnT>
+                    <a:lnB w="12700" cap="flat" cmpd="sng" algn="ctr">
+                      <a:solidFill>
+                        <a:srgbClr val="008666"/>
+                      </a:solidFill>
+                      <a:prstDash val="solid"/>
+                      <a:round/>
+                      <a:headEnd type="none" w="med" len="med"/>
+                      <a:tailEnd type="none" w="med" len="med"/>
+                    </a:lnB>
+                    <a:solidFill>
+                      <a:schemeClr val="bg1"/>
+                    </a:solidFill>
+                  </a:tcPr>
+                </a:tc>
+                <a:tc>
+                  <a:txBody>
+                    <a:bodyPr/>
+                    <a:lstStyle/>
+                    <a:p>
+                      <a:pPr algn="ctr" rtl="0" fontAlgn="ctr"/>
+                      <a:r>
+                        <a:rPr lang="pt-BR" sz="1100" b="0" i="0" u="none" strike="noStrike">
                           <a:solidFill>
                             <a:srgbClr val="000000"/>
                           </a:solidFill>
                           <a:effectLst/>
                           <a:latin typeface="Arial" panose="020B0604020202020204" pitchFamily="34" charset="0"/>
                         </a:rPr>
-                        <a:t>12,7%</a:t>
+                        <a:t>3,60%</a:t>
                       </a:r>
                     </a:p>
                   </a:txBody>
                   <a:tcPr marL="9525" marR="9525" marT="9525" marB="0" anchor="ctr">
-                    <a:lnL w="3175" cap="flat" cmpd="sng" algn="ctr">
+                    <a:lnL w="6350" cap="flat" cmpd="sng" algn="ctr">
                       <a:solidFill>
                         <a:srgbClr val="008666"/>
                       </a:solidFill>
@@ -14386,7 +17263,7 @@
                       <a:headEnd type="none" w="med" len="med"/>
                       <a:tailEnd type="none" w="med" len="med"/>
                     </a:lnL>
-                    <a:lnR w="3175" cap="flat" cmpd="sng" algn="ctr">
+                    <a:lnR w="6350" cap="flat" cmpd="sng" algn="ctr">
                       <a:solidFill>
                         <a:srgbClr val="008666"/>
                       </a:solidFill>
@@ -14395,7 +17272,7 @@
                       <a:headEnd type="none" w="med" len="med"/>
                       <a:tailEnd type="none" w="med" len="med"/>
                     </a:lnR>
-                    <a:lnT w="3175" cap="flat" cmpd="sng" algn="ctr">
+                    <a:lnT w="6350" cap="flat" cmpd="sng" algn="ctr">
                       <a:solidFill>
                         <a:srgbClr val="008666"/>
                       </a:solidFill>
@@ -14404,7 +17281,7 @@
                       <a:headEnd type="none" w="med" len="med"/>
                       <a:tailEnd type="none" w="med" len="med"/>
                     </a:lnT>
-                    <a:lnB w="3175" cap="flat" cmpd="sng" algn="ctr">
+                    <a:lnB w="12700" cap="flat" cmpd="sng" algn="ctr">
                       <a:solidFill>
                         <a:srgbClr val="008666"/>
                       </a:solidFill>
@@ -14413,11 +17290,227 @@
                       <a:headEnd type="none" w="med" len="med"/>
                       <a:tailEnd type="none" w="med" len="med"/>
                     </a:lnB>
+                    <a:noFill/>
+                  </a:tcPr>
+                </a:tc>
+                <a:tc>
+                  <a:txBody>
+                    <a:bodyPr/>
+                    <a:lstStyle/>
+                    <a:p>
+                      <a:pPr algn="ctr" rtl="0" fontAlgn="ctr"/>
+                      <a:r>
+                        <a:rPr lang="pt-BR" sz="1100" b="0" i="0" u="none" strike="noStrike" dirty="0">
+                          <a:solidFill>
+                            <a:srgbClr val="000000"/>
+                          </a:solidFill>
+                          <a:effectLst/>
+                          <a:latin typeface="Arial" panose="020B0604020202020204" pitchFamily="34" charset="0"/>
+                        </a:rPr>
+                        <a:t>9,30%</a:t>
+                      </a:r>
+                    </a:p>
+                  </a:txBody>
+                  <a:tcPr marL="9525" marR="9525" marT="9525" marB="0" anchor="ctr">
+                    <a:lnL w="6350" cap="flat" cmpd="sng" algn="ctr">
+                      <a:solidFill>
+                        <a:srgbClr val="008666"/>
+                      </a:solidFill>
+                      <a:prstDash val="solid"/>
+                      <a:round/>
+                      <a:headEnd type="none" w="med" len="med"/>
+                      <a:tailEnd type="none" w="med" len="med"/>
+                    </a:lnL>
+                    <a:lnR w="6350" cap="flat" cmpd="sng" algn="ctr">
+                      <a:solidFill>
+                        <a:srgbClr val="008666"/>
+                      </a:solidFill>
+                      <a:prstDash val="solid"/>
+                      <a:round/>
+                      <a:headEnd type="none" w="med" len="med"/>
+                      <a:tailEnd type="none" w="med" len="med"/>
+                    </a:lnR>
+                    <a:lnT w="6350" cap="flat" cmpd="sng" algn="ctr">
+                      <a:solidFill>
+                        <a:srgbClr val="008666"/>
+                      </a:solidFill>
+                      <a:prstDash val="solid"/>
+                      <a:round/>
+                      <a:headEnd type="none" w="med" len="med"/>
+                      <a:tailEnd type="none" w="med" len="med"/>
+                    </a:lnT>
+                    <a:lnB w="12700" cap="flat" cmpd="sng" algn="ctr">
+                      <a:solidFill>
+                        <a:srgbClr val="008666"/>
+                      </a:solidFill>
+                      <a:prstDash val="solid"/>
+                      <a:round/>
+                      <a:headEnd type="none" w="med" len="med"/>
+                      <a:tailEnd type="none" w="med" len="med"/>
+                    </a:lnB>
+                    <a:noFill/>
+                  </a:tcPr>
+                </a:tc>
+                <a:tc>
+                  <a:txBody>
+                    <a:bodyPr/>
+                    <a:lstStyle/>
+                    <a:p>
+                      <a:pPr algn="ctr" rtl="0" fontAlgn="ctr"/>
+                      <a:r>
+                        <a:rPr lang="pt-BR" sz="1100" b="0" i="0" u="none" strike="noStrike" dirty="0">
+                          <a:solidFill>
+                            <a:srgbClr val="000000"/>
+                          </a:solidFill>
+                          <a:effectLst/>
+                          <a:latin typeface="Arial" panose="020B0604020202020204" pitchFamily="34" charset="0"/>
+                        </a:rPr>
+                        <a:t>12,70%</a:t>
+                      </a:r>
+                    </a:p>
+                  </a:txBody>
+                  <a:tcPr marL="9525" marR="9525" marT="9525" marB="0" anchor="ctr">
+                    <a:lnL w="6350" cap="flat" cmpd="sng" algn="ctr">
+                      <a:solidFill>
+                        <a:srgbClr val="008666"/>
+                      </a:solidFill>
+                      <a:prstDash val="solid"/>
+                      <a:round/>
+                      <a:headEnd type="none" w="med" len="med"/>
+                      <a:tailEnd type="none" w="med" len="med"/>
+                    </a:lnL>
+                    <a:lnR w="12700" cap="flat" cmpd="sng" algn="ctr">
+                      <a:solidFill>
+                        <a:srgbClr val="008666"/>
+                      </a:solidFill>
+                      <a:prstDash val="solid"/>
+                      <a:round/>
+                      <a:headEnd type="none" w="med" len="med"/>
+                      <a:tailEnd type="none" w="med" len="med"/>
+                    </a:lnR>
+                    <a:lnT w="6350" cap="flat" cmpd="sng" algn="ctr">
+                      <a:solidFill>
+                        <a:srgbClr val="008666"/>
+                      </a:solidFill>
+                      <a:prstDash val="solid"/>
+                      <a:round/>
+                      <a:headEnd type="none" w="med" len="med"/>
+                      <a:tailEnd type="none" w="med" len="med"/>
+                    </a:lnT>
+                    <a:lnB w="12700" cap="flat" cmpd="sng" algn="ctr">
+                      <a:solidFill>
+                        <a:srgbClr val="008666"/>
+                      </a:solidFill>
+                      <a:prstDash val="solid"/>
+                      <a:round/>
+                      <a:headEnd type="none" w="med" len="med"/>
+                      <a:tailEnd type="none" w="med" len="med"/>
+                    </a:lnB>
+                    <a:noFill/>
+                  </a:tcPr>
+                </a:tc>
+                <a:tc>
+                  <a:txBody>
+                    <a:bodyPr/>
+                    <a:lstStyle/>
+                    <a:p>
+                      <a:pPr algn="l" fontAlgn="b"/>
+                      <a:endParaRPr lang="pt-BR" sz="1100" b="0" i="0" u="none" strike="noStrike" dirty="0">
+                        <a:solidFill>
+                          <a:srgbClr val="000000"/>
+                        </a:solidFill>
+                        <a:effectLst/>
+                        <a:latin typeface="Calibri" panose="020F0502020204030204" pitchFamily="34" charset="0"/>
+                      </a:endParaRPr>
+                    </a:p>
+                  </a:txBody>
+                  <a:tcPr marL="9525" marR="9525" marT="9525" marB="0" anchor="b">
+                    <a:lnL w="12700" cap="flat" cmpd="sng" algn="ctr">
+                      <a:solidFill>
+                        <a:srgbClr val="008666"/>
+                      </a:solidFill>
+                      <a:prstDash val="solid"/>
+                      <a:round/>
+                      <a:headEnd type="none" w="med" len="med"/>
+                      <a:tailEnd type="none" w="med" len="med"/>
+                    </a:lnL>
+                    <a:lnR>
+                      <a:noFill/>
+                    </a:lnR>
+                    <a:lnT>
+                      <a:noFill/>
+                    </a:lnT>
+                    <a:lnB>
+                      <a:noFill/>
+                    </a:lnB>
+                    <a:noFill/>
+                  </a:tcPr>
+                </a:tc>
+                <a:tc>
+                  <a:txBody>
+                    <a:bodyPr/>
+                    <a:lstStyle/>
+                    <a:p>
+                      <a:pPr algn="l" fontAlgn="b"/>
+                      <a:endParaRPr lang="pt-BR" sz="1100" b="0" i="0" u="none" strike="noStrike" dirty="0">
+                        <a:solidFill>
+                          <a:srgbClr val="000000"/>
+                        </a:solidFill>
+                        <a:effectLst/>
+                        <a:latin typeface="Calibri" panose="020F0502020204030204" pitchFamily="34" charset="0"/>
+                      </a:endParaRPr>
+                    </a:p>
+                  </a:txBody>
+                  <a:tcPr marL="9525" marR="9525" marT="9525" marB="0" anchor="b">
+                    <a:lnL>
+                      <a:noFill/>
+                    </a:lnL>
+                    <a:lnR>
+                      <a:noFill/>
+                    </a:lnR>
+                    <a:lnT>
+                      <a:noFill/>
+                    </a:lnT>
+                    <a:lnB>
+                      <a:noFill/>
+                    </a:lnB>
+                    <a:noFill/>
+                  </a:tcPr>
+                </a:tc>
+                <a:tc>
+                  <a:txBody>
+                    <a:bodyPr/>
+                    <a:lstStyle/>
+                    <a:p>
+                      <a:pPr algn="l" fontAlgn="b"/>
+                      <a:endParaRPr lang="pt-BR" sz="1100" b="0" i="0" u="none" strike="noStrike" dirty="0">
+                        <a:solidFill>
+                          <a:srgbClr val="000000"/>
+                        </a:solidFill>
+                        <a:effectLst/>
+                        <a:latin typeface="Calibri" panose="020F0502020204030204" pitchFamily="34" charset="0"/>
+                      </a:endParaRPr>
+                    </a:p>
+                  </a:txBody>
+                  <a:tcPr marL="9525" marR="9525" marT="9525" marB="0" anchor="b">
+                    <a:lnL>
+                      <a:noFill/>
+                    </a:lnL>
+                    <a:lnR>
+                      <a:noFill/>
+                    </a:lnR>
+                    <a:lnT>
+                      <a:noFill/>
+                    </a:lnT>
+                    <a:lnB>
+                      <a:noFill/>
+                    </a:lnB>
+                    <a:noFill/>
                   </a:tcPr>
                 </a:tc>
                 <a:extLst>
                   <a:ext uri="{0D108BD9-81ED-4DB2-BD59-A6C34878D82A}">
-                    <a16:rowId xmlns:a16="http://schemas.microsoft.com/office/drawing/2014/main" val="1952217232"/>
+                    <a16:rowId xmlns:a16="http://schemas.microsoft.com/office/drawing/2014/main" val="1613693460"/>
                   </a:ext>
                 </a:extLst>
               </a:tr>
@@ -14425,67 +17518,6 @@
           </a:graphicData>
         </a:graphic>
       </p:graphicFrame>
-      <p:sp>
-        <p:nvSpPr>
-          <p:cNvPr id="9" name="Balão de Fala: Retângulo com Cantos Arredondados 8">
-            <a:extLst>
-              <a:ext uri="{FF2B5EF4-FFF2-40B4-BE49-F238E27FC236}">
-                <a16:creationId xmlns:a16="http://schemas.microsoft.com/office/drawing/2014/main" id="{B6B06DD4-67AA-48F9-AEAB-3D37461298FC}"/>
-              </a:ext>
-            </a:extLst>
-          </p:cNvPr>
-          <p:cNvSpPr/>
-          <p:nvPr/>
-        </p:nvSpPr>
-        <p:spPr>
-          <a:xfrm>
-            <a:off x="6980389" y="3921968"/>
-            <a:ext cx="4899024" cy="1371602"/>
-          </a:xfrm>
-          <a:prstGeom prst="wedgeRoundRectCallout">
-            <a:avLst>
-              <a:gd name="adj1" fmla="val 6970"/>
-              <a:gd name="adj2" fmla="val -150134"/>
-              <a:gd name="adj3" fmla="val 16667"/>
-            </a:avLst>
-          </a:prstGeom>
-          <a:solidFill>
-            <a:srgbClr val="008666"/>
-          </a:solidFill>
-          <a:ln>
-            <a:solidFill>
-              <a:srgbClr val="008666"/>
-            </a:solidFill>
-          </a:ln>
-        </p:spPr>
-        <p:style>
-          <a:lnRef idx="2">
-            <a:schemeClr val="accent1">
-              <a:shade val="50000"/>
-            </a:schemeClr>
-          </a:lnRef>
-          <a:fillRef idx="1">
-            <a:schemeClr val="accent1"/>
-          </a:fillRef>
-          <a:effectRef idx="0">
-            <a:schemeClr val="accent1"/>
-          </a:effectRef>
-          <a:fontRef idx="minor">
-            <a:schemeClr val="lt1"/>
-          </a:fontRef>
-        </p:style>
-        <p:txBody>
-          <a:bodyPr rtlCol="0" anchor="ctr"/>
-          <a:lstStyle/>
-          <a:p>
-            <a:pPr algn="ctr"/>
-            <a:r>
-              <a:rPr lang="pt-BR" dirty="0"/>
-              <a:t>Escrever algo</a:t>
-            </a:r>
-          </a:p>
-        </p:txBody>
-      </p:sp>
     </p:spTree>
     <p:extLst>
       <p:ext uri="{BB962C8B-B14F-4D97-AF65-F5344CB8AC3E}">
